--- a/ШАБЛОН.pptx
+++ b/ШАБЛОН.pptx
@@ -254,7 +254,7 @@
           <a:p>
             <a:fld id="{4AAD347D-5ACD-4C99-B74B-A9C85AD731AF}" type="datetimeFigureOut">
               <a:rPr lang="en-US" smtClean="0"/>
-              <a:t>3/5/2025</a:t>
+              <a:t>3/6/2025</a:t>
             </a:fld>
             <a:endParaRPr lang="en-US" dirty="0"/>
           </a:p>
@@ -424,7 +424,7 @@
           <a:p>
             <a:fld id="{4509A250-FF31-4206-8172-F9D3106AACB1}" type="datetimeFigureOut">
               <a:rPr lang="en-US" smtClean="0"/>
-              <a:t>3/5/2025</a:t>
+              <a:t>3/6/2025</a:t>
             </a:fld>
             <a:endParaRPr lang="en-US" dirty="0"/>
           </a:p>
@@ -604,7 +604,7 @@
           <a:p>
             <a:fld id="{4509A250-FF31-4206-8172-F9D3106AACB1}" type="datetimeFigureOut">
               <a:rPr lang="en-US" smtClean="0"/>
-              <a:t>3/5/2025</a:t>
+              <a:t>3/6/2025</a:t>
             </a:fld>
             <a:endParaRPr lang="en-US" dirty="0"/>
           </a:p>
@@ -774,7 +774,7 @@
           <a:p>
             <a:fld id="{9796027F-7875-4030-9381-8BD8C4F21935}" type="datetimeFigureOut">
               <a:rPr lang="en-US" smtClean="0"/>
-              <a:t>3/5/2025</a:t>
+              <a:t>3/6/2025</a:t>
             </a:fld>
             <a:endParaRPr lang="en-US" dirty="0"/>
           </a:p>
@@ -1018,7 +1018,7 @@
           <a:p>
             <a:fld id="{9796027F-7875-4030-9381-8BD8C4F21935}" type="datetimeFigureOut">
               <a:rPr lang="en-US" smtClean="0"/>
-              <a:t>3/5/2025</a:t>
+              <a:t>3/6/2025</a:t>
             </a:fld>
             <a:endParaRPr lang="en-US" dirty="0"/>
           </a:p>
@@ -1250,7 +1250,7 @@
           <a:p>
             <a:fld id="{9796027F-7875-4030-9381-8BD8C4F21935}" type="datetimeFigureOut">
               <a:rPr lang="en-US" smtClean="0"/>
-              <a:t>3/5/2025</a:t>
+              <a:t>3/6/2025</a:t>
             </a:fld>
             <a:endParaRPr lang="en-US" dirty="0"/>
           </a:p>
@@ -1617,7 +1617,7 @@
           <a:p>
             <a:fld id="{9796027F-7875-4030-9381-8BD8C4F21935}" type="datetimeFigureOut">
               <a:rPr lang="en-US" smtClean="0"/>
-              <a:t>3/5/2025</a:t>
+              <a:t>3/6/2025</a:t>
             </a:fld>
             <a:endParaRPr lang="en-US" dirty="0"/>
           </a:p>
@@ -1735,7 +1735,7 @@
           <a:p>
             <a:fld id="{4509A250-FF31-4206-8172-F9D3106AACB1}" type="datetimeFigureOut">
               <a:rPr lang="en-US" smtClean="0"/>
-              <a:t>3/5/2025</a:t>
+              <a:t>3/6/2025</a:t>
             </a:fld>
             <a:endParaRPr lang="en-US" dirty="0"/>
           </a:p>
@@ -1830,7 +1830,7 @@
           <a:p>
             <a:fld id="{4509A250-FF31-4206-8172-F9D3106AACB1}" type="datetimeFigureOut">
               <a:rPr lang="en-US" smtClean="0"/>
-              <a:t>3/5/2025</a:t>
+              <a:t>3/6/2025</a:t>
             </a:fld>
             <a:endParaRPr lang="en-US" dirty="0"/>
           </a:p>
@@ -2107,7 +2107,7 @@
           <a:p>
             <a:fld id="{4509A250-FF31-4206-8172-F9D3106AACB1}" type="datetimeFigureOut">
               <a:rPr lang="en-US" smtClean="0"/>
-              <a:t>3/5/2025</a:t>
+              <a:t>3/6/2025</a:t>
             </a:fld>
             <a:endParaRPr lang="en-US" dirty="0"/>
           </a:p>
@@ -2364,7 +2364,7 @@
           <a:p>
             <a:fld id="{4509A250-FF31-4206-8172-F9D3106AACB1}" type="datetimeFigureOut">
               <a:rPr lang="en-US" smtClean="0"/>
-              <a:t>3/5/2025</a:t>
+              <a:t>3/6/2025</a:t>
             </a:fld>
             <a:endParaRPr lang="en-US" dirty="0"/>
           </a:p>
@@ -2577,7 +2577,7 @@
           <a:p>
             <a:fld id="{4AAD347D-5ACD-4C99-B74B-A9C85AD731AF}" type="datetimeFigureOut">
               <a:rPr lang="en-US" smtClean="0"/>
-              <a:t>3/5/2025</a:t>
+              <a:t>3/6/2025</a:t>
             </a:fld>
             <a:endParaRPr lang="en-US" dirty="0"/>
           </a:p>
@@ -3089,14 +3089,14 @@
           <p:nvPr>
             <p:extLst>
               <p:ext uri="{D42A27DB-BD31-4B8C-83A1-F6EECF244321}">
-                <p14:modId xmlns:p14="http://schemas.microsoft.com/office/powerpoint/2010/main" val="2005176913"/>
+                <p14:modId xmlns:p14="http://schemas.microsoft.com/office/powerpoint/2010/main" val="265201931"/>
               </p:ext>
             </p:extLst>
           </p:nvPr>
         </p:nvGraphicFramePr>
         <p:xfrm>
           <a:off x="0" y="561582"/>
-          <a:ext cx="6858002" cy="797560"/>
+          <a:ext cx="6858002" cy="899984"/>
         </p:xfrm>
         <a:graphic>
           <a:graphicData uri="http://schemas.openxmlformats.org/drawingml/2006/table">
@@ -3134,7 +3134,7 @@
                   </a:extLst>
                 </a:gridCol>
               </a:tblGrid>
-              <a:tr h="370840">
+              <a:tr h="481520">
                 <a:tc>
                   <a:txBody>
                     <a:bodyPr/>
@@ -3261,7 +3261,7 @@
                   </a:ext>
                 </a:extLst>
               </a:tr>
-              <a:tr h="370840">
+              <a:tr h="418464">
                 <a:tc>
                   <a:txBody>
                     <a:bodyPr/>
@@ -3355,14 +3355,14 @@
           <p:nvPr>
             <p:extLst>
               <p:ext uri="{D42A27DB-BD31-4B8C-83A1-F6EECF244321}">
-                <p14:modId xmlns:p14="http://schemas.microsoft.com/office/powerpoint/2010/main" val="1386819439"/>
+                <p14:modId xmlns:p14="http://schemas.microsoft.com/office/powerpoint/2010/main" val="3433862811"/>
               </p:ext>
             </p:extLst>
           </p:nvPr>
         </p:nvGraphicFramePr>
         <p:xfrm>
-          <a:off x="0" y="1380744"/>
-          <a:ext cx="6858000" cy="2113280"/>
+          <a:off x="0" y="1478280"/>
+          <a:ext cx="6858000" cy="2001520"/>
         </p:xfrm>
         <a:graphic>
           <a:graphicData uri="http://schemas.openxmlformats.org/drawingml/2006/table">
@@ -3392,14 +3392,14 @@
                     </a:ext>
                   </a:extLst>
                 </a:gridCol>
-                <a:gridCol w="1511808">
+                <a:gridCol w="1487424">
                   <a:extLst>
                     <a:ext uri="{9D8B030D-6E8A-4147-A177-3AD203B41FA5}">
                       <a16:colId xmlns:a16="http://schemas.microsoft.com/office/drawing/2014/main" val="3500182526"/>
                     </a:ext>
                   </a:extLst>
                 </a:gridCol>
-                <a:gridCol w="890016">
+                <a:gridCol w="914400">
                   <a:extLst>
                     <a:ext uri="{9D8B030D-6E8A-4147-A177-3AD203B41FA5}">
                       <a16:colId xmlns:a16="http://schemas.microsoft.com/office/drawing/2014/main" val="2614920181"/>
@@ -3698,7 +3698,7 @@
                   </a:ext>
                 </a:extLst>
               </a:tr>
-              <a:tr h="370840">
+              <a:tr h="255016">
                 <a:tc rowSpan="2">
                   <a:txBody>
                     <a:bodyPr/>
@@ -8303,7 +8303,7 @@
 <file path=ppt/theme/theme1.xml><?xml version="1.0" encoding="utf-8"?>
 <a:theme xmlns:a="http://schemas.openxmlformats.org/drawingml/2006/main" name="Тема Office 2013–2022">
   <a:themeElements>
-    <a:clrScheme name="Тема Office 2013–2022">
+    <a:clrScheme name="Серая">
       <a:dk1>
         <a:sysClr val="windowText" lastClr="000000"/>
       </a:dk1>
@@ -8311,34 +8311,34 @@
         <a:sysClr val="window" lastClr="FFFFFF"/>
       </a:lt1>
       <a:dk2>
-        <a:srgbClr val="44546A"/>
+        <a:srgbClr val="000000"/>
       </a:dk2>
       <a:lt2>
-        <a:srgbClr val="E7E6E6"/>
+        <a:srgbClr val="F8F8F8"/>
       </a:lt2>
       <a:accent1>
-        <a:srgbClr val="4472C4"/>
+        <a:srgbClr val="DDDDDD"/>
       </a:accent1>
       <a:accent2>
-        <a:srgbClr val="ED7D31"/>
+        <a:srgbClr val="B2B2B2"/>
       </a:accent2>
       <a:accent3>
-        <a:srgbClr val="A5A5A5"/>
+        <a:srgbClr val="969696"/>
       </a:accent3>
       <a:accent4>
-        <a:srgbClr val="FFC000"/>
+        <a:srgbClr val="808080"/>
       </a:accent4>
       <a:accent5>
-        <a:srgbClr val="5B9BD5"/>
+        <a:srgbClr val="5F5F5F"/>
       </a:accent5>
       <a:accent6>
-        <a:srgbClr val="70AD47"/>
+        <a:srgbClr val="4D4D4D"/>
       </a:accent6>
       <a:hlink>
-        <a:srgbClr val="0563C1"/>
+        <a:srgbClr val="5F5F5F"/>
       </a:hlink>
       <a:folHlink>
-        <a:srgbClr val="954F72"/>
+        <a:srgbClr val="919191"/>
       </a:folHlink>
     </a:clrScheme>
     <a:fontScheme name="Тема Office 2013–2022">

--- a/ШАБЛОН.pptx
+++ b/ШАБЛОН.pptx
@@ -254,7 +254,7 @@
           <a:p>
             <a:fld id="{4AAD347D-5ACD-4C99-B74B-A9C85AD731AF}" type="datetimeFigureOut">
               <a:rPr lang="en-US" smtClean="0"/>
-              <a:t>3/6/2025</a:t>
+              <a:t>3/14/2025</a:t>
             </a:fld>
             <a:endParaRPr lang="en-US" dirty="0"/>
           </a:p>
@@ -424,7 +424,7 @@
           <a:p>
             <a:fld id="{4509A250-FF31-4206-8172-F9D3106AACB1}" type="datetimeFigureOut">
               <a:rPr lang="en-US" smtClean="0"/>
-              <a:t>3/6/2025</a:t>
+              <a:t>3/14/2025</a:t>
             </a:fld>
             <a:endParaRPr lang="en-US" dirty="0"/>
           </a:p>
@@ -604,7 +604,7 @@
           <a:p>
             <a:fld id="{4509A250-FF31-4206-8172-F9D3106AACB1}" type="datetimeFigureOut">
               <a:rPr lang="en-US" smtClean="0"/>
-              <a:t>3/6/2025</a:t>
+              <a:t>3/14/2025</a:t>
             </a:fld>
             <a:endParaRPr lang="en-US" dirty="0"/>
           </a:p>
@@ -774,7 +774,7 @@
           <a:p>
             <a:fld id="{9796027F-7875-4030-9381-8BD8C4F21935}" type="datetimeFigureOut">
               <a:rPr lang="en-US" smtClean="0"/>
-              <a:t>3/6/2025</a:t>
+              <a:t>3/14/2025</a:t>
             </a:fld>
             <a:endParaRPr lang="en-US" dirty="0"/>
           </a:p>
@@ -1018,7 +1018,7 @@
           <a:p>
             <a:fld id="{9796027F-7875-4030-9381-8BD8C4F21935}" type="datetimeFigureOut">
               <a:rPr lang="en-US" smtClean="0"/>
-              <a:t>3/6/2025</a:t>
+              <a:t>3/14/2025</a:t>
             </a:fld>
             <a:endParaRPr lang="en-US" dirty="0"/>
           </a:p>
@@ -1250,7 +1250,7 @@
           <a:p>
             <a:fld id="{9796027F-7875-4030-9381-8BD8C4F21935}" type="datetimeFigureOut">
               <a:rPr lang="en-US" smtClean="0"/>
-              <a:t>3/6/2025</a:t>
+              <a:t>3/14/2025</a:t>
             </a:fld>
             <a:endParaRPr lang="en-US" dirty="0"/>
           </a:p>
@@ -1617,7 +1617,7 @@
           <a:p>
             <a:fld id="{9796027F-7875-4030-9381-8BD8C4F21935}" type="datetimeFigureOut">
               <a:rPr lang="en-US" smtClean="0"/>
-              <a:t>3/6/2025</a:t>
+              <a:t>3/14/2025</a:t>
             </a:fld>
             <a:endParaRPr lang="en-US" dirty="0"/>
           </a:p>
@@ -1735,7 +1735,7 @@
           <a:p>
             <a:fld id="{4509A250-FF31-4206-8172-F9D3106AACB1}" type="datetimeFigureOut">
               <a:rPr lang="en-US" smtClean="0"/>
-              <a:t>3/6/2025</a:t>
+              <a:t>3/14/2025</a:t>
             </a:fld>
             <a:endParaRPr lang="en-US" dirty="0"/>
           </a:p>
@@ -1830,7 +1830,7 @@
           <a:p>
             <a:fld id="{4509A250-FF31-4206-8172-F9D3106AACB1}" type="datetimeFigureOut">
               <a:rPr lang="en-US" smtClean="0"/>
-              <a:t>3/6/2025</a:t>
+              <a:t>3/14/2025</a:t>
             </a:fld>
             <a:endParaRPr lang="en-US" dirty="0"/>
           </a:p>
@@ -2107,7 +2107,7 @@
           <a:p>
             <a:fld id="{4509A250-FF31-4206-8172-F9D3106AACB1}" type="datetimeFigureOut">
               <a:rPr lang="en-US" smtClean="0"/>
-              <a:t>3/6/2025</a:t>
+              <a:t>3/14/2025</a:t>
             </a:fld>
             <a:endParaRPr lang="en-US" dirty="0"/>
           </a:p>
@@ -2364,7 +2364,7 @@
           <a:p>
             <a:fld id="{4509A250-FF31-4206-8172-F9D3106AACB1}" type="datetimeFigureOut">
               <a:rPr lang="en-US" smtClean="0"/>
-              <a:t>3/6/2025</a:t>
+              <a:t>3/14/2025</a:t>
             </a:fld>
             <a:endParaRPr lang="en-US" dirty="0"/>
           </a:p>
@@ -2577,7 +2577,7 @@
           <a:p>
             <a:fld id="{4AAD347D-5ACD-4C99-B74B-A9C85AD731AF}" type="datetimeFigureOut">
               <a:rPr lang="en-US" smtClean="0"/>
-              <a:t>3/6/2025</a:t>
+              <a:t>3/14/2025</a:t>
             </a:fld>
             <a:endParaRPr lang="en-US" dirty="0"/>
           </a:p>
@@ -3014,63 +3014,25 @@
             <a:pPr algn="r"/>
             <a:r>
               <a:rPr lang="ru-RU" sz="3200" b="1" dirty="0">
-                <a:ln w="12700">
+                <a:ln w="10160">
                   <a:solidFill>
-                    <a:schemeClr val="tx2">
-                      <a:lumMod val="75000"/>
-                    </a:schemeClr>
+                    <a:schemeClr val="tx1"/>
                   </a:solidFill>
                   <a:prstDash val="solid"/>
                 </a:ln>
-                <a:pattFill prst="dkUpDiag">
-                  <a:fgClr>
-                    <a:schemeClr val="tx2"/>
-                  </a:fgClr>
-                  <a:bgClr>
-                    <a:schemeClr val="tx2">
-                      <a:lumMod val="20000"/>
-                      <a:lumOff val="80000"/>
-                    </a:schemeClr>
-                  </a:bgClr>
-                </a:pattFill>
+                <a:solidFill>
+                  <a:schemeClr val="bg1"/>
+                </a:solidFill>
                 <a:effectLst>
-                  <a:outerShdw dist="38100" dir="2640000" algn="bl" rotWithShape="0">
-                    <a:schemeClr val="tx2">
-                      <a:lumMod val="75000"/>
-                    </a:schemeClr>
+                  <a:outerShdw blurRad="38100" dist="22860" dir="5400000" algn="tl" rotWithShape="0">
+                    <a:srgbClr val="000000">
+                      <a:alpha val="30000"/>
+                    </a:srgbClr>
                   </a:outerShdw>
                 </a:effectLst>
               </a:rPr>
               <a:t>МАРШРУТНАЯ КАРТА</a:t>
             </a:r>
-            <a:endParaRPr lang="ru-RU" sz="3200" b="1" cap="none" spc="0" dirty="0">
-              <a:ln w="12700">
-                <a:solidFill>
-                  <a:schemeClr val="tx2">
-                    <a:lumMod val="75000"/>
-                  </a:schemeClr>
-                </a:solidFill>
-                <a:prstDash val="solid"/>
-              </a:ln>
-              <a:pattFill prst="dkUpDiag">
-                <a:fgClr>
-                  <a:schemeClr val="tx2"/>
-                </a:fgClr>
-                <a:bgClr>
-                  <a:schemeClr val="tx2">
-                    <a:lumMod val="20000"/>
-                    <a:lumOff val="80000"/>
-                  </a:schemeClr>
-                </a:bgClr>
-              </a:pattFill>
-              <a:effectLst>
-                <a:outerShdw dist="38100" dir="2640000" algn="bl" rotWithShape="0">
-                  <a:schemeClr val="tx2">
-                    <a:lumMod val="75000"/>
-                  </a:schemeClr>
-                </a:outerShdw>
-              </a:effectLst>
-            </a:endParaRPr>
           </a:p>
         </p:txBody>
       </p:sp>
@@ -3089,44 +3051,58 @@
           <p:nvPr>
             <p:extLst>
               <p:ext uri="{D42A27DB-BD31-4B8C-83A1-F6EECF244321}">
-                <p14:modId xmlns:p14="http://schemas.microsoft.com/office/powerpoint/2010/main" val="265201931"/>
+                <p14:modId xmlns:p14="http://schemas.microsoft.com/office/powerpoint/2010/main" val="1837970976"/>
               </p:ext>
             </p:extLst>
           </p:nvPr>
         </p:nvGraphicFramePr>
         <p:xfrm>
-          <a:off x="0" y="561582"/>
-          <a:ext cx="6858002" cy="899984"/>
+          <a:off x="1" y="578128"/>
+          <a:ext cx="6854947" cy="830869"/>
         </p:xfrm>
         <a:graphic>
           <a:graphicData uri="http://schemas.openxmlformats.org/drawingml/2006/table">
             <a:tbl>
               <a:tblPr firstRow="1" bandRow="1">
+                <a:effectLst>
+                  <a:outerShdw blurRad="63500" sx="102000" sy="102000" algn="ctr" rotWithShape="0">
+                    <a:prstClr val="black">
+                      <a:alpha val="40000"/>
+                    </a:prstClr>
+                  </a:outerShdw>
+                </a:effectLst>
                 <a:tableStyleId>{5C22544A-7EE6-4342-B048-85BDC9FD1C3A}</a:tableStyleId>
               </a:tblPr>
               <a:tblGrid>
-                <a:gridCol w="2316480">
+                <a:gridCol w="1767567">
                   <a:extLst>
                     <a:ext uri="{9D8B030D-6E8A-4147-A177-3AD203B41FA5}">
                       <a16:colId xmlns:a16="http://schemas.microsoft.com/office/drawing/2014/main" val="1928705123"/>
                     </a:ext>
                   </a:extLst>
                 </a:gridCol>
-                <a:gridCol w="2596896">
+                <a:gridCol w="2088220">
                   <a:extLst>
                     <a:ext uri="{9D8B030D-6E8A-4147-A177-3AD203B41FA5}">
                       <a16:colId xmlns:a16="http://schemas.microsoft.com/office/drawing/2014/main" val="4120498213"/>
                     </a:ext>
                   </a:extLst>
                 </a:gridCol>
-                <a:gridCol w="914400">
+                <a:gridCol w="1155947">
+                  <a:extLst>
+                    <a:ext uri="{9D8B030D-6E8A-4147-A177-3AD203B41FA5}">
+                      <a16:colId xmlns:a16="http://schemas.microsoft.com/office/drawing/2014/main" val="3251564017"/>
+                    </a:ext>
+                  </a:extLst>
+                </a:gridCol>
+                <a:gridCol w="938366">
                   <a:extLst>
                     <a:ext uri="{9D8B030D-6E8A-4147-A177-3AD203B41FA5}">
                       <a16:colId xmlns:a16="http://schemas.microsoft.com/office/drawing/2014/main" val="1570759852"/>
                     </a:ext>
                   </a:extLst>
                 </a:gridCol>
-                <a:gridCol w="1030226">
+                <a:gridCol w="904847">
                   <a:extLst>
                     <a:ext uri="{9D8B030D-6E8A-4147-A177-3AD203B41FA5}">
                       <a16:colId xmlns:a16="http://schemas.microsoft.com/office/drawing/2014/main" val="2949299295"/>
@@ -3134,7 +3110,7 @@
                   </a:extLst>
                 </a:gridCol>
               </a:tblGrid>
-              <a:tr h="481520">
+              <a:tr h="549897">
                 <a:tc>
                   <a:txBody>
                     <a:bodyPr/>
@@ -3142,7 +3118,10 @@
                     <a:p>
                       <a:pPr algn="ctr"/>
                       <a:r>
-                        <a:rPr lang="ru-RU" sz="1200" dirty="0">
+                        <a:rPr lang="ru-RU" sz="1200" b="1" dirty="0">
+                          <a:solidFill>
+                            <a:schemeClr val="tx1"/>
+                          </a:solidFill>
                           <a:effectLst>
                             <a:outerShdw blurRad="38100" dist="38100" dir="2700000" algn="tl">
                               <a:srgbClr val="000000">
@@ -3157,12 +3136,43 @@
                     </a:p>
                   </a:txBody>
                   <a:tcPr anchor="ctr">
-                    <a:solidFill>
-                      <a:schemeClr val="accent5">
-                        <a:lumMod val="40000"/>
-                        <a:lumOff val="60000"/>
-                      </a:schemeClr>
-                    </a:solidFill>
+                    <a:lnL w="28575" cap="flat" cmpd="sng" algn="ctr">
+                      <a:solidFill>
+                        <a:schemeClr val="tx1"/>
+                      </a:solidFill>
+                      <a:prstDash val="solid"/>
+                      <a:round/>
+                      <a:headEnd type="none" w="med" len="med"/>
+                      <a:tailEnd type="none" w="med" len="med"/>
+                    </a:lnL>
+                    <a:lnR w="28575" cap="flat" cmpd="sng" algn="ctr">
+                      <a:solidFill>
+                        <a:schemeClr val="tx1"/>
+                      </a:solidFill>
+                      <a:prstDash val="solid"/>
+                      <a:round/>
+                      <a:headEnd type="none" w="med" len="med"/>
+                      <a:tailEnd type="none" w="med" len="med"/>
+                    </a:lnR>
+                    <a:lnT w="28575" cap="flat" cmpd="sng" algn="ctr">
+                      <a:solidFill>
+                        <a:schemeClr val="tx1"/>
+                      </a:solidFill>
+                      <a:prstDash val="solid"/>
+                      <a:round/>
+                      <a:headEnd type="none" w="med" len="med"/>
+                      <a:tailEnd type="none" w="med" len="med"/>
+                    </a:lnT>
+                    <a:lnB w="28575" cap="flat" cmpd="sng" algn="ctr">
+                      <a:solidFill>
+                        <a:schemeClr val="tx1"/>
+                      </a:solidFill>
+                      <a:prstDash val="solid"/>
+                      <a:round/>
+                      <a:headEnd type="none" w="med" len="med"/>
+                      <a:tailEnd type="none" w="med" len="med"/>
+                    </a:lnB>
+                    <a:noFill/>
                   </a:tcPr>
                 </a:tc>
                 <a:tc>
@@ -3172,7 +3182,10 @@
                     <a:p>
                       <a:pPr algn="ctr"/>
                       <a:r>
-                        <a:rPr lang="ru-RU" sz="1200" dirty="0">
+                        <a:rPr lang="ru-RU" sz="1200" b="1" dirty="0">
+                          <a:solidFill>
+                            <a:schemeClr val="tx1"/>
+                          </a:solidFill>
                           <a:effectLst>
                             <a:outerShdw blurRad="38100" dist="38100" dir="2700000" algn="tl">
                               <a:srgbClr val="000000">
@@ -3187,12 +3200,43 @@
                     </a:p>
                   </a:txBody>
                   <a:tcPr anchor="ctr">
-                    <a:solidFill>
-                      <a:schemeClr val="accent5">
-                        <a:lumMod val="40000"/>
-                        <a:lumOff val="60000"/>
-                      </a:schemeClr>
-                    </a:solidFill>
+                    <a:lnL w="28575" cap="flat" cmpd="sng" algn="ctr">
+                      <a:solidFill>
+                        <a:schemeClr val="tx1"/>
+                      </a:solidFill>
+                      <a:prstDash val="solid"/>
+                      <a:round/>
+                      <a:headEnd type="none" w="med" len="med"/>
+                      <a:tailEnd type="none" w="med" len="med"/>
+                    </a:lnL>
+                    <a:lnR w="28575" cap="flat" cmpd="sng" algn="ctr">
+                      <a:solidFill>
+                        <a:schemeClr val="tx1"/>
+                      </a:solidFill>
+                      <a:prstDash val="solid"/>
+                      <a:round/>
+                      <a:headEnd type="none" w="med" len="med"/>
+                      <a:tailEnd type="none" w="med" len="med"/>
+                    </a:lnR>
+                    <a:lnT w="28575" cap="flat" cmpd="sng" algn="ctr">
+                      <a:solidFill>
+                        <a:schemeClr val="tx1"/>
+                      </a:solidFill>
+                      <a:prstDash val="solid"/>
+                      <a:round/>
+                      <a:headEnd type="none" w="med" len="med"/>
+                      <a:tailEnd type="none" w="med" len="med"/>
+                    </a:lnT>
+                    <a:lnB w="28575" cap="flat" cmpd="sng" algn="ctr">
+                      <a:solidFill>
+                        <a:schemeClr val="tx1"/>
+                      </a:solidFill>
+                      <a:prstDash val="solid"/>
+                      <a:round/>
+                      <a:headEnd type="none" w="med" len="med"/>
+                      <a:tailEnd type="none" w="med" len="med"/>
+                    </a:lnB>
+                    <a:noFill/>
                   </a:tcPr>
                 </a:tc>
                 <a:tc>
@@ -3202,7 +3246,74 @@
                     <a:p>
                       <a:pPr algn="ctr"/>
                       <a:r>
-                        <a:rPr lang="ru-RU" sz="1100" dirty="0">
+                        <a:rPr lang="ru-RU" sz="1200" b="1" dirty="0">
+                          <a:solidFill>
+                            <a:schemeClr val="tx1"/>
+                          </a:solidFill>
+                          <a:effectLst>
+                            <a:outerShdw blurRad="38100" dist="38100" dir="2700000" algn="tl">
+                              <a:srgbClr val="000000">
+                                <a:alpha val="43137"/>
+                              </a:srgbClr>
+                            </a:outerShdw>
+                          </a:effectLst>
+                          <a:latin typeface="Aptos Narrow" panose="020B0004020202020204" pitchFamily="34" charset="0"/>
+                        </a:rPr>
+                        <a:t>Тип эксперимента</a:t>
+                      </a:r>
+                    </a:p>
+                  </a:txBody>
+                  <a:tcPr anchor="ctr">
+                    <a:lnL w="28575" cap="flat" cmpd="sng" algn="ctr">
+                      <a:solidFill>
+                        <a:schemeClr val="tx1"/>
+                      </a:solidFill>
+                      <a:prstDash val="solid"/>
+                      <a:round/>
+                      <a:headEnd type="none" w="med" len="med"/>
+                      <a:tailEnd type="none" w="med" len="med"/>
+                    </a:lnL>
+                    <a:lnR w="28575" cap="flat" cmpd="sng" algn="ctr">
+                      <a:solidFill>
+                        <a:schemeClr val="tx1"/>
+                      </a:solidFill>
+                      <a:prstDash val="solid"/>
+                      <a:round/>
+                      <a:headEnd type="none" w="med" len="med"/>
+                      <a:tailEnd type="none" w="med" len="med"/>
+                    </a:lnR>
+                    <a:lnT w="28575" cap="flat" cmpd="sng" algn="ctr">
+                      <a:solidFill>
+                        <a:schemeClr val="tx1"/>
+                      </a:solidFill>
+                      <a:prstDash val="solid"/>
+                      <a:round/>
+                      <a:headEnd type="none" w="med" len="med"/>
+                      <a:tailEnd type="none" w="med" len="med"/>
+                    </a:lnT>
+                    <a:lnB w="28575" cap="flat" cmpd="sng" algn="ctr">
+                      <a:solidFill>
+                        <a:schemeClr val="tx1"/>
+                      </a:solidFill>
+                      <a:prstDash val="solid"/>
+                      <a:round/>
+                      <a:headEnd type="none" w="med" len="med"/>
+                      <a:tailEnd type="none" w="med" len="med"/>
+                    </a:lnB>
+                    <a:noFill/>
+                  </a:tcPr>
+                </a:tc>
+                <a:tc>
+                  <a:txBody>
+                    <a:bodyPr/>
+                    <a:lstStyle/>
+                    <a:p>
+                      <a:pPr algn="ctr"/>
+                      <a:r>
+                        <a:rPr lang="ru-RU" sz="1100" b="1" dirty="0">
+                          <a:solidFill>
+                            <a:schemeClr val="tx1"/>
+                          </a:solidFill>
                           <a:effectLst>
                             <a:outerShdw blurRad="38100" dist="38100" dir="2700000" algn="tl">
                               <a:srgbClr val="000000">
@@ -3217,12 +3328,43 @@
                     </a:p>
                   </a:txBody>
                   <a:tcPr anchor="ctr">
-                    <a:solidFill>
-                      <a:schemeClr val="accent5">
-                        <a:lumMod val="40000"/>
-                        <a:lumOff val="60000"/>
-                      </a:schemeClr>
-                    </a:solidFill>
+                    <a:lnL w="28575" cap="flat" cmpd="sng" algn="ctr">
+                      <a:solidFill>
+                        <a:schemeClr val="tx1"/>
+                      </a:solidFill>
+                      <a:prstDash val="solid"/>
+                      <a:round/>
+                      <a:headEnd type="none" w="med" len="med"/>
+                      <a:tailEnd type="none" w="med" len="med"/>
+                    </a:lnL>
+                    <a:lnR w="28575" cap="flat" cmpd="sng" algn="ctr">
+                      <a:solidFill>
+                        <a:schemeClr val="tx1"/>
+                      </a:solidFill>
+                      <a:prstDash val="solid"/>
+                      <a:round/>
+                      <a:headEnd type="none" w="med" len="med"/>
+                      <a:tailEnd type="none" w="med" len="med"/>
+                    </a:lnR>
+                    <a:lnT w="28575" cap="flat" cmpd="sng" algn="ctr">
+                      <a:solidFill>
+                        <a:schemeClr val="tx1"/>
+                      </a:solidFill>
+                      <a:prstDash val="solid"/>
+                      <a:round/>
+                      <a:headEnd type="none" w="med" len="med"/>
+                      <a:tailEnd type="none" w="med" len="med"/>
+                    </a:lnT>
+                    <a:lnB w="28575" cap="flat" cmpd="sng" algn="ctr">
+                      <a:solidFill>
+                        <a:schemeClr val="tx1"/>
+                      </a:solidFill>
+                      <a:prstDash val="solid"/>
+                      <a:round/>
+                      <a:headEnd type="none" w="med" len="med"/>
+                      <a:tailEnd type="none" w="med" len="med"/>
+                    </a:lnB>
+                    <a:noFill/>
                   </a:tcPr>
                 </a:tc>
                 <a:tc>
@@ -3232,7 +3374,10 @@
                     <a:p>
                       <a:pPr algn="ctr"/>
                       <a:r>
-                        <a:rPr lang="ru-RU" sz="1100" dirty="0">
+                        <a:rPr lang="ru-RU" sz="1100" b="1" dirty="0">
+                          <a:solidFill>
+                            <a:schemeClr val="tx1"/>
+                          </a:solidFill>
                           <a:effectLst>
                             <a:outerShdw blurRad="38100" dist="38100" dir="2700000" algn="tl">
                               <a:srgbClr val="000000">
@@ -3247,12 +3392,43 @@
                     </a:p>
                   </a:txBody>
                   <a:tcPr anchor="ctr">
-                    <a:solidFill>
-                      <a:schemeClr val="accent5">
-                        <a:lumMod val="40000"/>
-                        <a:lumOff val="60000"/>
-                      </a:schemeClr>
-                    </a:solidFill>
+                    <a:lnL w="28575" cap="flat" cmpd="sng" algn="ctr">
+                      <a:solidFill>
+                        <a:schemeClr val="tx1"/>
+                      </a:solidFill>
+                      <a:prstDash val="solid"/>
+                      <a:round/>
+                      <a:headEnd type="none" w="med" len="med"/>
+                      <a:tailEnd type="none" w="med" len="med"/>
+                    </a:lnL>
+                    <a:lnR w="28575" cap="flat" cmpd="sng" algn="ctr">
+                      <a:solidFill>
+                        <a:schemeClr val="tx1"/>
+                      </a:solidFill>
+                      <a:prstDash val="solid"/>
+                      <a:round/>
+                      <a:headEnd type="none" w="med" len="med"/>
+                      <a:tailEnd type="none" w="med" len="med"/>
+                    </a:lnR>
+                    <a:lnT w="28575" cap="flat" cmpd="sng" algn="ctr">
+                      <a:solidFill>
+                        <a:schemeClr val="tx1"/>
+                      </a:solidFill>
+                      <a:prstDash val="solid"/>
+                      <a:round/>
+                      <a:headEnd type="none" w="med" len="med"/>
+                      <a:tailEnd type="none" w="med" len="med"/>
+                    </a:lnT>
+                    <a:lnB w="28575" cap="flat" cmpd="sng" algn="ctr">
+                      <a:solidFill>
+                        <a:schemeClr val="tx1"/>
+                      </a:solidFill>
+                      <a:prstDash val="solid"/>
+                      <a:round/>
+                      <a:headEnd type="none" w="med" len="med"/>
+                      <a:tailEnd type="none" w="med" len="med"/>
+                    </a:lnB>
+                    <a:noFill/>
                   </a:tcPr>
                 </a:tc>
                 <a:extLst>
@@ -3261,22 +3437,65 @@
                   </a:ext>
                 </a:extLst>
               </a:tr>
-              <a:tr h="418464">
+              <a:tr h="280972">
                 <a:tc>
                   <a:txBody>
                     <a:bodyPr/>
                     <a:lstStyle/>
                     <a:p>
                       <a:pPr algn="ctr"/>
-                      <a:endParaRPr lang="ru-RU" sz="1100" dirty="0"/>
+                      <a:endParaRPr lang="ru-RU" sz="1100" b="1" dirty="0">
+                        <a:solidFill>
+                          <a:schemeClr val="tx1"/>
+                        </a:solidFill>
+                        <a:effectLst>
+                          <a:outerShdw blurRad="38100" dist="38100" dir="2700000" algn="tl">
+                            <a:srgbClr val="000000">
+                              <a:alpha val="43137"/>
+                            </a:srgbClr>
+                          </a:outerShdw>
+                        </a:effectLst>
+                      </a:endParaRPr>
                     </a:p>
                   </a:txBody>
                   <a:tcPr>
-                    <a:solidFill>
-                      <a:schemeClr val="bg1">
-                        <a:lumMod val="95000"/>
-                      </a:schemeClr>
-                    </a:solidFill>
+                    <a:lnL w="28575" cap="flat" cmpd="sng" algn="ctr">
+                      <a:solidFill>
+                        <a:schemeClr val="tx1"/>
+                      </a:solidFill>
+                      <a:prstDash val="solid"/>
+                      <a:round/>
+                      <a:headEnd type="none" w="med" len="med"/>
+                      <a:tailEnd type="none" w="med" len="med"/>
+                    </a:lnL>
+                    <a:lnR w="28575" cap="flat" cmpd="sng" algn="ctr">
+                      <a:solidFill>
+                        <a:schemeClr val="tx1"/>
+                      </a:solidFill>
+                      <a:prstDash val="solid"/>
+                      <a:round/>
+                      <a:headEnd type="none" w="med" len="med"/>
+                      <a:tailEnd type="none" w="med" len="med"/>
+                    </a:lnR>
+                    <a:lnT w="28575" cap="flat" cmpd="sng" algn="ctr">
+                      <a:solidFill>
+                        <a:schemeClr val="tx1"/>
+                      </a:solidFill>
+                      <a:prstDash val="solid"/>
+                      <a:round/>
+                      <a:headEnd type="none" w="med" len="med"/>
+                      <a:tailEnd type="none" w="med" len="med"/>
+                    </a:lnT>
+                    <a:lnB w="28575" cap="flat" cmpd="sng" algn="ctr">
+                      <a:solidFill>
+                        <a:schemeClr val="tx1"/>
+                      </a:solidFill>
+                      <a:prstDash val="solid"/>
+                      <a:round/>
+                      <a:headEnd type="none" w="med" len="med"/>
+                      <a:tailEnd type="none" w="med" len="med"/>
+                    </a:lnB>
+                    <a:noFill/>
                   </a:tcPr>
                 </a:tc>
                 <a:tc>
@@ -3285,15 +3504,58 @@
                     <a:lstStyle/>
                     <a:p>
                       <a:pPr algn="ctr"/>
-                      <a:endParaRPr lang="ru-RU" sz="1100" dirty="0"/>
+                      <a:endParaRPr lang="ru-RU" sz="1100" b="1" dirty="0">
+                        <a:solidFill>
+                          <a:schemeClr val="tx1"/>
+                        </a:solidFill>
+                        <a:effectLst>
+                          <a:outerShdw blurRad="38100" dist="38100" dir="2700000" algn="tl">
+                            <a:srgbClr val="000000">
+                              <a:alpha val="43137"/>
+                            </a:srgbClr>
+                          </a:outerShdw>
+                        </a:effectLst>
+                      </a:endParaRPr>
                     </a:p>
                   </a:txBody>
                   <a:tcPr>
-                    <a:solidFill>
-                      <a:schemeClr val="bg1">
-                        <a:lumMod val="95000"/>
-                      </a:schemeClr>
-                    </a:solidFill>
+                    <a:lnL w="28575" cap="flat" cmpd="sng" algn="ctr">
+                      <a:solidFill>
+                        <a:schemeClr val="tx1"/>
+                      </a:solidFill>
+                      <a:prstDash val="solid"/>
+                      <a:round/>
+                      <a:headEnd type="none" w="med" len="med"/>
+                      <a:tailEnd type="none" w="med" len="med"/>
+                    </a:lnL>
+                    <a:lnR w="28575" cap="flat" cmpd="sng" algn="ctr">
+                      <a:solidFill>
+                        <a:schemeClr val="tx1"/>
+                      </a:solidFill>
+                      <a:prstDash val="solid"/>
+                      <a:round/>
+                      <a:headEnd type="none" w="med" len="med"/>
+                      <a:tailEnd type="none" w="med" len="med"/>
+                    </a:lnR>
+                    <a:lnT w="28575" cap="flat" cmpd="sng" algn="ctr">
+                      <a:solidFill>
+                        <a:schemeClr val="tx1"/>
+                      </a:solidFill>
+                      <a:prstDash val="solid"/>
+                      <a:round/>
+                      <a:headEnd type="none" w="med" len="med"/>
+                      <a:tailEnd type="none" w="med" len="med"/>
+                    </a:lnT>
+                    <a:lnB w="28575" cap="flat" cmpd="sng" algn="ctr">
+                      <a:solidFill>
+                        <a:schemeClr val="tx1"/>
+                      </a:solidFill>
+                      <a:prstDash val="solid"/>
+                      <a:round/>
+                      <a:headEnd type="none" w="med" len="med"/>
+                      <a:tailEnd type="none" w="med" len="med"/>
+                    </a:lnB>
+                    <a:noFill/>
                   </a:tcPr>
                 </a:tc>
                 <a:tc>
@@ -3302,15 +3564,58 @@
                     <a:lstStyle/>
                     <a:p>
                       <a:pPr algn="ctr"/>
-                      <a:endParaRPr lang="ru-RU" sz="1100" dirty="0"/>
+                      <a:endParaRPr lang="ru-RU" sz="1100" b="1" dirty="0">
+                        <a:solidFill>
+                          <a:schemeClr val="tx1"/>
+                        </a:solidFill>
+                        <a:effectLst>
+                          <a:outerShdw blurRad="38100" dist="38100" dir="2700000" algn="tl">
+                            <a:srgbClr val="000000">
+                              <a:alpha val="43137"/>
+                            </a:srgbClr>
+                          </a:outerShdw>
+                        </a:effectLst>
+                      </a:endParaRPr>
                     </a:p>
                   </a:txBody>
                   <a:tcPr>
-                    <a:solidFill>
-                      <a:schemeClr val="bg1">
-                        <a:lumMod val="95000"/>
-                      </a:schemeClr>
-                    </a:solidFill>
+                    <a:lnL w="28575" cap="flat" cmpd="sng" algn="ctr">
+                      <a:solidFill>
+                        <a:schemeClr val="tx1"/>
+                      </a:solidFill>
+                      <a:prstDash val="solid"/>
+                      <a:round/>
+                      <a:headEnd type="none" w="med" len="med"/>
+                      <a:tailEnd type="none" w="med" len="med"/>
+                    </a:lnL>
+                    <a:lnR w="28575" cap="flat" cmpd="sng" algn="ctr">
+                      <a:solidFill>
+                        <a:schemeClr val="tx1"/>
+                      </a:solidFill>
+                      <a:prstDash val="solid"/>
+                      <a:round/>
+                      <a:headEnd type="none" w="med" len="med"/>
+                      <a:tailEnd type="none" w="med" len="med"/>
+                    </a:lnR>
+                    <a:lnT w="28575" cap="flat" cmpd="sng" algn="ctr">
+                      <a:solidFill>
+                        <a:schemeClr val="tx1"/>
+                      </a:solidFill>
+                      <a:prstDash val="solid"/>
+                      <a:round/>
+                      <a:headEnd type="none" w="med" len="med"/>
+                      <a:tailEnd type="none" w="med" len="med"/>
+                    </a:lnT>
+                    <a:lnB w="28575" cap="flat" cmpd="sng" algn="ctr">
+                      <a:solidFill>
+                        <a:schemeClr val="tx1"/>
+                      </a:solidFill>
+                      <a:prstDash val="solid"/>
+                      <a:round/>
+                      <a:headEnd type="none" w="med" len="med"/>
+                      <a:tailEnd type="none" w="med" len="med"/>
+                    </a:lnB>
+                    <a:noFill/>
                   </a:tcPr>
                 </a:tc>
                 <a:tc>
@@ -3319,15 +3624,118 @@
                     <a:lstStyle/>
                     <a:p>
                       <a:pPr algn="ctr"/>
-                      <a:endParaRPr lang="ru-RU" sz="1100" dirty="0"/>
+                      <a:endParaRPr lang="ru-RU" sz="1100" b="1" dirty="0">
+                        <a:solidFill>
+                          <a:schemeClr val="tx1"/>
+                        </a:solidFill>
+                        <a:effectLst>
+                          <a:outerShdw blurRad="38100" dist="38100" dir="2700000" algn="tl">
+                            <a:srgbClr val="000000">
+                              <a:alpha val="43137"/>
+                            </a:srgbClr>
+                          </a:outerShdw>
+                        </a:effectLst>
+                      </a:endParaRPr>
                     </a:p>
                   </a:txBody>
                   <a:tcPr>
-                    <a:solidFill>
-                      <a:schemeClr val="bg1">
-                        <a:lumMod val="95000"/>
-                      </a:schemeClr>
-                    </a:solidFill>
+                    <a:lnL w="28575" cap="flat" cmpd="sng" algn="ctr">
+                      <a:solidFill>
+                        <a:schemeClr val="tx1"/>
+                      </a:solidFill>
+                      <a:prstDash val="solid"/>
+                      <a:round/>
+                      <a:headEnd type="none" w="med" len="med"/>
+                      <a:tailEnd type="none" w="med" len="med"/>
+                    </a:lnL>
+                    <a:lnR w="28575" cap="flat" cmpd="sng" algn="ctr">
+                      <a:solidFill>
+                        <a:schemeClr val="tx1"/>
+                      </a:solidFill>
+                      <a:prstDash val="solid"/>
+                      <a:round/>
+                      <a:headEnd type="none" w="med" len="med"/>
+                      <a:tailEnd type="none" w="med" len="med"/>
+                    </a:lnR>
+                    <a:lnT w="28575" cap="flat" cmpd="sng" algn="ctr">
+                      <a:solidFill>
+                        <a:schemeClr val="tx1"/>
+                      </a:solidFill>
+                      <a:prstDash val="solid"/>
+                      <a:round/>
+                      <a:headEnd type="none" w="med" len="med"/>
+                      <a:tailEnd type="none" w="med" len="med"/>
+                    </a:lnT>
+                    <a:lnB w="28575" cap="flat" cmpd="sng" algn="ctr">
+                      <a:solidFill>
+                        <a:schemeClr val="tx1"/>
+                      </a:solidFill>
+                      <a:prstDash val="solid"/>
+                      <a:round/>
+                      <a:headEnd type="none" w="med" len="med"/>
+                      <a:tailEnd type="none" w="med" len="med"/>
+                    </a:lnB>
+                    <a:noFill/>
+                  </a:tcPr>
+                </a:tc>
+                <a:tc>
+                  <a:txBody>
+                    <a:bodyPr/>
+                    <a:lstStyle/>
+                    <a:p>
+                      <a:pPr algn="ctr"/>
+                      <a:endParaRPr lang="ru-RU" sz="1100" b="1" dirty="0">
+                        <a:solidFill>
+                          <a:schemeClr val="tx1"/>
+                        </a:solidFill>
+                        <a:effectLst>
+                          <a:outerShdw blurRad="38100" dist="38100" dir="2700000" algn="tl">
+                            <a:srgbClr val="000000">
+                              <a:alpha val="43137"/>
+                            </a:srgbClr>
+                          </a:outerShdw>
+                        </a:effectLst>
+                      </a:endParaRPr>
+                    </a:p>
+                  </a:txBody>
+                  <a:tcPr>
+                    <a:lnL w="28575" cap="flat" cmpd="sng" algn="ctr">
+                      <a:solidFill>
+                        <a:schemeClr val="tx1"/>
+                      </a:solidFill>
+                      <a:prstDash val="solid"/>
+                      <a:round/>
+                      <a:headEnd type="none" w="med" len="med"/>
+                      <a:tailEnd type="none" w="med" len="med"/>
+                    </a:lnL>
+                    <a:lnR w="28575" cap="flat" cmpd="sng" algn="ctr">
+                      <a:solidFill>
+                        <a:schemeClr val="tx1"/>
+                      </a:solidFill>
+                      <a:prstDash val="solid"/>
+                      <a:round/>
+                      <a:headEnd type="none" w="med" len="med"/>
+                      <a:tailEnd type="none" w="med" len="med"/>
+                    </a:lnR>
+                    <a:lnT w="28575" cap="flat" cmpd="sng" algn="ctr">
+                      <a:solidFill>
+                        <a:schemeClr val="tx1"/>
+                      </a:solidFill>
+                      <a:prstDash val="solid"/>
+                      <a:round/>
+                      <a:headEnd type="none" w="med" len="med"/>
+                      <a:tailEnd type="none" w="med" len="med"/>
+                    </a:lnT>
+                    <a:lnB w="28575" cap="flat" cmpd="sng" algn="ctr">
+                      <a:solidFill>
+                        <a:schemeClr val="tx1"/>
+                      </a:solidFill>
+                      <a:prstDash val="solid"/>
+                      <a:round/>
+                      <a:headEnd type="none" w="med" len="med"/>
+                      <a:tailEnd type="none" w="med" len="med"/>
+                    </a:lnB>
+                    <a:noFill/>
                   </a:tcPr>
                 </a:tc>
                 <a:extLst>
@@ -3355,13 +3763,13 @@
           <p:nvPr>
             <p:extLst>
               <p:ext uri="{D42A27DB-BD31-4B8C-83A1-F6EECF244321}">
-                <p14:modId xmlns:p14="http://schemas.microsoft.com/office/powerpoint/2010/main" val="3433862811"/>
+                <p14:modId xmlns:p14="http://schemas.microsoft.com/office/powerpoint/2010/main" val="1989146109"/>
               </p:ext>
             </p:extLst>
           </p:nvPr>
         </p:nvGraphicFramePr>
         <p:xfrm>
-          <a:off x="0" y="1478280"/>
+          <a:off x="0" y="1453896"/>
           <a:ext cx="6858000" cy="2001520"/>
         </p:xfrm>
         <a:graphic>
@@ -3422,7 +3830,10 @@
                     <a:p>
                       <a:pPr algn="ctr"/>
                       <a:r>
-                        <a:rPr lang="ru-RU" sz="1200" dirty="0">
+                        <a:rPr lang="ru-RU" sz="1200" b="1" dirty="0">
+                          <a:solidFill>
+                            <a:schemeClr val="tx1"/>
+                          </a:solidFill>
                           <a:effectLst>
                             <a:outerShdw blurRad="38100" dist="38100" dir="2700000" algn="tl">
                               <a:srgbClr val="000000">
@@ -3437,12 +3848,43 @@
                     </a:p>
                   </a:txBody>
                   <a:tcPr anchor="ctr">
-                    <a:solidFill>
-                      <a:schemeClr val="accent5">
-                        <a:lumMod val="40000"/>
-                        <a:lumOff val="60000"/>
-                      </a:schemeClr>
-                    </a:solidFill>
+                    <a:lnL w="12700" cap="flat" cmpd="sng" algn="ctr">
+                      <a:solidFill>
+                        <a:schemeClr val="tx1"/>
+                      </a:solidFill>
+                      <a:prstDash val="solid"/>
+                      <a:round/>
+                      <a:headEnd type="none" w="med" len="med"/>
+                      <a:tailEnd type="none" w="med" len="med"/>
+                    </a:lnL>
+                    <a:lnR w="12700" cap="flat" cmpd="sng" algn="ctr">
+                      <a:solidFill>
+                        <a:schemeClr val="tx1"/>
+                      </a:solidFill>
+                      <a:prstDash val="solid"/>
+                      <a:round/>
+                      <a:headEnd type="none" w="med" len="med"/>
+                      <a:tailEnd type="none" w="med" len="med"/>
+                    </a:lnR>
+                    <a:lnT w="12700" cap="flat" cmpd="sng" algn="ctr">
+                      <a:solidFill>
+                        <a:schemeClr val="tx1"/>
+                      </a:solidFill>
+                      <a:prstDash val="solid"/>
+                      <a:round/>
+                      <a:headEnd type="none" w="med" len="med"/>
+                      <a:tailEnd type="none" w="med" len="med"/>
+                    </a:lnT>
+                    <a:lnB w="12700" cap="flat" cmpd="sng" algn="ctr">
+                      <a:solidFill>
+                        <a:schemeClr val="tx1"/>
+                      </a:solidFill>
+                      <a:prstDash val="solid"/>
+                      <a:round/>
+                      <a:headEnd type="none" w="med" len="med"/>
+                      <a:tailEnd type="none" w="med" len="med"/>
+                    </a:lnB>
+                    <a:noFill/>
                   </a:tcPr>
                 </a:tc>
                 <a:tc gridSpan="2">
@@ -3452,7 +3894,10 @@
                     <a:p>
                       <a:pPr algn="ctr"/>
                       <a:r>
-                        <a:rPr lang="ru-RU" sz="1200" dirty="0">
+                        <a:rPr lang="ru-RU" sz="1200" b="1" dirty="0">
+                          <a:solidFill>
+                            <a:schemeClr val="tx1"/>
+                          </a:solidFill>
                           <a:effectLst>
                             <a:outerShdw blurRad="38100" dist="38100" dir="2700000" algn="tl">
                               <a:srgbClr val="000000">
@@ -3467,12 +3912,43 @@
                     </a:p>
                   </a:txBody>
                   <a:tcPr anchor="ctr">
-                    <a:solidFill>
-                      <a:schemeClr val="accent5">
-                        <a:lumMod val="40000"/>
-                        <a:lumOff val="60000"/>
-                      </a:schemeClr>
-                    </a:solidFill>
+                    <a:lnL w="12700" cap="flat" cmpd="sng" algn="ctr">
+                      <a:solidFill>
+                        <a:schemeClr val="tx1"/>
+                      </a:solidFill>
+                      <a:prstDash val="solid"/>
+                      <a:round/>
+                      <a:headEnd type="none" w="med" len="med"/>
+                      <a:tailEnd type="none" w="med" len="med"/>
+                    </a:lnL>
+                    <a:lnR w="12700" cap="flat" cmpd="sng" algn="ctr">
+                      <a:solidFill>
+                        <a:schemeClr val="tx1"/>
+                      </a:solidFill>
+                      <a:prstDash val="solid"/>
+                      <a:round/>
+                      <a:headEnd type="none" w="med" len="med"/>
+                      <a:tailEnd type="none" w="med" len="med"/>
+                    </a:lnR>
+                    <a:lnT w="12700" cap="flat" cmpd="sng" algn="ctr">
+                      <a:solidFill>
+                        <a:schemeClr val="tx1"/>
+                      </a:solidFill>
+                      <a:prstDash val="solid"/>
+                      <a:round/>
+                      <a:headEnd type="none" w="med" len="med"/>
+                      <a:tailEnd type="none" w="med" len="med"/>
+                    </a:lnT>
+                    <a:lnB w="12700" cap="flat" cmpd="sng" algn="ctr">
+                      <a:solidFill>
+                        <a:schemeClr val="tx1"/>
+                      </a:solidFill>
+                      <a:prstDash val="solid"/>
+                      <a:round/>
+                      <a:headEnd type="none" w="med" len="med"/>
+                      <a:tailEnd type="none" w="med" len="med"/>
+                    </a:lnB>
+                    <a:noFill/>
                   </a:tcPr>
                 </a:tc>
                 <a:tc hMerge="1">
@@ -3492,7 +3968,10 @@
                     <a:p>
                       <a:pPr algn="ctr"/>
                       <a:r>
-                        <a:rPr lang="ru-RU" sz="1200" dirty="0">
+                        <a:rPr lang="ru-RU" sz="1200" b="1" dirty="0">
+                          <a:solidFill>
+                            <a:schemeClr val="tx1"/>
+                          </a:solidFill>
                           <a:effectLst>
                             <a:outerShdw blurRad="38100" dist="38100" dir="2700000" algn="tl">
                               <a:srgbClr val="000000">
@@ -3507,12 +3986,43 @@
                     </a:p>
                   </a:txBody>
                   <a:tcPr anchor="ctr">
-                    <a:solidFill>
-                      <a:schemeClr val="accent5">
-                        <a:lumMod val="40000"/>
-                        <a:lumOff val="60000"/>
-                      </a:schemeClr>
-                    </a:solidFill>
+                    <a:lnL w="12700" cap="flat" cmpd="sng" algn="ctr">
+                      <a:solidFill>
+                        <a:schemeClr val="tx1"/>
+                      </a:solidFill>
+                      <a:prstDash val="solid"/>
+                      <a:round/>
+                      <a:headEnd type="none" w="med" len="med"/>
+                      <a:tailEnd type="none" w="med" len="med"/>
+                    </a:lnL>
+                    <a:lnR w="12700" cap="flat" cmpd="sng" algn="ctr">
+                      <a:solidFill>
+                        <a:schemeClr val="tx1"/>
+                      </a:solidFill>
+                      <a:prstDash val="solid"/>
+                      <a:round/>
+                      <a:headEnd type="none" w="med" len="med"/>
+                      <a:tailEnd type="none" w="med" len="med"/>
+                    </a:lnR>
+                    <a:lnT w="12700" cap="flat" cmpd="sng" algn="ctr">
+                      <a:solidFill>
+                        <a:schemeClr val="tx1"/>
+                      </a:solidFill>
+                      <a:prstDash val="solid"/>
+                      <a:round/>
+                      <a:headEnd type="none" w="med" len="med"/>
+                      <a:tailEnd type="none" w="med" len="med"/>
+                    </a:lnT>
+                    <a:lnB w="12700" cap="flat" cmpd="sng" algn="ctr">
+                      <a:solidFill>
+                        <a:schemeClr val="tx1"/>
+                      </a:solidFill>
+                      <a:prstDash val="solid"/>
+                      <a:round/>
+                      <a:headEnd type="none" w="med" len="med"/>
+                      <a:tailEnd type="none" w="med" len="med"/>
+                    </a:lnB>
+                    <a:noFill/>
                   </a:tcPr>
                 </a:tc>
                 <a:tc>
@@ -3522,7 +4032,10 @@
                     <a:p>
                       <a:pPr algn="ctr"/>
                       <a:r>
-                        <a:rPr lang="ru-RU" sz="1050" dirty="0">
+                        <a:rPr lang="ru-RU" sz="1050" b="1" dirty="0">
+                          <a:solidFill>
+                            <a:schemeClr val="tx1"/>
+                          </a:solidFill>
                           <a:effectLst>
                             <a:outerShdw blurRad="38100" dist="38100" dir="2700000" algn="tl">
                               <a:srgbClr val="000000">
@@ -3537,12 +4050,43 @@
                     </a:p>
                   </a:txBody>
                   <a:tcPr anchor="ctr">
-                    <a:solidFill>
-                      <a:schemeClr val="accent5">
-                        <a:lumMod val="40000"/>
-                        <a:lumOff val="60000"/>
-                      </a:schemeClr>
-                    </a:solidFill>
+                    <a:lnL w="12700" cap="flat" cmpd="sng" algn="ctr">
+                      <a:solidFill>
+                        <a:schemeClr val="tx1"/>
+                      </a:solidFill>
+                      <a:prstDash val="solid"/>
+                      <a:round/>
+                      <a:headEnd type="none" w="med" len="med"/>
+                      <a:tailEnd type="none" w="med" len="med"/>
+                    </a:lnL>
+                    <a:lnR w="12700" cap="flat" cmpd="sng" algn="ctr">
+                      <a:solidFill>
+                        <a:schemeClr val="tx1"/>
+                      </a:solidFill>
+                      <a:prstDash val="solid"/>
+                      <a:round/>
+                      <a:headEnd type="none" w="med" len="med"/>
+                      <a:tailEnd type="none" w="med" len="med"/>
+                    </a:lnR>
+                    <a:lnT w="12700" cap="flat" cmpd="sng" algn="ctr">
+                      <a:solidFill>
+                        <a:schemeClr val="tx1"/>
+                      </a:solidFill>
+                      <a:prstDash val="solid"/>
+                      <a:round/>
+                      <a:headEnd type="none" w="med" len="med"/>
+                      <a:tailEnd type="none" w="med" len="med"/>
+                    </a:lnT>
+                    <a:lnB w="12700" cap="flat" cmpd="sng" algn="ctr">
+                      <a:solidFill>
+                        <a:schemeClr val="tx1"/>
+                      </a:solidFill>
+                      <a:prstDash val="solid"/>
+                      <a:round/>
+                      <a:headEnd type="none" w="med" len="med"/>
+                      <a:tailEnd type="none" w="med" len="med"/>
+                    </a:lnB>
+                    <a:noFill/>
                   </a:tcPr>
                 </a:tc>
                 <a:tc>
@@ -3552,7 +4096,10 @@
                     <a:p>
                       <a:pPr algn="ctr"/>
                       <a:r>
-                        <a:rPr lang="ru-RU" sz="1100" dirty="0">
+                        <a:rPr lang="ru-RU" sz="1100" b="1" dirty="0">
+                          <a:solidFill>
+                            <a:schemeClr val="tx1"/>
+                          </a:solidFill>
                           <a:effectLst>
                             <a:outerShdw blurRad="38100" dist="38100" dir="2700000" algn="tl">
                               <a:srgbClr val="000000">
@@ -3567,12 +4114,43 @@
                     </a:p>
                   </a:txBody>
                   <a:tcPr anchor="ctr">
-                    <a:solidFill>
-                      <a:schemeClr val="accent5">
-                        <a:lumMod val="40000"/>
-                        <a:lumOff val="60000"/>
-                      </a:schemeClr>
-                    </a:solidFill>
+                    <a:lnL w="12700" cap="flat" cmpd="sng" algn="ctr">
+                      <a:solidFill>
+                        <a:schemeClr val="tx1"/>
+                      </a:solidFill>
+                      <a:prstDash val="solid"/>
+                      <a:round/>
+                      <a:headEnd type="none" w="med" len="med"/>
+                      <a:tailEnd type="none" w="med" len="med"/>
+                    </a:lnL>
+                    <a:lnR w="12700" cap="flat" cmpd="sng" algn="ctr">
+                      <a:solidFill>
+                        <a:schemeClr val="tx1"/>
+                      </a:solidFill>
+                      <a:prstDash val="solid"/>
+                      <a:round/>
+                      <a:headEnd type="none" w="med" len="med"/>
+                      <a:tailEnd type="none" w="med" len="med"/>
+                    </a:lnR>
+                    <a:lnT w="12700" cap="flat" cmpd="sng" algn="ctr">
+                      <a:solidFill>
+                        <a:schemeClr val="tx1"/>
+                      </a:solidFill>
+                      <a:prstDash val="solid"/>
+                      <a:round/>
+                      <a:headEnd type="none" w="med" len="med"/>
+                      <a:tailEnd type="none" w="med" len="med"/>
+                    </a:lnT>
+                    <a:lnB w="12700" cap="flat" cmpd="sng" algn="ctr">
+                      <a:solidFill>
+                        <a:schemeClr val="tx1"/>
+                      </a:solidFill>
+                      <a:prstDash val="solid"/>
+                      <a:round/>
+                      <a:headEnd type="none" w="med" len="med"/>
+                      <a:tailEnd type="none" w="med" len="med"/>
+                    </a:lnB>
+                    <a:noFill/>
                   </a:tcPr>
                 </a:tc>
                 <a:extLst>
@@ -3589,6 +4167,9 @@
                     <a:p>
                       <a:r>
                         <a:rPr lang="ru-RU" sz="1100" b="1" dirty="0">
+                          <a:solidFill>
+                            <a:schemeClr val="tx1"/>
+                          </a:solidFill>
                           <a:effectLst>
                             <a:outerShdw blurRad="38100" dist="38100" dir="2700000" algn="tl">
                               <a:srgbClr val="000000">
@@ -3603,11 +4184,43 @@
                     </a:p>
                   </a:txBody>
                   <a:tcPr anchor="ctr">
-                    <a:solidFill>
-                      <a:schemeClr val="bg1">
-                        <a:lumMod val="95000"/>
-                      </a:schemeClr>
-                    </a:solidFill>
+                    <a:lnL w="12700" cap="flat" cmpd="sng" algn="ctr">
+                      <a:solidFill>
+                        <a:schemeClr val="tx1"/>
+                      </a:solidFill>
+                      <a:prstDash val="solid"/>
+                      <a:round/>
+                      <a:headEnd type="none" w="med" len="med"/>
+                      <a:tailEnd type="none" w="med" len="med"/>
+                    </a:lnL>
+                    <a:lnR w="12700" cap="flat" cmpd="sng" algn="ctr">
+                      <a:solidFill>
+                        <a:schemeClr val="tx1"/>
+                      </a:solidFill>
+                      <a:prstDash val="solid"/>
+                      <a:round/>
+                      <a:headEnd type="none" w="med" len="med"/>
+                      <a:tailEnd type="none" w="med" len="med"/>
+                    </a:lnR>
+                    <a:lnT w="12700" cap="flat" cmpd="sng" algn="ctr">
+                      <a:solidFill>
+                        <a:schemeClr val="tx1"/>
+                      </a:solidFill>
+                      <a:prstDash val="solid"/>
+                      <a:round/>
+                      <a:headEnd type="none" w="med" len="med"/>
+                      <a:tailEnd type="none" w="med" len="med"/>
+                    </a:lnT>
+                    <a:lnB w="12700" cap="flat" cmpd="sng" algn="ctr">
+                      <a:solidFill>
+                        <a:schemeClr val="tx1"/>
+                      </a:solidFill>
+                      <a:prstDash val="solid"/>
+                      <a:round/>
+                      <a:headEnd type="none" w="med" len="med"/>
+                      <a:tailEnd type="none" w="med" len="med"/>
+                    </a:lnB>
+                    <a:noFill/>
                   </a:tcPr>
                 </a:tc>
                 <a:tc gridSpan="2">
@@ -3615,17 +4228,59 @@
                     <a:bodyPr/>
                     <a:lstStyle/>
                     <a:p>
-                      <a:endParaRPr lang="ru-RU" sz="1100" dirty="0">
+                      <a:endParaRPr lang="ru-RU" sz="1100" b="1" dirty="0">
+                        <a:solidFill>
+                          <a:schemeClr val="tx1"/>
+                        </a:solidFill>
+                        <a:effectLst>
+                          <a:outerShdw blurRad="38100" dist="38100" dir="2700000" algn="tl">
+                            <a:srgbClr val="000000">
+                              <a:alpha val="43137"/>
+                            </a:srgbClr>
+                          </a:outerShdw>
+                        </a:effectLst>
                         <a:latin typeface="Aptos Display" panose="020B0004020202020204" pitchFamily="34" charset="0"/>
                       </a:endParaRPr>
                     </a:p>
                   </a:txBody>
                   <a:tcPr>
-                    <a:solidFill>
-                      <a:schemeClr val="bg1">
-                        <a:lumMod val="95000"/>
-                      </a:schemeClr>
-                    </a:solidFill>
+                    <a:lnL w="12700" cap="flat" cmpd="sng" algn="ctr">
+                      <a:solidFill>
+                        <a:schemeClr val="tx1"/>
+                      </a:solidFill>
+                      <a:prstDash val="solid"/>
+                      <a:round/>
+                      <a:headEnd type="none" w="med" len="med"/>
+                      <a:tailEnd type="none" w="med" len="med"/>
+                    </a:lnL>
+                    <a:lnR w="12700" cap="flat" cmpd="sng" algn="ctr">
+                      <a:solidFill>
+                        <a:schemeClr val="tx1"/>
+                      </a:solidFill>
+                      <a:prstDash val="solid"/>
+                      <a:round/>
+                      <a:headEnd type="none" w="med" len="med"/>
+                      <a:tailEnd type="none" w="med" len="med"/>
+                    </a:lnR>
+                    <a:lnT w="12700" cap="flat" cmpd="sng" algn="ctr">
+                      <a:solidFill>
+                        <a:schemeClr val="tx1"/>
+                      </a:solidFill>
+                      <a:prstDash val="solid"/>
+                      <a:round/>
+                      <a:headEnd type="none" w="med" len="med"/>
+                      <a:tailEnd type="none" w="med" len="med"/>
+                    </a:lnT>
+                    <a:lnB w="12700" cap="flat" cmpd="sng" algn="ctr">
+                      <a:solidFill>
+                        <a:schemeClr val="tx1"/>
+                      </a:solidFill>
+                      <a:prstDash val="solid"/>
+                      <a:round/>
+                      <a:headEnd type="none" w="med" len="med"/>
+                      <a:tailEnd type="none" w="med" len="med"/>
+                    </a:lnB>
+                    <a:noFill/>
                   </a:tcPr>
                 </a:tc>
                 <a:tc hMerge="1">
@@ -3643,17 +4298,59 @@
                     <a:bodyPr/>
                     <a:lstStyle/>
                     <a:p>
-                      <a:endParaRPr lang="ru-RU" sz="1100" dirty="0">
+                      <a:endParaRPr lang="ru-RU" sz="1100" b="1" dirty="0">
+                        <a:solidFill>
+                          <a:schemeClr val="tx1"/>
+                        </a:solidFill>
+                        <a:effectLst>
+                          <a:outerShdw blurRad="38100" dist="38100" dir="2700000" algn="tl">
+                            <a:srgbClr val="000000">
+                              <a:alpha val="43137"/>
+                            </a:srgbClr>
+                          </a:outerShdw>
+                        </a:effectLst>
                         <a:latin typeface="Aptos Display" panose="020B0004020202020204" pitchFamily="34" charset="0"/>
                       </a:endParaRPr>
                     </a:p>
                   </a:txBody>
                   <a:tcPr>
-                    <a:solidFill>
-                      <a:schemeClr val="bg1">
-                        <a:lumMod val="95000"/>
-                      </a:schemeClr>
-                    </a:solidFill>
+                    <a:lnL w="12700" cap="flat" cmpd="sng" algn="ctr">
+                      <a:solidFill>
+                        <a:schemeClr val="tx1"/>
+                      </a:solidFill>
+                      <a:prstDash val="solid"/>
+                      <a:round/>
+                      <a:headEnd type="none" w="med" len="med"/>
+                      <a:tailEnd type="none" w="med" len="med"/>
+                    </a:lnL>
+                    <a:lnR w="12700" cap="flat" cmpd="sng" algn="ctr">
+                      <a:solidFill>
+                        <a:schemeClr val="tx1"/>
+                      </a:solidFill>
+                      <a:prstDash val="solid"/>
+                      <a:round/>
+                      <a:headEnd type="none" w="med" len="med"/>
+                      <a:tailEnd type="none" w="med" len="med"/>
+                    </a:lnR>
+                    <a:lnT w="12700" cap="flat" cmpd="sng" algn="ctr">
+                      <a:solidFill>
+                        <a:schemeClr val="tx1"/>
+                      </a:solidFill>
+                      <a:prstDash val="solid"/>
+                      <a:round/>
+                      <a:headEnd type="none" w="med" len="med"/>
+                      <a:tailEnd type="none" w="med" len="med"/>
+                    </a:lnT>
+                    <a:lnB w="12700" cap="flat" cmpd="sng" algn="ctr">
+                      <a:solidFill>
+                        <a:schemeClr val="tx1"/>
+                      </a:solidFill>
+                      <a:prstDash val="solid"/>
+                      <a:round/>
+                      <a:headEnd type="none" w="med" len="med"/>
+                      <a:tailEnd type="none" w="med" len="med"/>
+                    </a:lnB>
+                    <a:noFill/>
                   </a:tcPr>
                 </a:tc>
                 <a:tc>
@@ -3661,17 +4358,59 @@
                     <a:bodyPr/>
                     <a:lstStyle/>
                     <a:p>
-                      <a:endParaRPr lang="ru-RU" sz="1100" dirty="0">
+                      <a:endParaRPr lang="ru-RU" sz="1100" b="1" dirty="0">
+                        <a:solidFill>
+                          <a:schemeClr val="tx1"/>
+                        </a:solidFill>
+                        <a:effectLst>
+                          <a:outerShdw blurRad="38100" dist="38100" dir="2700000" algn="tl">
+                            <a:srgbClr val="000000">
+                              <a:alpha val="43137"/>
+                            </a:srgbClr>
+                          </a:outerShdw>
+                        </a:effectLst>
                         <a:latin typeface="Aptos Display" panose="020B0004020202020204" pitchFamily="34" charset="0"/>
                       </a:endParaRPr>
                     </a:p>
                   </a:txBody>
                   <a:tcPr>
-                    <a:solidFill>
-                      <a:schemeClr val="bg1">
-                        <a:lumMod val="95000"/>
-                      </a:schemeClr>
-                    </a:solidFill>
+                    <a:lnL w="12700" cap="flat" cmpd="sng" algn="ctr">
+                      <a:solidFill>
+                        <a:schemeClr val="tx1"/>
+                      </a:solidFill>
+                      <a:prstDash val="solid"/>
+                      <a:round/>
+                      <a:headEnd type="none" w="med" len="med"/>
+                      <a:tailEnd type="none" w="med" len="med"/>
+                    </a:lnL>
+                    <a:lnR w="12700" cap="flat" cmpd="sng" algn="ctr">
+                      <a:solidFill>
+                        <a:schemeClr val="tx1"/>
+                      </a:solidFill>
+                      <a:prstDash val="solid"/>
+                      <a:round/>
+                      <a:headEnd type="none" w="med" len="med"/>
+                      <a:tailEnd type="none" w="med" len="med"/>
+                    </a:lnR>
+                    <a:lnT w="12700" cap="flat" cmpd="sng" algn="ctr">
+                      <a:solidFill>
+                        <a:schemeClr val="tx1"/>
+                      </a:solidFill>
+                      <a:prstDash val="solid"/>
+                      <a:round/>
+                      <a:headEnd type="none" w="med" len="med"/>
+                      <a:tailEnd type="none" w="med" len="med"/>
+                    </a:lnT>
+                    <a:lnB w="12700" cap="flat" cmpd="sng" algn="ctr">
+                      <a:solidFill>
+                        <a:schemeClr val="tx1"/>
+                      </a:solidFill>
+                      <a:prstDash val="solid"/>
+                      <a:round/>
+                      <a:headEnd type="none" w="med" len="med"/>
+                      <a:tailEnd type="none" w="med" len="med"/>
+                    </a:lnB>
+                    <a:noFill/>
                   </a:tcPr>
                 </a:tc>
                 <a:tc>
@@ -3679,17 +4418,59 @@
                     <a:bodyPr/>
                     <a:lstStyle/>
                     <a:p>
-                      <a:endParaRPr lang="ru-RU" sz="1100" dirty="0">
+                      <a:endParaRPr lang="ru-RU" sz="1100" b="1" dirty="0">
+                        <a:solidFill>
+                          <a:schemeClr val="tx1"/>
+                        </a:solidFill>
+                        <a:effectLst>
+                          <a:outerShdw blurRad="38100" dist="38100" dir="2700000" algn="tl">
+                            <a:srgbClr val="000000">
+                              <a:alpha val="43137"/>
+                            </a:srgbClr>
+                          </a:outerShdw>
+                        </a:effectLst>
                         <a:latin typeface="Aptos Display" panose="020B0004020202020204" pitchFamily="34" charset="0"/>
                       </a:endParaRPr>
                     </a:p>
                   </a:txBody>
                   <a:tcPr>
-                    <a:solidFill>
-                      <a:schemeClr val="bg1">
-                        <a:lumMod val="95000"/>
-                      </a:schemeClr>
-                    </a:solidFill>
+                    <a:lnL w="12700" cap="flat" cmpd="sng" algn="ctr">
+                      <a:solidFill>
+                        <a:schemeClr val="tx1"/>
+                      </a:solidFill>
+                      <a:prstDash val="solid"/>
+                      <a:round/>
+                      <a:headEnd type="none" w="med" len="med"/>
+                      <a:tailEnd type="none" w="med" len="med"/>
+                    </a:lnL>
+                    <a:lnR w="12700" cap="flat" cmpd="sng" algn="ctr">
+                      <a:solidFill>
+                        <a:schemeClr val="tx1"/>
+                      </a:solidFill>
+                      <a:prstDash val="solid"/>
+                      <a:round/>
+                      <a:headEnd type="none" w="med" len="med"/>
+                      <a:tailEnd type="none" w="med" len="med"/>
+                    </a:lnR>
+                    <a:lnT w="12700" cap="flat" cmpd="sng" algn="ctr">
+                      <a:solidFill>
+                        <a:schemeClr val="tx1"/>
+                      </a:solidFill>
+                      <a:prstDash val="solid"/>
+                      <a:round/>
+                      <a:headEnd type="none" w="med" len="med"/>
+                      <a:tailEnd type="none" w="med" len="med"/>
+                    </a:lnT>
+                    <a:lnB w="12700" cap="flat" cmpd="sng" algn="ctr">
+                      <a:solidFill>
+                        <a:schemeClr val="tx1"/>
+                      </a:solidFill>
+                      <a:prstDash val="solid"/>
+                      <a:round/>
+                      <a:headEnd type="none" w="med" len="med"/>
+                      <a:tailEnd type="none" w="med" len="med"/>
+                    </a:lnB>
+                    <a:noFill/>
                   </a:tcPr>
                 </a:tc>
                 <a:extLst>
@@ -3707,6 +4488,9 @@
                       <a:pPr algn="l"/>
                       <a:r>
                         <a:rPr lang="ru-RU" sz="1100" b="1" dirty="0">
+                          <a:solidFill>
+                            <a:schemeClr val="tx1"/>
+                          </a:solidFill>
                           <a:effectLst>
                             <a:outerShdw blurRad="38100" dist="38100" dir="2700000" algn="tl">
                               <a:srgbClr val="000000">
@@ -3720,65 +4504,295 @@
                       </a:r>
                     </a:p>
                   </a:txBody>
-                  <a:tcPr anchor="ctr"/>
+                  <a:tcPr anchor="ctr">
+                    <a:lnL w="12700" cap="flat" cmpd="sng" algn="ctr">
+                      <a:solidFill>
+                        <a:schemeClr val="tx1"/>
+                      </a:solidFill>
+                      <a:prstDash val="solid"/>
+                      <a:round/>
+                      <a:headEnd type="none" w="med" len="med"/>
+                      <a:tailEnd type="none" w="med" len="med"/>
+                    </a:lnL>
+                    <a:lnR w="12700" cap="flat" cmpd="sng" algn="ctr">
+                      <a:solidFill>
+                        <a:schemeClr val="tx1"/>
+                      </a:solidFill>
+                      <a:prstDash val="solid"/>
+                      <a:round/>
+                      <a:headEnd type="none" w="med" len="med"/>
+                      <a:tailEnd type="none" w="med" len="med"/>
+                    </a:lnR>
+                    <a:lnT w="12700" cap="flat" cmpd="sng" algn="ctr">
+                      <a:solidFill>
+                        <a:schemeClr val="tx1"/>
+                      </a:solidFill>
+                      <a:prstDash val="solid"/>
+                      <a:round/>
+                      <a:headEnd type="none" w="med" len="med"/>
+                      <a:tailEnd type="none" w="med" len="med"/>
+                    </a:lnT>
+                    <a:lnB w="12700" cap="flat" cmpd="sng" algn="ctr">
+                      <a:solidFill>
+                        <a:schemeClr val="tx1"/>
+                      </a:solidFill>
+                      <a:prstDash val="solid"/>
+                      <a:round/>
+                      <a:headEnd type="none" w="med" len="med"/>
+                      <a:tailEnd type="none" w="med" len="med"/>
+                    </a:lnB>
+                    <a:noFill/>
+                  </a:tcPr>
                 </a:tc>
                 <a:tc gridSpan="2">
                   <a:txBody>
                     <a:bodyPr/>
                     <a:lstStyle/>
                     <a:p>
-                      <a:endParaRPr lang="ru-RU" sz="1100" dirty="0">
+                      <a:endParaRPr lang="ru-RU" sz="1100" b="1" dirty="0">
+                        <a:solidFill>
+                          <a:schemeClr val="tx1"/>
+                        </a:solidFill>
+                        <a:effectLst>
+                          <a:outerShdw blurRad="38100" dist="38100" dir="2700000" algn="tl">
+                            <a:srgbClr val="000000">
+                              <a:alpha val="43137"/>
+                            </a:srgbClr>
+                          </a:outerShdw>
+                        </a:effectLst>
                         <a:latin typeface="Aptos Display" panose="020B0004020202020204" pitchFamily="34" charset="0"/>
                       </a:endParaRPr>
                     </a:p>
                   </a:txBody>
+                  <a:tcPr>
+                    <a:lnL w="12700" cap="flat" cmpd="sng" algn="ctr">
+                      <a:solidFill>
+                        <a:schemeClr val="tx1"/>
+                      </a:solidFill>
+                      <a:prstDash val="solid"/>
+                      <a:round/>
+                      <a:headEnd type="none" w="med" len="med"/>
+                      <a:tailEnd type="none" w="med" len="med"/>
+                    </a:lnL>
+                    <a:lnR w="12700" cap="flat" cmpd="sng" algn="ctr">
+                      <a:solidFill>
+                        <a:schemeClr val="tx1"/>
+                      </a:solidFill>
+                      <a:prstDash val="solid"/>
+                      <a:round/>
+                      <a:headEnd type="none" w="med" len="med"/>
+                      <a:tailEnd type="none" w="med" len="med"/>
+                    </a:lnR>
+                    <a:lnT w="12700" cap="flat" cmpd="sng" algn="ctr">
+                      <a:solidFill>
+                        <a:schemeClr val="tx1"/>
+                      </a:solidFill>
+                      <a:prstDash val="solid"/>
+                      <a:round/>
+                      <a:headEnd type="none" w="med" len="med"/>
+                      <a:tailEnd type="none" w="med" len="med"/>
+                    </a:lnT>
+                    <a:lnB w="12700" cap="flat" cmpd="sng" algn="ctr">
+                      <a:solidFill>
+                        <a:schemeClr val="tx1"/>
+                      </a:solidFill>
+                      <a:prstDash val="solid"/>
+                      <a:round/>
+                      <a:headEnd type="none" w="med" len="med"/>
+                      <a:tailEnd type="none" w="med" len="med"/>
+                    </a:lnB>
+                    <a:noFill/>
+                  </a:tcPr>
+                </a:tc>
+                <a:tc hMerge="1">
+                  <a:txBody>
+                    <a:bodyPr/>
+                    <a:lstStyle/>
+                    <a:p>
+                      <a:endParaRPr lang="ru-RU"/>
+                    </a:p>
+                  </a:txBody>
                   <a:tcPr/>
                 </a:tc>
-                <a:tc hMerge="1">
-                  <a:txBody>
-                    <a:bodyPr/>
-                    <a:lstStyle/>
-                    <a:p>
-                      <a:endParaRPr lang="ru-RU"/>
-                    </a:p>
-                  </a:txBody>
-                  <a:tcPr/>
-                </a:tc>
                 <a:tc rowSpan="2">
                   <a:txBody>
                     <a:bodyPr/>
                     <a:lstStyle/>
                     <a:p>
-                      <a:endParaRPr lang="ru-RU" sz="1100" dirty="0">
+                      <a:endParaRPr lang="ru-RU" sz="1100" b="1" dirty="0">
+                        <a:solidFill>
+                          <a:schemeClr val="tx1"/>
+                        </a:solidFill>
+                        <a:effectLst>
+                          <a:outerShdw blurRad="38100" dist="38100" dir="2700000" algn="tl">
+                            <a:srgbClr val="000000">
+                              <a:alpha val="43137"/>
+                            </a:srgbClr>
+                          </a:outerShdw>
+                        </a:effectLst>
                         <a:latin typeface="Aptos Display" panose="020B0004020202020204" pitchFamily="34" charset="0"/>
                       </a:endParaRPr>
                     </a:p>
                   </a:txBody>
-                  <a:tcPr/>
+                  <a:tcPr>
+                    <a:lnL w="12700" cap="flat" cmpd="sng" algn="ctr">
+                      <a:solidFill>
+                        <a:schemeClr val="tx1"/>
+                      </a:solidFill>
+                      <a:prstDash val="solid"/>
+                      <a:round/>
+                      <a:headEnd type="none" w="med" len="med"/>
+                      <a:tailEnd type="none" w="med" len="med"/>
+                    </a:lnL>
+                    <a:lnR w="12700" cap="flat" cmpd="sng" algn="ctr">
+                      <a:solidFill>
+                        <a:schemeClr val="tx1"/>
+                      </a:solidFill>
+                      <a:prstDash val="solid"/>
+                      <a:round/>
+                      <a:headEnd type="none" w="med" len="med"/>
+                      <a:tailEnd type="none" w="med" len="med"/>
+                    </a:lnR>
+                    <a:lnT w="12700" cap="flat" cmpd="sng" algn="ctr">
+                      <a:solidFill>
+                        <a:schemeClr val="tx1"/>
+                      </a:solidFill>
+                      <a:prstDash val="solid"/>
+                      <a:round/>
+                      <a:headEnd type="none" w="med" len="med"/>
+                      <a:tailEnd type="none" w="med" len="med"/>
+                    </a:lnT>
+                    <a:lnB w="12700" cap="flat" cmpd="sng" algn="ctr">
+                      <a:solidFill>
+                        <a:schemeClr val="tx1"/>
+                      </a:solidFill>
+                      <a:prstDash val="solid"/>
+                      <a:round/>
+                      <a:headEnd type="none" w="med" len="med"/>
+                      <a:tailEnd type="none" w="med" len="med"/>
+                    </a:lnB>
+                    <a:noFill/>
+                  </a:tcPr>
                 </a:tc>
                 <a:tc rowSpan="2">
                   <a:txBody>
                     <a:bodyPr/>
                     <a:lstStyle/>
                     <a:p>
-                      <a:endParaRPr lang="ru-RU" sz="1100" dirty="0">
+                      <a:endParaRPr lang="ru-RU" sz="1100" b="1" dirty="0">
+                        <a:solidFill>
+                          <a:schemeClr val="tx1"/>
+                        </a:solidFill>
+                        <a:effectLst>
+                          <a:outerShdw blurRad="38100" dist="38100" dir="2700000" algn="tl">
+                            <a:srgbClr val="000000">
+                              <a:alpha val="43137"/>
+                            </a:srgbClr>
+                          </a:outerShdw>
+                        </a:effectLst>
                         <a:latin typeface="Aptos Display" panose="020B0004020202020204" pitchFamily="34" charset="0"/>
                       </a:endParaRPr>
                     </a:p>
                   </a:txBody>
-                  <a:tcPr/>
+                  <a:tcPr>
+                    <a:lnL w="12700" cap="flat" cmpd="sng" algn="ctr">
+                      <a:solidFill>
+                        <a:schemeClr val="tx1"/>
+                      </a:solidFill>
+                      <a:prstDash val="solid"/>
+                      <a:round/>
+                      <a:headEnd type="none" w="med" len="med"/>
+                      <a:tailEnd type="none" w="med" len="med"/>
+                    </a:lnL>
+                    <a:lnR w="12700" cap="flat" cmpd="sng" algn="ctr">
+                      <a:solidFill>
+                        <a:schemeClr val="tx1"/>
+                      </a:solidFill>
+                      <a:prstDash val="solid"/>
+                      <a:round/>
+                      <a:headEnd type="none" w="med" len="med"/>
+                      <a:tailEnd type="none" w="med" len="med"/>
+                    </a:lnR>
+                    <a:lnT w="12700" cap="flat" cmpd="sng" algn="ctr">
+                      <a:solidFill>
+                        <a:schemeClr val="tx1"/>
+                      </a:solidFill>
+                      <a:prstDash val="solid"/>
+                      <a:round/>
+                      <a:headEnd type="none" w="med" len="med"/>
+                      <a:tailEnd type="none" w="med" len="med"/>
+                    </a:lnT>
+                    <a:lnB w="12700" cap="flat" cmpd="sng" algn="ctr">
+                      <a:solidFill>
+                        <a:schemeClr val="tx1"/>
+                      </a:solidFill>
+                      <a:prstDash val="solid"/>
+                      <a:round/>
+                      <a:headEnd type="none" w="med" len="med"/>
+                      <a:tailEnd type="none" w="med" len="med"/>
+                    </a:lnB>
+                    <a:noFill/>
+                  </a:tcPr>
                 </a:tc>
                 <a:tc rowSpan="2">
                   <a:txBody>
                     <a:bodyPr/>
                     <a:lstStyle/>
                     <a:p>
-                      <a:endParaRPr lang="ru-RU" sz="1100" dirty="0">
+                      <a:endParaRPr lang="ru-RU" sz="1100" b="1" dirty="0">
+                        <a:solidFill>
+                          <a:schemeClr val="tx1"/>
+                        </a:solidFill>
+                        <a:effectLst>
+                          <a:outerShdw blurRad="38100" dist="38100" dir="2700000" algn="tl">
+                            <a:srgbClr val="000000">
+                              <a:alpha val="43137"/>
+                            </a:srgbClr>
+                          </a:outerShdw>
+                        </a:effectLst>
                         <a:latin typeface="Aptos Display" panose="020B0004020202020204" pitchFamily="34" charset="0"/>
                       </a:endParaRPr>
                     </a:p>
                   </a:txBody>
-                  <a:tcPr/>
+                  <a:tcPr>
+                    <a:lnL w="12700" cap="flat" cmpd="sng" algn="ctr">
+                      <a:solidFill>
+                        <a:schemeClr val="tx1"/>
+                      </a:solidFill>
+                      <a:prstDash val="solid"/>
+                      <a:round/>
+                      <a:headEnd type="none" w="med" len="med"/>
+                      <a:tailEnd type="none" w="med" len="med"/>
+                    </a:lnL>
+                    <a:lnR w="12700" cap="flat" cmpd="sng" algn="ctr">
+                      <a:solidFill>
+                        <a:schemeClr val="tx1"/>
+                      </a:solidFill>
+                      <a:prstDash val="solid"/>
+                      <a:round/>
+                      <a:headEnd type="none" w="med" len="med"/>
+                      <a:tailEnd type="none" w="med" len="med"/>
+                    </a:lnR>
+                    <a:lnT w="12700" cap="flat" cmpd="sng" algn="ctr">
+                      <a:solidFill>
+                        <a:schemeClr val="tx1"/>
+                      </a:solidFill>
+                      <a:prstDash val="solid"/>
+                      <a:round/>
+                      <a:headEnd type="none" w="med" len="med"/>
+                      <a:tailEnd type="none" w="med" len="med"/>
+                    </a:lnT>
+                    <a:lnB w="12700" cap="flat" cmpd="sng" algn="ctr">
+                      <a:solidFill>
+                        <a:schemeClr val="tx1"/>
+                      </a:solidFill>
+                      <a:prstDash val="solid"/>
+                      <a:round/>
+                      <a:headEnd type="none" w="med" len="med"/>
+                      <a:tailEnd type="none" w="med" len="med"/>
+                    </a:lnB>
+                    <a:noFill/>
+                  </a:tcPr>
                 </a:tc>
                 <a:extLst>
                   <a:ext uri="{0D108BD9-81ED-4DB2-BD59-A6C34878D82A}">
@@ -3806,6 +4820,9 @@
                     <a:p>
                       <a:r>
                         <a:rPr lang="ru-RU" sz="1100" b="1" dirty="0">
+                          <a:solidFill>
+                            <a:schemeClr val="tx1"/>
+                          </a:solidFill>
                           <a:effectLst>
                             <a:outerShdw blurRad="38100" dist="38100" dir="2700000" algn="tl">
                               <a:srgbClr val="000000">
@@ -3819,7 +4836,45 @@
                       </a:r>
                     </a:p>
                   </a:txBody>
-                  <a:tcPr/>
+                  <a:tcPr>
+                    <a:lnL w="12700" cap="flat" cmpd="sng" algn="ctr">
+                      <a:solidFill>
+                        <a:schemeClr val="tx1"/>
+                      </a:solidFill>
+                      <a:prstDash val="solid"/>
+                      <a:round/>
+                      <a:headEnd type="none" w="med" len="med"/>
+                      <a:tailEnd type="none" w="med" len="med"/>
+                    </a:lnL>
+                    <a:lnR w="12700" cap="flat" cmpd="sng" algn="ctr">
+                      <a:solidFill>
+                        <a:schemeClr val="tx1"/>
+                      </a:solidFill>
+                      <a:prstDash val="solid"/>
+                      <a:round/>
+                      <a:headEnd type="none" w="med" len="med"/>
+                      <a:tailEnd type="none" w="med" len="med"/>
+                    </a:lnR>
+                    <a:lnT w="12700" cap="flat" cmpd="sng" algn="ctr">
+                      <a:solidFill>
+                        <a:schemeClr val="tx1"/>
+                      </a:solidFill>
+                      <a:prstDash val="solid"/>
+                      <a:round/>
+                      <a:headEnd type="none" w="med" len="med"/>
+                      <a:tailEnd type="none" w="med" len="med"/>
+                    </a:lnT>
+                    <a:lnB w="12700" cap="flat" cmpd="sng" algn="ctr">
+                      <a:solidFill>
+                        <a:schemeClr val="tx1"/>
+                      </a:solidFill>
+                      <a:prstDash val="solid"/>
+                      <a:round/>
+                      <a:headEnd type="none" w="med" len="med"/>
+                      <a:tailEnd type="none" w="med" len="med"/>
+                    </a:lnB>
+                    <a:noFill/>
+                  </a:tcPr>
                 </a:tc>
                 <a:tc>
                   <a:txBody>
@@ -3827,6 +4882,9 @@
                     <a:lstStyle/>
                     <a:p>
                       <a:endParaRPr lang="ru-RU" sz="1100" b="1" dirty="0">
+                        <a:solidFill>
+                          <a:schemeClr val="tx1"/>
+                        </a:solidFill>
                         <a:effectLst>
                           <a:outerShdw blurRad="38100" dist="38100" dir="2700000" algn="tl">
                             <a:srgbClr val="000000">
@@ -3838,7 +4896,45 @@
                       </a:endParaRPr>
                     </a:p>
                   </a:txBody>
-                  <a:tcPr/>
+                  <a:tcPr>
+                    <a:lnL w="12700" cap="flat" cmpd="sng" algn="ctr">
+                      <a:solidFill>
+                        <a:schemeClr val="tx1"/>
+                      </a:solidFill>
+                      <a:prstDash val="solid"/>
+                      <a:round/>
+                      <a:headEnd type="none" w="med" len="med"/>
+                      <a:tailEnd type="none" w="med" len="med"/>
+                    </a:lnL>
+                    <a:lnR w="12700" cap="flat" cmpd="sng" algn="ctr">
+                      <a:solidFill>
+                        <a:schemeClr val="tx1"/>
+                      </a:solidFill>
+                      <a:prstDash val="solid"/>
+                      <a:round/>
+                      <a:headEnd type="none" w="med" len="med"/>
+                      <a:tailEnd type="none" w="med" len="med"/>
+                    </a:lnR>
+                    <a:lnT w="12700" cap="flat" cmpd="sng" algn="ctr">
+                      <a:solidFill>
+                        <a:schemeClr val="tx1"/>
+                      </a:solidFill>
+                      <a:prstDash val="solid"/>
+                      <a:round/>
+                      <a:headEnd type="none" w="med" len="med"/>
+                      <a:tailEnd type="none" w="med" len="med"/>
+                    </a:lnT>
+                    <a:lnB w="12700" cap="flat" cmpd="sng" algn="ctr">
+                      <a:solidFill>
+                        <a:schemeClr val="tx1"/>
+                      </a:solidFill>
+                      <a:prstDash val="solid"/>
+                      <a:round/>
+                      <a:headEnd type="none" w="med" len="med"/>
+                      <a:tailEnd type="none" w="med" len="med"/>
+                    </a:lnB>
+                    <a:noFill/>
+                  </a:tcPr>
                 </a:tc>
                 <a:tc vMerge="1">
                   <a:txBody>
@@ -3890,6 +4986,9 @@
                     <a:p>
                       <a:r>
                         <a:rPr lang="ru-RU" sz="1100" b="1" dirty="0">
+                          <a:solidFill>
+                            <a:schemeClr val="tx1"/>
+                          </a:solidFill>
                           <a:effectLst>
                             <a:outerShdw blurRad="38100" dist="38100" dir="2700000" algn="tl">
                               <a:srgbClr val="000000">
@@ -3903,65 +5002,295 @@
                       </a:r>
                     </a:p>
                   </a:txBody>
-                  <a:tcPr anchor="ctr"/>
+                  <a:tcPr anchor="ctr">
+                    <a:lnL w="12700" cap="flat" cmpd="sng" algn="ctr">
+                      <a:solidFill>
+                        <a:schemeClr val="tx1"/>
+                      </a:solidFill>
+                      <a:prstDash val="solid"/>
+                      <a:round/>
+                      <a:headEnd type="none" w="med" len="med"/>
+                      <a:tailEnd type="none" w="med" len="med"/>
+                    </a:lnL>
+                    <a:lnR w="12700" cap="flat" cmpd="sng" algn="ctr">
+                      <a:solidFill>
+                        <a:schemeClr val="tx1"/>
+                      </a:solidFill>
+                      <a:prstDash val="solid"/>
+                      <a:round/>
+                      <a:headEnd type="none" w="med" len="med"/>
+                      <a:tailEnd type="none" w="med" len="med"/>
+                    </a:lnR>
+                    <a:lnT w="12700" cap="flat" cmpd="sng" algn="ctr">
+                      <a:solidFill>
+                        <a:schemeClr val="tx1"/>
+                      </a:solidFill>
+                      <a:prstDash val="solid"/>
+                      <a:round/>
+                      <a:headEnd type="none" w="med" len="med"/>
+                      <a:tailEnd type="none" w="med" len="med"/>
+                    </a:lnT>
+                    <a:lnB w="12700" cap="flat" cmpd="sng" algn="ctr">
+                      <a:solidFill>
+                        <a:schemeClr val="tx1"/>
+                      </a:solidFill>
+                      <a:prstDash val="solid"/>
+                      <a:round/>
+                      <a:headEnd type="none" w="med" len="med"/>
+                      <a:tailEnd type="none" w="med" len="med"/>
+                    </a:lnB>
+                    <a:noFill/>
+                  </a:tcPr>
                 </a:tc>
                 <a:tc gridSpan="2">
                   <a:txBody>
                     <a:bodyPr/>
                     <a:lstStyle/>
                     <a:p>
-                      <a:endParaRPr lang="ru-RU" sz="1100" dirty="0">
+                      <a:endParaRPr lang="ru-RU" sz="1100" b="1" dirty="0">
+                        <a:solidFill>
+                          <a:schemeClr val="tx1"/>
+                        </a:solidFill>
+                        <a:effectLst>
+                          <a:outerShdw blurRad="38100" dist="38100" dir="2700000" algn="tl">
+                            <a:srgbClr val="000000">
+                              <a:alpha val="43137"/>
+                            </a:srgbClr>
+                          </a:outerShdw>
+                        </a:effectLst>
                         <a:latin typeface="Aptos Display" panose="020B0004020202020204" pitchFamily="34" charset="0"/>
                       </a:endParaRPr>
                     </a:p>
                   </a:txBody>
+                  <a:tcPr>
+                    <a:lnL w="12700" cap="flat" cmpd="sng" algn="ctr">
+                      <a:solidFill>
+                        <a:schemeClr val="tx1"/>
+                      </a:solidFill>
+                      <a:prstDash val="solid"/>
+                      <a:round/>
+                      <a:headEnd type="none" w="med" len="med"/>
+                      <a:tailEnd type="none" w="med" len="med"/>
+                    </a:lnL>
+                    <a:lnR w="12700" cap="flat" cmpd="sng" algn="ctr">
+                      <a:solidFill>
+                        <a:schemeClr val="tx1"/>
+                      </a:solidFill>
+                      <a:prstDash val="solid"/>
+                      <a:round/>
+                      <a:headEnd type="none" w="med" len="med"/>
+                      <a:tailEnd type="none" w="med" len="med"/>
+                    </a:lnR>
+                    <a:lnT w="12700" cap="flat" cmpd="sng" algn="ctr">
+                      <a:solidFill>
+                        <a:schemeClr val="tx1"/>
+                      </a:solidFill>
+                      <a:prstDash val="solid"/>
+                      <a:round/>
+                      <a:headEnd type="none" w="med" len="med"/>
+                      <a:tailEnd type="none" w="med" len="med"/>
+                    </a:lnT>
+                    <a:lnB w="12700" cap="flat" cmpd="sng" algn="ctr">
+                      <a:solidFill>
+                        <a:schemeClr val="tx1"/>
+                      </a:solidFill>
+                      <a:prstDash val="solid"/>
+                      <a:round/>
+                      <a:headEnd type="none" w="med" len="med"/>
+                      <a:tailEnd type="none" w="med" len="med"/>
+                    </a:lnB>
+                    <a:noFill/>
+                  </a:tcPr>
+                </a:tc>
+                <a:tc hMerge="1">
+                  <a:txBody>
+                    <a:bodyPr/>
+                    <a:lstStyle/>
+                    <a:p>
+                      <a:endParaRPr lang="ru-RU"/>
+                    </a:p>
+                  </a:txBody>
                   <a:tcPr/>
                 </a:tc>
-                <a:tc hMerge="1">
-                  <a:txBody>
-                    <a:bodyPr/>
-                    <a:lstStyle/>
-                    <a:p>
-                      <a:endParaRPr lang="ru-RU"/>
-                    </a:p>
-                  </a:txBody>
-                  <a:tcPr/>
-                </a:tc>
                 <a:tc>
                   <a:txBody>
                     <a:bodyPr/>
                     <a:lstStyle/>
                     <a:p>
-                      <a:endParaRPr lang="ru-RU" sz="1100">
+                      <a:endParaRPr lang="ru-RU" sz="1100" b="1">
+                        <a:solidFill>
+                          <a:schemeClr val="tx1"/>
+                        </a:solidFill>
+                        <a:effectLst>
+                          <a:outerShdw blurRad="38100" dist="38100" dir="2700000" algn="tl">
+                            <a:srgbClr val="000000">
+                              <a:alpha val="43137"/>
+                            </a:srgbClr>
+                          </a:outerShdw>
+                        </a:effectLst>
                         <a:latin typeface="Aptos Display" panose="020B0004020202020204" pitchFamily="34" charset="0"/>
                       </a:endParaRPr>
                     </a:p>
                   </a:txBody>
-                  <a:tcPr/>
+                  <a:tcPr>
+                    <a:lnL w="12700" cap="flat" cmpd="sng" algn="ctr">
+                      <a:solidFill>
+                        <a:schemeClr val="tx1"/>
+                      </a:solidFill>
+                      <a:prstDash val="solid"/>
+                      <a:round/>
+                      <a:headEnd type="none" w="med" len="med"/>
+                      <a:tailEnd type="none" w="med" len="med"/>
+                    </a:lnL>
+                    <a:lnR w="12700" cap="flat" cmpd="sng" algn="ctr">
+                      <a:solidFill>
+                        <a:schemeClr val="tx1"/>
+                      </a:solidFill>
+                      <a:prstDash val="solid"/>
+                      <a:round/>
+                      <a:headEnd type="none" w="med" len="med"/>
+                      <a:tailEnd type="none" w="med" len="med"/>
+                    </a:lnR>
+                    <a:lnT w="12700" cap="flat" cmpd="sng" algn="ctr">
+                      <a:solidFill>
+                        <a:schemeClr val="tx1"/>
+                      </a:solidFill>
+                      <a:prstDash val="solid"/>
+                      <a:round/>
+                      <a:headEnd type="none" w="med" len="med"/>
+                      <a:tailEnd type="none" w="med" len="med"/>
+                    </a:lnT>
+                    <a:lnB w="12700" cap="flat" cmpd="sng" algn="ctr">
+                      <a:solidFill>
+                        <a:schemeClr val="tx1"/>
+                      </a:solidFill>
+                      <a:prstDash val="solid"/>
+                      <a:round/>
+                      <a:headEnd type="none" w="med" len="med"/>
+                      <a:tailEnd type="none" w="med" len="med"/>
+                    </a:lnB>
+                    <a:noFill/>
+                  </a:tcPr>
                 </a:tc>
                 <a:tc>
                   <a:txBody>
                     <a:bodyPr/>
                     <a:lstStyle/>
                     <a:p>
-                      <a:endParaRPr lang="ru-RU" sz="1100">
+                      <a:endParaRPr lang="ru-RU" sz="1100" b="1">
+                        <a:solidFill>
+                          <a:schemeClr val="tx1"/>
+                        </a:solidFill>
+                        <a:effectLst>
+                          <a:outerShdw blurRad="38100" dist="38100" dir="2700000" algn="tl">
+                            <a:srgbClr val="000000">
+                              <a:alpha val="43137"/>
+                            </a:srgbClr>
+                          </a:outerShdw>
+                        </a:effectLst>
                         <a:latin typeface="Aptos Display" panose="020B0004020202020204" pitchFamily="34" charset="0"/>
                       </a:endParaRPr>
                     </a:p>
                   </a:txBody>
-                  <a:tcPr/>
+                  <a:tcPr>
+                    <a:lnL w="12700" cap="flat" cmpd="sng" algn="ctr">
+                      <a:solidFill>
+                        <a:schemeClr val="tx1"/>
+                      </a:solidFill>
+                      <a:prstDash val="solid"/>
+                      <a:round/>
+                      <a:headEnd type="none" w="med" len="med"/>
+                      <a:tailEnd type="none" w="med" len="med"/>
+                    </a:lnL>
+                    <a:lnR w="12700" cap="flat" cmpd="sng" algn="ctr">
+                      <a:solidFill>
+                        <a:schemeClr val="tx1"/>
+                      </a:solidFill>
+                      <a:prstDash val="solid"/>
+                      <a:round/>
+                      <a:headEnd type="none" w="med" len="med"/>
+                      <a:tailEnd type="none" w="med" len="med"/>
+                    </a:lnR>
+                    <a:lnT w="12700" cap="flat" cmpd="sng" algn="ctr">
+                      <a:solidFill>
+                        <a:schemeClr val="tx1"/>
+                      </a:solidFill>
+                      <a:prstDash val="solid"/>
+                      <a:round/>
+                      <a:headEnd type="none" w="med" len="med"/>
+                      <a:tailEnd type="none" w="med" len="med"/>
+                    </a:lnT>
+                    <a:lnB w="12700" cap="flat" cmpd="sng" algn="ctr">
+                      <a:solidFill>
+                        <a:schemeClr val="tx1"/>
+                      </a:solidFill>
+                      <a:prstDash val="solid"/>
+                      <a:round/>
+                      <a:headEnd type="none" w="med" len="med"/>
+                      <a:tailEnd type="none" w="med" len="med"/>
+                    </a:lnB>
+                    <a:noFill/>
+                  </a:tcPr>
                 </a:tc>
                 <a:tc>
                   <a:txBody>
                     <a:bodyPr/>
                     <a:lstStyle/>
                     <a:p>
-                      <a:endParaRPr lang="ru-RU" sz="1100">
+                      <a:endParaRPr lang="ru-RU" sz="1100" b="1">
+                        <a:solidFill>
+                          <a:schemeClr val="tx1"/>
+                        </a:solidFill>
+                        <a:effectLst>
+                          <a:outerShdw blurRad="38100" dist="38100" dir="2700000" algn="tl">
+                            <a:srgbClr val="000000">
+                              <a:alpha val="43137"/>
+                            </a:srgbClr>
+                          </a:outerShdw>
+                        </a:effectLst>
                         <a:latin typeface="Aptos Display" panose="020B0004020202020204" pitchFamily="34" charset="0"/>
                       </a:endParaRPr>
                     </a:p>
                   </a:txBody>
-                  <a:tcPr/>
+                  <a:tcPr>
+                    <a:lnL w="12700" cap="flat" cmpd="sng" algn="ctr">
+                      <a:solidFill>
+                        <a:schemeClr val="tx1"/>
+                      </a:solidFill>
+                      <a:prstDash val="solid"/>
+                      <a:round/>
+                      <a:headEnd type="none" w="med" len="med"/>
+                      <a:tailEnd type="none" w="med" len="med"/>
+                    </a:lnL>
+                    <a:lnR w="12700" cap="flat" cmpd="sng" algn="ctr">
+                      <a:solidFill>
+                        <a:schemeClr val="tx1"/>
+                      </a:solidFill>
+                      <a:prstDash val="solid"/>
+                      <a:round/>
+                      <a:headEnd type="none" w="med" len="med"/>
+                      <a:tailEnd type="none" w="med" len="med"/>
+                    </a:lnR>
+                    <a:lnT w="12700" cap="flat" cmpd="sng" algn="ctr">
+                      <a:solidFill>
+                        <a:schemeClr val="tx1"/>
+                      </a:solidFill>
+                      <a:prstDash val="solid"/>
+                      <a:round/>
+                      <a:headEnd type="none" w="med" len="med"/>
+                      <a:tailEnd type="none" w="med" len="med"/>
+                    </a:lnT>
+                    <a:lnB w="12700" cap="flat" cmpd="sng" algn="ctr">
+                      <a:solidFill>
+                        <a:schemeClr val="tx1"/>
+                      </a:solidFill>
+                      <a:prstDash val="solid"/>
+                      <a:round/>
+                      <a:headEnd type="none" w="med" len="med"/>
+                      <a:tailEnd type="none" w="med" len="med"/>
+                    </a:lnB>
+                    <a:noFill/>
+                  </a:tcPr>
                 </a:tc>
                 <a:extLst>
                   <a:ext uri="{0D108BD9-81ED-4DB2-BD59-A6C34878D82A}">
@@ -3977,6 +5306,9 @@
                     <a:p>
                       <a:r>
                         <a:rPr lang="ru-RU" sz="1100" b="1" dirty="0">
+                          <a:solidFill>
+                            <a:schemeClr val="tx1"/>
+                          </a:solidFill>
                           <a:effectLst>
                             <a:outerShdw blurRad="38100" dist="38100" dir="2700000" algn="tl">
                               <a:srgbClr val="000000">
@@ -3991,11 +5323,43 @@
                     </a:p>
                   </a:txBody>
                   <a:tcPr anchor="ctr">
-                    <a:solidFill>
-                      <a:schemeClr val="bg1">
-                        <a:lumMod val="95000"/>
-                      </a:schemeClr>
-                    </a:solidFill>
+                    <a:lnL w="12700" cap="flat" cmpd="sng" algn="ctr">
+                      <a:solidFill>
+                        <a:schemeClr val="tx1"/>
+                      </a:solidFill>
+                      <a:prstDash val="solid"/>
+                      <a:round/>
+                      <a:headEnd type="none" w="med" len="med"/>
+                      <a:tailEnd type="none" w="med" len="med"/>
+                    </a:lnL>
+                    <a:lnR w="12700" cap="flat" cmpd="sng" algn="ctr">
+                      <a:solidFill>
+                        <a:schemeClr val="tx1"/>
+                      </a:solidFill>
+                      <a:prstDash val="solid"/>
+                      <a:round/>
+                      <a:headEnd type="none" w="med" len="med"/>
+                      <a:tailEnd type="none" w="med" len="med"/>
+                    </a:lnR>
+                    <a:lnT w="12700" cap="flat" cmpd="sng" algn="ctr">
+                      <a:solidFill>
+                        <a:schemeClr val="tx1"/>
+                      </a:solidFill>
+                      <a:prstDash val="solid"/>
+                      <a:round/>
+                      <a:headEnd type="none" w="med" len="med"/>
+                      <a:tailEnd type="none" w="med" len="med"/>
+                    </a:lnT>
+                    <a:lnB w="12700" cap="flat" cmpd="sng" algn="ctr">
+                      <a:solidFill>
+                        <a:schemeClr val="tx1"/>
+                      </a:solidFill>
+                      <a:prstDash val="solid"/>
+                      <a:round/>
+                      <a:headEnd type="none" w="med" len="med"/>
+                      <a:tailEnd type="none" w="med" len="med"/>
+                    </a:lnB>
+                    <a:noFill/>
                   </a:tcPr>
                 </a:tc>
                 <a:tc gridSpan="2">
@@ -4003,17 +5367,59 @@
                     <a:bodyPr/>
                     <a:lstStyle/>
                     <a:p>
-                      <a:endParaRPr lang="ru-RU" sz="1100" dirty="0">
+                      <a:endParaRPr lang="ru-RU" sz="1100" b="1" dirty="0">
+                        <a:solidFill>
+                          <a:schemeClr val="tx1"/>
+                        </a:solidFill>
+                        <a:effectLst>
+                          <a:outerShdw blurRad="38100" dist="38100" dir="2700000" algn="tl">
+                            <a:srgbClr val="000000">
+                              <a:alpha val="43137"/>
+                            </a:srgbClr>
+                          </a:outerShdw>
+                        </a:effectLst>
                         <a:latin typeface="Aptos Display" panose="020B0004020202020204" pitchFamily="34" charset="0"/>
                       </a:endParaRPr>
                     </a:p>
                   </a:txBody>
                   <a:tcPr>
-                    <a:solidFill>
-                      <a:schemeClr val="bg1">
-                        <a:lumMod val="95000"/>
-                      </a:schemeClr>
-                    </a:solidFill>
+                    <a:lnL w="12700" cap="flat" cmpd="sng" algn="ctr">
+                      <a:solidFill>
+                        <a:schemeClr val="tx1"/>
+                      </a:solidFill>
+                      <a:prstDash val="solid"/>
+                      <a:round/>
+                      <a:headEnd type="none" w="med" len="med"/>
+                      <a:tailEnd type="none" w="med" len="med"/>
+                    </a:lnL>
+                    <a:lnR w="12700" cap="flat" cmpd="sng" algn="ctr">
+                      <a:solidFill>
+                        <a:schemeClr val="tx1"/>
+                      </a:solidFill>
+                      <a:prstDash val="solid"/>
+                      <a:round/>
+                      <a:headEnd type="none" w="med" len="med"/>
+                      <a:tailEnd type="none" w="med" len="med"/>
+                    </a:lnR>
+                    <a:lnT w="12700" cap="flat" cmpd="sng" algn="ctr">
+                      <a:solidFill>
+                        <a:schemeClr val="tx1"/>
+                      </a:solidFill>
+                      <a:prstDash val="solid"/>
+                      <a:round/>
+                      <a:headEnd type="none" w="med" len="med"/>
+                      <a:tailEnd type="none" w="med" len="med"/>
+                    </a:lnT>
+                    <a:lnB w="12700" cap="flat" cmpd="sng" algn="ctr">
+                      <a:solidFill>
+                        <a:schemeClr val="tx1"/>
+                      </a:solidFill>
+                      <a:prstDash val="solid"/>
+                      <a:round/>
+                      <a:headEnd type="none" w="med" len="med"/>
+                      <a:tailEnd type="none" w="med" len="med"/>
+                    </a:lnB>
+                    <a:noFill/>
                   </a:tcPr>
                 </a:tc>
                 <a:tc hMerge="1">
@@ -4031,17 +5437,59 @@
                     <a:bodyPr/>
                     <a:lstStyle/>
                     <a:p>
-                      <a:endParaRPr lang="ru-RU" sz="1100" dirty="0">
+                      <a:endParaRPr lang="ru-RU" sz="1100" b="1" dirty="0">
+                        <a:solidFill>
+                          <a:schemeClr val="tx1"/>
+                        </a:solidFill>
+                        <a:effectLst>
+                          <a:outerShdw blurRad="38100" dist="38100" dir="2700000" algn="tl">
+                            <a:srgbClr val="000000">
+                              <a:alpha val="43137"/>
+                            </a:srgbClr>
+                          </a:outerShdw>
+                        </a:effectLst>
                         <a:latin typeface="Aptos Display" panose="020B0004020202020204" pitchFamily="34" charset="0"/>
                       </a:endParaRPr>
                     </a:p>
                   </a:txBody>
                   <a:tcPr>
-                    <a:solidFill>
-                      <a:schemeClr val="bg1">
-                        <a:lumMod val="95000"/>
-                      </a:schemeClr>
-                    </a:solidFill>
+                    <a:lnL w="12700" cap="flat" cmpd="sng" algn="ctr">
+                      <a:solidFill>
+                        <a:schemeClr val="tx1"/>
+                      </a:solidFill>
+                      <a:prstDash val="solid"/>
+                      <a:round/>
+                      <a:headEnd type="none" w="med" len="med"/>
+                      <a:tailEnd type="none" w="med" len="med"/>
+                    </a:lnL>
+                    <a:lnR w="12700" cap="flat" cmpd="sng" algn="ctr">
+                      <a:solidFill>
+                        <a:schemeClr val="tx1"/>
+                      </a:solidFill>
+                      <a:prstDash val="solid"/>
+                      <a:round/>
+                      <a:headEnd type="none" w="med" len="med"/>
+                      <a:tailEnd type="none" w="med" len="med"/>
+                    </a:lnR>
+                    <a:lnT w="12700" cap="flat" cmpd="sng" algn="ctr">
+                      <a:solidFill>
+                        <a:schemeClr val="tx1"/>
+                      </a:solidFill>
+                      <a:prstDash val="solid"/>
+                      <a:round/>
+                      <a:headEnd type="none" w="med" len="med"/>
+                      <a:tailEnd type="none" w="med" len="med"/>
+                    </a:lnT>
+                    <a:lnB w="12700" cap="flat" cmpd="sng" algn="ctr">
+                      <a:solidFill>
+                        <a:schemeClr val="tx1"/>
+                      </a:solidFill>
+                      <a:prstDash val="solid"/>
+                      <a:round/>
+                      <a:headEnd type="none" w="med" len="med"/>
+                      <a:tailEnd type="none" w="med" len="med"/>
+                    </a:lnB>
+                    <a:noFill/>
                   </a:tcPr>
                 </a:tc>
                 <a:tc>
@@ -4049,17 +5497,59 @@
                     <a:bodyPr/>
                     <a:lstStyle/>
                     <a:p>
-                      <a:endParaRPr lang="ru-RU" sz="1100" dirty="0">
+                      <a:endParaRPr lang="ru-RU" sz="1100" b="1" dirty="0">
+                        <a:solidFill>
+                          <a:schemeClr val="tx1"/>
+                        </a:solidFill>
+                        <a:effectLst>
+                          <a:outerShdw blurRad="38100" dist="38100" dir="2700000" algn="tl">
+                            <a:srgbClr val="000000">
+                              <a:alpha val="43137"/>
+                            </a:srgbClr>
+                          </a:outerShdw>
+                        </a:effectLst>
                         <a:latin typeface="Aptos Display" panose="020B0004020202020204" pitchFamily="34" charset="0"/>
                       </a:endParaRPr>
                     </a:p>
                   </a:txBody>
                   <a:tcPr>
-                    <a:solidFill>
-                      <a:schemeClr val="bg1">
-                        <a:lumMod val="95000"/>
-                      </a:schemeClr>
-                    </a:solidFill>
+                    <a:lnL w="12700" cap="flat" cmpd="sng" algn="ctr">
+                      <a:solidFill>
+                        <a:schemeClr val="tx1"/>
+                      </a:solidFill>
+                      <a:prstDash val="solid"/>
+                      <a:round/>
+                      <a:headEnd type="none" w="med" len="med"/>
+                      <a:tailEnd type="none" w="med" len="med"/>
+                    </a:lnL>
+                    <a:lnR w="12700" cap="flat" cmpd="sng" algn="ctr">
+                      <a:solidFill>
+                        <a:schemeClr val="tx1"/>
+                      </a:solidFill>
+                      <a:prstDash val="solid"/>
+                      <a:round/>
+                      <a:headEnd type="none" w="med" len="med"/>
+                      <a:tailEnd type="none" w="med" len="med"/>
+                    </a:lnR>
+                    <a:lnT w="12700" cap="flat" cmpd="sng" algn="ctr">
+                      <a:solidFill>
+                        <a:schemeClr val="tx1"/>
+                      </a:solidFill>
+                      <a:prstDash val="solid"/>
+                      <a:round/>
+                      <a:headEnd type="none" w="med" len="med"/>
+                      <a:tailEnd type="none" w="med" len="med"/>
+                    </a:lnT>
+                    <a:lnB w="12700" cap="flat" cmpd="sng" algn="ctr">
+                      <a:solidFill>
+                        <a:schemeClr val="tx1"/>
+                      </a:solidFill>
+                      <a:prstDash val="solid"/>
+                      <a:round/>
+                      <a:headEnd type="none" w="med" len="med"/>
+                      <a:tailEnd type="none" w="med" len="med"/>
+                    </a:lnB>
+                    <a:noFill/>
                   </a:tcPr>
                 </a:tc>
                 <a:tc>
@@ -4067,17 +5557,59 @@
                     <a:bodyPr/>
                     <a:lstStyle/>
                     <a:p>
-                      <a:endParaRPr lang="ru-RU" sz="1100" dirty="0">
+                      <a:endParaRPr lang="ru-RU" sz="1100" b="1" dirty="0">
+                        <a:solidFill>
+                          <a:schemeClr val="tx1"/>
+                        </a:solidFill>
+                        <a:effectLst>
+                          <a:outerShdw blurRad="38100" dist="38100" dir="2700000" algn="tl">
+                            <a:srgbClr val="000000">
+                              <a:alpha val="43137"/>
+                            </a:srgbClr>
+                          </a:outerShdw>
+                        </a:effectLst>
                         <a:latin typeface="Aptos Display" panose="020B0004020202020204" pitchFamily="34" charset="0"/>
                       </a:endParaRPr>
                     </a:p>
                   </a:txBody>
                   <a:tcPr>
-                    <a:solidFill>
-                      <a:schemeClr val="bg1">
-                        <a:lumMod val="95000"/>
-                      </a:schemeClr>
-                    </a:solidFill>
+                    <a:lnL w="12700" cap="flat" cmpd="sng" algn="ctr">
+                      <a:solidFill>
+                        <a:schemeClr val="tx1"/>
+                      </a:solidFill>
+                      <a:prstDash val="solid"/>
+                      <a:round/>
+                      <a:headEnd type="none" w="med" len="med"/>
+                      <a:tailEnd type="none" w="med" len="med"/>
+                    </a:lnL>
+                    <a:lnR w="12700" cap="flat" cmpd="sng" algn="ctr">
+                      <a:solidFill>
+                        <a:schemeClr val="tx1"/>
+                      </a:solidFill>
+                      <a:prstDash val="solid"/>
+                      <a:round/>
+                      <a:headEnd type="none" w="med" len="med"/>
+                      <a:tailEnd type="none" w="med" len="med"/>
+                    </a:lnR>
+                    <a:lnT w="12700" cap="flat" cmpd="sng" algn="ctr">
+                      <a:solidFill>
+                        <a:schemeClr val="tx1"/>
+                      </a:solidFill>
+                      <a:prstDash val="solid"/>
+                      <a:round/>
+                      <a:headEnd type="none" w="med" len="med"/>
+                      <a:tailEnd type="none" w="med" len="med"/>
+                    </a:lnT>
+                    <a:lnB w="12700" cap="flat" cmpd="sng" algn="ctr">
+                      <a:solidFill>
+                        <a:schemeClr val="tx1"/>
+                      </a:solidFill>
+                      <a:prstDash val="solid"/>
+                      <a:round/>
+                      <a:headEnd type="none" w="med" len="med"/>
+                      <a:tailEnd type="none" w="med" len="med"/>
+                    </a:lnB>
+                    <a:noFill/>
                   </a:tcPr>
                 </a:tc>
                 <a:extLst>
@@ -4105,14 +5637,14 @@
           <p:nvPr>
             <p:extLst>
               <p:ext uri="{D42A27DB-BD31-4B8C-83A1-F6EECF244321}">
-                <p14:modId xmlns:p14="http://schemas.microsoft.com/office/powerpoint/2010/main" val="2952086286"/>
+                <p14:modId xmlns:p14="http://schemas.microsoft.com/office/powerpoint/2010/main" val="1791390840"/>
               </p:ext>
             </p:extLst>
           </p:nvPr>
         </p:nvGraphicFramePr>
         <p:xfrm>
-          <a:off x="0" y="3505708"/>
-          <a:ext cx="6858000" cy="370840"/>
+          <a:off x="0" y="3455924"/>
+          <a:ext cx="6858000" cy="396748"/>
         </p:xfrm>
         <a:graphic>
           <a:graphicData uri="http://schemas.openxmlformats.org/drawingml/2006/table">
@@ -4121,35 +5653,35 @@
                 <a:tableStyleId>{5C22544A-7EE6-4342-B048-85BDC9FD1C3A}</a:tableStyleId>
               </a:tblPr>
               <a:tblGrid>
-                <a:gridCol w="2048256">
+                <a:gridCol w="2036064">
                   <a:extLst>
                     <a:ext uri="{9D8B030D-6E8A-4147-A177-3AD203B41FA5}">
                       <a16:colId xmlns:a16="http://schemas.microsoft.com/office/drawing/2014/main" val="1899635743"/>
                     </a:ext>
                   </a:extLst>
                 </a:gridCol>
-                <a:gridCol w="1792224">
+                <a:gridCol w="1804416">
                   <a:extLst>
                     <a:ext uri="{9D8B030D-6E8A-4147-A177-3AD203B41FA5}">
                       <a16:colId xmlns:a16="http://schemas.microsoft.com/office/drawing/2014/main" val="2051511030"/>
                     </a:ext>
                   </a:extLst>
                 </a:gridCol>
-                <a:gridCol w="1036320">
+                <a:gridCol w="1072896">
                   <a:extLst>
                     <a:ext uri="{9D8B030D-6E8A-4147-A177-3AD203B41FA5}">
                       <a16:colId xmlns:a16="http://schemas.microsoft.com/office/drawing/2014/main" val="70827810"/>
                     </a:ext>
                   </a:extLst>
                 </a:gridCol>
-                <a:gridCol w="938784">
+                <a:gridCol w="915924">
                   <a:extLst>
                     <a:ext uri="{9D8B030D-6E8A-4147-A177-3AD203B41FA5}">
                       <a16:colId xmlns:a16="http://schemas.microsoft.com/office/drawing/2014/main" val="3739586619"/>
                     </a:ext>
                   </a:extLst>
                 </a:gridCol>
-                <a:gridCol w="1042416">
+                <a:gridCol w="1028700">
                   <a:extLst>
                     <a:ext uri="{9D8B030D-6E8A-4147-A177-3AD203B41FA5}">
                       <a16:colId xmlns:a16="http://schemas.microsoft.com/office/drawing/2014/main" val="1811758262"/>
@@ -4157,7 +5689,7 @@
                   </a:extLst>
                 </a:gridCol>
               </a:tblGrid>
-              <a:tr h="370840">
+              <a:tr h="396748">
                 <a:tc>
                   <a:txBody>
                     <a:bodyPr/>
@@ -4165,6 +5697,9 @@
                     <a:p>
                       <a:r>
                         <a:rPr lang="ru-RU" sz="1100" dirty="0">
+                          <a:solidFill>
+                            <a:schemeClr val="tx1"/>
+                          </a:solidFill>
                           <a:effectLst>
                             <a:outerShdw blurRad="38100" dist="38100" dir="2700000" algn="tl">
                               <a:srgbClr val="000000">
@@ -4179,12 +5714,43 @@
                     </a:p>
                   </a:txBody>
                   <a:tcPr anchor="ctr">
-                    <a:solidFill>
-                      <a:schemeClr val="accent5">
-                        <a:lumMod val="40000"/>
-                        <a:lumOff val="60000"/>
-                      </a:schemeClr>
-                    </a:solidFill>
+                    <a:lnL w="12700" cap="flat" cmpd="sng" algn="ctr">
+                      <a:solidFill>
+                        <a:schemeClr val="tx1"/>
+                      </a:solidFill>
+                      <a:prstDash val="solid"/>
+                      <a:round/>
+                      <a:headEnd type="none" w="med" len="med"/>
+                      <a:tailEnd type="none" w="med" len="med"/>
+                    </a:lnL>
+                    <a:lnR w="12700" cap="flat" cmpd="sng" algn="ctr">
+                      <a:solidFill>
+                        <a:schemeClr val="tx1"/>
+                      </a:solidFill>
+                      <a:prstDash val="solid"/>
+                      <a:round/>
+                      <a:headEnd type="none" w="med" len="med"/>
+                      <a:tailEnd type="none" w="med" len="med"/>
+                    </a:lnR>
+                    <a:lnT w="12700" cap="flat" cmpd="sng" algn="ctr">
+                      <a:solidFill>
+                        <a:schemeClr val="tx1"/>
+                      </a:solidFill>
+                      <a:prstDash val="solid"/>
+                      <a:round/>
+                      <a:headEnd type="none" w="med" len="med"/>
+                      <a:tailEnd type="none" w="med" len="med"/>
+                    </a:lnT>
+                    <a:lnB w="12700" cap="flat" cmpd="sng" algn="ctr">
+                      <a:solidFill>
+                        <a:schemeClr val="tx1"/>
+                      </a:solidFill>
+                      <a:prstDash val="solid"/>
+                      <a:round/>
+                      <a:headEnd type="none" w="med" len="med"/>
+                      <a:tailEnd type="none" w="med" len="med"/>
+                    </a:lnB>
+                    <a:noFill/>
                   </a:tcPr>
                 </a:tc>
                 <a:tc>
@@ -4193,6 +5759,9 @@
                     <a:lstStyle/>
                     <a:p>
                       <a:endParaRPr lang="ru-RU" sz="1100" dirty="0">
+                        <a:solidFill>
+                          <a:schemeClr val="tx1"/>
+                        </a:solidFill>
                         <a:effectLst>
                           <a:outerShdw blurRad="38100" dist="38100" dir="2700000" algn="tl">
                             <a:srgbClr val="000000">
@@ -4205,12 +5774,43 @@
                     </a:p>
                   </a:txBody>
                   <a:tcPr anchor="ctr">
-                    <a:solidFill>
-                      <a:schemeClr val="accent5">
-                        <a:lumMod val="40000"/>
-                        <a:lumOff val="60000"/>
-                      </a:schemeClr>
-                    </a:solidFill>
+                    <a:lnL w="12700" cap="flat" cmpd="sng" algn="ctr">
+                      <a:solidFill>
+                        <a:schemeClr val="tx1"/>
+                      </a:solidFill>
+                      <a:prstDash val="solid"/>
+                      <a:round/>
+                      <a:headEnd type="none" w="med" len="med"/>
+                      <a:tailEnd type="none" w="med" len="med"/>
+                    </a:lnL>
+                    <a:lnR w="12700" cap="flat" cmpd="sng" algn="ctr">
+                      <a:solidFill>
+                        <a:schemeClr val="tx1"/>
+                      </a:solidFill>
+                      <a:prstDash val="solid"/>
+                      <a:round/>
+                      <a:headEnd type="none" w="med" len="med"/>
+                      <a:tailEnd type="none" w="med" len="med"/>
+                    </a:lnR>
+                    <a:lnT w="12700" cap="flat" cmpd="sng" algn="ctr">
+                      <a:solidFill>
+                        <a:schemeClr val="tx1"/>
+                      </a:solidFill>
+                      <a:prstDash val="solid"/>
+                      <a:round/>
+                      <a:headEnd type="none" w="med" len="med"/>
+                      <a:tailEnd type="none" w="med" len="med"/>
+                    </a:lnT>
+                    <a:lnB w="12700" cap="flat" cmpd="sng" algn="ctr">
+                      <a:solidFill>
+                        <a:schemeClr val="tx1"/>
+                      </a:solidFill>
+                      <a:prstDash val="solid"/>
+                      <a:round/>
+                      <a:headEnd type="none" w="med" len="med"/>
+                      <a:tailEnd type="none" w="med" len="med"/>
+                    </a:lnB>
+                    <a:noFill/>
                   </a:tcPr>
                 </a:tc>
                 <a:tc>
@@ -4220,6 +5820,9 @@
                     <a:p>
                       <a:r>
                         <a:rPr lang="ru-RU" sz="1100" dirty="0">
+                          <a:solidFill>
+                            <a:schemeClr val="tx1"/>
+                          </a:solidFill>
                           <a:effectLst>
                             <a:outerShdw blurRad="38100" dist="38100" dir="2700000" algn="tl">
                               <a:srgbClr val="000000">
@@ -4234,12 +5837,43 @@
                     </a:p>
                   </a:txBody>
                   <a:tcPr anchor="ctr">
-                    <a:solidFill>
-                      <a:schemeClr val="accent5">
-                        <a:lumMod val="40000"/>
-                        <a:lumOff val="60000"/>
-                      </a:schemeClr>
-                    </a:solidFill>
+                    <a:lnL w="12700" cap="flat" cmpd="sng" algn="ctr">
+                      <a:solidFill>
+                        <a:schemeClr val="tx1"/>
+                      </a:solidFill>
+                      <a:prstDash val="solid"/>
+                      <a:round/>
+                      <a:headEnd type="none" w="med" len="med"/>
+                      <a:tailEnd type="none" w="med" len="med"/>
+                    </a:lnL>
+                    <a:lnR w="12700" cap="flat" cmpd="sng" algn="ctr">
+                      <a:solidFill>
+                        <a:schemeClr val="tx1"/>
+                      </a:solidFill>
+                      <a:prstDash val="solid"/>
+                      <a:round/>
+                      <a:headEnd type="none" w="med" len="med"/>
+                      <a:tailEnd type="none" w="med" len="med"/>
+                    </a:lnR>
+                    <a:lnT w="12700" cap="flat" cmpd="sng" algn="ctr">
+                      <a:solidFill>
+                        <a:schemeClr val="tx1"/>
+                      </a:solidFill>
+                      <a:prstDash val="solid"/>
+                      <a:round/>
+                      <a:headEnd type="none" w="med" len="med"/>
+                      <a:tailEnd type="none" w="med" len="med"/>
+                    </a:lnT>
+                    <a:lnB w="12700" cap="flat" cmpd="sng" algn="ctr">
+                      <a:solidFill>
+                        <a:schemeClr val="tx1"/>
+                      </a:solidFill>
+                      <a:prstDash val="solid"/>
+                      <a:round/>
+                      <a:headEnd type="none" w="med" len="med"/>
+                      <a:tailEnd type="none" w="med" len="med"/>
+                    </a:lnB>
+                    <a:noFill/>
                   </a:tcPr>
                 </a:tc>
                 <a:tc>
@@ -4249,6 +5883,9 @@
                     <a:p>
                       <a:r>
                         <a:rPr lang="ru-RU" sz="1100" dirty="0">
+                          <a:solidFill>
+                            <a:schemeClr val="tx1"/>
+                          </a:solidFill>
                           <a:effectLst>
                             <a:outerShdw blurRad="38100" dist="38100" dir="2700000" algn="tl">
                               <a:srgbClr val="000000">
@@ -4263,12 +5900,43 @@
                     </a:p>
                   </a:txBody>
                   <a:tcPr anchor="ctr">
-                    <a:solidFill>
-                      <a:schemeClr val="accent5">
-                        <a:lumMod val="40000"/>
-                        <a:lumOff val="60000"/>
-                      </a:schemeClr>
-                    </a:solidFill>
+                    <a:lnL w="12700" cap="flat" cmpd="sng" algn="ctr">
+                      <a:solidFill>
+                        <a:schemeClr val="tx1"/>
+                      </a:solidFill>
+                      <a:prstDash val="solid"/>
+                      <a:round/>
+                      <a:headEnd type="none" w="med" len="med"/>
+                      <a:tailEnd type="none" w="med" len="med"/>
+                    </a:lnL>
+                    <a:lnR w="12700" cap="flat" cmpd="sng" algn="ctr">
+                      <a:solidFill>
+                        <a:schemeClr val="tx1"/>
+                      </a:solidFill>
+                      <a:prstDash val="solid"/>
+                      <a:round/>
+                      <a:headEnd type="none" w="med" len="med"/>
+                      <a:tailEnd type="none" w="med" len="med"/>
+                    </a:lnR>
+                    <a:lnT w="12700" cap="flat" cmpd="sng" algn="ctr">
+                      <a:solidFill>
+                        <a:schemeClr val="tx1"/>
+                      </a:solidFill>
+                      <a:prstDash val="solid"/>
+                      <a:round/>
+                      <a:headEnd type="none" w="med" len="med"/>
+                      <a:tailEnd type="none" w="med" len="med"/>
+                    </a:lnT>
+                    <a:lnB w="12700" cap="flat" cmpd="sng" algn="ctr">
+                      <a:solidFill>
+                        <a:schemeClr val="tx1"/>
+                      </a:solidFill>
+                      <a:prstDash val="solid"/>
+                      <a:round/>
+                      <a:headEnd type="none" w="med" len="med"/>
+                      <a:tailEnd type="none" w="med" len="med"/>
+                    </a:lnB>
+                    <a:noFill/>
                   </a:tcPr>
                 </a:tc>
                 <a:tc>
@@ -4277,6 +5945,9 @@
                     <a:lstStyle/>
                     <a:p>
                       <a:endParaRPr lang="ru-RU" sz="1100" dirty="0">
+                        <a:solidFill>
+                          <a:schemeClr val="tx1"/>
+                        </a:solidFill>
                         <a:effectLst>
                           <a:outerShdw blurRad="38100" dist="38100" dir="2700000" algn="tl">
                             <a:srgbClr val="000000">
@@ -4289,12 +5960,43 @@
                     </a:p>
                   </a:txBody>
                   <a:tcPr anchor="ctr">
-                    <a:solidFill>
-                      <a:schemeClr val="accent5">
-                        <a:lumMod val="40000"/>
-                        <a:lumOff val="60000"/>
-                      </a:schemeClr>
-                    </a:solidFill>
+                    <a:lnL w="12700" cap="flat" cmpd="sng" algn="ctr">
+                      <a:solidFill>
+                        <a:schemeClr val="tx1"/>
+                      </a:solidFill>
+                      <a:prstDash val="solid"/>
+                      <a:round/>
+                      <a:headEnd type="none" w="med" len="med"/>
+                      <a:tailEnd type="none" w="med" len="med"/>
+                    </a:lnL>
+                    <a:lnR w="12700" cap="flat" cmpd="sng" algn="ctr">
+                      <a:solidFill>
+                        <a:schemeClr val="tx1"/>
+                      </a:solidFill>
+                      <a:prstDash val="solid"/>
+                      <a:round/>
+                      <a:headEnd type="none" w="med" len="med"/>
+                      <a:tailEnd type="none" w="med" len="med"/>
+                    </a:lnR>
+                    <a:lnT w="12700" cap="flat" cmpd="sng" algn="ctr">
+                      <a:solidFill>
+                        <a:schemeClr val="tx1"/>
+                      </a:solidFill>
+                      <a:prstDash val="solid"/>
+                      <a:round/>
+                      <a:headEnd type="none" w="med" len="med"/>
+                      <a:tailEnd type="none" w="med" len="med"/>
+                    </a:lnT>
+                    <a:lnB w="12700" cap="flat" cmpd="sng" algn="ctr">
+                      <a:solidFill>
+                        <a:schemeClr val="tx1"/>
+                      </a:solidFill>
+                      <a:prstDash val="solid"/>
+                      <a:round/>
+                      <a:headEnd type="none" w="med" len="med"/>
+                      <a:tailEnd type="none" w="med" len="med"/>
+                    </a:lnB>
+                    <a:noFill/>
                   </a:tcPr>
                 </a:tc>
                 <a:extLst>
@@ -4307,102 +6009,6 @@
           </a:graphicData>
         </a:graphic>
       </p:graphicFrame>
-      <p:sp>
-        <p:nvSpPr>
-          <p:cNvPr id="10" name="Блок-схема: процесс 9">
-            <a:extLst>
-              <a:ext uri="{FF2B5EF4-FFF2-40B4-BE49-F238E27FC236}">
-                <a16:creationId xmlns:a16="http://schemas.microsoft.com/office/drawing/2014/main" id="{2DA573A8-3454-82CC-75B5-B219E7DFE194}"/>
-              </a:ext>
-            </a:extLst>
-          </p:cNvPr>
-          <p:cNvSpPr/>
-          <p:nvPr/>
-        </p:nvSpPr>
-        <p:spPr>
-          <a:xfrm>
-            <a:off x="4180704" y="4159504"/>
-            <a:ext cx="144000" cy="144000"/>
-          </a:xfrm>
-          <a:prstGeom prst="flowChartProcess">
-            <a:avLst/>
-          </a:prstGeom>
-        </p:spPr>
-        <p:style>
-          <a:lnRef idx="2">
-            <a:schemeClr val="accent6"/>
-          </a:lnRef>
-          <a:fillRef idx="1">
-            <a:schemeClr val="lt1"/>
-          </a:fillRef>
-          <a:effectRef idx="0">
-            <a:schemeClr val="accent6"/>
-          </a:effectRef>
-          <a:fontRef idx="minor">
-            <a:schemeClr val="dk1"/>
-          </a:fontRef>
-        </p:style>
-        <p:txBody>
-          <a:bodyPr rtlCol="0" anchor="ctr"/>
-          <a:lstStyle/>
-          <a:p>
-            <a:pPr algn="ctr"/>
-            <a:endParaRPr lang="ru-RU" dirty="0">
-              <a:highlight>
-                <a:srgbClr val="FFFF00"/>
-              </a:highlight>
-            </a:endParaRPr>
-          </a:p>
-        </p:txBody>
-      </p:sp>
-      <p:sp>
-        <p:nvSpPr>
-          <p:cNvPr id="11" name="Блок-схема: процесс 10">
-            <a:extLst>
-              <a:ext uri="{FF2B5EF4-FFF2-40B4-BE49-F238E27FC236}">
-                <a16:creationId xmlns:a16="http://schemas.microsoft.com/office/drawing/2014/main" id="{F6EEC641-EDB9-8445-C74F-DBD0A4A5046E}"/>
-              </a:ext>
-            </a:extLst>
-          </p:cNvPr>
-          <p:cNvSpPr/>
-          <p:nvPr/>
-        </p:nvSpPr>
-        <p:spPr>
-          <a:xfrm>
-            <a:off x="5284080" y="4177792"/>
-            <a:ext cx="144000" cy="144000"/>
-          </a:xfrm>
-          <a:prstGeom prst="flowChartProcess">
-            <a:avLst/>
-          </a:prstGeom>
-        </p:spPr>
-        <p:style>
-          <a:lnRef idx="2">
-            <a:schemeClr val="accent6"/>
-          </a:lnRef>
-          <a:fillRef idx="1">
-            <a:schemeClr val="lt1"/>
-          </a:fillRef>
-          <a:effectRef idx="0">
-            <a:schemeClr val="accent6"/>
-          </a:effectRef>
-          <a:fontRef idx="minor">
-            <a:schemeClr val="dk1"/>
-          </a:fontRef>
-        </p:style>
-        <p:txBody>
-          <a:bodyPr rtlCol="0" anchor="ctr"/>
-          <a:lstStyle/>
-          <a:p>
-            <a:pPr algn="ctr"/>
-            <a:endParaRPr lang="ru-RU" dirty="0">
-              <a:highlight>
-                <a:srgbClr val="FFFF00"/>
-              </a:highlight>
-            </a:endParaRPr>
-          </a:p>
-        </p:txBody>
-      </p:sp>
       <p:graphicFrame>
         <p:nvGraphicFramePr>
           <p:cNvPr id="12" name="Таблица 11">
@@ -4418,14 +6024,14 @@
           <p:nvPr>
             <p:extLst>
               <p:ext uri="{D42A27DB-BD31-4B8C-83A1-F6EECF244321}">
-                <p14:modId xmlns:p14="http://schemas.microsoft.com/office/powerpoint/2010/main" val="956710503"/>
+                <p14:modId xmlns:p14="http://schemas.microsoft.com/office/powerpoint/2010/main" val="625183287"/>
               </p:ext>
             </p:extLst>
           </p:nvPr>
         </p:nvGraphicFramePr>
         <p:xfrm>
-          <a:off x="0" y="3865372"/>
-          <a:ext cx="6864096" cy="370840"/>
+          <a:off x="3048" y="3852955"/>
+          <a:ext cx="6851898" cy="370840"/>
         </p:xfrm>
         <a:graphic>
           <a:graphicData uri="http://schemas.openxmlformats.org/drawingml/2006/table">
@@ -4434,35 +6040,35 @@
                 <a:tableStyleId>{5C22544A-7EE6-4342-B048-85BDC9FD1C3A}</a:tableStyleId>
               </a:tblPr>
               <a:tblGrid>
-                <a:gridCol w="2050077">
+                <a:gridCol w="2028952">
                   <a:extLst>
                     <a:ext uri="{9D8B030D-6E8A-4147-A177-3AD203B41FA5}">
                       <a16:colId xmlns:a16="http://schemas.microsoft.com/office/drawing/2014/main" val="1899635743"/>
                     </a:ext>
                   </a:extLst>
                 </a:gridCol>
-                <a:gridCol w="1793817">
+                <a:gridCol w="1808111">
                   <a:extLst>
                     <a:ext uri="{9D8B030D-6E8A-4147-A177-3AD203B41FA5}">
                       <a16:colId xmlns:a16="http://schemas.microsoft.com/office/drawing/2014/main" val="2051511030"/>
                     </a:ext>
                   </a:extLst>
                 </a:gridCol>
-                <a:gridCol w="1037241">
+                <a:gridCol w="1074789">
                   <a:extLst>
                     <a:ext uri="{9D8B030D-6E8A-4147-A177-3AD203B41FA5}">
                       <a16:colId xmlns:a16="http://schemas.microsoft.com/office/drawing/2014/main" val="70827810"/>
                     </a:ext>
                   </a:extLst>
                 </a:gridCol>
-                <a:gridCol w="939618">
+                <a:gridCol w="914400">
                   <a:extLst>
                     <a:ext uri="{9D8B030D-6E8A-4147-A177-3AD203B41FA5}">
                       <a16:colId xmlns:a16="http://schemas.microsoft.com/office/drawing/2014/main" val="3739586619"/>
                     </a:ext>
                   </a:extLst>
                 </a:gridCol>
-                <a:gridCol w="1043343">
+                <a:gridCol w="1025646">
                   <a:extLst>
                     <a:ext uri="{9D8B030D-6E8A-4147-A177-3AD203B41FA5}">
                       <a16:colId xmlns:a16="http://schemas.microsoft.com/office/drawing/2014/main" val="1811758262"/>
@@ -4478,6 +6084,9 @@
                     <a:p>
                       <a:r>
                         <a:rPr lang="ru-RU" sz="1100" dirty="0" err="1">
+                          <a:solidFill>
+                            <a:schemeClr val="tx1"/>
+                          </a:solidFill>
                           <a:effectLst>
                             <a:outerShdw blurRad="38100" dist="38100" dir="2700000" algn="tl">
                               <a:srgbClr val="000000">
@@ -4491,6 +6100,9 @@
                       </a:r>
                       <a:r>
                         <a:rPr lang="ru-RU" sz="1100" dirty="0">
+                          <a:solidFill>
+                            <a:schemeClr val="tx1"/>
+                          </a:solidFill>
                           <a:effectLst>
                             <a:outerShdw blurRad="38100" dist="38100" dir="2700000" algn="tl">
                               <a:srgbClr val="000000">
@@ -4505,12 +6117,43 @@
                     </a:p>
                   </a:txBody>
                   <a:tcPr anchor="ctr">
-                    <a:solidFill>
-                      <a:schemeClr val="accent5">
-                        <a:lumMod val="40000"/>
-                        <a:lumOff val="60000"/>
-                      </a:schemeClr>
-                    </a:solidFill>
+                    <a:lnL w="12700" cap="flat" cmpd="sng" algn="ctr">
+                      <a:solidFill>
+                        <a:schemeClr val="tx1"/>
+                      </a:solidFill>
+                      <a:prstDash val="solid"/>
+                      <a:round/>
+                      <a:headEnd type="none" w="med" len="med"/>
+                      <a:tailEnd type="none" w="med" len="med"/>
+                    </a:lnL>
+                    <a:lnR w="12700" cap="flat" cmpd="sng" algn="ctr">
+                      <a:solidFill>
+                        <a:schemeClr val="tx1"/>
+                      </a:solidFill>
+                      <a:prstDash val="solid"/>
+                      <a:round/>
+                      <a:headEnd type="none" w="med" len="med"/>
+                      <a:tailEnd type="none" w="med" len="med"/>
+                    </a:lnR>
+                    <a:lnT w="12700" cap="flat" cmpd="sng" algn="ctr">
+                      <a:solidFill>
+                        <a:schemeClr val="tx1"/>
+                      </a:solidFill>
+                      <a:prstDash val="solid"/>
+                      <a:round/>
+                      <a:headEnd type="none" w="med" len="med"/>
+                      <a:tailEnd type="none" w="med" len="med"/>
+                    </a:lnT>
+                    <a:lnB w="12700" cap="flat" cmpd="sng" algn="ctr">
+                      <a:solidFill>
+                        <a:schemeClr val="tx1"/>
+                      </a:solidFill>
+                      <a:prstDash val="solid"/>
+                      <a:round/>
+                      <a:headEnd type="none" w="med" len="med"/>
+                      <a:tailEnd type="none" w="med" len="med"/>
+                    </a:lnB>
+                    <a:noFill/>
                   </a:tcPr>
                 </a:tc>
                 <a:tc>
@@ -4519,6 +6162,9 @@
                     <a:lstStyle/>
                     <a:p>
                       <a:endParaRPr lang="ru-RU" sz="1100" dirty="0">
+                        <a:solidFill>
+                          <a:schemeClr val="tx1"/>
+                        </a:solidFill>
                         <a:effectLst>
                           <a:outerShdw blurRad="38100" dist="38100" dir="2700000" algn="tl">
                             <a:srgbClr val="000000">
@@ -4531,12 +6177,43 @@
                     </a:p>
                   </a:txBody>
                   <a:tcPr anchor="ctr">
-                    <a:solidFill>
-                      <a:schemeClr val="accent5">
-                        <a:lumMod val="40000"/>
-                        <a:lumOff val="60000"/>
-                      </a:schemeClr>
-                    </a:solidFill>
+                    <a:lnL w="12700" cap="flat" cmpd="sng" algn="ctr">
+                      <a:solidFill>
+                        <a:schemeClr val="tx1"/>
+                      </a:solidFill>
+                      <a:prstDash val="solid"/>
+                      <a:round/>
+                      <a:headEnd type="none" w="med" len="med"/>
+                      <a:tailEnd type="none" w="med" len="med"/>
+                    </a:lnL>
+                    <a:lnR w="12700" cap="flat" cmpd="sng" algn="ctr">
+                      <a:solidFill>
+                        <a:schemeClr val="tx1"/>
+                      </a:solidFill>
+                      <a:prstDash val="solid"/>
+                      <a:round/>
+                      <a:headEnd type="none" w="med" len="med"/>
+                      <a:tailEnd type="none" w="med" len="med"/>
+                    </a:lnR>
+                    <a:lnT w="12700" cap="flat" cmpd="sng" algn="ctr">
+                      <a:solidFill>
+                        <a:schemeClr val="tx1"/>
+                      </a:solidFill>
+                      <a:prstDash val="solid"/>
+                      <a:round/>
+                      <a:headEnd type="none" w="med" len="med"/>
+                      <a:tailEnd type="none" w="med" len="med"/>
+                    </a:lnT>
+                    <a:lnB w="12700" cap="flat" cmpd="sng" algn="ctr">
+                      <a:solidFill>
+                        <a:schemeClr val="tx1"/>
+                      </a:solidFill>
+                      <a:prstDash val="solid"/>
+                      <a:round/>
+                      <a:headEnd type="none" w="med" len="med"/>
+                      <a:tailEnd type="none" w="med" len="med"/>
+                    </a:lnB>
+                    <a:noFill/>
                   </a:tcPr>
                 </a:tc>
                 <a:tc>
@@ -4547,6 +6224,9 @@
                       <a:pPr algn="ctr"/>
                       <a:r>
                         <a:rPr lang="ru-RU" sz="1100" dirty="0">
+                          <a:solidFill>
+                            <a:schemeClr val="tx1"/>
+                          </a:solidFill>
                           <a:effectLst>
                             <a:outerShdw blurRad="38100" dist="38100" dir="2700000" algn="tl">
                               <a:srgbClr val="000000">
@@ -4561,12 +6241,43 @@
                     </a:p>
                   </a:txBody>
                   <a:tcPr anchor="ctr">
-                    <a:solidFill>
-                      <a:schemeClr val="accent5">
-                        <a:lumMod val="40000"/>
-                        <a:lumOff val="60000"/>
-                      </a:schemeClr>
-                    </a:solidFill>
+                    <a:lnL w="12700" cap="flat" cmpd="sng" algn="ctr">
+                      <a:solidFill>
+                        <a:schemeClr val="tx1"/>
+                      </a:solidFill>
+                      <a:prstDash val="solid"/>
+                      <a:round/>
+                      <a:headEnd type="none" w="med" len="med"/>
+                      <a:tailEnd type="none" w="med" len="med"/>
+                    </a:lnL>
+                    <a:lnR w="12700" cap="flat" cmpd="sng" algn="ctr">
+                      <a:solidFill>
+                        <a:schemeClr val="tx1"/>
+                      </a:solidFill>
+                      <a:prstDash val="solid"/>
+                      <a:round/>
+                      <a:headEnd type="none" w="med" len="med"/>
+                      <a:tailEnd type="none" w="med" len="med"/>
+                    </a:lnR>
+                    <a:lnT w="12700" cap="flat" cmpd="sng" algn="ctr">
+                      <a:solidFill>
+                        <a:schemeClr val="tx1"/>
+                      </a:solidFill>
+                      <a:prstDash val="solid"/>
+                      <a:round/>
+                      <a:headEnd type="none" w="med" len="med"/>
+                      <a:tailEnd type="none" w="med" len="med"/>
+                    </a:lnT>
+                    <a:lnB w="12700" cap="flat" cmpd="sng" algn="ctr">
+                      <a:solidFill>
+                        <a:schemeClr val="tx1"/>
+                      </a:solidFill>
+                      <a:prstDash val="solid"/>
+                      <a:round/>
+                      <a:headEnd type="none" w="med" len="med"/>
+                      <a:tailEnd type="none" w="med" len="med"/>
+                    </a:lnB>
+                    <a:noFill/>
                   </a:tcPr>
                 </a:tc>
                 <a:tc>
@@ -4577,6 +6288,9 @@
                       <a:pPr algn="ctr"/>
                       <a:r>
                         <a:rPr lang="ru-RU" sz="1100" dirty="0">
+                          <a:solidFill>
+                            <a:schemeClr val="tx1"/>
+                          </a:solidFill>
                           <a:effectLst>
                             <a:outerShdw blurRad="38100" dist="38100" dir="2700000" algn="tl">
                               <a:srgbClr val="000000">
@@ -4591,12 +6305,43 @@
                     </a:p>
                   </a:txBody>
                   <a:tcPr anchor="ctr">
-                    <a:solidFill>
-                      <a:schemeClr val="accent5">
-                        <a:lumMod val="40000"/>
-                        <a:lumOff val="60000"/>
-                      </a:schemeClr>
-                    </a:solidFill>
+                    <a:lnL w="12700" cap="flat" cmpd="sng" algn="ctr">
+                      <a:solidFill>
+                        <a:schemeClr val="tx1"/>
+                      </a:solidFill>
+                      <a:prstDash val="solid"/>
+                      <a:round/>
+                      <a:headEnd type="none" w="med" len="med"/>
+                      <a:tailEnd type="none" w="med" len="med"/>
+                    </a:lnL>
+                    <a:lnR w="12700" cap="flat" cmpd="sng" algn="ctr">
+                      <a:solidFill>
+                        <a:schemeClr val="tx1"/>
+                      </a:solidFill>
+                      <a:prstDash val="solid"/>
+                      <a:round/>
+                      <a:headEnd type="none" w="med" len="med"/>
+                      <a:tailEnd type="none" w="med" len="med"/>
+                    </a:lnR>
+                    <a:lnT w="12700" cap="flat" cmpd="sng" algn="ctr">
+                      <a:solidFill>
+                        <a:schemeClr val="tx1"/>
+                      </a:solidFill>
+                      <a:prstDash val="solid"/>
+                      <a:round/>
+                      <a:headEnd type="none" w="med" len="med"/>
+                      <a:tailEnd type="none" w="med" len="med"/>
+                    </a:lnT>
+                    <a:lnB w="12700" cap="flat" cmpd="sng" algn="ctr">
+                      <a:solidFill>
+                        <a:schemeClr val="tx1"/>
+                      </a:solidFill>
+                      <a:prstDash val="solid"/>
+                      <a:round/>
+                      <a:headEnd type="none" w="med" len="med"/>
+                      <a:tailEnd type="none" w="med" len="med"/>
+                    </a:lnB>
+                    <a:noFill/>
                   </a:tcPr>
                 </a:tc>
                 <a:tc>
@@ -4605,6 +6350,9 @@
                     <a:lstStyle/>
                     <a:p>
                       <a:endParaRPr lang="ru-RU" sz="1100" dirty="0">
+                        <a:solidFill>
+                          <a:schemeClr val="tx1"/>
+                        </a:solidFill>
                         <a:effectLst>
                           <a:outerShdw blurRad="38100" dist="38100" dir="2700000" algn="tl">
                             <a:srgbClr val="000000">
@@ -4617,12 +6365,43 @@
                     </a:p>
                   </a:txBody>
                   <a:tcPr anchor="ctr">
-                    <a:solidFill>
-                      <a:schemeClr val="accent5">
-                        <a:lumMod val="40000"/>
-                        <a:lumOff val="60000"/>
-                      </a:schemeClr>
-                    </a:solidFill>
+                    <a:lnL w="12700" cap="flat" cmpd="sng" algn="ctr">
+                      <a:solidFill>
+                        <a:schemeClr val="tx1"/>
+                      </a:solidFill>
+                      <a:prstDash val="solid"/>
+                      <a:round/>
+                      <a:headEnd type="none" w="med" len="med"/>
+                      <a:tailEnd type="none" w="med" len="med"/>
+                    </a:lnL>
+                    <a:lnR w="12700" cap="flat" cmpd="sng" algn="ctr">
+                      <a:solidFill>
+                        <a:schemeClr val="tx1"/>
+                      </a:solidFill>
+                      <a:prstDash val="solid"/>
+                      <a:round/>
+                      <a:headEnd type="none" w="med" len="med"/>
+                      <a:tailEnd type="none" w="med" len="med"/>
+                    </a:lnR>
+                    <a:lnT w="12700" cap="flat" cmpd="sng" algn="ctr">
+                      <a:solidFill>
+                        <a:schemeClr val="tx1"/>
+                      </a:solidFill>
+                      <a:prstDash val="solid"/>
+                      <a:round/>
+                      <a:headEnd type="none" w="med" len="med"/>
+                      <a:tailEnd type="none" w="med" len="med"/>
+                    </a:lnT>
+                    <a:lnB w="12700" cap="flat" cmpd="sng" algn="ctr">
+                      <a:solidFill>
+                        <a:schemeClr val="tx1"/>
+                      </a:solidFill>
+                      <a:prstDash val="solid"/>
+                      <a:round/>
+                      <a:headEnd type="none" w="med" len="med"/>
+                      <a:tailEnd type="none" w="med" len="med"/>
+                    </a:lnB>
+                    <a:noFill/>
                   </a:tcPr>
                 </a:tc>
                 <a:extLst>
@@ -4650,13 +6429,13 @@
           <p:nvPr>
             <p:extLst>
               <p:ext uri="{D42A27DB-BD31-4B8C-83A1-F6EECF244321}">
-                <p14:modId xmlns:p14="http://schemas.microsoft.com/office/powerpoint/2010/main" val="3812441136"/>
+                <p14:modId xmlns:p14="http://schemas.microsoft.com/office/powerpoint/2010/main" val="2239027041"/>
               </p:ext>
             </p:extLst>
           </p:nvPr>
         </p:nvGraphicFramePr>
         <p:xfrm>
-          <a:off x="0" y="4221480"/>
+          <a:off x="0" y="4636789"/>
           <a:ext cx="6858000" cy="370840"/>
         </p:xfrm>
         <a:graphic>
@@ -4680,14 +6459,14 @@
                     </a:ext>
                   </a:extLst>
                 </a:gridCol>
-                <a:gridCol w="1714500">
+                <a:gridCol w="1739900">
                   <a:extLst>
                     <a:ext uri="{9D8B030D-6E8A-4147-A177-3AD203B41FA5}">
                       <a16:colId xmlns:a16="http://schemas.microsoft.com/office/drawing/2014/main" val="3236366694"/>
                     </a:ext>
                   </a:extLst>
                 </a:gridCol>
-                <a:gridCol w="1714500">
+                <a:gridCol w="1689100">
                   <a:extLst>
                     <a:ext uri="{9D8B030D-6E8A-4147-A177-3AD203B41FA5}">
                       <a16:colId xmlns:a16="http://schemas.microsoft.com/office/drawing/2014/main" val="1665954914"/>
@@ -4704,6 +6483,9 @@
                       <a:pPr algn="ctr"/>
                       <a:r>
                         <a:rPr lang="ru-RU" sz="1100" dirty="0">
+                          <a:solidFill>
+                            <a:schemeClr val="tx1"/>
+                          </a:solidFill>
                           <a:effectLst>
                             <a:outerShdw blurRad="38100" dist="38100" dir="2700000" algn="tl">
                               <a:srgbClr val="000000">
@@ -4718,12 +6500,43 @@
                     </a:p>
                   </a:txBody>
                   <a:tcPr anchor="ctr">
-                    <a:solidFill>
-                      <a:schemeClr val="accent5">
-                        <a:lumMod val="40000"/>
-                        <a:lumOff val="60000"/>
-                      </a:schemeClr>
-                    </a:solidFill>
+                    <a:lnL w="12700" cap="flat" cmpd="sng" algn="ctr">
+                      <a:solidFill>
+                        <a:schemeClr val="tx1"/>
+                      </a:solidFill>
+                      <a:prstDash val="solid"/>
+                      <a:round/>
+                      <a:headEnd type="none" w="med" len="med"/>
+                      <a:tailEnd type="none" w="med" len="med"/>
+                    </a:lnL>
+                    <a:lnR w="12700" cap="flat" cmpd="sng" algn="ctr">
+                      <a:solidFill>
+                        <a:schemeClr val="tx1"/>
+                      </a:solidFill>
+                      <a:prstDash val="solid"/>
+                      <a:round/>
+                      <a:headEnd type="none" w="med" len="med"/>
+                      <a:tailEnd type="none" w="med" len="med"/>
+                    </a:lnR>
+                    <a:lnT w="12700" cap="flat" cmpd="sng" algn="ctr">
+                      <a:solidFill>
+                        <a:schemeClr val="tx1"/>
+                      </a:solidFill>
+                      <a:prstDash val="solid"/>
+                      <a:round/>
+                      <a:headEnd type="none" w="med" len="med"/>
+                      <a:tailEnd type="none" w="med" len="med"/>
+                    </a:lnT>
+                    <a:lnB w="12700" cap="flat" cmpd="sng" algn="ctr">
+                      <a:solidFill>
+                        <a:schemeClr val="tx1"/>
+                      </a:solidFill>
+                      <a:prstDash val="solid"/>
+                      <a:round/>
+                      <a:headEnd type="none" w="med" len="med"/>
+                      <a:tailEnd type="none" w="med" len="med"/>
+                    </a:lnB>
+                    <a:noFill/>
                   </a:tcPr>
                 </a:tc>
                 <a:tc>
@@ -4732,6 +6545,9 @@
                     <a:lstStyle/>
                     <a:p>
                       <a:endParaRPr lang="ru-RU" sz="1100" dirty="0">
+                        <a:solidFill>
+                          <a:schemeClr val="tx1"/>
+                        </a:solidFill>
                         <a:effectLst>
                           <a:outerShdw blurRad="38100" dist="38100" dir="2700000" algn="tl">
                             <a:srgbClr val="000000">
@@ -4744,12 +6560,43 @@
                     </a:p>
                   </a:txBody>
                   <a:tcPr anchor="ctr">
-                    <a:solidFill>
-                      <a:schemeClr val="accent5">
-                        <a:lumMod val="40000"/>
-                        <a:lumOff val="60000"/>
-                      </a:schemeClr>
-                    </a:solidFill>
+                    <a:lnL w="12700" cap="flat" cmpd="sng" algn="ctr">
+                      <a:solidFill>
+                        <a:schemeClr val="tx1"/>
+                      </a:solidFill>
+                      <a:prstDash val="solid"/>
+                      <a:round/>
+                      <a:headEnd type="none" w="med" len="med"/>
+                      <a:tailEnd type="none" w="med" len="med"/>
+                    </a:lnL>
+                    <a:lnR w="12700" cap="flat" cmpd="sng" algn="ctr">
+                      <a:solidFill>
+                        <a:schemeClr val="tx1"/>
+                      </a:solidFill>
+                      <a:prstDash val="solid"/>
+                      <a:round/>
+                      <a:headEnd type="none" w="med" len="med"/>
+                      <a:tailEnd type="none" w="med" len="med"/>
+                    </a:lnR>
+                    <a:lnT w="12700" cap="flat" cmpd="sng" algn="ctr">
+                      <a:solidFill>
+                        <a:schemeClr val="tx1"/>
+                      </a:solidFill>
+                      <a:prstDash val="solid"/>
+                      <a:round/>
+                      <a:headEnd type="none" w="med" len="med"/>
+                      <a:tailEnd type="none" w="med" len="med"/>
+                    </a:lnT>
+                    <a:lnB w="12700" cap="flat" cmpd="sng" algn="ctr">
+                      <a:solidFill>
+                        <a:schemeClr val="tx1"/>
+                      </a:solidFill>
+                      <a:prstDash val="solid"/>
+                      <a:round/>
+                      <a:headEnd type="none" w="med" len="med"/>
+                      <a:tailEnd type="none" w="med" len="med"/>
+                    </a:lnB>
+                    <a:noFill/>
                   </a:tcPr>
                 </a:tc>
                 <a:tc>
@@ -4760,6 +6607,9 @@
                       <a:pPr algn="ctr"/>
                       <a:r>
                         <a:rPr lang="ru-RU" sz="1100" dirty="0">
+                          <a:solidFill>
+                            <a:schemeClr val="tx1"/>
+                          </a:solidFill>
                           <a:effectLst>
                             <a:outerShdw blurRad="38100" dist="38100" dir="2700000" algn="tl">
                               <a:srgbClr val="000000">
@@ -4774,12 +6624,43 @@
                     </a:p>
                   </a:txBody>
                   <a:tcPr anchor="ctr">
-                    <a:solidFill>
-                      <a:schemeClr val="accent5">
-                        <a:lumMod val="40000"/>
-                        <a:lumOff val="60000"/>
-                      </a:schemeClr>
-                    </a:solidFill>
+                    <a:lnL w="12700" cap="flat" cmpd="sng" algn="ctr">
+                      <a:solidFill>
+                        <a:schemeClr val="tx1"/>
+                      </a:solidFill>
+                      <a:prstDash val="solid"/>
+                      <a:round/>
+                      <a:headEnd type="none" w="med" len="med"/>
+                      <a:tailEnd type="none" w="med" len="med"/>
+                    </a:lnL>
+                    <a:lnR w="12700" cap="flat" cmpd="sng" algn="ctr">
+                      <a:solidFill>
+                        <a:schemeClr val="tx1"/>
+                      </a:solidFill>
+                      <a:prstDash val="solid"/>
+                      <a:round/>
+                      <a:headEnd type="none" w="med" len="med"/>
+                      <a:tailEnd type="none" w="med" len="med"/>
+                    </a:lnR>
+                    <a:lnT w="12700" cap="flat" cmpd="sng" algn="ctr">
+                      <a:solidFill>
+                        <a:schemeClr val="tx1"/>
+                      </a:solidFill>
+                      <a:prstDash val="solid"/>
+                      <a:round/>
+                      <a:headEnd type="none" w="med" len="med"/>
+                      <a:tailEnd type="none" w="med" len="med"/>
+                    </a:lnT>
+                    <a:lnB w="12700" cap="flat" cmpd="sng" algn="ctr">
+                      <a:solidFill>
+                        <a:schemeClr val="tx1"/>
+                      </a:solidFill>
+                      <a:prstDash val="solid"/>
+                      <a:round/>
+                      <a:headEnd type="none" w="med" len="med"/>
+                      <a:tailEnd type="none" w="med" len="med"/>
+                    </a:lnB>
+                    <a:noFill/>
                   </a:tcPr>
                 </a:tc>
                 <a:tc>
@@ -4788,6 +6669,9 @@
                     <a:lstStyle/>
                     <a:p>
                       <a:endParaRPr lang="ru-RU" sz="1100" dirty="0">
+                        <a:solidFill>
+                          <a:schemeClr val="tx1"/>
+                        </a:solidFill>
                         <a:effectLst>
                           <a:outerShdw blurRad="38100" dist="38100" dir="2700000" algn="tl">
                             <a:srgbClr val="000000">
@@ -4800,12 +6684,43 @@
                     </a:p>
                   </a:txBody>
                   <a:tcPr anchor="ctr">
-                    <a:solidFill>
-                      <a:schemeClr val="accent5">
-                        <a:lumMod val="40000"/>
-                        <a:lumOff val="60000"/>
-                      </a:schemeClr>
-                    </a:solidFill>
+                    <a:lnL w="12700" cap="flat" cmpd="sng" algn="ctr">
+                      <a:solidFill>
+                        <a:schemeClr val="tx1"/>
+                      </a:solidFill>
+                      <a:prstDash val="solid"/>
+                      <a:round/>
+                      <a:headEnd type="none" w="med" len="med"/>
+                      <a:tailEnd type="none" w="med" len="med"/>
+                    </a:lnL>
+                    <a:lnR w="12700" cap="flat" cmpd="sng" algn="ctr">
+                      <a:solidFill>
+                        <a:schemeClr val="tx1"/>
+                      </a:solidFill>
+                      <a:prstDash val="solid"/>
+                      <a:round/>
+                      <a:headEnd type="none" w="med" len="med"/>
+                      <a:tailEnd type="none" w="med" len="med"/>
+                    </a:lnR>
+                    <a:lnT w="12700" cap="flat" cmpd="sng" algn="ctr">
+                      <a:solidFill>
+                        <a:schemeClr val="tx1"/>
+                      </a:solidFill>
+                      <a:prstDash val="solid"/>
+                      <a:round/>
+                      <a:headEnd type="none" w="med" len="med"/>
+                      <a:tailEnd type="none" w="med" len="med"/>
+                    </a:lnT>
+                    <a:lnB w="12700" cap="flat" cmpd="sng" algn="ctr">
+                      <a:solidFill>
+                        <a:schemeClr val="tx1"/>
+                      </a:solidFill>
+                      <a:prstDash val="solid"/>
+                      <a:round/>
+                      <a:headEnd type="none" w="med" len="med"/>
+                      <a:tailEnd type="none" w="med" len="med"/>
+                    </a:lnB>
+                    <a:noFill/>
                   </a:tcPr>
                 </a:tc>
                 <a:extLst>
@@ -4833,14 +6748,14 @@
           <p:nvPr>
             <p:extLst>
               <p:ext uri="{D42A27DB-BD31-4B8C-83A1-F6EECF244321}">
-                <p14:modId xmlns:p14="http://schemas.microsoft.com/office/powerpoint/2010/main" val="1242543840"/>
+                <p14:modId xmlns:p14="http://schemas.microsoft.com/office/powerpoint/2010/main" val="2139971293"/>
               </p:ext>
             </p:extLst>
           </p:nvPr>
         </p:nvGraphicFramePr>
         <p:xfrm>
-          <a:off x="-9144" y="4575048"/>
-          <a:ext cx="6864096" cy="370840"/>
+          <a:off x="0" y="4223795"/>
+          <a:ext cx="6854952" cy="412467"/>
         </p:xfrm>
         <a:graphic>
           <a:graphicData uri="http://schemas.openxmlformats.org/drawingml/2006/table">
@@ -4849,21 +6764,21 @@
                 <a:tableStyleId>{5C22544A-7EE6-4342-B048-85BDC9FD1C3A}</a:tableStyleId>
               </a:tblPr>
               <a:tblGrid>
-                <a:gridCol w="2288032">
+                <a:gridCol w="2284984">
                   <a:extLst>
                     <a:ext uri="{9D8B030D-6E8A-4147-A177-3AD203B41FA5}">
                       <a16:colId xmlns:a16="http://schemas.microsoft.com/office/drawing/2014/main" val="853828310"/>
                     </a:ext>
                   </a:extLst>
                 </a:gridCol>
-                <a:gridCol w="2288032">
+                <a:gridCol w="2284984">
                   <a:extLst>
                     <a:ext uri="{9D8B030D-6E8A-4147-A177-3AD203B41FA5}">
                       <a16:colId xmlns:a16="http://schemas.microsoft.com/office/drawing/2014/main" val="669647404"/>
                     </a:ext>
                   </a:extLst>
                 </a:gridCol>
-                <a:gridCol w="2288032">
+                <a:gridCol w="2284984">
                   <a:extLst>
                     <a:ext uri="{9D8B030D-6E8A-4147-A177-3AD203B41FA5}">
                       <a16:colId xmlns:a16="http://schemas.microsoft.com/office/drawing/2014/main" val="3269822794"/>
@@ -4871,7 +6786,7 @@
                   </a:extLst>
                 </a:gridCol>
               </a:tblGrid>
-              <a:tr h="370840">
+              <a:tr h="412467">
                 <a:tc>
                   <a:txBody>
                     <a:bodyPr/>
@@ -4879,6 +6794,9 @@
                     <a:p>
                       <a:r>
                         <a:rPr lang="ru-RU" sz="1100" dirty="0">
+                          <a:solidFill>
+                            <a:schemeClr val="tx1"/>
+                          </a:solidFill>
                           <a:effectLst>
                             <a:outerShdw blurRad="38100" dist="38100" dir="2700000" algn="tl">
                               <a:srgbClr val="000000">
@@ -4893,12 +6811,43 @@
                     </a:p>
                   </a:txBody>
                   <a:tcPr anchor="ctr">
-                    <a:solidFill>
-                      <a:schemeClr val="accent5">
-                        <a:lumMod val="40000"/>
-                        <a:lumOff val="60000"/>
-                      </a:schemeClr>
-                    </a:solidFill>
+                    <a:lnL w="12700" cap="flat" cmpd="sng" algn="ctr">
+                      <a:solidFill>
+                        <a:schemeClr val="tx1"/>
+                      </a:solidFill>
+                      <a:prstDash val="solid"/>
+                      <a:round/>
+                      <a:headEnd type="none" w="med" len="med"/>
+                      <a:tailEnd type="none" w="med" len="med"/>
+                    </a:lnL>
+                    <a:lnR w="12700" cap="flat" cmpd="sng" algn="ctr">
+                      <a:solidFill>
+                        <a:schemeClr val="tx1"/>
+                      </a:solidFill>
+                      <a:prstDash val="solid"/>
+                      <a:round/>
+                      <a:headEnd type="none" w="med" len="med"/>
+                      <a:tailEnd type="none" w="med" len="med"/>
+                    </a:lnR>
+                    <a:lnT w="12700" cap="flat" cmpd="sng" algn="ctr">
+                      <a:solidFill>
+                        <a:schemeClr val="tx1"/>
+                      </a:solidFill>
+                      <a:prstDash val="solid"/>
+                      <a:round/>
+                      <a:headEnd type="none" w="med" len="med"/>
+                      <a:tailEnd type="none" w="med" len="med"/>
+                    </a:lnT>
+                    <a:lnB w="12700" cap="flat" cmpd="sng" algn="ctr">
+                      <a:solidFill>
+                        <a:schemeClr val="tx1"/>
+                      </a:solidFill>
+                      <a:prstDash val="solid"/>
+                      <a:round/>
+                      <a:headEnd type="none" w="med" len="med"/>
+                      <a:tailEnd type="none" w="med" len="med"/>
+                    </a:lnB>
+                    <a:noFill/>
                   </a:tcPr>
                 </a:tc>
                 <a:tc>
@@ -4907,6 +6856,9 @@
                     <a:lstStyle/>
                     <a:p>
                       <a:endParaRPr lang="ru-RU" sz="1100" dirty="0">
+                        <a:solidFill>
+                          <a:schemeClr val="tx1"/>
+                        </a:solidFill>
                         <a:effectLst>
                           <a:outerShdw blurRad="38100" dist="38100" dir="2700000" algn="tl">
                             <a:srgbClr val="000000">
@@ -4919,12 +6871,43 @@
                     </a:p>
                   </a:txBody>
                   <a:tcPr anchor="ctr">
-                    <a:solidFill>
-                      <a:schemeClr val="accent5">
-                        <a:lumMod val="40000"/>
-                        <a:lumOff val="60000"/>
-                      </a:schemeClr>
-                    </a:solidFill>
+                    <a:lnL w="12700" cap="flat" cmpd="sng" algn="ctr">
+                      <a:solidFill>
+                        <a:schemeClr val="tx1"/>
+                      </a:solidFill>
+                      <a:prstDash val="solid"/>
+                      <a:round/>
+                      <a:headEnd type="none" w="med" len="med"/>
+                      <a:tailEnd type="none" w="med" len="med"/>
+                    </a:lnL>
+                    <a:lnR w="12700" cap="flat" cmpd="sng" algn="ctr">
+                      <a:solidFill>
+                        <a:schemeClr val="tx1"/>
+                      </a:solidFill>
+                      <a:prstDash val="solid"/>
+                      <a:round/>
+                      <a:headEnd type="none" w="med" len="med"/>
+                      <a:tailEnd type="none" w="med" len="med"/>
+                    </a:lnR>
+                    <a:lnT w="12700" cap="flat" cmpd="sng" algn="ctr">
+                      <a:solidFill>
+                        <a:schemeClr val="tx1"/>
+                      </a:solidFill>
+                      <a:prstDash val="solid"/>
+                      <a:round/>
+                      <a:headEnd type="none" w="med" len="med"/>
+                      <a:tailEnd type="none" w="med" len="med"/>
+                    </a:lnT>
+                    <a:lnB w="12700" cap="flat" cmpd="sng" algn="ctr">
+                      <a:solidFill>
+                        <a:schemeClr val="tx1"/>
+                      </a:solidFill>
+                      <a:prstDash val="solid"/>
+                      <a:round/>
+                      <a:headEnd type="none" w="med" len="med"/>
+                      <a:tailEnd type="none" w="med" len="med"/>
+                    </a:lnB>
+                    <a:noFill/>
                   </a:tcPr>
                 </a:tc>
                 <a:tc>
@@ -4933,6 +6916,9 @@
                     <a:lstStyle/>
                     <a:p>
                       <a:endParaRPr lang="ru-RU" sz="1100" dirty="0">
+                        <a:solidFill>
+                          <a:schemeClr val="tx1"/>
+                        </a:solidFill>
                         <a:effectLst>
                           <a:outerShdw blurRad="38100" dist="38100" dir="2700000" algn="tl">
                             <a:srgbClr val="000000">
@@ -4945,12 +6931,43 @@
                     </a:p>
                   </a:txBody>
                   <a:tcPr anchor="ctr">
-                    <a:solidFill>
-                      <a:schemeClr val="accent5">
-                        <a:lumMod val="40000"/>
-                        <a:lumOff val="60000"/>
-                      </a:schemeClr>
-                    </a:solidFill>
+                    <a:lnL w="12700" cap="flat" cmpd="sng" algn="ctr">
+                      <a:solidFill>
+                        <a:schemeClr val="tx1"/>
+                      </a:solidFill>
+                      <a:prstDash val="solid"/>
+                      <a:round/>
+                      <a:headEnd type="none" w="med" len="med"/>
+                      <a:tailEnd type="none" w="med" len="med"/>
+                    </a:lnL>
+                    <a:lnR w="12700" cap="flat" cmpd="sng" algn="ctr">
+                      <a:solidFill>
+                        <a:schemeClr val="tx1"/>
+                      </a:solidFill>
+                      <a:prstDash val="solid"/>
+                      <a:round/>
+                      <a:headEnd type="none" w="med" len="med"/>
+                      <a:tailEnd type="none" w="med" len="med"/>
+                    </a:lnR>
+                    <a:lnT w="12700" cap="flat" cmpd="sng" algn="ctr">
+                      <a:solidFill>
+                        <a:schemeClr val="tx1"/>
+                      </a:solidFill>
+                      <a:prstDash val="solid"/>
+                      <a:round/>
+                      <a:headEnd type="none" w="med" len="med"/>
+                      <a:tailEnd type="none" w="med" len="med"/>
+                    </a:lnT>
+                    <a:lnB w="12700" cap="flat" cmpd="sng" algn="ctr">
+                      <a:solidFill>
+                        <a:schemeClr val="tx1"/>
+                      </a:solidFill>
+                      <a:prstDash val="solid"/>
+                      <a:round/>
+                      <a:headEnd type="none" w="med" len="med"/>
+                      <a:tailEnd type="none" w="med" len="med"/>
+                    </a:lnB>
+                    <a:noFill/>
                   </a:tcPr>
                 </a:tc>
                 <a:extLst>
@@ -4978,14 +6995,14 @@
           <p:nvPr>
             <p:extLst>
               <p:ext uri="{D42A27DB-BD31-4B8C-83A1-F6EECF244321}">
-                <p14:modId xmlns:p14="http://schemas.microsoft.com/office/powerpoint/2010/main" val="3024514812"/>
+                <p14:modId xmlns:p14="http://schemas.microsoft.com/office/powerpoint/2010/main" val="912714483"/>
               </p:ext>
             </p:extLst>
           </p:nvPr>
         </p:nvGraphicFramePr>
         <p:xfrm>
-          <a:off x="1289304" y="5738877"/>
-          <a:ext cx="5565645" cy="1774647"/>
+          <a:off x="950976" y="5789677"/>
+          <a:ext cx="5903970" cy="1774647"/>
         </p:xfrm>
         <a:graphic>
           <a:graphicData uri="http://schemas.openxmlformats.org/drawingml/2006/table">
@@ -4994,105 +7011,105 @@
                 <a:tableStyleId>{5C22544A-7EE6-4342-B048-85BDC9FD1C3A}</a:tableStyleId>
               </a:tblPr>
               <a:tblGrid>
-                <a:gridCol w="371043">
+                <a:gridCol w="393598">
                   <a:extLst>
                     <a:ext uri="{9D8B030D-6E8A-4147-A177-3AD203B41FA5}">
                       <a16:colId xmlns:a16="http://schemas.microsoft.com/office/drawing/2014/main" val="610431981"/>
                     </a:ext>
                   </a:extLst>
                 </a:gridCol>
-                <a:gridCol w="371043">
+                <a:gridCol w="393598">
                   <a:extLst>
                     <a:ext uri="{9D8B030D-6E8A-4147-A177-3AD203B41FA5}">
                       <a16:colId xmlns:a16="http://schemas.microsoft.com/office/drawing/2014/main" val="3537769183"/>
                     </a:ext>
                   </a:extLst>
                 </a:gridCol>
-                <a:gridCol w="371043">
+                <a:gridCol w="393598">
                   <a:extLst>
                     <a:ext uri="{9D8B030D-6E8A-4147-A177-3AD203B41FA5}">
                       <a16:colId xmlns:a16="http://schemas.microsoft.com/office/drawing/2014/main" val="2060737768"/>
                     </a:ext>
                   </a:extLst>
                 </a:gridCol>
-                <a:gridCol w="371043">
+                <a:gridCol w="393598">
                   <a:extLst>
                     <a:ext uri="{9D8B030D-6E8A-4147-A177-3AD203B41FA5}">
                       <a16:colId xmlns:a16="http://schemas.microsoft.com/office/drawing/2014/main" val="338597175"/>
                     </a:ext>
                   </a:extLst>
                 </a:gridCol>
-                <a:gridCol w="371043">
+                <a:gridCol w="393598">
                   <a:extLst>
                     <a:ext uri="{9D8B030D-6E8A-4147-A177-3AD203B41FA5}">
                       <a16:colId xmlns:a16="http://schemas.microsoft.com/office/drawing/2014/main" val="4277972712"/>
                     </a:ext>
                   </a:extLst>
                 </a:gridCol>
-                <a:gridCol w="371043">
+                <a:gridCol w="393598">
                   <a:extLst>
                     <a:ext uri="{9D8B030D-6E8A-4147-A177-3AD203B41FA5}">
                       <a16:colId xmlns:a16="http://schemas.microsoft.com/office/drawing/2014/main" val="1993788425"/>
                     </a:ext>
                   </a:extLst>
                 </a:gridCol>
-                <a:gridCol w="371043">
+                <a:gridCol w="393598">
                   <a:extLst>
                     <a:ext uri="{9D8B030D-6E8A-4147-A177-3AD203B41FA5}">
                       <a16:colId xmlns:a16="http://schemas.microsoft.com/office/drawing/2014/main" val="1983583148"/>
                     </a:ext>
                   </a:extLst>
                 </a:gridCol>
-                <a:gridCol w="371043">
+                <a:gridCol w="393598">
                   <a:extLst>
                     <a:ext uri="{9D8B030D-6E8A-4147-A177-3AD203B41FA5}">
                       <a16:colId xmlns:a16="http://schemas.microsoft.com/office/drawing/2014/main" val="4107795072"/>
                     </a:ext>
                   </a:extLst>
                 </a:gridCol>
-                <a:gridCol w="371043">
+                <a:gridCol w="393598">
                   <a:extLst>
                     <a:ext uri="{9D8B030D-6E8A-4147-A177-3AD203B41FA5}">
                       <a16:colId xmlns:a16="http://schemas.microsoft.com/office/drawing/2014/main" val="3691972538"/>
                     </a:ext>
                   </a:extLst>
                 </a:gridCol>
-                <a:gridCol w="371043">
+                <a:gridCol w="393598">
                   <a:extLst>
                     <a:ext uri="{9D8B030D-6E8A-4147-A177-3AD203B41FA5}">
                       <a16:colId xmlns:a16="http://schemas.microsoft.com/office/drawing/2014/main" val="1165416398"/>
                     </a:ext>
                   </a:extLst>
                 </a:gridCol>
-                <a:gridCol w="371043">
+                <a:gridCol w="393598">
                   <a:extLst>
                     <a:ext uri="{9D8B030D-6E8A-4147-A177-3AD203B41FA5}">
                       <a16:colId xmlns:a16="http://schemas.microsoft.com/office/drawing/2014/main" val="3127433988"/>
                     </a:ext>
                   </a:extLst>
                 </a:gridCol>
-                <a:gridCol w="371043">
+                <a:gridCol w="393598">
                   <a:extLst>
                     <a:ext uri="{9D8B030D-6E8A-4147-A177-3AD203B41FA5}">
                       <a16:colId xmlns:a16="http://schemas.microsoft.com/office/drawing/2014/main" val="1636613958"/>
                     </a:ext>
                   </a:extLst>
                 </a:gridCol>
-                <a:gridCol w="371043">
+                <a:gridCol w="393598">
                   <a:extLst>
                     <a:ext uri="{9D8B030D-6E8A-4147-A177-3AD203B41FA5}">
                       <a16:colId xmlns:a16="http://schemas.microsoft.com/office/drawing/2014/main" val="4136922754"/>
                     </a:ext>
                   </a:extLst>
                 </a:gridCol>
-                <a:gridCol w="371043">
+                <a:gridCol w="393598">
                   <a:extLst>
                     <a:ext uri="{9D8B030D-6E8A-4147-A177-3AD203B41FA5}">
                       <a16:colId xmlns:a16="http://schemas.microsoft.com/office/drawing/2014/main" val="374277967"/>
                     </a:ext>
                   </a:extLst>
                 </a:gridCol>
-                <a:gridCol w="371043">
+                <a:gridCol w="393598">
                   <a:extLst>
                     <a:ext uri="{9D8B030D-6E8A-4147-A177-3AD203B41FA5}">
                       <a16:colId xmlns:a16="http://schemas.microsoft.com/office/drawing/2014/main" val="2061718540"/>
@@ -5109,6 +7126,9 @@
                       <a:pPr algn="ctr"/>
                       <a:r>
                         <a:rPr lang="ru-RU" sz="1100" b="1" dirty="0">
+                          <a:solidFill>
+                            <a:schemeClr val="tx1"/>
+                          </a:solidFill>
                           <a:effectLst>
                             <a:outerShdw blurRad="38100" dist="38100" dir="2700000" algn="tl">
                               <a:srgbClr val="000000">
@@ -5123,12 +7143,43 @@
                     </a:p>
                   </a:txBody>
                   <a:tcPr>
-                    <a:solidFill>
-                      <a:schemeClr val="accent5">
-                        <a:lumMod val="40000"/>
-                        <a:lumOff val="60000"/>
-                      </a:schemeClr>
-                    </a:solidFill>
+                    <a:lnL w="12700" cap="flat" cmpd="sng" algn="ctr">
+                      <a:solidFill>
+                        <a:schemeClr val="tx1"/>
+                      </a:solidFill>
+                      <a:prstDash val="solid"/>
+                      <a:round/>
+                      <a:headEnd type="none" w="med" len="med"/>
+                      <a:tailEnd type="none" w="med" len="med"/>
+                    </a:lnL>
+                    <a:lnR w="12700" cap="flat" cmpd="sng" algn="ctr">
+                      <a:solidFill>
+                        <a:schemeClr val="tx1"/>
+                      </a:solidFill>
+                      <a:prstDash val="solid"/>
+                      <a:round/>
+                      <a:headEnd type="none" w="med" len="med"/>
+                      <a:tailEnd type="none" w="med" len="med"/>
+                    </a:lnR>
+                    <a:lnT w="12700" cap="flat" cmpd="sng" algn="ctr">
+                      <a:solidFill>
+                        <a:schemeClr val="tx1"/>
+                      </a:solidFill>
+                      <a:prstDash val="solid"/>
+                      <a:round/>
+                      <a:headEnd type="none" w="med" len="med"/>
+                      <a:tailEnd type="none" w="med" len="med"/>
+                    </a:lnT>
+                    <a:lnB w="12700" cap="flat" cmpd="sng" algn="ctr">
+                      <a:solidFill>
+                        <a:schemeClr val="tx1"/>
+                      </a:solidFill>
+                      <a:prstDash val="solid"/>
+                      <a:round/>
+                      <a:headEnd type="none" w="med" len="med"/>
+                      <a:tailEnd type="none" w="med" len="med"/>
+                    </a:lnB>
+                    <a:noFill/>
                   </a:tcPr>
                 </a:tc>
                 <a:tc hMerge="1">
@@ -5287,7 +7338,7 @@
                       <a:r>
                         <a:rPr lang="ru-RU" sz="1000" b="1" i="1" u="none" strike="noStrike" dirty="0">
                           <a:solidFill>
-                            <a:srgbClr val="000000"/>
+                            <a:schemeClr val="tx1"/>
                           </a:solidFill>
                           <a:effectLst>
                             <a:outerShdw blurRad="38100" dist="38100" dir="2700000" algn="tl">
@@ -5302,7 +7353,45 @@
                       </a:r>
                     </a:p>
                   </a:txBody>
-                  <a:tcPr marL="9525" marR="9525" marT="9525" marB="0" vert="vert270" anchor="ctr"/>
+                  <a:tcPr marL="9525" marR="9525" marT="9525" marB="0" vert="vert270" anchor="ctr">
+                    <a:lnL w="12700" cap="flat" cmpd="sng" algn="ctr">
+                      <a:solidFill>
+                        <a:schemeClr val="tx1"/>
+                      </a:solidFill>
+                      <a:prstDash val="solid"/>
+                      <a:round/>
+                      <a:headEnd type="none" w="med" len="med"/>
+                      <a:tailEnd type="none" w="med" len="med"/>
+                    </a:lnL>
+                    <a:lnR w="12700" cap="flat" cmpd="sng" algn="ctr">
+                      <a:solidFill>
+                        <a:schemeClr val="tx1"/>
+                      </a:solidFill>
+                      <a:prstDash val="solid"/>
+                      <a:round/>
+                      <a:headEnd type="none" w="med" len="med"/>
+                      <a:tailEnd type="none" w="med" len="med"/>
+                    </a:lnR>
+                    <a:lnT w="12700" cap="flat" cmpd="sng" algn="ctr">
+                      <a:solidFill>
+                        <a:schemeClr val="tx1"/>
+                      </a:solidFill>
+                      <a:prstDash val="solid"/>
+                      <a:round/>
+                      <a:headEnd type="none" w="med" len="med"/>
+                      <a:tailEnd type="none" w="med" len="med"/>
+                    </a:lnT>
+                    <a:lnB w="12700" cap="flat" cmpd="sng" algn="ctr">
+                      <a:solidFill>
+                        <a:schemeClr val="tx1"/>
+                      </a:solidFill>
+                      <a:prstDash val="solid"/>
+                      <a:round/>
+                      <a:headEnd type="none" w="med" len="med"/>
+                      <a:tailEnd type="none" w="med" len="med"/>
+                    </a:lnB>
+                    <a:noFill/>
+                  </a:tcPr>
                 </a:tc>
                 <a:tc>
                   <a:txBody>
@@ -5313,7 +7402,7 @@
                       <a:r>
                         <a:rPr lang="ru-RU" sz="1000" b="1" i="1" u="none" strike="noStrike" dirty="0">
                           <a:solidFill>
-                            <a:srgbClr val="000000"/>
+                            <a:schemeClr val="tx1"/>
                           </a:solidFill>
                           <a:effectLst>
                             <a:outerShdw blurRad="38100" dist="38100" dir="2700000" algn="tl">
@@ -5328,7 +7417,45 @@
                       </a:r>
                     </a:p>
                   </a:txBody>
-                  <a:tcPr marL="9525" marR="9525" marT="9525" marB="0" vert="vert270" anchor="ctr"/>
+                  <a:tcPr marL="9525" marR="9525" marT="9525" marB="0" vert="vert270" anchor="ctr">
+                    <a:lnL w="12700" cap="flat" cmpd="sng" algn="ctr">
+                      <a:solidFill>
+                        <a:schemeClr val="tx1"/>
+                      </a:solidFill>
+                      <a:prstDash val="solid"/>
+                      <a:round/>
+                      <a:headEnd type="none" w="med" len="med"/>
+                      <a:tailEnd type="none" w="med" len="med"/>
+                    </a:lnL>
+                    <a:lnR w="12700" cap="flat" cmpd="sng" algn="ctr">
+                      <a:solidFill>
+                        <a:schemeClr val="tx1"/>
+                      </a:solidFill>
+                      <a:prstDash val="solid"/>
+                      <a:round/>
+                      <a:headEnd type="none" w="med" len="med"/>
+                      <a:tailEnd type="none" w="med" len="med"/>
+                    </a:lnR>
+                    <a:lnT w="12700" cap="flat" cmpd="sng" algn="ctr">
+                      <a:solidFill>
+                        <a:schemeClr val="tx1"/>
+                      </a:solidFill>
+                      <a:prstDash val="solid"/>
+                      <a:round/>
+                      <a:headEnd type="none" w="med" len="med"/>
+                      <a:tailEnd type="none" w="med" len="med"/>
+                    </a:lnT>
+                    <a:lnB w="12700" cap="flat" cmpd="sng" algn="ctr">
+                      <a:solidFill>
+                        <a:schemeClr val="tx1"/>
+                      </a:solidFill>
+                      <a:prstDash val="solid"/>
+                      <a:round/>
+                      <a:headEnd type="none" w="med" len="med"/>
+                      <a:tailEnd type="none" w="med" len="med"/>
+                    </a:lnB>
+                    <a:noFill/>
+                  </a:tcPr>
                 </a:tc>
                 <a:tc>
                   <a:txBody>
@@ -5339,7 +7466,7 @@
                       <a:r>
                         <a:rPr lang="ru-RU" sz="1000" b="1" i="1" u="none" strike="noStrike" dirty="0">
                           <a:solidFill>
-                            <a:srgbClr val="000000"/>
+                            <a:schemeClr val="tx1"/>
                           </a:solidFill>
                           <a:effectLst>
                             <a:outerShdw blurRad="38100" dist="38100" dir="2700000" algn="tl">
@@ -5354,7 +7481,45 @@
                       </a:r>
                     </a:p>
                   </a:txBody>
-                  <a:tcPr marL="9525" marR="9525" marT="9525" marB="0" vert="vert270" anchor="ctr"/>
+                  <a:tcPr marL="9525" marR="9525" marT="9525" marB="0" vert="vert270" anchor="ctr">
+                    <a:lnL w="12700" cap="flat" cmpd="sng" algn="ctr">
+                      <a:solidFill>
+                        <a:schemeClr val="tx1"/>
+                      </a:solidFill>
+                      <a:prstDash val="solid"/>
+                      <a:round/>
+                      <a:headEnd type="none" w="med" len="med"/>
+                      <a:tailEnd type="none" w="med" len="med"/>
+                    </a:lnL>
+                    <a:lnR w="12700" cap="flat" cmpd="sng" algn="ctr">
+                      <a:solidFill>
+                        <a:schemeClr val="tx1"/>
+                      </a:solidFill>
+                      <a:prstDash val="solid"/>
+                      <a:round/>
+                      <a:headEnd type="none" w="med" len="med"/>
+                      <a:tailEnd type="none" w="med" len="med"/>
+                    </a:lnR>
+                    <a:lnT w="12700" cap="flat" cmpd="sng" algn="ctr">
+                      <a:solidFill>
+                        <a:schemeClr val="tx1"/>
+                      </a:solidFill>
+                      <a:prstDash val="solid"/>
+                      <a:round/>
+                      <a:headEnd type="none" w="med" len="med"/>
+                      <a:tailEnd type="none" w="med" len="med"/>
+                    </a:lnT>
+                    <a:lnB w="12700" cap="flat" cmpd="sng" algn="ctr">
+                      <a:solidFill>
+                        <a:schemeClr val="tx1"/>
+                      </a:solidFill>
+                      <a:prstDash val="solid"/>
+                      <a:round/>
+                      <a:headEnd type="none" w="med" len="med"/>
+                      <a:tailEnd type="none" w="med" len="med"/>
+                    </a:lnB>
+                    <a:noFill/>
+                  </a:tcPr>
                 </a:tc>
                 <a:tc>
                   <a:txBody>
@@ -5365,7 +7530,7 @@
                       <a:r>
                         <a:rPr lang="ru-RU" sz="1000" b="1" i="1" u="none" strike="noStrike">
                           <a:solidFill>
-                            <a:srgbClr val="000000"/>
+                            <a:schemeClr val="tx1"/>
                           </a:solidFill>
                           <a:effectLst>
                             <a:outerShdw blurRad="38100" dist="38100" dir="2700000" algn="tl">
@@ -5380,7 +7545,45 @@
                       </a:r>
                     </a:p>
                   </a:txBody>
-                  <a:tcPr marL="9525" marR="9525" marT="9525" marB="0" vert="vert270" anchor="ctr"/>
+                  <a:tcPr marL="9525" marR="9525" marT="9525" marB="0" vert="vert270" anchor="ctr">
+                    <a:lnL w="12700" cap="flat" cmpd="sng" algn="ctr">
+                      <a:solidFill>
+                        <a:schemeClr val="tx1"/>
+                      </a:solidFill>
+                      <a:prstDash val="solid"/>
+                      <a:round/>
+                      <a:headEnd type="none" w="med" len="med"/>
+                      <a:tailEnd type="none" w="med" len="med"/>
+                    </a:lnL>
+                    <a:lnR w="12700" cap="flat" cmpd="sng" algn="ctr">
+                      <a:solidFill>
+                        <a:schemeClr val="tx1"/>
+                      </a:solidFill>
+                      <a:prstDash val="solid"/>
+                      <a:round/>
+                      <a:headEnd type="none" w="med" len="med"/>
+                      <a:tailEnd type="none" w="med" len="med"/>
+                    </a:lnR>
+                    <a:lnT w="12700" cap="flat" cmpd="sng" algn="ctr">
+                      <a:solidFill>
+                        <a:schemeClr val="tx1"/>
+                      </a:solidFill>
+                      <a:prstDash val="solid"/>
+                      <a:round/>
+                      <a:headEnd type="none" w="med" len="med"/>
+                      <a:tailEnd type="none" w="med" len="med"/>
+                    </a:lnT>
+                    <a:lnB w="12700" cap="flat" cmpd="sng" algn="ctr">
+                      <a:solidFill>
+                        <a:schemeClr val="tx1"/>
+                      </a:solidFill>
+                      <a:prstDash val="solid"/>
+                      <a:round/>
+                      <a:headEnd type="none" w="med" len="med"/>
+                      <a:tailEnd type="none" w="med" len="med"/>
+                    </a:lnB>
+                    <a:noFill/>
+                  </a:tcPr>
                 </a:tc>
                 <a:tc>
                   <a:txBody>
@@ -5391,7 +7594,7 @@
                       <a:r>
                         <a:rPr lang="ru-RU" sz="1000" b="1" i="1" u="none" strike="noStrike" dirty="0">
                           <a:solidFill>
-                            <a:srgbClr val="000000"/>
+                            <a:schemeClr val="tx1"/>
                           </a:solidFill>
                           <a:effectLst>
                             <a:outerShdw blurRad="38100" dist="38100" dir="2700000" algn="tl">
@@ -5406,7 +7609,45 @@
                       </a:r>
                     </a:p>
                   </a:txBody>
-                  <a:tcPr marL="9525" marR="9525" marT="9525" marB="0" vert="vert270" anchor="ctr"/>
+                  <a:tcPr marL="9525" marR="9525" marT="9525" marB="0" vert="vert270" anchor="ctr">
+                    <a:lnL w="12700" cap="flat" cmpd="sng" algn="ctr">
+                      <a:solidFill>
+                        <a:schemeClr val="tx1"/>
+                      </a:solidFill>
+                      <a:prstDash val="solid"/>
+                      <a:round/>
+                      <a:headEnd type="none" w="med" len="med"/>
+                      <a:tailEnd type="none" w="med" len="med"/>
+                    </a:lnL>
+                    <a:lnR w="12700" cap="flat" cmpd="sng" algn="ctr">
+                      <a:solidFill>
+                        <a:schemeClr val="tx1"/>
+                      </a:solidFill>
+                      <a:prstDash val="solid"/>
+                      <a:round/>
+                      <a:headEnd type="none" w="med" len="med"/>
+                      <a:tailEnd type="none" w="med" len="med"/>
+                    </a:lnR>
+                    <a:lnT w="12700" cap="flat" cmpd="sng" algn="ctr">
+                      <a:solidFill>
+                        <a:schemeClr val="tx1"/>
+                      </a:solidFill>
+                      <a:prstDash val="solid"/>
+                      <a:round/>
+                      <a:headEnd type="none" w="med" len="med"/>
+                      <a:tailEnd type="none" w="med" len="med"/>
+                    </a:lnT>
+                    <a:lnB w="12700" cap="flat" cmpd="sng" algn="ctr">
+                      <a:solidFill>
+                        <a:schemeClr val="tx1"/>
+                      </a:solidFill>
+                      <a:prstDash val="solid"/>
+                      <a:round/>
+                      <a:headEnd type="none" w="med" len="med"/>
+                      <a:tailEnd type="none" w="med" len="med"/>
+                    </a:lnB>
+                    <a:noFill/>
+                  </a:tcPr>
                 </a:tc>
                 <a:tc>
                   <a:txBody>
@@ -5417,7 +7658,7 @@
                       <a:r>
                         <a:rPr lang="ru-RU" sz="1000" b="1" i="1" u="none" strike="noStrike" dirty="0">
                           <a:solidFill>
-                            <a:srgbClr val="000000"/>
+                            <a:schemeClr val="tx1"/>
                           </a:solidFill>
                           <a:effectLst>
                             <a:outerShdw blurRad="38100" dist="38100" dir="2700000" algn="tl">
@@ -5432,7 +7673,45 @@
                       </a:r>
                     </a:p>
                   </a:txBody>
-                  <a:tcPr marL="9525" marR="9525" marT="9525" marB="0" vert="vert270" anchor="ctr"/>
+                  <a:tcPr marL="9525" marR="9525" marT="9525" marB="0" vert="vert270" anchor="ctr">
+                    <a:lnL w="12700" cap="flat" cmpd="sng" algn="ctr">
+                      <a:solidFill>
+                        <a:schemeClr val="tx1"/>
+                      </a:solidFill>
+                      <a:prstDash val="solid"/>
+                      <a:round/>
+                      <a:headEnd type="none" w="med" len="med"/>
+                      <a:tailEnd type="none" w="med" len="med"/>
+                    </a:lnL>
+                    <a:lnR w="12700" cap="flat" cmpd="sng" algn="ctr">
+                      <a:solidFill>
+                        <a:schemeClr val="tx1"/>
+                      </a:solidFill>
+                      <a:prstDash val="solid"/>
+                      <a:round/>
+                      <a:headEnd type="none" w="med" len="med"/>
+                      <a:tailEnd type="none" w="med" len="med"/>
+                    </a:lnR>
+                    <a:lnT w="12700" cap="flat" cmpd="sng" algn="ctr">
+                      <a:solidFill>
+                        <a:schemeClr val="tx1"/>
+                      </a:solidFill>
+                      <a:prstDash val="solid"/>
+                      <a:round/>
+                      <a:headEnd type="none" w="med" len="med"/>
+                      <a:tailEnd type="none" w="med" len="med"/>
+                    </a:lnT>
+                    <a:lnB w="12700" cap="flat" cmpd="sng" algn="ctr">
+                      <a:solidFill>
+                        <a:schemeClr val="tx1"/>
+                      </a:solidFill>
+                      <a:prstDash val="solid"/>
+                      <a:round/>
+                      <a:headEnd type="none" w="med" len="med"/>
+                      <a:tailEnd type="none" w="med" len="med"/>
+                    </a:lnB>
+                    <a:noFill/>
+                  </a:tcPr>
                 </a:tc>
                 <a:tc>
                   <a:txBody>
@@ -5443,7 +7722,7 @@
                       <a:r>
                         <a:rPr lang="ru-RU" sz="1000" b="1" i="1" u="none" strike="noStrike" dirty="0">
                           <a:solidFill>
-                            <a:srgbClr val="000000"/>
+                            <a:schemeClr val="tx1"/>
                           </a:solidFill>
                           <a:effectLst>
                             <a:outerShdw blurRad="38100" dist="38100" dir="2700000" algn="tl">
@@ -5458,7 +7737,45 @@
                       </a:r>
                     </a:p>
                   </a:txBody>
-                  <a:tcPr marL="9525" marR="9525" marT="9525" marB="0" vert="vert270" anchor="ctr"/>
+                  <a:tcPr marL="9525" marR="9525" marT="9525" marB="0" vert="vert270" anchor="ctr">
+                    <a:lnL w="12700" cap="flat" cmpd="sng" algn="ctr">
+                      <a:solidFill>
+                        <a:schemeClr val="tx1"/>
+                      </a:solidFill>
+                      <a:prstDash val="solid"/>
+                      <a:round/>
+                      <a:headEnd type="none" w="med" len="med"/>
+                      <a:tailEnd type="none" w="med" len="med"/>
+                    </a:lnL>
+                    <a:lnR w="12700" cap="flat" cmpd="sng" algn="ctr">
+                      <a:solidFill>
+                        <a:schemeClr val="tx1"/>
+                      </a:solidFill>
+                      <a:prstDash val="solid"/>
+                      <a:round/>
+                      <a:headEnd type="none" w="med" len="med"/>
+                      <a:tailEnd type="none" w="med" len="med"/>
+                    </a:lnR>
+                    <a:lnT w="12700" cap="flat" cmpd="sng" algn="ctr">
+                      <a:solidFill>
+                        <a:schemeClr val="tx1"/>
+                      </a:solidFill>
+                      <a:prstDash val="solid"/>
+                      <a:round/>
+                      <a:headEnd type="none" w="med" len="med"/>
+                      <a:tailEnd type="none" w="med" len="med"/>
+                    </a:lnT>
+                    <a:lnB w="12700" cap="flat" cmpd="sng" algn="ctr">
+                      <a:solidFill>
+                        <a:schemeClr val="tx1"/>
+                      </a:solidFill>
+                      <a:prstDash val="solid"/>
+                      <a:round/>
+                      <a:headEnd type="none" w="med" len="med"/>
+                      <a:tailEnd type="none" w="med" len="med"/>
+                    </a:lnB>
+                    <a:noFill/>
+                  </a:tcPr>
                 </a:tc>
                 <a:tc>
                   <a:txBody>
@@ -5469,7 +7786,7 @@
                       <a:r>
                         <a:rPr lang="ru-RU" sz="1000" b="1" i="1" u="none" strike="noStrike" dirty="0">
                           <a:solidFill>
-                            <a:srgbClr val="000000"/>
+                            <a:schemeClr val="tx1"/>
                           </a:solidFill>
                           <a:effectLst>
                             <a:outerShdw blurRad="38100" dist="38100" dir="2700000" algn="tl">
@@ -5484,7 +7801,45 @@
                       </a:r>
                     </a:p>
                   </a:txBody>
-                  <a:tcPr marL="9525" marR="9525" marT="9525" marB="0" vert="vert270" anchor="ctr"/>
+                  <a:tcPr marL="9525" marR="9525" marT="9525" marB="0" vert="vert270" anchor="ctr">
+                    <a:lnL w="12700" cap="flat" cmpd="sng" algn="ctr">
+                      <a:solidFill>
+                        <a:schemeClr val="tx1"/>
+                      </a:solidFill>
+                      <a:prstDash val="solid"/>
+                      <a:round/>
+                      <a:headEnd type="none" w="med" len="med"/>
+                      <a:tailEnd type="none" w="med" len="med"/>
+                    </a:lnL>
+                    <a:lnR w="12700" cap="flat" cmpd="sng" algn="ctr">
+                      <a:solidFill>
+                        <a:schemeClr val="tx1"/>
+                      </a:solidFill>
+                      <a:prstDash val="solid"/>
+                      <a:round/>
+                      <a:headEnd type="none" w="med" len="med"/>
+                      <a:tailEnd type="none" w="med" len="med"/>
+                    </a:lnR>
+                    <a:lnT w="12700" cap="flat" cmpd="sng" algn="ctr">
+                      <a:solidFill>
+                        <a:schemeClr val="tx1"/>
+                      </a:solidFill>
+                      <a:prstDash val="solid"/>
+                      <a:round/>
+                      <a:headEnd type="none" w="med" len="med"/>
+                      <a:tailEnd type="none" w="med" len="med"/>
+                    </a:lnT>
+                    <a:lnB w="12700" cap="flat" cmpd="sng" algn="ctr">
+                      <a:solidFill>
+                        <a:schemeClr val="tx1"/>
+                      </a:solidFill>
+                      <a:prstDash val="solid"/>
+                      <a:round/>
+                      <a:headEnd type="none" w="med" len="med"/>
+                      <a:tailEnd type="none" w="med" len="med"/>
+                    </a:lnB>
+                    <a:noFill/>
+                  </a:tcPr>
                 </a:tc>
                 <a:tc>
                   <a:txBody>
@@ -5495,7 +7850,7 @@
                       <a:r>
                         <a:rPr lang="ru-RU" sz="1000" b="1" i="1" u="none" strike="noStrike" dirty="0">
                           <a:solidFill>
-                            <a:srgbClr val="000000"/>
+                            <a:schemeClr val="tx1"/>
                           </a:solidFill>
                           <a:effectLst>
                             <a:outerShdw blurRad="38100" dist="38100" dir="2700000" algn="tl">
@@ -5510,7 +7865,45 @@
                       </a:r>
                     </a:p>
                   </a:txBody>
-                  <a:tcPr marL="9525" marR="9525" marT="9525" marB="0" vert="vert270" anchor="ctr"/>
+                  <a:tcPr marL="9525" marR="9525" marT="9525" marB="0" vert="vert270" anchor="ctr">
+                    <a:lnL w="12700" cap="flat" cmpd="sng" algn="ctr">
+                      <a:solidFill>
+                        <a:schemeClr val="tx1"/>
+                      </a:solidFill>
+                      <a:prstDash val="solid"/>
+                      <a:round/>
+                      <a:headEnd type="none" w="med" len="med"/>
+                      <a:tailEnd type="none" w="med" len="med"/>
+                    </a:lnL>
+                    <a:lnR w="12700" cap="flat" cmpd="sng" algn="ctr">
+                      <a:solidFill>
+                        <a:schemeClr val="tx1"/>
+                      </a:solidFill>
+                      <a:prstDash val="solid"/>
+                      <a:round/>
+                      <a:headEnd type="none" w="med" len="med"/>
+                      <a:tailEnd type="none" w="med" len="med"/>
+                    </a:lnR>
+                    <a:lnT w="12700" cap="flat" cmpd="sng" algn="ctr">
+                      <a:solidFill>
+                        <a:schemeClr val="tx1"/>
+                      </a:solidFill>
+                      <a:prstDash val="solid"/>
+                      <a:round/>
+                      <a:headEnd type="none" w="med" len="med"/>
+                      <a:tailEnd type="none" w="med" len="med"/>
+                    </a:lnT>
+                    <a:lnB w="12700" cap="flat" cmpd="sng" algn="ctr">
+                      <a:solidFill>
+                        <a:schemeClr val="tx1"/>
+                      </a:solidFill>
+                      <a:prstDash val="solid"/>
+                      <a:round/>
+                      <a:headEnd type="none" w="med" len="med"/>
+                      <a:tailEnd type="none" w="med" len="med"/>
+                    </a:lnB>
+                    <a:noFill/>
+                  </a:tcPr>
                 </a:tc>
                 <a:tc>
                   <a:txBody>
@@ -5521,7 +7914,7 @@
                       <a:r>
                         <a:rPr lang="ru-RU" sz="1000" b="1" i="1" u="none" strike="noStrike" dirty="0">
                           <a:solidFill>
-                            <a:srgbClr val="000000"/>
+                            <a:schemeClr val="tx1"/>
                           </a:solidFill>
                           <a:effectLst>
                             <a:outerShdw blurRad="38100" dist="38100" dir="2700000" algn="tl">
@@ -5536,7 +7929,45 @@
                       </a:r>
                     </a:p>
                   </a:txBody>
-                  <a:tcPr marL="9525" marR="9525" marT="9525" marB="0" vert="vert270" anchor="ctr"/>
+                  <a:tcPr marL="9525" marR="9525" marT="9525" marB="0" vert="vert270" anchor="ctr">
+                    <a:lnL w="12700" cap="flat" cmpd="sng" algn="ctr">
+                      <a:solidFill>
+                        <a:schemeClr val="tx1"/>
+                      </a:solidFill>
+                      <a:prstDash val="solid"/>
+                      <a:round/>
+                      <a:headEnd type="none" w="med" len="med"/>
+                      <a:tailEnd type="none" w="med" len="med"/>
+                    </a:lnL>
+                    <a:lnR w="12700" cap="flat" cmpd="sng" algn="ctr">
+                      <a:solidFill>
+                        <a:schemeClr val="tx1"/>
+                      </a:solidFill>
+                      <a:prstDash val="solid"/>
+                      <a:round/>
+                      <a:headEnd type="none" w="med" len="med"/>
+                      <a:tailEnd type="none" w="med" len="med"/>
+                    </a:lnR>
+                    <a:lnT w="12700" cap="flat" cmpd="sng" algn="ctr">
+                      <a:solidFill>
+                        <a:schemeClr val="tx1"/>
+                      </a:solidFill>
+                      <a:prstDash val="solid"/>
+                      <a:round/>
+                      <a:headEnd type="none" w="med" len="med"/>
+                      <a:tailEnd type="none" w="med" len="med"/>
+                    </a:lnT>
+                    <a:lnB w="12700" cap="flat" cmpd="sng" algn="ctr">
+                      <a:solidFill>
+                        <a:schemeClr val="tx1"/>
+                      </a:solidFill>
+                      <a:prstDash val="solid"/>
+                      <a:round/>
+                      <a:headEnd type="none" w="med" len="med"/>
+                      <a:tailEnd type="none" w="med" len="med"/>
+                    </a:lnB>
+                    <a:noFill/>
+                  </a:tcPr>
                 </a:tc>
                 <a:tc>
                   <a:txBody>
@@ -5547,7 +7978,7 @@
                       <a:r>
                         <a:rPr lang="ru-RU" sz="1000" b="1" i="1" u="none" strike="noStrike" dirty="0">
                           <a:solidFill>
-                            <a:srgbClr val="000000"/>
+                            <a:schemeClr val="tx1"/>
                           </a:solidFill>
                           <a:effectLst>
                             <a:outerShdw blurRad="38100" dist="38100" dir="2700000" algn="tl">
@@ -5562,7 +7993,45 @@
                       </a:r>
                     </a:p>
                   </a:txBody>
-                  <a:tcPr marL="9525" marR="9525" marT="9525" marB="0" vert="vert270" anchor="ctr"/>
+                  <a:tcPr marL="9525" marR="9525" marT="9525" marB="0" vert="vert270" anchor="ctr">
+                    <a:lnL w="12700" cap="flat" cmpd="sng" algn="ctr">
+                      <a:solidFill>
+                        <a:schemeClr val="tx1"/>
+                      </a:solidFill>
+                      <a:prstDash val="solid"/>
+                      <a:round/>
+                      <a:headEnd type="none" w="med" len="med"/>
+                      <a:tailEnd type="none" w="med" len="med"/>
+                    </a:lnL>
+                    <a:lnR w="12700" cap="flat" cmpd="sng" algn="ctr">
+                      <a:solidFill>
+                        <a:schemeClr val="tx1"/>
+                      </a:solidFill>
+                      <a:prstDash val="solid"/>
+                      <a:round/>
+                      <a:headEnd type="none" w="med" len="med"/>
+                      <a:tailEnd type="none" w="med" len="med"/>
+                    </a:lnR>
+                    <a:lnT w="12700" cap="flat" cmpd="sng" algn="ctr">
+                      <a:solidFill>
+                        <a:schemeClr val="tx1"/>
+                      </a:solidFill>
+                      <a:prstDash val="solid"/>
+                      <a:round/>
+                      <a:headEnd type="none" w="med" len="med"/>
+                      <a:tailEnd type="none" w="med" len="med"/>
+                    </a:lnT>
+                    <a:lnB w="12700" cap="flat" cmpd="sng" algn="ctr">
+                      <a:solidFill>
+                        <a:schemeClr val="tx1"/>
+                      </a:solidFill>
+                      <a:prstDash val="solid"/>
+                      <a:round/>
+                      <a:headEnd type="none" w="med" len="med"/>
+                      <a:tailEnd type="none" w="med" len="med"/>
+                    </a:lnB>
+                    <a:noFill/>
+                  </a:tcPr>
                 </a:tc>
                 <a:tc>
                   <a:txBody>
@@ -5573,7 +8042,7 @@
                       <a:r>
                         <a:rPr lang="ru-RU" sz="1000" b="1" i="1" u="none" strike="noStrike" dirty="0">
                           <a:solidFill>
-                            <a:srgbClr val="000000"/>
+                            <a:schemeClr val="tx1"/>
                           </a:solidFill>
                           <a:effectLst>
                             <a:outerShdw blurRad="38100" dist="38100" dir="2700000" algn="tl">
@@ -5588,7 +8057,45 @@
                       </a:r>
                     </a:p>
                   </a:txBody>
-                  <a:tcPr marL="9525" marR="9525" marT="9525" marB="0" vert="vert270" anchor="ctr"/>
+                  <a:tcPr marL="9525" marR="9525" marT="9525" marB="0" vert="vert270" anchor="ctr">
+                    <a:lnL w="12700" cap="flat" cmpd="sng" algn="ctr">
+                      <a:solidFill>
+                        <a:schemeClr val="tx1"/>
+                      </a:solidFill>
+                      <a:prstDash val="solid"/>
+                      <a:round/>
+                      <a:headEnd type="none" w="med" len="med"/>
+                      <a:tailEnd type="none" w="med" len="med"/>
+                    </a:lnL>
+                    <a:lnR w="12700" cap="flat" cmpd="sng" algn="ctr">
+                      <a:solidFill>
+                        <a:schemeClr val="tx1"/>
+                      </a:solidFill>
+                      <a:prstDash val="solid"/>
+                      <a:round/>
+                      <a:headEnd type="none" w="med" len="med"/>
+                      <a:tailEnd type="none" w="med" len="med"/>
+                    </a:lnR>
+                    <a:lnT w="12700" cap="flat" cmpd="sng" algn="ctr">
+                      <a:solidFill>
+                        <a:schemeClr val="tx1"/>
+                      </a:solidFill>
+                      <a:prstDash val="solid"/>
+                      <a:round/>
+                      <a:headEnd type="none" w="med" len="med"/>
+                      <a:tailEnd type="none" w="med" len="med"/>
+                    </a:lnT>
+                    <a:lnB w="12700" cap="flat" cmpd="sng" algn="ctr">
+                      <a:solidFill>
+                        <a:schemeClr val="tx1"/>
+                      </a:solidFill>
+                      <a:prstDash val="solid"/>
+                      <a:round/>
+                      <a:headEnd type="none" w="med" len="med"/>
+                      <a:tailEnd type="none" w="med" len="med"/>
+                    </a:lnB>
+                    <a:noFill/>
+                  </a:tcPr>
                 </a:tc>
                 <a:tc>
                   <a:txBody>
@@ -5599,7 +8106,7 @@
                       <a:r>
                         <a:rPr lang="ru-RU" sz="1000" b="1" i="1" u="none" strike="noStrike" dirty="0">
                           <a:solidFill>
-                            <a:srgbClr val="000000"/>
+                            <a:schemeClr val="tx1"/>
                           </a:solidFill>
                           <a:effectLst>
                             <a:outerShdw blurRad="38100" dist="38100" dir="2700000" algn="tl">
@@ -5614,7 +8121,45 @@
                       </a:r>
                     </a:p>
                   </a:txBody>
-                  <a:tcPr marL="9525" marR="9525" marT="9525" marB="0" vert="vert270" anchor="ctr"/>
+                  <a:tcPr marL="9525" marR="9525" marT="9525" marB="0" vert="vert270" anchor="ctr">
+                    <a:lnL w="12700" cap="flat" cmpd="sng" algn="ctr">
+                      <a:solidFill>
+                        <a:schemeClr val="tx1"/>
+                      </a:solidFill>
+                      <a:prstDash val="solid"/>
+                      <a:round/>
+                      <a:headEnd type="none" w="med" len="med"/>
+                      <a:tailEnd type="none" w="med" len="med"/>
+                    </a:lnL>
+                    <a:lnR w="12700" cap="flat" cmpd="sng" algn="ctr">
+                      <a:solidFill>
+                        <a:schemeClr val="tx1"/>
+                      </a:solidFill>
+                      <a:prstDash val="solid"/>
+                      <a:round/>
+                      <a:headEnd type="none" w="med" len="med"/>
+                      <a:tailEnd type="none" w="med" len="med"/>
+                    </a:lnR>
+                    <a:lnT w="12700" cap="flat" cmpd="sng" algn="ctr">
+                      <a:solidFill>
+                        <a:schemeClr val="tx1"/>
+                      </a:solidFill>
+                      <a:prstDash val="solid"/>
+                      <a:round/>
+                      <a:headEnd type="none" w="med" len="med"/>
+                      <a:tailEnd type="none" w="med" len="med"/>
+                    </a:lnT>
+                    <a:lnB w="12700" cap="flat" cmpd="sng" algn="ctr">
+                      <a:solidFill>
+                        <a:schemeClr val="tx1"/>
+                      </a:solidFill>
+                      <a:prstDash val="solid"/>
+                      <a:round/>
+                      <a:headEnd type="none" w="med" len="med"/>
+                      <a:tailEnd type="none" w="med" len="med"/>
+                    </a:lnB>
+                    <a:noFill/>
+                  </a:tcPr>
                 </a:tc>
                 <a:tc>
                   <a:txBody>
@@ -5625,7 +8170,7 @@
                       <a:r>
                         <a:rPr lang="ru-RU" sz="900" b="1" i="1" u="none" strike="noStrike" dirty="0">
                           <a:solidFill>
-                            <a:srgbClr val="000000"/>
+                            <a:schemeClr val="tx1"/>
                           </a:solidFill>
                           <a:effectLst>
                             <a:outerShdw blurRad="38100" dist="38100" dir="2700000" algn="tl">
@@ -5640,7 +8185,45 @@
                       </a:r>
                     </a:p>
                   </a:txBody>
-                  <a:tcPr marL="9525" marR="9525" marT="9525" marB="0" vert="vert270" anchor="ctr"/>
+                  <a:tcPr marL="9525" marR="9525" marT="9525" marB="0" vert="vert270" anchor="ctr">
+                    <a:lnL w="12700" cap="flat" cmpd="sng" algn="ctr">
+                      <a:solidFill>
+                        <a:schemeClr val="tx1"/>
+                      </a:solidFill>
+                      <a:prstDash val="solid"/>
+                      <a:round/>
+                      <a:headEnd type="none" w="med" len="med"/>
+                      <a:tailEnd type="none" w="med" len="med"/>
+                    </a:lnL>
+                    <a:lnR w="12700" cap="flat" cmpd="sng" algn="ctr">
+                      <a:solidFill>
+                        <a:schemeClr val="tx1"/>
+                      </a:solidFill>
+                      <a:prstDash val="solid"/>
+                      <a:round/>
+                      <a:headEnd type="none" w="med" len="med"/>
+                      <a:tailEnd type="none" w="med" len="med"/>
+                    </a:lnR>
+                    <a:lnT w="12700" cap="flat" cmpd="sng" algn="ctr">
+                      <a:solidFill>
+                        <a:schemeClr val="tx1"/>
+                      </a:solidFill>
+                      <a:prstDash val="solid"/>
+                      <a:round/>
+                      <a:headEnd type="none" w="med" len="med"/>
+                      <a:tailEnd type="none" w="med" len="med"/>
+                    </a:lnT>
+                    <a:lnB w="12700" cap="flat" cmpd="sng" algn="ctr">
+                      <a:solidFill>
+                        <a:schemeClr val="tx1"/>
+                      </a:solidFill>
+                      <a:prstDash val="solid"/>
+                      <a:round/>
+                      <a:headEnd type="none" w="med" len="med"/>
+                      <a:tailEnd type="none" w="med" len="med"/>
+                    </a:lnB>
+                    <a:noFill/>
+                  </a:tcPr>
                 </a:tc>
                 <a:tc>
                   <a:txBody>
@@ -5651,7 +8234,7 @@
                       <a:r>
                         <a:rPr lang="ru-RU" sz="1000" b="1" i="1" u="none" strike="noStrike" dirty="0">
                           <a:solidFill>
-                            <a:srgbClr val="000000"/>
+                            <a:schemeClr val="tx1"/>
                           </a:solidFill>
                           <a:effectLst>
                             <a:outerShdw blurRad="38100" dist="38100" dir="2700000" algn="tl">
@@ -5666,7 +8249,45 @@
                       </a:r>
                     </a:p>
                   </a:txBody>
-                  <a:tcPr marL="9525" marR="9525" marT="9525" marB="0" vert="vert270" anchor="ctr"/>
+                  <a:tcPr marL="9525" marR="9525" marT="9525" marB="0" vert="vert270" anchor="ctr">
+                    <a:lnL w="12700" cap="flat" cmpd="sng" algn="ctr">
+                      <a:solidFill>
+                        <a:schemeClr val="tx1"/>
+                      </a:solidFill>
+                      <a:prstDash val="solid"/>
+                      <a:round/>
+                      <a:headEnd type="none" w="med" len="med"/>
+                      <a:tailEnd type="none" w="med" len="med"/>
+                    </a:lnL>
+                    <a:lnR w="12700" cap="flat" cmpd="sng" algn="ctr">
+                      <a:solidFill>
+                        <a:schemeClr val="tx1"/>
+                      </a:solidFill>
+                      <a:prstDash val="solid"/>
+                      <a:round/>
+                      <a:headEnd type="none" w="med" len="med"/>
+                      <a:tailEnd type="none" w="med" len="med"/>
+                    </a:lnR>
+                    <a:lnT w="12700" cap="flat" cmpd="sng" algn="ctr">
+                      <a:solidFill>
+                        <a:schemeClr val="tx1"/>
+                      </a:solidFill>
+                      <a:prstDash val="solid"/>
+                      <a:round/>
+                      <a:headEnd type="none" w="med" len="med"/>
+                      <a:tailEnd type="none" w="med" len="med"/>
+                    </a:lnT>
+                    <a:lnB w="12700" cap="flat" cmpd="sng" algn="ctr">
+                      <a:solidFill>
+                        <a:schemeClr val="tx1"/>
+                      </a:solidFill>
+                      <a:prstDash val="solid"/>
+                      <a:round/>
+                      <a:headEnd type="none" w="med" len="med"/>
+                      <a:tailEnd type="none" w="med" len="med"/>
+                    </a:lnB>
+                    <a:noFill/>
+                  </a:tcPr>
                 </a:tc>
                 <a:extLst>
                   <a:ext uri="{0D108BD9-81ED-4DB2-BD59-A6C34878D82A}">
@@ -5682,11 +8303,59 @@
                     <a:p>
                       <a:pPr algn="ctr"/>
                       <a:endParaRPr lang="ru-RU" sz="1100" b="1">
+                        <a:solidFill>
+                          <a:schemeClr val="tx1"/>
+                        </a:solidFill>
+                        <a:effectLst>
+                          <a:outerShdw blurRad="38100" dist="38100" dir="2700000" algn="tl">
+                            <a:srgbClr val="000000">
+                              <a:alpha val="43137"/>
+                            </a:srgbClr>
+                          </a:outerShdw>
+                        </a:effectLst>
                         <a:latin typeface="Aptos Narrow" panose="020B0004020202020204" pitchFamily="34" charset="0"/>
                       </a:endParaRPr>
                     </a:p>
                   </a:txBody>
-                  <a:tcPr/>
+                  <a:tcPr>
+                    <a:lnL w="12700" cap="flat" cmpd="sng" algn="ctr">
+                      <a:solidFill>
+                        <a:schemeClr val="tx1"/>
+                      </a:solidFill>
+                      <a:prstDash val="solid"/>
+                      <a:round/>
+                      <a:headEnd type="none" w="med" len="med"/>
+                      <a:tailEnd type="none" w="med" len="med"/>
+                    </a:lnL>
+                    <a:lnR w="12700" cap="flat" cmpd="sng" algn="ctr">
+                      <a:solidFill>
+                        <a:schemeClr val="tx1"/>
+                      </a:solidFill>
+                      <a:prstDash val="solid"/>
+                      <a:round/>
+                      <a:headEnd type="none" w="med" len="med"/>
+                      <a:tailEnd type="none" w="med" len="med"/>
+                    </a:lnR>
+                    <a:lnT w="12700" cap="flat" cmpd="sng" algn="ctr">
+                      <a:solidFill>
+                        <a:schemeClr val="tx1"/>
+                      </a:solidFill>
+                      <a:prstDash val="solid"/>
+                      <a:round/>
+                      <a:headEnd type="none" w="med" len="med"/>
+                      <a:tailEnd type="none" w="med" len="med"/>
+                    </a:lnT>
+                    <a:lnB w="12700" cap="flat" cmpd="sng" algn="ctr">
+                      <a:solidFill>
+                        <a:schemeClr val="tx1"/>
+                      </a:solidFill>
+                      <a:prstDash val="solid"/>
+                      <a:round/>
+                      <a:headEnd type="none" w="med" len="med"/>
+                      <a:tailEnd type="none" w="med" len="med"/>
+                    </a:lnB>
+                    <a:noFill/>
+                  </a:tcPr>
                 </a:tc>
                 <a:tc>
                   <a:txBody>
@@ -5695,11 +8364,59 @@
                     <a:p>
                       <a:pPr algn="ctr"/>
                       <a:endParaRPr lang="ru-RU" sz="1100" b="1" dirty="0">
+                        <a:solidFill>
+                          <a:schemeClr val="tx1"/>
+                        </a:solidFill>
+                        <a:effectLst>
+                          <a:outerShdw blurRad="38100" dist="38100" dir="2700000" algn="tl">
+                            <a:srgbClr val="000000">
+                              <a:alpha val="43137"/>
+                            </a:srgbClr>
+                          </a:outerShdw>
+                        </a:effectLst>
                         <a:latin typeface="Aptos Narrow" panose="020B0004020202020204" pitchFamily="34" charset="0"/>
                       </a:endParaRPr>
                     </a:p>
                   </a:txBody>
-                  <a:tcPr/>
+                  <a:tcPr>
+                    <a:lnL w="12700" cap="flat" cmpd="sng" algn="ctr">
+                      <a:solidFill>
+                        <a:schemeClr val="tx1"/>
+                      </a:solidFill>
+                      <a:prstDash val="solid"/>
+                      <a:round/>
+                      <a:headEnd type="none" w="med" len="med"/>
+                      <a:tailEnd type="none" w="med" len="med"/>
+                    </a:lnL>
+                    <a:lnR w="12700" cap="flat" cmpd="sng" algn="ctr">
+                      <a:solidFill>
+                        <a:schemeClr val="tx1"/>
+                      </a:solidFill>
+                      <a:prstDash val="solid"/>
+                      <a:round/>
+                      <a:headEnd type="none" w="med" len="med"/>
+                      <a:tailEnd type="none" w="med" len="med"/>
+                    </a:lnR>
+                    <a:lnT w="12700" cap="flat" cmpd="sng" algn="ctr">
+                      <a:solidFill>
+                        <a:schemeClr val="tx1"/>
+                      </a:solidFill>
+                      <a:prstDash val="solid"/>
+                      <a:round/>
+                      <a:headEnd type="none" w="med" len="med"/>
+                      <a:tailEnd type="none" w="med" len="med"/>
+                    </a:lnT>
+                    <a:lnB w="12700" cap="flat" cmpd="sng" algn="ctr">
+                      <a:solidFill>
+                        <a:schemeClr val="tx1"/>
+                      </a:solidFill>
+                      <a:prstDash val="solid"/>
+                      <a:round/>
+                      <a:headEnd type="none" w="med" len="med"/>
+                      <a:tailEnd type="none" w="med" len="med"/>
+                    </a:lnB>
+                    <a:noFill/>
+                  </a:tcPr>
                 </a:tc>
                 <a:tc>
                   <a:txBody>
@@ -5708,11 +8425,59 @@
                     <a:p>
                       <a:pPr algn="ctr"/>
                       <a:endParaRPr lang="ru-RU" sz="1100" b="1" dirty="0">
+                        <a:solidFill>
+                          <a:schemeClr val="tx1"/>
+                        </a:solidFill>
+                        <a:effectLst>
+                          <a:outerShdw blurRad="38100" dist="38100" dir="2700000" algn="tl">
+                            <a:srgbClr val="000000">
+                              <a:alpha val="43137"/>
+                            </a:srgbClr>
+                          </a:outerShdw>
+                        </a:effectLst>
                         <a:latin typeface="Aptos Narrow" panose="020B0004020202020204" pitchFamily="34" charset="0"/>
                       </a:endParaRPr>
                     </a:p>
                   </a:txBody>
-                  <a:tcPr/>
+                  <a:tcPr>
+                    <a:lnL w="12700" cap="flat" cmpd="sng" algn="ctr">
+                      <a:solidFill>
+                        <a:schemeClr val="tx1"/>
+                      </a:solidFill>
+                      <a:prstDash val="solid"/>
+                      <a:round/>
+                      <a:headEnd type="none" w="med" len="med"/>
+                      <a:tailEnd type="none" w="med" len="med"/>
+                    </a:lnL>
+                    <a:lnR w="12700" cap="flat" cmpd="sng" algn="ctr">
+                      <a:solidFill>
+                        <a:schemeClr val="tx1"/>
+                      </a:solidFill>
+                      <a:prstDash val="solid"/>
+                      <a:round/>
+                      <a:headEnd type="none" w="med" len="med"/>
+                      <a:tailEnd type="none" w="med" len="med"/>
+                    </a:lnR>
+                    <a:lnT w="12700" cap="flat" cmpd="sng" algn="ctr">
+                      <a:solidFill>
+                        <a:schemeClr val="tx1"/>
+                      </a:solidFill>
+                      <a:prstDash val="solid"/>
+                      <a:round/>
+                      <a:headEnd type="none" w="med" len="med"/>
+                      <a:tailEnd type="none" w="med" len="med"/>
+                    </a:lnT>
+                    <a:lnB w="12700" cap="flat" cmpd="sng" algn="ctr">
+                      <a:solidFill>
+                        <a:schemeClr val="tx1"/>
+                      </a:solidFill>
+                      <a:prstDash val="solid"/>
+                      <a:round/>
+                      <a:headEnd type="none" w="med" len="med"/>
+                      <a:tailEnd type="none" w="med" len="med"/>
+                    </a:lnB>
+                    <a:noFill/>
+                  </a:tcPr>
                 </a:tc>
                 <a:tc>
                   <a:txBody>
@@ -5721,11 +8486,59 @@
                     <a:p>
                       <a:pPr algn="ctr"/>
                       <a:endParaRPr lang="ru-RU" sz="1100" b="1" dirty="0">
+                        <a:solidFill>
+                          <a:schemeClr val="tx1"/>
+                        </a:solidFill>
+                        <a:effectLst>
+                          <a:outerShdw blurRad="38100" dist="38100" dir="2700000" algn="tl">
+                            <a:srgbClr val="000000">
+                              <a:alpha val="43137"/>
+                            </a:srgbClr>
+                          </a:outerShdw>
+                        </a:effectLst>
                         <a:latin typeface="Aptos Narrow" panose="020B0004020202020204" pitchFamily="34" charset="0"/>
                       </a:endParaRPr>
                     </a:p>
                   </a:txBody>
-                  <a:tcPr/>
+                  <a:tcPr>
+                    <a:lnL w="12700" cap="flat" cmpd="sng" algn="ctr">
+                      <a:solidFill>
+                        <a:schemeClr val="tx1"/>
+                      </a:solidFill>
+                      <a:prstDash val="solid"/>
+                      <a:round/>
+                      <a:headEnd type="none" w="med" len="med"/>
+                      <a:tailEnd type="none" w="med" len="med"/>
+                    </a:lnL>
+                    <a:lnR w="12700" cap="flat" cmpd="sng" algn="ctr">
+                      <a:solidFill>
+                        <a:schemeClr val="tx1"/>
+                      </a:solidFill>
+                      <a:prstDash val="solid"/>
+                      <a:round/>
+                      <a:headEnd type="none" w="med" len="med"/>
+                      <a:tailEnd type="none" w="med" len="med"/>
+                    </a:lnR>
+                    <a:lnT w="12700" cap="flat" cmpd="sng" algn="ctr">
+                      <a:solidFill>
+                        <a:schemeClr val="tx1"/>
+                      </a:solidFill>
+                      <a:prstDash val="solid"/>
+                      <a:round/>
+                      <a:headEnd type="none" w="med" len="med"/>
+                      <a:tailEnd type="none" w="med" len="med"/>
+                    </a:lnT>
+                    <a:lnB w="12700" cap="flat" cmpd="sng" algn="ctr">
+                      <a:solidFill>
+                        <a:schemeClr val="tx1"/>
+                      </a:solidFill>
+                      <a:prstDash val="solid"/>
+                      <a:round/>
+                      <a:headEnd type="none" w="med" len="med"/>
+                      <a:tailEnd type="none" w="med" len="med"/>
+                    </a:lnB>
+                    <a:noFill/>
+                  </a:tcPr>
                 </a:tc>
                 <a:tc>
                   <a:txBody>
@@ -5734,11 +8547,59 @@
                     <a:p>
                       <a:pPr algn="ctr"/>
                       <a:endParaRPr lang="ru-RU" sz="1100" b="1">
+                        <a:solidFill>
+                          <a:schemeClr val="tx1"/>
+                        </a:solidFill>
+                        <a:effectLst>
+                          <a:outerShdw blurRad="38100" dist="38100" dir="2700000" algn="tl">
+                            <a:srgbClr val="000000">
+                              <a:alpha val="43137"/>
+                            </a:srgbClr>
+                          </a:outerShdw>
+                        </a:effectLst>
                         <a:latin typeface="Aptos Narrow" panose="020B0004020202020204" pitchFamily="34" charset="0"/>
                       </a:endParaRPr>
                     </a:p>
                   </a:txBody>
-                  <a:tcPr/>
+                  <a:tcPr>
+                    <a:lnL w="12700" cap="flat" cmpd="sng" algn="ctr">
+                      <a:solidFill>
+                        <a:schemeClr val="tx1"/>
+                      </a:solidFill>
+                      <a:prstDash val="solid"/>
+                      <a:round/>
+                      <a:headEnd type="none" w="med" len="med"/>
+                      <a:tailEnd type="none" w="med" len="med"/>
+                    </a:lnL>
+                    <a:lnR w="12700" cap="flat" cmpd="sng" algn="ctr">
+                      <a:solidFill>
+                        <a:schemeClr val="tx1"/>
+                      </a:solidFill>
+                      <a:prstDash val="solid"/>
+                      <a:round/>
+                      <a:headEnd type="none" w="med" len="med"/>
+                      <a:tailEnd type="none" w="med" len="med"/>
+                    </a:lnR>
+                    <a:lnT w="12700" cap="flat" cmpd="sng" algn="ctr">
+                      <a:solidFill>
+                        <a:schemeClr val="tx1"/>
+                      </a:solidFill>
+                      <a:prstDash val="solid"/>
+                      <a:round/>
+                      <a:headEnd type="none" w="med" len="med"/>
+                      <a:tailEnd type="none" w="med" len="med"/>
+                    </a:lnT>
+                    <a:lnB w="12700" cap="flat" cmpd="sng" algn="ctr">
+                      <a:solidFill>
+                        <a:schemeClr val="tx1"/>
+                      </a:solidFill>
+                      <a:prstDash val="solid"/>
+                      <a:round/>
+                      <a:headEnd type="none" w="med" len="med"/>
+                      <a:tailEnd type="none" w="med" len="med"/>
+                    </a:lnB>
+                    <a:noFill/>
+                  </a:tcPr>
                 </a:tc>
                 <a:tc>
                   <a:txBody>
@@ -5747,11 +8608,59 @@
                     <a:p>
                       <a:pPr algn="ctr"/>
                       <a:endParaRPr lang="ru-RU" sz="1100" b="1" dirty="0">
+                        <a:solidFill>
+                          <a:schemeClr val="tx1"/>
+                        </a:solidFill>
+                        <a:effectLst>
+                          <a:outerShdw blurRad="38100" dist="38100" dir="2700000" algn="tl">
+                            <a:srgbClr val="000000">
+                              <a:alpha val="43137"/>
+                            </a:srgbClr>
+                          </a:outerShdw>
+                        </a:effectLst>
                         <a:latin typeface="Aptos Narrow" panose="020B0004020202020204" pitchFamily="34" charset="0"/>
                       </a:endParaRPr>
                     </a:p>
                   </a:txBody>
-                  <a:tcPr/>
+                  <a:tcPr>
+                    <a:lnL w="12700" cap="flat" cmpd="sng" algn="ctr">
+                      <a:solidFill>
+                        <a:schemeClr val="tx1"/>
+                      </a:solidFill>
+                      <a:prstDash val="solid"/>
+                      <a:round/>
+                      <a:headEnd type="none" w="med" len="med"/>
+                      <a:tailEnd type="none" w="med" len="med"/>
+                    </a:lnL>
+                    <a:lnR w="12700" cap="flat" cmpd="sng" algn="ctr">
+                      <a:solidFill>
+                        <a:schemeClr val="tx1"/>
+                      </a:solidFill>
+                      <a:prstDash val="solid"/>
+                      <a:round/>
+                      <a:headEnd type="none" w="med" len="med"/>
+                      <a:tailEnd type="none" w="med" len="med"/>
+                    </a:lnR>
+                    <a:lnT w="12700" cap="flat" cmpd="sng" algn="ctr">
+                      <a:solidFill>
+                        <a:schemeClr val="tx1"/>
+                      </a:solidFill>
+                      <a:prstDash val="solid"/>
+                      <a:round/>
+                      <a:headEnd type="none" w="med" len="med"/>
+                      <a:tailEnd type="none" w="med" len="med"/>
+                    </a:lnT>
+                    <a:lnB w="12700" cap="flat" cmpd="sng" algn="ctr">
+                      <a:solidFill>
+                        <a:schemeClr val="tx1"/>
+                      </a:solidFill>
+                      <a:prstDash val="solid"/>
+                      <a:round/>
+                      <a:headEnd type="none" w="med" len="med"/>
+                      <a:tailEnd type="none" w="med" len="med"/>
+                    </a:lnB>
+                    <a:noFill/>
+                  </a:tcPr>
                 </a:tc>
                 <a:tc>
                   <a:txBody>
@@ -5760,11 +8669,59 @@
                     <a:p>
                       <a:pPr algn="ctr"/>
                       <a:endParaRPr lang="ru-RU" sz="1100" b="1">
+                        <a:solidFill>
+                          <a:schemeClr val="tx1"/>
+                        </a:solidFill>
+                        <a:effectLst>
+                          <a:outerShdw blurRad="38100" dist="38100" dir="2700000" algn="tl">
+                            <a:srgbClr val="000000">
+                              <a:alpha val="43137"/>
+                            </a:srgbClr>
+                          </a:outerShdw>
+                        </a:effectLst>
                         <a:latin typeface="Aptos Narrow" panose="020B0004020202020204" pitchFamily="34" charset="0"/>
                       </a:endParaRPr>
                     </a:p>
                   </a:txBody>
-                  <a:tcPr/>
+                  <a:tcPr>
+                    <a:lnL w="12700" cap="flat" cmpd="sng" algn="ctr">
+                      <a:solidFill>
+                        <a:schemeClr val="tx1"/>
+                      </a:solidFill>
+                      <a:prstDash val="solid"/>
+                      <a:round/>
+                      <a:headEnd type="none" w="med" len="med"/>
+                      <a:tailEnd type="none" w="med" len="med"/>
+                    </a:lnL>
+                    <a:lnR w="12700" cap="flat" cmpd="sng" algn="ctr">
+                      <a:solidFill>
+                        <a:schemeClr val="tx1"/>
+                      </a:solidFill>
+                      <a:prstDash val="solid"/>
+                      <a:round/>
+                      <a:headEnd type="none" w="med" len="med"/>
+                      <a:tailEnd type="none" w="med" len="med"/>
+                    </a:lnR>
+                    <a:lnT w="12700" cap="flat" cmpd="sng" algn="ctr">
+                      <a:solidFill>
+                        <a:schemeClr val="tx1"/>
+                      </a:solidFill>
+                      <a:prstDash val="solid"/>
+                      <a:round/>
+                      <a:headEnd type="none" w="med" len="med"/>
+                      <a:tailEnd type="none" w="med" len="med"/>
+                    </a:lnT>
+                    <a:lnB w="12700" cap="flat" cmpd="sng" algn="ctr">
+                      <a:solidFill>
+                        <a:schemeClr val="tx1"/>
+                      </a:solidFill>
+                      <a:prstDash val="solid"/>
+                      <a:round/>
+                      <a:headEnd type="none" w="med" len="med"/>
+                      <a:tailEnd type="none" w="med" len="med"/>
+                    </a:lnB>
+                    <a:noFill/>
+                  </a:tcPr>
                 </a:tc>
                 <a:tc>
                   <a:txBody>
@@ -5773,11 +8730,59 @@
                     <a:p>
                       <a:pPr algn="ctr"/>
                       <a:endParaRPr lang="ru-RU" sz="1100" b="1">
+                        <a:solidFill>
+                          <a:schemeClr val="tx1"/>
+                        </a:solidFill>
+                        <a:effectLst>
+                          <a:outerShdw blurRad="38100" dist="38100" dir="2700000" algn="tl">
+                            <a:srgbClr val="000000">
+                              <a:alpha val="43137"/>
+                            </a:srgbClr>
+                          </a:outerShdw>
+                        </a:effectLst>
                         <a:latin typeface="Aptos Narrow" panose="020B0004020202020204" pitchFamily="34" charset="0"/>
                       </a:endParaRPr>
                     </a:p>
                   </a:txBody>
-                  <a:tcPr/>
+                  <a:tcPr>
+                    <a:lnL w="12700" cap="flat" cmpd="sng" algn="ctr">
+                      <a:solidFill>
+                        <a:schemeClr val="tx1"/>
+                      </a:solidFill>
+                      <a:prstDash val="solid"/>
+                      <a:round/>
+                      <a:headEnd type="none" w="med" len="med"/>
+                      <a:tailEnd type="none" w="med" len="med"/>
+                    </a:lnL>
+                    <a:lnR w="12700" cap="flat" cmpd="sng" algn="ctr">
+                      <a:solidFill>
+                        <a:schemeClr val="tx1"/>
+                      </a:solidFill>
+                      <a:prstDash val="solid"/>
+                      <a:round/>
+                      <a:headEnd type="none" w="med" len="med"/>
+                      <a:tailEnd type="none" w="med" len="med"/>
+                    </a:lnR>
+                    <a:lnT w="12700" cap="flat" cmpd="sng" algn="ctr">
+                      <a:solidFill>
+                        <a:schemeClr val="tx1"/>
+                      </a:solidFill>
+                      <a:prstDash val="solid"/>
+                      <a:round/>
+                      <a:headEnd type="none" w="med" len="med"/>
+                      <a:tailEnd type="none" w="med" len="med"/>
+                    </a:lnT>
+                    <a:lnB w="12700" cap="flat" cmpd="sng" algn="ctr">
+                      <a:solidFill>
+                        <a:schemeClr val="tx1"/>
+                      </a:solidFill>
+                      <a:prstDash val="solid"/>
+                      <a:round/>
+                      <a:headEnd type="none" w="med" len="med"/>
+                      <a:tailEnd type="none" w="med" len="med"/>
+                    </a:lnB>
+                    <a:noFill/>
+                  </a:tcPr>
                 </a:tc>
                 <a:tc>
                   <a:txBody>
@@ -5786,11 +8791,59 @@
                     <a:p>
                       <a:pPr algn="ctr"/>
                       <a:endParaRPr lang="ru-RU" sz="1100" b="1">
+                        <a:solidFill>
+                          <a:schemeClr val="tx1"/>
+                        </a:solidFill>
+                        <a:effectLst>
+                          <a:outerShdw blurRad="38100" dist="38100" dir="2700000" algn="tl">
+                            <a:srgbClr val="000000">
+                              <a:alpha val="43137"/>
+                            </a:srgbClr>
+                          </a:outerShdw>
+                        </a:effectLst>
                         <a:latin typeface="Aptos Narrow" panose="020B0004020202020204" pitchFamily="34" charset="0"/>
                       </a:endParaRPr>
                     </a:p>
                   </a:txBody>
-                  <a:tcPr/>
+                  <a:tcPr>
+                    <a:lnL w="12700" cap="flat" cmpd="sng" algn="ctr">
+                      <a:solidFill>
+                        <a:schemeClr val="tx1"/>
+                      </a:solidFill>
+                      <a:prstDash val="solid"/>
+                      <a:round/>
+                      <a:headEnd type="none" w="med" len="med"/>
+                      <a:tailEnd type="none" w="med" len="med"/>
+                    </a:lnL>
+                    <a:lnR w="12700" cap="flat" cmpd="sng" algn="ctr">
+                      <a:solidFill>
+                        <a:schemeClr val="tx1"/>
+                      </a:solidFill>
+                      <a:prstDash val="solid"/>
+                      <a:round/>
+                      <a:headEnd type="none" w="med" len="med"/>
+                      <a:tailEnd type="none" w="med" len="med"/>
+                    </a:lnR>
+                    <a:lnT w="12700" cap="flat" cmpd="sng" algn="ctr">
+                      <a:solidFill>
+                        <a:schemeClr val="tx1"/>
+                      </a:solidFill>
+                      <a:prstDash val="solid"/>
+                      <a:round/>
+                      <a:headEnd type="none" w="med" len="med"/>
+                      <a:tailEnd type="none" w="med" len="med"/>
+                    </a:lnT>
+                    <a:lnB w="12700" cap="flat" cmpd="sng" algn="ctr">
+                      <a:solidFill>
+                        <a:schemeClr val="tx1"/>
+                      </a:solidFill>
+                      <a:prstDash val="solid"/>
+                      <a:round/>
+                      <a:headEnd type="none" w="med" len="med"/>
+                      <a:tailEnd type="none" w="med" len="med"/>
+                    </a:lnB>
+                    <a:noFill/>
+                  </a:tcPr>
                 </a:tc>
                 <a:tc>
                   <a:txBody>
@@ -5799,11 +8852,59 @@
                     <a:p>
                       <a:pPr algn="ctr"/>
                       <a:endParaRPr lang="ru-RU" sz="1100" b="1">
+                        <a:solidFill>
+                          <a:schemeClr val="tx1"/>
+                        </a:solidFill>
+                        <a:effectLst>
+                          <a:outerShdw blurRad="38100" dist="38100" dir="2700000" algn="tl">
+                            <a:srgbClr val="000000">
+                              <a:alpha val="43137"/>
+                            </a:srgbClr>
+                          </a:outerShdw>
+                        </a:effectLst>
                         <a:latin typeface="Aptos Narrow" panose="020B0004020202020204" pitchFamily="34" charset="0"/>
                       </a:endParaRPr>
                     </a:p>
                   </a:txBody>
-                  <a:tcPr/>
+                  <a:tcPr>
+                    <a:lnL w="12700" cap="flat" cmpd="sng" algn="ctr">
+                      <a:solidFill>
+                        <a:schemeClr val="tx1"/>
+                      </a:solidFill>
+                      <a:prstDash val="solid"/>
+                      <a:round/>
+                      <a:headEnd type="none" w="med" len="med"/>
+                      <a:tailEnd type="none" w="med" len="med"/>
+                    </a:lnL>
+                    <a:lnR w="12700" cap="flat" cmpd="sng" algn="ctr">
+                      <a:solidFill>
+                        <a:schemeClr val="tx1"/>
+                      </a:solidFill>
+                      <a:prstDash val="solid"/>
+                      <a:round/>
+                      <a:headEnd type="none" w="med" len="med"/>
+                      <a:tailEnd type="none" w="med" len="med"/>
+                    </a:lnR>
+                    <a:lnT w="12700" cap="flat" cmpd="sng" algn="ctr">
+                      <a:solidFill>
+                        <a:schemeClr val="tx1"/>
+                      </a:solidFill>
+                      <a:prstDash val="solid"/>
+                      <a:round/>
+                      <a:headEnd type="none" w="med" len="med"/>
+                      <a:tailEnd type="none" w="med" len="med"/>
+                    </a:lnT>
+                    <a:lnB w="12700" cap="flat" cmpd="sng" algn="ctr">
+                      <a:solidFill>
+                        <a:schemeClr val="tx1"/>
+                      </a:solidFill>
+                      <a:prstDash val="solid"/>
+                      <a:round/>
+                      <a:headEnd type="none" w="med" len="med"/>
+                      <a:tailEnd type="none" w="med" len="med"/>
+                    </a:lnB>
+                    <a:noFill/>
+                  </a:tcPr>
                 </a:tc>
                 <a:tc>
                   <a:txBody>
@@ -5812,11 +8913,59 @@
                     <a:p>
                       <a:pPr algn="ctr"/>
                       <a:endParaRPr lang="ru-RU" sz="1100" b="1">
+                        <a:solidFill>
+                          <a:schemeClr val="tx1"/>
+                        </a:solidFill>
+                        <a:effectLst>
+                          <a:outerShdw blurRad="38100" dist="38100" dir="2700000" algn="tl">
+                            <a:srgbClr val="000000">
+                              <a:alpha val="43137"/>
+                            </a:srgbClr>
+                          </a:outerShdw>
+                        </a:effectLst>
                         <a:latin typeface="Aptos Narrow" panose="020B0004020202020204" pitchFamily="34" charset="0"/>
                       </a:endParaRPr>
                     </a:p>
                   </a:txBody>
-                  <a:tcPr/>
+                  <a:tcPr>
+                    <a:lnL w="12700" cap="flat" cmpd="sng" algn="ctr">
+                      <a:solidFill>
+                        <a:schemeClr val="tx1"/>
+                      </a:solidFill>
+                      <a:prstDash val="solid"/>
+                      <a:round/>
+                      <a:headEnd type="none" w="med" len="med"/>
+                      <a:tailEnd type="none" w="med" len="med"/>
+                    </a:lnL>
+                    <a:lnR w="12700" cap="flat" cmpd="sng" algn="ctr">
+                      <a:solidFill>
+                        <a:schemeClr val="tx1"/>
+                      </a:solidFill>
+                      <a:prstDash val="solid"/>
+                      <a:round/>
+                      <a:headEnd type="none" w="med" len="med"/>
+                      <a:tailEnd type="none" w="med" len="med"/>
+                    </a:lnR>
+                    <a:lnT w="12700" cap="flat" cmpd="sng" algn="ctr">
+                      <a:solidFill>
+                        <a:schemeClr val="tx1"/>
+                      </a:solidFill>
+                      <a:prstDash val="solid"/>
+                      <a:round/>
+                      <a:headEnd type="none" w="med" len="med"/>
+                      <a:tailEnd type="none" w="med" len="med"/>
+                    </a:lnT>
+                    <a:lnB w="12700" cap="flat" cmpd="sng" algn="ctr">
+                      <a:solidFill>
+                        <a:schemeClr val="tx1"/>
+                      </a:solidFill>
+                      <a:prstDash val="solid"/>
+                      <a:round/>
+                      <a:headEnd type="none" w="med" len="med"/>
+                      <a:tailEnd type="none" w="med" len="med"/>
+                    </a:lnB>
+                    <a:noFill/>
+                  </a:tcPr>
                 </a:tc>
                 <a:tc>
                   <a:txBody>
@@ -5825,11 +8974,59 @@
                     <a:p>
                       <a:pPr algn="ctr"/>
                       <a:endParaRPr lang="ru-RU" sz="1100" b="1">
+                        <a:solidFill>
+                          <a:schemeClr val="tx1"/>
+                        </a:solidFill>
+                        <a:effectLst>
+                          <a:outerShdw blurRad="38100" dist="38100" dir="2700000" algn="tl">
+                            <a:srgbClr val="000000">
+                              <a:alpha val="43137"/>
+                            </a:srgbClr>
+                          </a:outerShdw>
+                        </a:effectLst>
                         <a:latin typeface="Aptos Narrow" panose="020B0004020202020204" pitchFamily="34" charset="0"/>
                       </a:endParaRPr>
                     </a:p>
                   </a:txBody>
-                  <a:tcPr/>
+                  <a:tcPr>
+                    <a:lnL w="12700" cap="flat" cmpd="sng" algn="ctr">
+                      <a:solidFill>
+                        <a:schemeClr val="tx1"/>
+                      </a:solidFill>
+                      <a:prstDash val="solid"/>
+                      <a:round/>
+                      <a:headEnd type="none" w="med" len="med"/>
+                      <a:tailEnd type="none" w="med" len="med"/>
+                    </a:lnL>
+                    <a:lnR w="12700" cap="flat" cmpd="sng" algn="ctr">
+                      <a:solidFill>
+                        <a:schemeClr val="tx1"/>
+                      </a:solidFill>
+                      <a:prstDash val="solid"/>
+                      <a:round/>
+                      <a:headEnd type="none" w="med" len="med"/>
+                      <a:tailEnd type="none" w="med" len="med"/>
+                    </a:lnR>
+                    <a:lnT w="12700" cap="flat" cmpd="sng" algn="ctr">
+                      <a:solidFill>
+                        <a:schemeClr val="tx1"/>
+                      </a:solidFill>
+                      <a:prstDash val="solid"/>
+                      <a:round/>
+                      <a:headEnd type="none" w="med" len="med"/>
+                      <a:tailEnd type="none" w="med" len="med"/>
+                    </a:lnT>
+                    <a:lnB w="12700" cap="flat" cmpd="sng" algn="ctr">
+                      <a:solidFill>
+                        <a:schemeClr val="tx1"/>
+                      </a:solidFill>
+                      <a:prstDash val="solid"/>
+                      <a:round/>
+                      <a:headEnd type="none" w="med" len="med"/>
+                      <a:tailEnd type="none" w="med" len="med"/>
+                    </a:lnB>
+                    <a:noFill/>
+                  </a:tcPr>
                 </a:tc>
                 <a:tc>
                   <a:txBody>
@@ -5838,11 +9035,59 @@
                     <a:p>
                       <a:pPr algn="ctr"/>
                       <a:endParaRPr lang="ru-RU" sz="1100" b="1">
+                        <a:solidFill>
+                          <a:schemeClr val="tx1"/>
+                        </a:solidFill>
+                        <a:effectLst>
+                          <a:outerShdw blurRad="38100" dist="38100" dir="2700000" algn="tl">
+                            <a:srgbClr val="000000">
+                              <a:alpha val="43137"/>
+                            </a:srgbClr>
+                          </a:outerShdw>
+                        </a:effectLst>
                         <a:latin typeface="Aptos Narrow" panose="020B0004020202020204" pitchFamily="34" charset="0"/>
                       </a:endParaRPr>
                     </a:p>
                   </a:txBody>
-                  <a:tcPr/>
+                  <a:tcPr>
+                    <a:lnL w="12700" cap="flat" cmpd="sng" algn="ctr">
+                      <a:solidFill>
+                        <a:schemeClr val="tx1"/>
+                      </a:solidFill>
+                      <a:prstDash val="solid"/>
+                      <a:round/>
+                      <a:headEnd type="none" w="med" len="med"/>
+                      <a:tailEnd type="none" w="med" len="med"/>
+                    </a:lnL>
+                    <a:lnR w="12700" cap="flat" cmpd="sng" algn="ctr">
+                      <a:solidFill>
+                        <a:schemeClr val="tx1"/>
+                      </a:solidFill>
+                      <a:prstDash val="solid"/>
+                      <a:round/>
+                      <a:headEnd type="none" w="med" len="med"/>
+                      <a:tailEnd type="none" w="med" len="med"/>
+                    </a:lnR>
+                    <a:lnT w="12700" cap="flat" cmpd="sng" algn="ctr">
+                      <a:solidFill>
+                        <a:schemeClr val="tx1"/>
+                      </a:solidFill>
+                      <a:prstDash val="solid"/>
+                      <a:round/>
+                      <a:headEnd type="none" w="med" len="med"/>
+                      <a:tailEnd type="none" w="med" len="med"/>
+                    </a:lnT>
+                    <a:lnB w="12700" cap="flat" cmpd="sng" algn="ctr">
+                      <a:solidFill>
+                        <a:schemeClr val="tx1"/>
+                      </a:solidFill>
+                      <a:prstDash val="solid"/>
+                      <a:round/>
+                      <a:headEnd type="none" w="med" len="med"/>
+                      <a:tailEnd type="none" w="med" len="med"/>
+                    </a:lnB>
+                    <a:noFill/>
+                  </a:tcPr>
                 </a:tc>
                 <a:tc>
                   <a:txBody>
@@ -5851,11 +9096,59 @@
                     <a:p>
                       <a:pPr algn="ctr"/>
                       <a:endParaRPr lang="ru-RU" sz="1100" b="1">
+                        <a:solidFill>
+                          <a:schemeClr val="tx1"/>
+                        </a:solidFill>
+                        <a:effectLst>
+                          <a:outerShdw blurRad="38100" dist="38100" dir="2700000" algn="tl">
+                            <a:srgbClr val="000000">
+                              <a:alpha val="43137"/>
+                            </a:srgbClr>
+                          </a:outerShdw>
+                        </a:effectLst>
                         <a:latin typeface="Aptos Narrow" panose="020B0004020202020204" pitchFamily="34" charset="0"/>
                       </a:endParaRPr>
                     </a:p>
                   </a:txBody>
-                  <a:tcPr/>
+                  <a:tcPr>
+                    <a:lnL w="12700" cap="flat" cmpd="sng" algn="ctr">
+                      <a:solidFill>
+                        <a:schemeClr val="tx1"/>
+                      </a:solidFill>
+                      <a:prstDash val="solid"/>
+                      <a:round/>
+                      <a:headEnd type="none" w="med" len="med"/>
+                      <a:tailEnd type="none" w="med" len="med"/>
+                    </a:lnL>
+                    <a:lnR w="12700" cap="flat" cmpd="sng" algn="ctr">
+                      <a:solidFill>
+                        <a:schemeClr val="tx1"/>
+                      </a:solidFill>
+                      <a:prstDash val="solid"/>
+                      <a:round/>
+                      <a:headEnd type="none" w="med" len="med"/>
+                      <a:tailEnd type="none" w="med" len="med"/>
+                    </a:lnR>
+                    <a:lnT w="12700" cap="flat" cmpd="sng" algn="ctr">
+                      <a:solidFill>
+                        <a:schemeClr val="tx1"/>
+                      </a:solidFill>
+                      <a:prstDash val="solid"/>
+                      <a:round/>
+                      <a:headEnd type="none" w="med" len="med"/>
+                      <a:tailEnd type="none" w="med" len="med"/>
+                    </a:lnT>
+                    <a:lnB w="12700" cap="flat" cmpd="sng" algn="ctr">
+                      <a:solidFill>
+                        <a:schemeClr val="tx1"/>
+                      </a:solidFill>
+                      <a:prstDash val="solid"/>
+                      <a:round/>
+                      <a:headEnd type="none" w="med" len="med"/>
+                      <a:tailEnd type="none" w="med" len="med"/>
+                    </a:lnB>
+                    <a:noFill/>
+                  </a:tcPr>
                 </a:tc>
                 <a:tc>
                   <a:txBody>
@@ -5864,11 +9157,59 @@
                     <a:p>
                       <a:pPr algn="ctr"/>
                       <a:endParaRPr lang="ru-RU" sz="1100" b="1" dirty="0">
+                        <a:solidFill>
+                          <a:schemeClr val="tx1"/>
+                        </a:solidFill>
+                        <a:effectLst>
+                          <a:outerShdw blurRad="38100" dist="38100" dir="2700000" algn="tl">
+                            <a:srgbClr val="000000">
+                              <a:alpha val="43137"/>
+                            </a:srgbClr>
+                          </a:outerShdw>
+                        </a:effectLst>
                         <a:latin typeface="Aptos Narrow" panose="020B0004020202020204" pitchFamily="34" charset="0"/>
                       </a:endParaRPr>
                     </a:p>
                   </a:txBody>
-                  <a:tcPr/>
+                  <a:tcPr>
+                    <a:lnL w="12700" cap="flat" cmpd="sng" algn="ctr">
+                      <a:solidFill>
+                        <a:schemeClr val="tx1"/>
+                      </a:solidFill>
+                      <a:prstDash val="solid"/>
+                      <a:round/>
+                      <a:headEnd type="none" w="med" len="med"/>
+                      <a:tailEnd type="none" w="med" len="med"/>
+                    </a:lnL>
+                    <a:lnR w="12700" cap="flat" cmpd="sng" algn="ctr">
+                      <a:solidFill>
+                        <a:schemeClr val="tx1"/>
+                      </a:solidFill>
+                      <a:prstDash val="solid"/>
+                      <a:round/>
+                      <a:headEnd type="none" w="med" len="med"/>
+                      <a:tailEnd type="none" w="med" len="med"/>
+                    </a:lnR>
+                    <a:lnT w="12700" cap="flat" cmpd="sng" algn="ctr">
+                      <a:solidFill>
+                        <a:schemeClr val="tx1"/>
+                      </a:solidFill>
+                      <a:prstDash val="solid"/>
+                      <a:round/>
+                      <a:headEnd type="none" w="med" len="med"/>
+                      <a:tailEnd type="none" w="med" len="med"/>
+                    </a:lnT>
+                    <a:lnB w="12700" cap="flat" cmpd="sng" algn="ctr">
+                      <a:solidFill>
+                        <a:schemeClr val="tx1"/>
+                      </a:solidFill>
+                      <a:prstDash val="solid"/>
+                      <a:round/>
+                      <a:headEnd type="none" w="med" len="med"/>
+                      <a:tailEnd type="none" w="med" len="med"/>
+                    </a:lnB>
+                    <a:noFill/>
+                  </a:tcPr>
                 </a:tc>
                 <a:extLst>
                   <a:ext uri="{0D108BD9-81ED-4DB2-BD59-A6C34878D82A}">
@@ -5895,14 +9236,14 @@
           <p:nvPr>
             <p:extLst>
               <p:ext uri="{D42A27DB-BD31-4B8C-83A1-F6EECF244321}">
-                <p14:modId xmlns:p14="http://schemas.microsoft.com/office/powerpoint/2010/main" val="3305300483"/>
+                <p14:modId xmlns:p14="http://schemas.microsoft.com/office/powerpoint/2010/main" val="99230131"/>
               </p:ext>
             </p:extLst>
           </p:nvPr>
         </p:nvGraphicFramePr>
         <p:xfrm>
-          <a:off x="-9144" y="7530238"/>
-          <a:ext cx="6867147" cy="1751761"/>
+          <a:off x="0" y="7568338"/>
+          <a:ext cx="6858012" cy="1751761"/>
         </p:xfrm>
         <a:graphic>
           <a:graphicData uri="http://schemas.openxmlformats.org/drawingml/2006/table">
@@ -5911,147 +9252,147 @@
                 <a:tableStyleId>{5C22544A-7EE6-4342-B048-85BDC9FD1C3A}</a:tableStyleId>
               </a:tblPr>
               <a:tblGrid>
-                <a:gridCol w="327007">
+                <a:gridCol w="326572">
                   <a:extLst>
                     <a:ext uri="{9D8B030D-6E8A-4147-A177-3AD203B41FA5}">
                       <a16:colId xmlns:a16="http://schemas.microsoft.com/office/drawing/2014/main" val="655155884"/>
                     </a:ext>
                   </a:extLst>
                 </a:gridCol>
-                <a:gridCol w="327007">
+                <a:gridCol w="326572">
                   <a:extLst>
                     <a:ext uri="{9D8B030D-6E8A-4147-A177-3AD203B41FA5}">
                       <a16:colId xmlns:a16="http://schemas.microsoft.com/office/drawing/2014/main" val="142457269"/>
                     </a:ext>
                   </a:extLst>
                 </a:gridCol>
-                <a:gridCol w="327007">
+                <a:gridCol w="326572">
                   <a:extLst>
                     <a:ext uri="{9D8B030D-6E8A-4147-A177-3AD203B41FA5}">
                       <a16:colId xmlns:a16="http://schemas.microsoft.com/office/drawing/2014/main" val="1512520388"/>
                     </a:ext>
                   </a:extLst>
                 </a:gridCol>
-                <a:gridCol w="327007">
+                <a:gridCol w="326572">
                   <a:extLst>
                     <a:ext uri="{9D8B030D-6E8A-4147-A177-3AD203B41FA5}">
                       <a16:colId xmlns:a16="http://schemas.microsoft.com/office/drawing/2014/main" val="3435076607"/>
                     </a:ext>
                   </a:extLst>
                 </a:gridCol>
-                <a:gridCol w="327007">
+                <a:gridCol w="326572">
                   <a:extLst>
                     <a:ext uri="{9D8B030D-6E8A-4147-A177-3AD203B41FA5}">
                       <a16:colId xmlns:a16="http://schemas.microsoft.com/office/drawing/2014/main" val="1971822524"/>
                     </a:ext>
                   </a:extLst>
                 </a:gridCol>
-                <a:gridCol w="327007">
+                <a:gridCol w="326572">
                   <a:extLst>
                     <a:ext uri="{9D8B030D-6E8A-4147-A177-3AD203B41FA5}">
                       <a16:colId xmlns:a16="http://schemas.microsoft.com/office/drawing/2014/main" val="2673524797"/>
                     </a:ext>
                   </a:extLst>
                 </a:gridCol>
-                <a:gridCol w="327007">
+                <a:gridCol w="326572">
                   <a:extLst>
                     <a:ext uri="{9D8B030D-6E8A-4147-A177-3AD203B41FA5}">
                       <a16:colId xmlns:a16="http://schemas.microsoft.com/office/drawing/2014/main" val="1071996424"/>
                     </a:ext>
                   </a:extLst>
                 </a:gridCol>
-                <a:gridCol w="327007">
+                <a:gridCol w="326572">
                   <a:extLst>
                     <a:ext uri="{9D8B030D-6E8A-4147-A177-3AD203B41FA5}">
                       <a16:colId xmlns:a16="http://schemas.microsoft.com/office/drawing/2014/main" val="872006989"/>
                     </a:ext>
                   </a:extLst>
                 </a:gridCol>
-                <a:gridCol w="327007">
+                <a:gridCol w="326572">
                   <a:extLst>
                     <a:ext uri="{9D8B030D-6E8A-4147-A177-3AD203B41FA5}">
                       <a16:colId xmlns:a16="http://schemas.microsoft.com/office/drawing/2014/main" val="684132641"/>
                     </a:ext>
                   </a:extLst>
                 </a:gridCol>
-                <a:gridCol w="327007">
+                <a:gridCol w="326572">
                   <a:extLst>
                     <a:ext uri="{9D8B030D-6E8A-4147-A177-3AD203B41FA5}">
                       <a16:colId xmlns:a16="http://schemas.microsoft.com/office/drawing/2014/main" val="688398887"/>
                     </a:ext>
                   </a:extLst>
                 </a:gridCol>
-                <a:gridCol w="327007">
+                <a:gridCol w="326572">
                   <a:extLst>
                     <a:ext uri="{9D8B030D-6E8A-4147-A177-3AD203B41FA5}">
                       <a16:colId xmlns:a16="http://schemas.microsoft.com/office/drawing/2014/main" val="1146031796"/>
                     </a:ext>
                   </a:extLst>
                 </a:gridCol>
-                <a:gridCol w="327007">
+                <a:gridCol w="326572">
                   <a:extLst>
                     <a:ext uri="{9D8B030D-6E8A-4147-A177-3AD203B41FA5}">
                       <a16:colId xmlns:a16="http://schemas.microsoft.com/office/drawing/2014/main" val="3636508242"/>
                     </a:ext>
                   </a:extLst>
                 </a:gridCol>
-                <a:gridCol w="327007">
+                <a:gridCol w="326572">
                   <a:extLst>
                     <a:ext uri="{9D8B030D-6E8A-4147-A177-3AD203B41FA5}">
                       <a16:colId xmlns:a16="http://schemas.microsoft.com/office/drawing/2014/main" val="1965016444"/>
                     </a:ext>
                   </a:extLst>
                 </a:gridCol>
-                <a:gridCol w="327007">
+                <a:gridCol w="326572">
                   <a:extLst>
                     <a:ext uri="{9D8B030D-6E8A-4147-A177-3AD203B41FA5}">
                       <a16:colId xmlns:a16="http://schemas.microsoft.com/office/drawing/2014/main" val="578221918"/>
                     </a:ext>
                   </a:extLst>
                 </a:gridCol>
-                <a:gridCol w="327007">
+                <a:gridCol w="326572">
                   <a:extLst>
                     <a:ext uri="{9D8B030D-6E8A-4147-A177-3AD203B41FA5}">
                       <a16:colId xmlns:a16="http://schemas.microsoft.com/office/drawing/2014/main" val="3286227942"/>
                     </a:ext>
                   </a:extLst>
                 </a:gridCol>
-                <a:gridCol w="327007">
+                <a:gridCol w="326572">
                   <a:extLst>
                     <a:ext uri="{9D8B030D-6E8A-4147-A177-3AD203B41FA5}">
                       <a16:colId xmlns:a16="http://schemas.microsoft.com/office/drawing/2014/main" val="3529732698"/>
                     </a:ext>
                   </a:extLst>
                 </a:gridCol>
-                <a:gridCol w="327007">
+                <a:gridCol w="326572">
                   <a:extLst>
                     <a:ext uri="{9D8B030D-6E8A-4147-A177-3AD203B41FA5}">
                       <a16:colId xmlns:a16="http://schemas.microsoft.com/office/drawing/2014/main" val="1093561990"/>
                     </a:ext>
                   </a:extLst>
                 </a:gridCol>
-                <a:gridCol w="327007">
+                <a:gridCol w="326572">
                   <a:extLst>
                     <a:ext uri="{9D8B030D-6E8A-4147-A177-3AD203B41FA5}">
                       <a16:colId xmlns:a16="http://schemas.microsoft.com/office/drawing/2014/main" val="293633382"/>
                     </a:ext>
                   </a:extLst>
                 </a:gridCol>
-                <a:gridCol w="327007">
+                <a:gridCol w="326572">
                   <a:extLst>
                     <a:ext uri="{9D8B030D-6E8A-4147-A177-3AD203B41FA5}">
                       <a16:colId xmlns:a16="http://schemas.microsoft.com/office/drawing/2014/main" val="3595429426"/>
                     </a:ext>
                   </a:extLst>
                 </a:gridCol>
-                <a:gridCol w="327007">
+                <a:gridCol w="326572">
                   <a:extLst>
                     <a:ext uri="{9D8B030D-6E8A-4147-A177-3AD203B41FA5}">
                       <a16:colId xmlns:a16="http://schemas.microsoft.com/office/drawing/2014/main" val="1036195196"/>
                     </a:ext>
                   </a:extLst>
                 </a:gridCol>
-                <a:gridCol w="327007">
+                <a:gridCol w="326572">
                   <a:extLst>
                     <a:ext uri="{9D8B030D-6E8A-4147-A177-3AD203B41FA5}">
                       <a16:colId xmlns:a16="http://schemas.microsoft.com/office/drawing/2014/main" val="3843341039"/>
@@ -6067,7 +9408,10 @@
                     <a:p>
                       <a:pPr algn="ctr"/>
                       <a:r>
-                        <a:rPr lang="ru-RU" sz="1100" dirty="0">
+                        <a:rPr lang="ru-RU" sz="1100" b="1" dirty="0">
+                          <a:solidFill>
+                            <a:schemeClr val="tx1"/>
+                          </a:solidFill>
                           <a:effectLst>
                             <a:outerShdw blurRad="38100" dist="38100" dir="2700000" algn="tl">
                               <a:srgbClr val="000000">
@@ -6077,37 +9421,48 @@
                           </a:effectLst>
                           <a:latin typeface="Aptos Display" panose="020B0004020202020204" pitchFamily="34" charset="0"/>
                         </a:rPr>
-                        <a:t>ОКОНЧАТЕЛЬНЫЙ</a:t>
+                        <a:t>ОКОНЧАТЕЛЬНЫЙ БРАК</a:t>
                       </a:r>
-                      <a:r>
-                        <a:rPr lang="ru-RU" sz="1100" dirty="0">
-                          <a:effectLst/>
-                          <a:latin typeface="Aptos Display" panose="020B0004020202020204" pitchFamily="34" charset="0"/>
-                        </a:rPr>
-                        <a:t> </a:t>
-                      </a:r>
-                      <a:r>
-                        <a:rPr lang="ru-RU" sz="1100" dirty="0">
-                          <a:effectLst>
-                            <a:outerShdw blurRad="38100" dist="38100" dir="2700000" algn="tl">
-                              <a:srgbClr val="000000">
-                                <a:alpha val="43137"/>
-                              </a:srgbClr>
-                            </a:outerShdw>
-                          </a:effectLst>
-                          <a:latin typeface="Aptos Display" panose="020B0004020202020204" pitchFamily="34" charset="0"/>
-                        </a:rPr>
-                        <a:t>БРАК</a:t>
-                      </a:r>
                     </a:p>
                   </a:txBody>
                   <a:tcPr anchor="ctr">
-                    <a:solidFill>
-                      <a:schemeClr val="accent5">
-                        <a:lumMod val="40000"/>
-                        <a:lumOff val="60000"/>
-                      </a:schemeClr>
-                    </a:solidFill>
+                    <a:lnL w="12700" cap="flat" cmpd="sng" algn="ctr">
+                      <a:solidFill>
+                        <a:schemeClr val="tx1"/>
+                      </a:solidFill>
+                      <a:prstDash val="solid"/>
+                      <a:round/>
+                      <a:headEnd type="none" w="med" len="med"/>
+                      <a:tailEnd type="none" w="med" len="med"/>
+                    </a:lnL>
+                    <a:lnR w="12700" cap="flat" cmpd="sng" algn="ctr">
+                      <a:solidFill>
+                        <a:schemeClr val="tx1"/>
+                      </a:solidFill>
+                      <a:prstDash val="solid"/>
+                      <a:round/>
+                      <a:headEnd type="none" w="med" len="med"/>
+                      <a:tailEnd type="none" w="med" len="med"/>
+                    </a:lnR>
+                    <a:lnT w="12700" cap="flat" cmpd="sng" algn="ctr">
+                      <a:solidFill>
+                        <a:schemeClr val="tx1"/>
+                      </a:solidFill>
+                      <a:prstDash val="solid"/>
+                      <a:round/>
+                      <a:headEnd type="none" w="med" len="med"/>
+                      <a:tailEnd type="none" w="med" len="med"/>
+                    </a:lnT>
+                    <a:lnB w="12700" cap="flat" cmpd="sng" algn="ctr">
+                      <a:solidFill>
+                        <a:schemeClr val="tx1"/>
+                      </a:solidFill>
+                      <a:prstDash val="solid"/>
+                      <a:round/>
+                      <a:headEnd type="none" w="med" len="med"/>
+                      <a:tailEnd type="none" w="med" len="med"/>
+                    </a:lnB>
+                    <a:noFill/>
                   </a:tcPr>
                 </a:tc>
                 <a:tc hMerge="1">
@@ -6326,7 +9681,7 @@
                       <a:r>
                         <a:rPr lang="ru-RU" sz="1000" b="1" i="1" u="none" strike="noStrike" dirty="0">
                           <a:solidFill>
-                            <a:srgbClr val="000000"/>
+                            <a:schemeClr val="tx1"/>
                           </a:solidFill>
                           <a:effectLst>
                             <a:outerShdw blurRad="38100" dist="38100" dir="2700000" algn="tl">
@@ -6341,7 +9696,45 @@
                       </a:r>
                     </a:p>
                   </a:txBody>
-                  <a:tcPr marL="9525" marR="9525" marT="9525" marB="0" vert="vert270" anchor="ctr"/>
+                  <a:tcPr marL="9525" marR="9525" marT="9525" marB="0" vert="vert270" anchor="ctr">
+                    <a:lnL w="12700" cap="flat" cmpd="sng" algn="ctr">
+                      <a:solidFill>
+                        <a:schemeClr val="tx1"/>
+                      </a:solidFill>
+                      <a:prstDash val="solid"/>
+                      <a:round/>
+                      <a:headEnd type="none" w="med" len="med"/>
+                      <a:tailEnd type="none" w="med" len="med"/>
+                    </a:lnL>
+                    <a:lnR w="12700" cap="flat" cmpd="sng" algn="ctr">
+                      <a:solidFill>
+                        <a:schemeClr val="tx1"/>
+                      </a:solidFill>
+                      <a:prstDash val="solid"/>
+                      <a:round/>
+                      <a:headEnd type="none" w="med" len="med"/>
+                      <a:tailEnd type="none" w="med" len="med"/>
+                    </a:lnR>
+                    <a:lnT w="12700" cap="flat" cmpd="sng" algn="ctr">
+                      <a:solidFill>
+                        <a:schemeClr val="tx1"/>
+                      </a:solidFill>
+                      <a:prstDash val="solid"/>
+                      <a:round/>
+                      <a:headEnd type="none" w="med" len="med"/>
+                      <a:tailEnd type="none" w="med" len="med"/>
+                    </a:lnT>
+                    <a:lnB w="12700" cap="flat" cmpd="sng" algn="ctr">
+                      <a:solidFill>
+                        <a:schemeClr val="tx1"/>
+                      </a:solidFill>
+                      <a:prstDash val="solid"/>
+                      <a:round/>
+                      <a:headEnd type="none" w="med" len="med"/>
+                      <a:tailEnd type="none" w="med" len="med"/>
+                    </a:lnB>
+                    <a:noFill/>
+                  </a:tcPr>
                 </a:tc>
                 <a:tc>
                   <a:txBody>
@@ -6352,7 +9745,7 @@
                       <a:r>
                         <a:rPr lang="ru-RU" sz="1000" b="1" i="1" u="none" strike="noStrike">
                           <a:solidFill>
-                            <a:srgbClr val="000000"/>
+                            <a:schemeClr val="tx1"/>
                           </a:solidFill>
                           <a:effectLst>
                             <a:outerShdw blurRad="38100" dist="38100" dir="2700000" algn="tl">
@@ -6367,7 +9760,45 @@
                       </a:r>
                     </a:p>
                   </a:txBody>
-                  <a:tcPr marL="9525" marR="9525" marT="9525" marB="0" vert="vert270" anchor="ctr"/>
+                  <a:tcPr marL="9525" marR="9525" marT="9525" marB="0" vert="vert270" anchor="ctr">
+                    <a:lnL w="12700" cap="flat" cmpd="sng" algn="ctr">
+                      <a:solidFill>
+                        <a:schemeClr val="tx1"/>
+                      </a:solidFill>
+                      <a:prstDash val="solid"/>
+                      <a:round/>
+                      <a:headEnd type="none" w="med" len="med"/>
+                      <a:tailEnd type="none" w="med" len="med"/>
+                    </a:lnL>
+                    <a:lnR w="12700" cap="flat" cmpd="sng" algn="ctr">
+                      <a:solidFill>
+                        <a:schemeClr val="tx1"/>
+                      </a:solidFill>
+                      <a:prstDash val="solid"/>
+                      <a:round/>
+                      <a:headEnd type="none" w="med" len="med"/>
+                      <a:tailEnd type="none" w="med" len="med"/>
+                    </a:lnR>
+                    <a:lnT w="12700" cap="flat" cmpd="sng" algn="ctr">
+                      <a:solidFill>
+                        <a:schemeClr val="tx1"/>
+                      </a:solidFill>
+                      <a:prstDash val="solid"/>
+                      <a:round/>
+                      <a:headEnd type="none" w="med" len="med"/>
+                      <a:tailEnd type="none" w="med" len="med"/>
+                    </a:lnT>
+                    <a:lnB w="12700" cap="flat" cmpd="sng" algn="ctr">
+                      <a:solidFill>
+                        <a:schemeClr val="tx1"/>
+                      </a:solidFill>
+                      <a:prstDash val="solid"/>
+                      <a:round/>
+                      <a:headEnd type="none" w="med" len="med"/>
+                      <a:tailEnd type="none" w="med" len="med"/>
+                    </a:lnB>
+                    <a:noFill/>
+                  </a:tcPr>
                 </a:tc>
                 <a:tc>
                   <a:txBody>
@@ -6378,7 +9809,7 @@
                       <a:r>
                         <a:rPr lang="ru-RU" sz="1000" b="1" i="1" u="none" strike="noStrike" dirty="0">
                           <a:solidFill>
-                            <a:srgbClr val="000000"/>
+                            <a:schemeClr val="tx1"/>
                           </a:solidFill>
                           <a:effectLst>
                             <a:outerShdw blurRad="38100" dist="38100" dir="2700000" algn="tl">
@@ -6393,7 +9824,45 @@
                       </a:r>
                     </a:p>
                   </a:txBody>
-                  <a:tcPr marL="9525" marR="9525" marT="9525" marB="0" vert="vert270" anchor="ctr"/>
+                  <a:tcPr marL="9525" marR="9525" marT="9525" marB="0" vert="vert270" anchor="ctr">
+                    <a:lnL w="12700" cap="flat" cmpd="sng" algn="ctr">
+                      <a:solidFill>
+                        <a:schemeClr val="tx1"/>
+                      </a:solidFill>
+                      <a:prstDash val="solid"/>
+                      <a:round/>
+                      <a:headEnd type="none" w="med" len="med"/>
+                      <a:tailEnd type="none" w="med" len="med"/>
+                    </a:lnL>
+                    <a:lnR w="12700" cap="flat" cmpd="sng" algn="ctr">
+                      <a:solidFill>
+                        <a:schemeClr val="tx1"/>
+                      </a:solidFill>
+                      <a:prstDash val="solid"/>
+                      <a:round/>
+                      <a:headEnd type="none" w="med" len="med"/>
+                      <a:tailEnd type="none" w="med" len="med"/>
+                    </a:lnR>
+                    <a:lnT w="12700" cap="flat" cmpd="sng" algn="ctr">
+                      <a:solidFill>
+                        <a:schemeClr val="tx1"/>
+                      </a:solidFill>
+                      <a:prstDash val="solid"/>
+                      <a:round/>
+                      <a:headEnd type="none" w="med" len="med"/>
+                      <a:tailEnd type="none" w="med" len="med"/>
+                    </a:lnT>
+                    <a:lnB w="12700" cap="flat" cmpd="sng" algn="ctr">
+                      <a:solidFill>
+                        <a:schemeClr val="tx1"/>
+                      </a:solidFill>
+                      <a:prstDash val="solid"/>
+                      <a:round/>
+                      <a:headEnd type="none" w="med" len="med"/>
+                      <a:tailEnd type="none" w="med" len="med"/>
+                    </a:lnB>
+                    <a:noFill/>
+                  </a:tcPr>
                 </a:tc>
                 <a:tc>
                   <a:txBody>
@@ -6404,7 +9873,7 @@
                       <a:r>
                         <a:rPr lang="ru-RU" sz="1000" b="1" i="1" u="none" strike="noStrike" dirty="0">
                           <a:solidFill>
-                            <a:srgbClr val="000000"/>
+                            <a:schemeClr val="tx1"/>
                           </a:solidFill>
                           <a:effectLst>
                             <a:outerShdw blurRad="38100" dist="38100" dir="2700000" algn="tl">
@@ -6419,7 +9888,45 @@
                       </a:r>
                     </a:p>
                   </a:txBody>
-                  <a:tcPr marL="9525" marR="9525" marT="9525" marB="0" vert="vert270" anchor="ctr"/>
+                  <a:tcPr marL="9525" marR="9525" marT="9525" marB="0" vert="vert270" anchor="ctr">
+                    <a:lnL w="12700" cap="flat" cmpd="sng" algn="ctr">
+                      <a:solidFill>
+                        <a:schemeClr val="tx1"/>
+                      </a:solidFill>
+                      <a:prstDash val="solid"/>
+                      <a:round/>
+                      <a:headEnd type="none" w="med" len="med"/>
+                      <a:tailEnd type="none" w="med" len="med"/>
+                    </a:lnL>
+                    <a:lnR w="12700" cap="flat" cmpd="sng" algn="ctr">
+                      <a:solidFill>
+                        <a:schemeClr val="tx1"/>
+                      </a:solidFill>
+                      <a:prstDash val="solid"/>
+                      <a:round/>
+                      <a:headEnd type="none" w="med" len="med"/>
+                      <a:tailEnd type="none" w="med" len="med"/>
+                    </a:lnR>
+                    <a:lnT w="12700" cap="flat" cmpd="sng" algn="ctr">
+                      <a:solidFill>
+                        <a:schemeClr val="tx1"/>
+                      </a:solidFill>
+                      <a:prstDash val="solid"/>
+                      <a:round/>
+                      <a:headEnd type="none" w="med" len="med"/>
+                      <a:tailEnd type="none" w="med" len="med"/>
+                    </a:lnT>
+                    <a:lnB w="12700" cap="flat" cmpd="sng" algn="ctr">
+                      <a:solidFill>
+                        <a:schemeClr val="tx1"/>
+                      </a:solidFill>
+                      <a:prstDash val="solid"/>
+                      <a:round/>
+                      <a:headEnd type="none" w="med" len="med"/>
+                      <a:tailEnd type="none" w="med" len="med"/>
+                    </a:lnB>
+                    <a:noFill/>
+                  </a:tcPr>
                 </a:tc>
                 <a:tc>
                   <a:txBody>
@@ -6430,7 +9937,7 @@
                       <a:r>
                         <a:rPr lang="ru-RU" sz="1000" b="1" i="1" u="none" strike="noStrike" dirty="0">
                           <a:solidFill>
-                            <a:srgbClr val="000000"/>
+                            <a:schemeClr val="tx1"/>
                           </a:solidFill>
                           <a:effectLst>
                             <a:outerShdw blurRad="38100" dist="38100" dir="2700000" algn="tl">
@@ -6445,7 +9952,45 @@
                       </a:r>
                     </a:p>
                   </a:txBody>
-                  <a:tcPr marL="9525" marR="9525" marT="9525" marB="0" vert="vert270" anchor="ctr"/>
+                  <a:tcPr marL="9525" marR="9525" marT="9525" marB="0" vert="vert270" anchor="ctr">
+                    <a:lnL w="12700" cap="flat" cmpd="sng" algn="ctr">
+                      <a:solidFill>
+                        <a:schemeClr val="tx1"/>
+                      </a:solidFill>
+                      <a:prstDash val="solid"/>
+                      <a:round/>
+                      <a:headEnd type="none" w="med" len="med"/>
+                      <a:tailEnd type="none" w="med" len="med"/>
+                    </a:lnL>
+                    <a:lnR w="12700" cap="flat" cmpd="sng" algn="ctr">
+                      <a:solidFill>
+                        <a:schemeClr val="tx1"/>
+                      </a:solidFill>
+                      <a:prstDash val="solid"/>
+                      <a:round/>
+                      <a:headEnd type="none" w="med" len="med"/>
+                      <a:tailEnd type="none" w="med" len="med"/>
+                    </a:lnR>
+                    <a:lnT w="12700" cap="flat" cmpd="sng" algn="ctr">
+                      <a:solidFill>
+                        <a:schemeClr val="tx1"/>
+                      </a:solidFill>
+                      <a:prstDash val="solid"/>
+                      <a:round/>
+                      <a:headEnd type="none" w="med" len="med"/>
+                      <a:tailEnd type="none" w="med" len="med"/>
+                    </a:lnT>
+                    <a:lnB w="12700" cap="flat" cmpd="sng" algn="ctr">
+                      <a:solidFill>
+                        <a:schemeClr val="tx1"/>
+                      </a:solidFill>
+                      <a:prstDash val="solid"/>
+                      <a:round/>
+                      <a:headEnd type="none" w="med" len="med"/>
+                      <a:tailEnd type="none" w="med" len="med"/>
+                    </a:lnB>
+                    <a:noFill/>
+                  </a:tcPr>
                 </a:tc>
                 <a:tc>
                   <a:txBody>
@@ -6456,7 +10001,7 @@
                       <a:r>
                         <a:rPr lang="ru-RU" sz="1000" b="1" i="1" u="none" strike="noStrike" dirty="0">
                           <a:solidFill>
-                            <a:srgbClr val="000000"/>
+                            <a:schemeClr val="tx1"/>
                           </a:solidFill>
                           <a:effectLst>
                             <a:outerShdw blurRad="38100" dist="38100" dir="2700000" algn="tl">
@@ -6471,7 +10016,45 @@
                       </a:r>
                     </a:p>
                   </a:txBody>
-                  <a:tcPr marL="9525" marR="9525" marT="9525" marB="0" vert="vert270" anchor="ctr"/>
+                  <a:tcPr marL="9525" marR="9525" marT="9525" marB="0" vert="vert270" anchor="ctr">
+                    <a:lnL w="12700" cap="flat" cmpd="sng" algn="ctr">
+                      <a:solidFill>
+                        <a:schemeClr val="tx1"/>
+                      </a:solidFill>
+                      <a:prstDash val="solid"/>
+                      <a:round/>
+                      <a:headEnd type="none" w="med" len="med"/>
+                      <a:tailEnd type="none" w="med" len="med"/>
+                    </a:lnL>
+                    <a:lnR w="12700" cap="flat" cmpd="sng" algn="ctr">
+                      <a:solidFill>
+                        <a:schemeClr val="tx1"/>
+                      </a:solidFill>
+                      <a:prstDash val="solid"/>
+                      <a:round/>
+                      <a:headEnd type="none" w="med" len="med"/>
+                      <a:tailEnd type="none" w="med" len="med"/>
+                    </a:lnR>
+                    <a:lnT w="12700" cap="flat" cmpd="sng" algn="ctr">
+                      <a:solidFill>
+                        <a:schemeClr val="tx1"/>
+                      </a:solidFill>
+                      <a:prstDash val="solid"/>
+                      <a:round/>
+                      <a:headEnd type="none" w="med" len="med"/>
+                      <a:tailEnd type="none" w="med" len="med"/>
+                    </a:lnT>
+                    <a:lnB w="12700" cap="flat" cmpd="sng" algn="ctr">
+                      <a:solidFill>
+                        <a:schemeClr val="tx1"/>
+                      </a:solidFill>
+                      <a:prstDash val="solid"/>
+                      <a:round/>
+                      <a:headEnd type="none" w="med" len="med"/>
+                      <a:tailEnd type="none" w="med" len="med"/>
+                    </a:lnB>
+                    <a:noFill/>
+                  </a:tcPr>
                 </a:tc>
                 <a:tc>
                   <a:txBody>
@@ -6482,7 +10065,7 @@
                       <a:r>
                         <a:rPr lang="ru-RU" sz="900" b="1" i="1" u="none" strike="noStrike" dirty="0">
                           <a:solidFill>
-                            <a:srgbClr val="000000"/>
+                            <a:schemeClr val="tx1"/>
                           </a:solidFill>
                           <a:effectLst>
                             <a:outerShdw blurRad="38100" dist="38100" dir="2700000" algn="tl">
@@ -6497,7 +10080,45 @@
                       </a:r>
                     </a:p>
                   </a:txBody>
-                  <a:tcPr marL="9525" marR="9525" marT="9525" marB="0" vert="vert270" anchor="ctr"/>
+                  <a:tcPr marL="9525" marR="9525" marT="9525" marB="0" vert="vert270" anchor="ctr">
+                    <a:lnL w="12700" cap="flat" cmpd="sng" algn="ctr">
+                      <a:solidFill>
+                        <a:schemeClr val="tx1"/>
+                      </a:solidFill>
+                      <a:prstDash val="solid"/>
+                      <a:round/>
+                      <a:headEnd type="none" w="med" len="med"/>
+                      <a:tailEnd type="none" w="med" len="med"/>
+                    </a:lnL>
+                    <a:lnR w="12700" cap="flat" cmpd="sng" algn="ctr">
+                      <a:solidFill>
+                        <a:schemeClr val="tx1"/>
+                      </a:solidFill>
+                      <a:prstDash val="solid"/>
+                      <a:round/>
+                      <a:headEnd type="none" w="med" len="med"/>
+                      <a:tailEnd type="none" w="med" len="med"/>
+                    </a:lnR>
+                    <a:lnT w="12700" cap="flat" cmpd="sng" algn="ctr">
+                      <a:solidFill>
+                        <a:schemeClr val="tx1"/>
+                      </a:solidFill>
+                      <a:prstDash val="solid"/>
+                      <a:round/>
+                      <a:headEnd type="none" w="med" len="med"/>
+                      <a:tailEnd type="none" w="med" len="med"/>
+                    </a:lnT>
+                    <a:lnB w="12700" cap="flat" cmpd="sng" algn="ctr">
+                      <a:solidFill>
+                        <a:schemeClr val="tx1"/>
+                      </a:solidFill>
+                      <a:prstDash val="solid"/>
+                      <a:round/>
+                      <a:headEnd type="none" w="med" len="med"/>
+                      <a:tailEnd type="none" w="med" len="med"/>
+                    </a:lnB>
+                    <a:noFill/>
+                  </a:tcPr>
                 </a:tc>
                 <a:tc>
                   <a:txBody>
@@ -6508,7 +10129,7 @@
                       <a:r>
                         <a:rPr lang="ru-RU" sz="1000" b="1" i="1" u="none" strike="noStrike">
                           <a:solidFill>
-                            <a:srgbClr val="000000"/>
+                            <a:schemeClr val="tx1"/>
                           </a:solidFill>
                           <a:effectLst>
                             <a:outerShdw blurRad="38100" dist="38100" dir="2700000" algn="tl">
@@ -6523,7 +10144,45 @@
                       </a:r>
                     </a:p>
                   </a:txBody>
-                  <a:tcPr marL="9525" marR="9525" marT="9525" marB="0" vert="vert270" anchor="ctr"/>
+                  <a:tcPr marL="9525" marR="9525" marT="9525" marB="0" vert="vert270" anchor="ctr">
+                    <a:lnL w="12700" cap="flat" cmpd="sng" algn="ctr">
+                      <a:solidFill>
+                        <a:schemeClr val="tx1"/>
+                      </a:solidFill>
+                      <a:prstDash val="solid"/>
+                      <a:round/>
+                      <a:headEnd type="none" w="med" len="med"/>
+                      <a:tailEnd type="none" w="med" len="med"/>
+                    </a:lnL>
+                    <a:lnR w="12700" cap="flat" cmpd="sng" algn="ctr">
+                      <a:solidFill>
+                        <a:schemeClr val="tx1"/>
+                      </a:solidFill>
+                      <a:prstDash val="solid"/>
+                      <a:round/>
+                      <a:headEnd type="none" w="med" len="med"/>
+                      <a:tailEnd type="none" w="med" len="med"/>
+                    </a:lnR>
+                    <a:lnT w="12700" cap="flat" cmpd="sng" algn="ctr">
+                      <a:solidFill>
+                        <a:schemeClr val="tx1"/>
+                      </a:solidFill>
+                      <a:prstDash val="solid"/>
+                      <a:round/>
+                      <a:headEnd type="none" w="med" len="med"/>
+                      <a:tailEnd type="none" w="med" len="med"/>
+                    </a:lnT>
+                    <a:lnB w="12700" cap="flat" cmpd="sng" algn="ctr">
+                      <a:solidFill>
+                        <a:schemeClr val="tx1"/>
+                      </a:solidFill>
+                      <a:prstDash val="solid"/>
+                      <a:round/>
+                      <a:headEnd type="none" w="med" len="med"/>
+                      <a:tailEnd type="none" w="med" len="med"/>
+                    </a:lnB>
+                    <a:noFill/>
+                  </a:tcPr>
                 </a:tc>
                 <a:tc>
                   <a:txBody>
@@ -6534,7 +10193,7 @@
                       <a:r>
                         <a:rPr lang="ru-RU" sz="1000" b="1" i="1" u="none" strike="noStrike" dirty="0">
                           <a:solidFill>
-                            <a:srgbClr val="000000"/>
+                            <a:schemeClr val="tx1"/>
                           </a:solidFill>
                           <a:effectLst>
                             <a:outerShdw blurRad="38100" dist="38100" dir="2700000" algn="tl">
@@ -6549,7 +10208,45 @@
                       </a:r>
                     </a:p>
                   </a:txBody>
-                  <a:tcPr marL="9525" marR="9525" marT="9525" marB="0" vert="vert270" anchor="ctr"/>
+                  <a:tcPr marL="9525" marR="9525" marT="9525" marB="0" vert="vert270" anchor="ctr">
+                    <a:lnL w="12700" cap="flat" cmpd="sng" algn="ctr">
+                      <a:solidFill>
+                        <a:schemeClr val="tx1"/>
+                      </a:solidFill>
+                      <a:prstDash val="solid"/>
+                      <a:round/>
+                      <a:headEnd type="none" w="med" len="med"/>
+                      <a:tailEnd type="none" w="med" len="med"/>
+                    </a:lnL>
+                    <a:lnR w="12700" cap="flat" cmpd="sng" algn="ctr">
+                      <a:solidFill>
+                        <a:schemeClr val="tx1"/>
+                      </a:solidFill>
+                      <a:prstDash val="solid"/>
+                      <a:round/>
+                      <a:headEnd type="none" w="med" len="med"/>
+                      <a:tailEnd type="none" w="med" len="med"/>
+                    </a:lnR>
+                    <a:lnT w="12700" cap="flat" cmpd="sng" algn="ctr">
+                      <a:solidFill>
+                        <a:schemeClr val="tx1"/>
+                      </a:solidFill>
+                      <a:prstDash val="solid"/>
+                      <a:round/>
+                      <a:headEnd type="none" w="med" len="med"/>
+                      <a:tailEnd type="none" w="med" len="med"/>
+                    </a:lnT>
+                    <a:lnB w="12700" cap="flat" cmpd="sng" algn="ctr">
+                      <a:solidFill>
+                        <a:schemeClr val="tx1"/>
+                      </a:solidFill>
+                      <a:prstDash val="solid"/>
+                      <a:round/>
+                      <a:headEnd type="none" w="med" len="med"/>
+                      <a:tailEnd type="none" w="med" len="med"/>
+                    </a:lnB>
+                    <a:noFill/>
+                  </a:tcPr>
                 </a:tc>
                 <a:tc>
                   <a:txBody>
@@ -6560,7 +10257,7 @@
                       <a:r>
                         <a:rPr lang="ru-RU" sz="1000" b="1" i="1" u="none" strike="noStrike" dirty="0">
                           <a:solidFill>
-                            <a:srgbClr val="000000"/>
+                            <a:schemeClr val="tx1"/>
                           </a:solidFill>
                           <a:effectLst>
                             <a:outerShdw blurRad="38100" dist="38100" dir="2700000" algn="tl">
@@ -6575,7 +10272,45 @@
                       </a:r>
                     </a:p>
                   </a:txBody>
-                  <a:tcPr marL="9525" marR="9525" marT="9525" marB="0" vert="vert270" anchor="ctr"/>
+                  <a:tcPr marL="9525" marR="9525" marT="9525" marB="0" vert="vert270" anchor="ctr">
+                    <a:lnL w="12700" cap="flat" cmpd="sng" algn="ctr">
+                      <a:solidFill>
+                        <a:schemeClr val="tx1"/>
+                      </a:solidFill>
+                      <a:prstDash val="solid"/>
+                      <a:round/>
+                      <a:headEnd type="none" w="med" len="med"/>
+                      <a:tailEnd type="none" w="med" len="med"/>
+                    </a:lnL>
+                    <a:lnR w="12700" cap="flat" cmpd="sng" algn="ctr">
+                      <a:solidFill>
+                        <a:schemeClr val="tx1"/>
+                      </a:solidFill>
+                      <a:prstDash val="solid"/>
+                      <a:round/>
+                      <a:headEnd type="none" w="med" len="med"/>
+                      <a:tailEnd type="none" w="med" len="med"/>
+                    </a:lnR>
+                    <a:lnT w="12700" cap="flat" cmpd="sng" algn="ctr">
+                      <a:solidFill>
+                        <a:schemeClr val="tx1"/>
+                      </a:solidFill>
+                      <a:prstDash val="solid"/>
+                      <a:round/>
+                      <a:headEnd type="none" w="med" len="med"/>
+                      <a:tailEnd type="none" w="med" len="med"/>
+                    </a:lnT>
+                    <a:lnB w="12700" cap="flat" cmpd="sng" algn="ctr">
+                      <a:solidFill>
+                        <a:schemeClr val="tx1"/>
+                      </a:solidFill>
+                      <a:prstDash val="solid"/>
+                      <a:round/>
+                      <a:headEnd type="none" w="med" len="med"/>
+                      <a:tailEnd type="none" w="med" len="med"/>
+                    </a:lnB>
+                    <a:noFill/>
+                  </a:tcPr>
                 </a:tc>
                 <a:tc>
                   <a:txBody>
@@ -6586,7 +10321,7 @@
                       <a:r>
                         <a:rPr lang="ru-RU" sz="1000" b="1" i="1" u="none" strike="noStrike" dirty="0">
                           <a:solidFill>
-                            <a:srgbClr val="000000"/>
+                            <a:schemeClr val="tx1"/>
                           </a:solidFill>
                           <a:effectLst>
                             <a:outerShdw blurRad="38100" dist="38100" dir="2700000" algn="tl">
@@ -6601,7 +10336,45 @@
                       </a:r>
                     </a:p>
                   </a:txBody>
-                  <a:tcPr marL="9525" marR="9525" marT="9525" marB="0" vert="vert270" anchor="ctr"/>
+                  <a:tcPr marL="9525" marR="9525" marT="9525" marB="0" vert="vert270" anchor="ctr">
+                    <a:lnL w="12700" cap="flat" cmpd="sng" algn="ctr">
+                      <a:solidFill>
+                        <a:schemeClr val="tx1"/>
+                      </a:solidFill>
+                      <a:prstDash val="solid"/>
+                      <a:round/>
+                      <a:headEnd type="none" w="med" len="med"/>
+                      <a:tailEnd type="none" w="med" len="med"/>
+                    </a:lnL>
+                    <a:lnR w="12700" cap="flat" cmpd="sng" algn="ctr">
+                      <a:solidFill>
+                        <a:schemeClr val="tx1"/>
+                      </a:solidFill>
+                      <a:prstDash val="solid"/>
+                      <a:round/>
+                      <a:headEnd type="none" w="med" len="med"/>
+                      <a:tailEnd type="none" w="med" len="med"/>
+                    </a:lnR>
+                    <a:lnT w="12700" cap="flat" cmpd="sng" algn="ctr">
+                      <a:solidFill>
+                        <a:schemeClr val="tx1"/>
+                      </a:solidFill>
+                      <a:prstDash val="solid"/>
+                      <a:round/>
+                      <a:headEnd type="none" w="med" len="med"/>
+                      <a:tailEnd type="none" w="med" len="med"/>
+                    </a:lnT>
+                    <a:lnB w="12700" cap="flat" cmpd="sng" algn="ctr">
+                      <a:solidFill>
+                        <a:schemeClr val="tx1"/>
+                      </a:solidFill>
+                      <a:prstDash val="solid"/>
+                      <a:round/>
+                      <a:headEnd type="none" w="med" len="med"/>
+                      <a:tailEnd type="none" w="med" len="med"/>
+                    </a:lnB>
+                    <a:noFill/>
+                  </a:tcPr>
                 </a:tc>
                 <a:tc>
                   <a:txBody>
@@ -6612,7 +10385,7 @@
                       <a:r>
                         <a:rPr lang="ru-RU" sz="1000" b="1" i="1" u="none" strike="noStrike" dirty="0">
                           <a:solidFill>
-                            <a:srgbClr val="000000"/>
+                            <a:schemeClr val="tx1"/>
                           </a:solidFill>
                           <a:effectLst>
                             <a:outerShdw blurRad="38100" dist="38100" dir="2700000" algn="tl">
@@ -6627,7 +10400,45 @@
                       </a:r>
                     </a:p>
                   </a:txBody>
-                  <a:tcPr marL="9525" marR="9525" marT="9525" marB="0" vert="vert270" anchor="ctr"/>
+                  <a:tcPr marL="9525" marR="9525" marT="9525" marB="0" vert="vert270" anchor="ctr">
+                    <a:lnL w="12700" cap="flat" cmpd="sng" algn="ctr">
+                      <a:solidFill>
+                        <a:schemeClr val="tx1"/>
+                      </a:solidFill>
+                      <a:prstDash val="solid"/>
+                      <a:round/>
+                      <a:headEnd type="none" w="med" len="med"/>
+                      <a:tailEnd type="none" w="med" len="med"/>
+                    </a:lnL>
+                    <a:lnR w="12700" cap="flat" cmpd="sng" algn="ctr">
+                      <a:solidFill>
+                        <a:schemeClr val="tx1"/>
+                      </a:solidFill>
+                      <a:prstDash val="solid"/>
+                      <a:round/>
+                      <a:headEnd type="none" w="med" len="med"/>
+                      <a:tailEnd type="none" w="med" len="med"/>
+                    </a:lnR>
+                    <a:lnT w="12700" cap="flat" cmpd="sng" algn="ctr">
+                      <a:solidFill>
+                        <a:schemeClr val="tx1"/>
+                      </a:solidFill>
+                      <a:prstDash val="solid"/>
+                      <a:round/>
+                      <a:headEnd type="none" w="med" len="med"/>
+                      <a:tailEnd type="none" w="med" len="med"/>
+                    </a:lnT>
+                    <a:lnB w="12700" cap="flat" cmpd="sng" algn="ctr">
+                      <a:solidFill>
+                        <a:schemeClr val="tx1"/>
+                      </a:solidFill>
+                      <a:prstDash val="solid"/>
+                      <a:round/>
+                      <a:headEnd type="none" w="med" len="med"/>
+                      <a:tailEnd type="none" w="med" len="med"/>
+                    </a:lnB>
+                    <a:noFill/>
+                  </a:tcPr>
                 </a:tc>
                 <a:tc>
                   <a:txBody>
@@ -6638,7 +10449,7 @@
                       <a:r>
                         <a:rPr lang="ru-RU" sz="1000" b="1" i="1" u="none" strike="noStrike">
                           <a:solidFill>
-                            <a:srgbClr val="000000"/>
+                            <a:schemeClr val="tx1"/>
                           </a:solidFill>
                           <a:effectLst>
                             <a:outerShdw blurRad="38100" dist="38100" dir="2700000" algn="tl">
@@ -6653,7 +10464,45 @@
                       </a:r>
                     </a:p>
                   </a:txBody>
-                  <a:tcPr marL="9525" marR="9525" marT="9525" marB="0" vert="vert270" anchor="ctr"/>
+                  <a:tcPr marL="9525" marR="9525" marT="9525" marB="0" vert="vert270" anchor="ctr">
+                    <a:lnL w="12700" cap="flat" cmpd="sng" algn="ctr">
+                      <a:solidFill>
+                        <a:schemeClr val="tx1"/>
+                      </a:solidFill>
+                      <a:prstDash val="solid"/>
+                      <a:round/>
+                      <a:headEnd type="none" w="med" len="med"/>
+                      <a:tailEnd type="none" w="med" len="med"/>
+                    </a:lnL>
+                    <a:lnR w="12700" cap="flat" cmpd="sng" algn="ctr">
+                      <a:solidFill>
+                        <a:schemeClr val="tx1"/>
+                      </a:solidFill>
+                      <a:prstDash val="solid"/>
+                      <a:round/>
+                      <a:headEnd type="none" w="med" len="med"/>
+                      <a:tailEnd type="none" w="med" len="med"/>
+                    </a:lnR>
+                    <a:lnT w="12700" cap="flat" cmpd="sng" algn="ctr">
+                      <a:solidFill>
+                        <a:schemeClr val="tx1"/>
+                      </a:solidFill>
+                      <a:prstDash val="solid"/>
+                      <a:round/>
+                      <a:headEnd type="none" w="med" len="med"/>
+                      <a:tailEnd type="none" w="med" len="med"/>
+                    </a:lnT>
+                    <a:lnB w="12700" cap="flat" cmpd="sng" algn="ctr">
+                      <a:solidFill>
+                        <a:schemeClr val="tx1"/>
+                      </a:solidFill>
+                      <a:prstDash val="solid"/>
+                      <a:round/>
+                      <a:headEnd type="none" w="med" len="med"/>
+                      <a:tailEnd type="none" w="med" len="med"/>
+                    </a:lnB>
+                    <a:noFill/>
+                  </a:tcPr>
                 </a:tc>
                 <a:tc>
                   <a:txBody>
@@ -6664,7 +10513,7 @@
                       <a:r>
                         <a:rPr lang="ru-RU" sz="1000" b="1" i="1" u="none" strike="noStrike" dirty="0" err="1">
                           <a:solidFill>
-                            <a:srgbClr val="000000"/>
+                            <a:schemeClr val="tx1"/>
                           </a:solidFill>
                           <a:effectLst>
                             <a:outerShdw blurRad="38100" dist="38100" dir="2700000" algn="tl">
@@ -6679,7 +10528,7 @@
                       </a:r>
                       <a:endParaRPr lang="ru-RU" sz="1000" b="1" i="1" u="none" strike="noStrike" dirty="0">
                         <a:solidFill>
-                          <a:srgbClr val="000000"/>
+                          <a:schemeClr val="tx1"/>
                         </a:solidFill>
                         <a:effectLst>
                           <a:outerShdw blurRad="38100" dist="38100" dir="2700000" algn="tl">
@@ -6692,7 +10541,45 @@
                       </a:endParaRPr>
                     </a:p>
                   </a:txBody>
-                  <a:tcPr marL="9525" marR="9525" marT="9525" marB="0" vert="vert270" anchor="ctr"/>
+                  <a:tcPr marL="9525" marR="9525" marT="9525" marB="0" vert="vert270" anchor="ctr">
+                    <a:lnL w="12700" cap="flat" cmpd="sng" algn="ctr">
+                      <a:solidFill>
+                        <a:schemeClr val="tx1"/>
+                      </a:solidFill>
+                      <a:prstDash val="solid"/>
+                      <a:round/>
+                      <a:headEnd type="none" w="med" len="med"/>
+                      <a:tailEnd type="none" w="med" len="med"/>
+                    </a:lnL>
+                    <a:lnR w="12700" cap="flat" cmpd="sng" algn="ctr">
+                      <a:solidFill>
+                        <a:schemeClr val="tx1"/>
+                      </a:solidFill>
+                      <a:prstDash val="solid"/>
+                      <a:round/>
+                      <a:headEnd type="none" w="med" len="med"/>
+                      <a:tailEnd type="none" w="med" len="med"/>
+                    </a:lnR>
+                    <a:lnT w="12700" cap="flat" cmpd="sng" algn="ctr">
+                      <a:solidFill>
+                        <a:schemeClr val="tx1"/>
+                      </a:solidFill>
+                      <a:prstDash val="solid"/>
+                      <a:round/>
+                      <a:headEnd type="none" w="med" len="med"/>
+                      <a:tailEnd type="none" w="med" len="med"/>
+                    </a:lnT>
+                    <a:lnB w="12700" cap="flat" cmpd="sng" algn="ctr">
+                      <a:solidFill>
+                        <a:schemeClr val="tx1"/>
+                      </a:solidFill>
+                      <a:prstDash val="solid"/>
+                      <a:round/>
+                      <a:headEnd type="none" w="med" len="med"/>
+                      <a:tailEnd type="none" w="med" len="med"/>
+                    </a:lnB>
+                    <a:noFill/>
+                  </a:tcPr>
                 </a:tc>
                 <a:tc>
                   <a:txBody>
@@ -6703,7 +10590,7 @@
                       <a:r>
                         <a:rPr lang="ru-RU" sz="1000" b="1" i="1" u="none" strike="noStrike" dirty="0">
                           <a:solidFill>
-                            <a:srgbClr val="000000"/>
+                            <a:schemeClr val="tx1"/>
                           </a:solidFill>
                           <a:effectLst>
                             <a:outerShdw blurRad="38100" dist="38100" dir="2700000" algn="tl">
@@ -6718,7 +10605,45 @@
                       </a:r>
                     </a:p>
                   </a:txBody>
-                  <a:tcPr marL="9525" marR="9525" marT="9525" marB="0" vert="vert270" anchor="ctr"/>
+                  <a:tcPr marL="9525" marR="9525" marT="9525" marB="0" vert="vert270" anchor="ctr">
+                    <a:lnL w="12700" cap="flat" cmpd="sng" algn="ctr">
+                      <a:solidFill>
+                        <a:schemeClr val="tx1"/>
+                      </a:solidFill>
+                      <a:prstDash val="solid"/>
+                      <a:round/>
+                      <a:headEnd type="none" w="med" len="med"/>
+                      <a:tailEnd type="none" w="med" len="med"/>
+                    </a:lnL>
+                    <a:lnR w="12700" cap="flat" cmpd="sng" algn="ctr">
+                      <a:solidFill>
+                        <a:schemeClr val="tx1"/>
+                      </a:solidFill>
+                      <a:prstDash val="solid"/>
+                      <a:round/>
+                      <a:headEnd type="none" w="med" len="med"/>
+                      <a:tailEnd type="none" w="med" len="med"/>
+                    </a:lnR>
+                    <a:lnT w="12700" cap="flat" cmpd="sng" algn="ctr">
+                      <a:solidFill>
+                        <a:schemeClr val="tx1"/>
+                      </a:solidFill>
+                      <a:prstDash val="solid"/>
+                      <a:round/>
+                      <a:headEnd type="none" w="med" len="med"/>
+                      <a:tailEnd type="none" w="med" len="med"/>
+                    </a:lnT>
+                    <a:lnB w="12700" cap="flat" cmpd="sng" algn="ctr">
+                      <a:solidFill>
+                        <a:schemeClr val="tx1"/>
+                      </a:solidFill>
+                      <a:prstDash val="solid"/>
+                      <a:round/>
+                      <a:headEnd type="none" w="med" len="med"/>
+                      <a:tailEnd type="none" w="med" len="med"/>
+                    </a:lnB>
+                    <a:noFill/>
+                  </a:tcPr>
                 </a:tc>
                 <a:tc>
                   <a:txBody>
@@ -6729,7 +10654,7 @@
                       <a:r>
                         <a:rPr lang="ru-RU" sz="1000" b="1" i="1" u="none" strike="noStrike" dirty="0">
                           <a:solidFill>
-                            <a:srgbClr val="000000"/>
+                            <a:schemeClr val="tx1"/>
                           </a:solidFill>
                           <a:effectLst>
                             <a:outerShdw blurRad="38100" dist="38100" dir="2700000" algn="tl">
@@ -6744,7 +10669,45 @@
                       </a:r>
                     </a:p>
                   </a:txBody>
-                  <a:tcPr marL="9525" marR="9525" marT="9525" marB="0" vert="vert270" anchor="ctr"/>
+                  <a:tcPr marL="9525" marR="9525" marT="9525" marB="0" vert="vert270" anchor="ctr">
+                    <a:lnL w="12700" cap="flat" cmpd="sng" algn="ctr">
+                      <a:solidFill>
+                        <a:schemeClr val="tx1"/>
+                      </a:solidFill>
+                      <a:prstDash val="solid"/>
+                      <a:round/>
+                      <a:headEnd type="none" w="med" len="med"/>
+                      <a:tailEnd type="none" w="med" len="med"/>
+                    </a:lnL>
+                    <a:lnR w="12700" cap="flat" cmpd="sng" algn="ctr">
+                      <a:solidFill>
+                        <a:schemeClr val="tx1"/>
+                      </a:solidFill>
+                      <a:prstDash val="solid"/>
+                      <a:round/>
+                      <a:headEnd type="none" w="med" len="med"/>
+                      <a:tailEnd type="none" w="med" len="med"/>
+                    </a:lnR>
+                    <a:lnT w="12700" cap="flat" cmpd="sng" algn="ctr">
+                      <a:solidFill>
+                        <a:schemeClr val="tx1"/>
+                      </a:solidFill>
+                      <a:prstDash val="solid"/>
+                      <a:round/>
+                      <a:headEnd type="none" w="med" len="med"/>
+                      <a:tailEnd type="none" w="med" len="med"/>
+                    </a:lnT>
+                    <a:lnB w="12700" cap="flat" cmpd="sng" algn="ctr">
+                      <a:solidFill>
+                        <a:schemeClr val="tx1"/>
+                      </a:solidFill>
+                      <a:prstDash val="solid"/>
+                      <a:round/>
+                      <a:headEnd type="none" w="med" len="med"/>
+                      <a:tailEnd type="none" w="med" len="med"/>
+                    </a:lnB>
+                    <a:noFill/>
+                  </a:tcPr>
                 </a:tc>
                 <a:tc>
                   <a:txBody>
@@ -6755,7 +10718,7 @@
                       <a:r>
                         <a:rPr lang="ru-RU" sz="1000" b="1" i="1" u="none" strike="noStrike" dirty="0">
                           <a:solidFill>
-                            <a:srgbClr val="000000"/>
+                            <a:schemeClr val="tx1"/>
                           </a:solidFill>
                           <a:effectLst>
                             <a:outerShdw blurRad="38100" dist="38100" dir="2700000" algn="tl">
@@ -6770,7 +10733,45 @@
                       </a:r>
                     </a:p>
                   </a:txBody>
-                  <a:tcPr marL="9525" marR="9525" marT="9525" marB="0" vert="vert270" anchor="ctr"/>
+                  <a:tcPr marL="9525" marR="9525" marT="9525" marB="0" vert="vert270" anchor="ctr">
+                    <a:lnL w="12700" cap="flat" cmpd="sng" algn="ctr">
+                      <a:solidFill>
+                        <a:schemeClr val="tx1"/>
+                      </a:solidFill>
+                      <a:prstDash val="solid"/>
+                      <a:round/>
+                      <a:headEnd type="none" w="med" len="med"/>
+                      <a:tailEnd type="none" w="med" len="med"/>
+                    </a:lnL>
+                    <a:lnR w="12700" cap="flat" cmpd="sng" algn="ctr">
+                      <a:solidFill>
+                        <a:schemeClr val="tx1"/>
+                      </a:solidFill>
+                      <a:prstDash val="solid"/>
+                      <a:round/>
+                      <a:headEnd type="none" w="med" len="med"/>
+                      <a:tailEnd type="none" w="med" len="med"/>
+                    </a:lnR>
+                    <a:lnT w="12700" cap="flat" cmpd="sng" algn="ctr">
+                      <a:solidFill>
+                        <a:schemeClr val="tx1"/>
+                      </a:solidFill>
+                      <a:prstDash val="solid"/>
+                      <a:round/>
+                      <a:headEnd type="none" w="med" len="med"/>
+                      <a:tailEnd type="none" w="med" len="med"/>
+                    </a:lnT>
+                    <a:lnB w="12700" cap="flat" cmpd="sng" algn="ctr">
+                      <a:solidFill>
+                        <a:schemeClr val="tx1"/>
+                      </a:solidFill>
+                      <a:prstDash val="solid"/>
+                      <a:round/>
+                      <a:headEnd type="none" w="med" len="med"/>
+                      <a:tailEnd type="none" w="med" len="med"/>
+                    </a:lnB>
+                    <a:noFill/>
+                  </a:tcPr>
                 </a:tc>
                 <a:tc>
                   <a:txBody>
@@ -6781,7 +10782,7 @@
                       <a:r>
                         <a:rPr lang="ru-RU" sz="1000" b="1" i="1" u="none" strike="noStrike" dirty="0">
                           <a:solidFill>
-                            <a:srgbClr val="000000"/>
+                            <a:schemeClr val="tx1"/>
                           </a:solidFill>
                           <a:effectLst>
                             <a:outerShdw blurRad="38100" dist="38100" dir="2700000" algn="tl">
@@ -6796,7 +10797,45 @@
                       </a:r>
                     </a:p>
                   </a:txBody>
-                  <a:tcPr marL="9525" marR="9525" marT="9525" marB="0" vert="vert270" anchor="ctr"/>
+                  <a:tcPr marL="9525" marR="9525" marT="9525" marB="0" vert="vert270" anchor="ctr">
+                    <a:lnL w="12700" cap="flat" cmpd="sng" algn="ctr">
+                      <a:solidFill>
+                        <a:schemeClr val="tx1"/>
+                      </a:solidFill>
+                      <a:prstDash val="solid"/>
+                      <a:round/>
+                      <a:headEnd type="none" w="med" len="med"/>
+                      <a:tailEnd type="none" w="med" len="med"/>
+                    </a:lnL>
+                    <a:lnR w="12700" cap="flat" cmpd="sng" algn="ctr">
+                      <a:solidFill>
+                        <a:schemeClr val="tx1"/>
+                      </a:solidFill>
+                      <a:prstDash val="solid"/>
+                      <a:round/>
+                      <a:headEnd type="none" w="med" len="med"/>
+                      <a:tailEnd type="none" w="med" len="med"/>
+                    </a:lnR>
+                    <a:lnT w="12700" cap="flat" cmpd="sng" algn="ctr">
+                      <a:solidFill>
+                        <a:schemeClr val="tx1"/>
+                      </a:solidFill>
+                      <a:prstDash val="solid"/>
+                      <a:round/>
+                      <a:headEnd type="none" w="med" len="med"/>
+                      <a:tailEnd type="none" w="med" len="med"/>
+                    </a:lnT>
+                    <a:lnB w="12700" cap="flat" cmpd="sng" algn="ctr">
+                      <a:solidFill>
+                        <a:schemeClr val="tx1"/>
+                      </a:solidFill>
+                      <a:prstDash val="solid"/>
+                      <a:round/>
+                      <a:headEnd type="none" w="med" len="med"/>
+                      <a:tailEnd type="none" w="med" len="med"/>
+                    </a:lnB>
+                    <a:noFill/>
+                  </a:tcPr>
                 </a:tc>
                 <a:tc>
                   <a:txBody>
@@ -6807,7 +10846,7 @@
                       <a:r>
                         <a:rPr lang="ru-RU" sz="1000" b="1" i="1" u="none" strike="noStrike" dirty="0">
                           <a:solidFill>
-                            <a:srgbClr val="000000"/>
+                            <a:schemeClr val="tx1"/>
                           </a:solidFill>
                           <a:effectLst>
                             <a:outerShdw blurRad="38100" dist="38100" dir="2700000" algn="tl">
@@ -6822,7 +10861,45 @@
                       </a:r>
                     </a:p>
                   </a:txBody>
-                  <a:tcPr marL="9525" marR="9525" marT="9525" marB="0" vert="vert270" anchor="ctr"/>
+                  <a:tcPr marL="9525" marR="9525" marT="9525" marB="0" vert="vert270" anchor="ctr">
+                    <a:lnL w="12700" cap="flat" cmpd="sng" algn="ctr">
+                      <a:solidFill>
+                        <a:schemeClr val="tx1"/>
+                      </a:solidFill>
+                      <a:prstDash val="solid"/>
+                      <a:round/>
+                      <a:headEnd type="none" w="med" len="med"/>
+                      <a:tailEnd type="none" w="med" len="med"/>
+                    </a:lnL>
+                    <a:lnR w="12700" cap="flat" cmpd="sng" algn="ctr">
+                      <a:solidFill>
+                        <a:schemeClr val="tx1"/>
+                      </a:solidFill>
+                      <a:prstDash val="solid"/>
+                      <a:round/>
+                      <a:headEnd type="none" w="med" len="med"/>
+                      <a:tailEnd type="none" w="med" len="med"/>
+                    </a:lnR>
+                    <a:lnT w="12700" cap="flat" cmpd="sng" algn="ctr">
+                      <a:solidFill>
+                        <a:schemeClr val="tx1"/>
+                      </a:solidFill>
+                      <a:prstDash val="solid"/>
+                      <a:round/>
+                      <a:headEnd type="none" w="med" len="med"/>
+                      <a:tailEnd type="none" w="med" len="med"/>
+                    </a:lnT>
+                    <a:lnB w="12700" cap="flat" cmpd="sng" algn="ctr">
+                      <a:solidFill>
+                        <a:schemeClr val="tx1"/>
+                      </a:solidFill>
+                      <a:prstDash val="solid"/>
+                      <a:round/>
+                      <a:headEnd type="none" w="med" len="med"/>
+                      <a:tailEnd type="none" w="med" len="med"/>
+                    </a:lnB>
+                    <a:noFill/>
+                  </a:tcPr>
                 </a:tc>
                 <a:tc>
                   <a:txBody>
@@ -6833,7 +10910,7 @@
                       <a:r>
                         <a:rPr lang="ru-RU" sz="1000" b="1" i="1" u="none" strike="noStrike" dirty="0" err="1">
                           <a:solidFill>
-                            <a:srgbClr val="000000"/>
+                            <a:schemeClr val="tx1"/>
                           </a:solidFill>
                           <a:effectLst>
                             <a:outerShdw blurRad="38100" dist="38100" dir="2700000" algn="tl">
@@ -6848,7 +10925,7 @@
                       </a:r>
                       <a:endParaRPr lang="ru-RU" sz="1000" b="1" i="1" u="none" strike="noStrike" dirty="0">
                         <a:solidFill>
-                          <a:srgbClr val="000000"/>
+                          <a:schemeClr val="tx1"/>
                         </a:solidFill>
                         <a:effectLst>
                           <a:outerShdw blurRad="38100" dist="38100" dir="2700000" algn="tl">
@@ -6861,7 +10938,45 @@
                       </a:endParaRPr>
                     </a:p>
                   </a:txBody>
-                  <a:tcPr marL="9525" marR="9525" marT="9525" marB="0" vert="vert270" anchor="ctr"/>
+                  <a:tcPr marL="9525" marR="9525" marT="9525" marB="0" vert="vert270" anchor="ctr">
+                    <a:lnL w="12700" cap="flat" cmpd="sng" algn="ctr">
+                      <a:solidFill>
+                        <a:schemeClr val="tx1"/>
+                      </a:solidFill>
+                      <a:prstDash val="solid"/>
+                      <a:round/>
+                      <a:headEnd type="none" w="med" len="med"/>
+                      <a:tailEnd type="none" w="med" len="med"/>
+                    </a:lnL>
+                    <a:lnR w="12700" cap="flat" cmpd="sng" algn="ctr">
+                      <a:solidFill>
+                        <a:schemeClr val="tx1"/>
+                      </a:solidFill>
+                      <a:prstDash val="solid"/>
+                      <a:round/>
+                      <a:headEnd type="none" w="med" len="med"/>
+                      <a:tailEnd type="none" w="med" len="med"/>
+                    </a:lnR>
+                    <a:lnT w="12700" cap="flat" cmpd="sng" algn="ctr">
+                      <a:solidFill>
+                        <a:schemeClr val="tx1"/>
+                      </a:solidFill>
+                      <a:prstDash val="solid"/>
+                      <a:round/>
+                      <a:headEnd type="none" w="med" len="med"/>
+                      <a:tailEnd type="none" w="med" len="med"/>
+                    </a:lnT>
+                    <a:lnB w="12700" cap="flat" cmpd="sng" algn="ctr">
+                      <a:solidFill>
+                        <a:schemeClr val="tx1"/>
+                      </a:solidFill>
+                      <a:prstDash val="solid"/>
+                      <a:round/>
+                      <a:headEnd type="none" w="med" len="med"/>
+                      <a:tailEnd type="none" w="med" len="med"/>
+                    </a:lnB>
+                    <a:noFill/>
+                  </a:tcPr>
                 </a:tc>
                 <a:tc>
                   <a:txBody>
@@ -6872,7 +10987,7 @@
                       <a:r>
                         <a:rPr lang="ru-RU" sz="1000" b="1" i="1" u="none" strike="noStrike" dirty="0">
                           <a:solidFill>
-                            <a:srgbClr val="000000"/>
+                            <a:schemeClr val="tx1"/>
                           </a:solidFill>
                           <a:effectLst>
                             <a:outerShdw blurRad="38100" dist="38100" dir="2700000" algn="tl">
@@ -6887,7 +11002,45 @@
                       </a:r>
                     </a:p>
                   </a:txBody>
-                  <a:tcPr marL="9525" marR="9525" marT="9525" marB="0" vert="vert270" anchor="ctr"/>
+                  <a:tcPr marL="9525" marR="9525" marT="9525" marB="0" vert="vert270" anchor="ctr">
+                    <a:lnL w="12700" cap="flat" cmpd="sng" algn="ctr">
+                      <a:solidFill>
+                        <a:schemeClr val="tx1"/>
+                      </a:solidFill>
+                      <a:prstDash val="solid"/>
+                      <a:round/>
+                      <a:headEnd type="none" w="med" len="med"/>
+                      <a:tailEnd type="none" w="med" len="med"/>
+                    </a:lnL>
+                    <a:lnR w="12700" cap="flat" cmpd="sng" algn="ctr">
+                      <a:solidFill>
+                        <a:schemeClr val="tx1"/>
+                      </a:solidFill>
+                      <a:prstDash val="solid"/>
+                      <a:round/>
+                      <a:headEnd type="none" w="med" len="med"/>
+                      <a:tailEnd type="none" w="med" len="med"/>
+                    </a:lnR>
+                    <a:lnT w="12700" cap="flat" cmpd="sng" algn="ctr">
+                      <a:solidFill>
+                        <a:schemeClr val="tx1"/>
+                      </a:solidFill>
+                      <a:prstDash val="solid"/>
+                      <a:round/>
+                      <a:headEnd type="none" w="med" len="med"/>
+                      <a:tailEnd type="none" w="med" len="med"/>
+                    </a:lnT>
+                    <a:lnB w="12700" cap="flat" cmpd="sng" algn="ctr">
+                      <a:solidFill>
+                        <a:schemeClr val="tx1"/>
+                      </a:solidFill>
+                      <a:prstDash val="solid"/>
+                      <a:round/>
+                      <a:headEnd type="none" w="med" len="med"/>
+                      <a:tailEnd type="none" w="med" len="med"/>
+                    </a:lnB>
+                    <a:noFill/>
+                  </a:tcPr>
                 </a:tc>
                 <a:extLst>
                   <a:ext uri="{0D108BD9-81ED-4DB2-BD59-A6C34878D82A}">
@@ -6901,252 +11054,1260 @@
                     <a:bodyPr/>
                     <a:lstStyle/>
                     <a:p>
-                      <a:endParaRPr lang="ru-RU" sz="1100">
+                      <a:endParaRPr lang="ru-RU" sz="1100" b="1">
+                        <a:solidFill>
+                          <a:schemeClr val="tx1"/>
+                        </a:solidFill>
+                        <a:effectLst>
+                          <a:outerShdw blurRad="38100" dist="38100" dir="2700000" algn="tl">
+                            <a:srgbClr val="000000">
+                              <a:alpha val="43137"/>
+                            </a:srgbClr>
+                          </a:outerShdw>
+                        </a:effectLst>
                         <a:latin typeface="Aptos Display" panose="020B0004020202020204" pitchFamily="34" charset="0"/>
                       </a:endParaRPr>
                     </a:p>
                   </a:txBody>
-                  <a:tcPr/>
+                  <a:tcPr>
+                    <a:lnL w="12700" cap="flat" cmpd="sng" algn="ctr">
+                      <a:solidFill>
+                        <a:schemeClr val="tx1"/>
+                      </a:solidFill>
+                      <a:prstDash val="solid"/>
+                      <a:round/>
+                      <a:headEnd type="none" w="med" len="med"/>
+                      <a:tailEnd type="none" w="med" len="med"/>
+                    </a:lnL>
+                    <a:lnR w="12700" cap="flat" cmpd="sng" algn="ctr">
+                      <a:solidFill>
+                        <a:schemeClr val="tx1"/>
+                      </a:solidFill>
+                      <a:prstDash val="solid"/>
+                      <a:round/>
+                      <a:headEnd type="none" w="med" len="med"/>
+                      <a:tailEnd type="none" w="med" len="med"/>
+                    </a:lnR>
+                    <a:lnT w="12700" cap="flat" cmpd="sng" algn="ctr">
+                      <a:solidFill>
+                        <a:schemeClr val="tx1"/>
+                      </a:solidFill>
+                      <a:prstDash val="solid"/>
+                      <a:round/>
+                      <a:headEnd type="none" w="med" len="med"/>
+                      <a:tailEnd type="none" w="med" len="med"/>
+                    </a:lnT>
+                    <a:lnB w="12700" cap="flat" cmpd="sng" algn="ctr">
+                      <a:solidFill>
+                        <a:schemeClr val="tx1"/>
+                      </a:solidFill>
+                      <a:prstDash val="solid"/>
+                      <a:round/>
+                      <a:headEnd type="none" w="med" len="med"/>
+                      <a:tailEnd type="none" w="med" len="med"/>
+                    </a:lnB>
+                    <a:noFill/>
+                  </a:tcPr>
                 </a:tc>
                 <a:tc>
                   <a:txBody>
                     <a:bodyPr/>
                     <a:lstStyle/>
                     <a:p>
-                      <a:endParaRPr lang="ru-RU" sz="1100" dirty="0">
+                      <a:endParaRPr lang="ru-RU" sz="1100" b="1" dirty="0">
+                        <a:solidFill>
+                          <a:schemeClr val="tx1"/>
+                        </a:solidFill>
+                        <a:effectLst>
+                          <a:outerShdw blurRad="38100" dist="38100" dir="2700000" algn="tl">
+                            <a:srgbClr val="000000">
+                              <a:alpha val="43137"/>
+                            </a:srgbClr>
+                          </a:outerShdw>
+                        </a:effectLst>
                         <a:latin typeface="Aptos Display" panose="020B0004020202020204" pitchFamily="34" charset="0"/>
                       </a:endParaRPr>
                     </a:p>
                   </a:txBody>
-                  <a:tcPr/>
+                  <a:tcPr>
+                    <a:lnL w="12700" cap="flat" cmpd="sng" algn="ctr">
+                      <a:solidFill>
+                        <a:schemeClr val="tx1"/>
+                      </a:solidFill>
+                      <a:prstDash val="solid"/>
+                      <a:round/>
+                      <a:headEnd type="none" w="med" len="med"/>
+                      <a:tailEnd type="none" w="med" len="med"/>
+                    </a:lnL>
+                    <a:lnR w="12700" cap="flat" cmpd="sng" algn="ctr">
+                      <a:solidFill>
+                        <a:schemeClr val="tx1"/>
+                      </a:solidFill>
+                      <a:prstDash val="solid"/>
+                      <a:round/>
+                      <a:headEnd type="none" w="med" len="med"/>
+                      <a:tailEnd type="none" w="med" len="med"/>
+                    </a:lnR>
+                    <a:lnT w="12700" cap="flat" cmpd="sng" algn="ctr">
+                      <a:solidFill>
+                        <a:schemeClr val="tx1"/>
+                      </a:solidFill>
+                      <a:prstDash val="solid"/>
+                      <a:round/>
+                      <a:headEnd type="none" w="med" len="med"/>
+                      <a:tailEnd type="none" w="med" len="med"/>
+                    </a:lnT>
+                    <a:lnB w="12700" cap="flat" cmpd="sng" algn="ctr">
+                      <a:solidFill>
+                        <a:schemeClr val="tx1"/>
+                      </a:solidFill>
+                      <a:prstDash val="solid"/>
+                      <a:round/>
+                      <a:headEnd type="none" w="med" len="med"/>
+                      <a:tailEnd type="none" w="med" len="med"/>
+                    </a:lnB>
+                    <a:noFill/>
+                  </a:tcPr>
                 </a:tc>
                 <a:tc>
                   <a:txBody>
                     <a:bodyPr/>
                     <a:lstStyle/>
                     <a:p>
-                      <a:endParaRPr lang="ru-RU" sz="1100" dirty="0">
+                      <a:endParaRPr lang="ru-RU" sz="1100" b="1" dirty="0">
+                        <a:solidFill>
+                          <a:schemeClr val="tx1"/>
+                        </a:solidFill>
+                        <a:effectLst>
+                          <a:outerShdw blurRad="38100" dist="38100" dir="2700000" algn="tl">
+                            <a:srgbClr val="000000">
+                              <a:alpha val="43137"/>
+                            </a:srgbClr>
+                          </a:outerShdw>
+                        </a:effectLst>
                         <a:latin typeface="Aptos Display" panose="020B0004020202020204" pitchFamily="34" charset="0"/>
                       </a:endParaRPr>
                     </a:p>
                   </a:txBody>
-                  <a:tcPr/>
+                  <a:tcPr>
+                    <a:lnL w="12700" cap="flat" cmpd="sng" algn="ctr">
+                      <a:solidFill>
+                        <a:schemeClr val="tx1"/>
+                      </a:solidFill>
+                      <a:prstDash val="solid"/>
+                      <a:round/>
+                      <a:headEnd type="none" w="med" len="med"/>
+                      <a:tailEnd type="none" w="med" len="med"/>
+                    </a:lnL>
+                    <a:lnR w="12700" cap="flat" cmpd="sng" algn="ctr">
+                      <a:solidFill>
+                        <a:schemeClr val="tx1"/>
+                      </a:solidFill>
+                      <a:prstDash val="solid"/>
+                      <a:round/>
+                      <a:headEnd type="none" w="med" len="med"/>
+                      <a:tailEnd type="none" w="med" len="med"/>
+                    </a:lnR>
+                    <a:lnT w="12700" cap="flat" cmpd="sng" algn="ctr">
+                      <a:solidFill>
+                        <a:schemeClr val="tx1"/>
+                      </a:solidFill>
+                      <a:prstDash val="solid"/>
+                      <a:round/>
+                      <a:headEnd type="none" w="med" len="med"/>
+                      <a:tailEnd type="none" w="med" len="med"/>
+                    </a:lnT>
+                    <a:lnB w="12700" cap="flat" cmpd="sng" algn="ctr">
+                      <a:solidFill>
+                        <a:schemeClr val="tx1"/>
+                      </a:solidFill>
+                      <a:prstDash val="solid"/>
+                      <a:round/>
+                      <a:headEnd type="none" w="med" len="med"/>
+                      <a:tailEnd type="none" w="med" len="med"/>
+                    </a:lnB>
+                    <a:noFill/>
+                  </a:tcPr>
                 </a:tc>
                 <a:tc>
                   <a:txBody>
                     <a:bodyPr/>
                     <a:lstStyle/>
                     <a:p>
-                      <a:endParaRPr lang="ru-RU" sz="1100">
+                      <a:endParaRPr lang="ru-RU" sz="1100" b="1">
+                        <a:solidFill>
+                          <a:schemeClr val="tx1"/>
+                        </a:solidFill>
+                        <a:effectLst>
+                          <a:outerShdw blurRad="38100" dist="38100" dir="2700000" algn="tl">
+                            <a:srgbClr val="000000">
+                              <a:alpha val="43137"/>
+                            </a:srgbClr>
+                          </a:outerShdw>
+                        </a:effectLst>
                         <a:latin typeface="Aptos Display" panose="020B0004020202020204" pitchFamily="34" charset="0"/>
                       </a:endParaRPr>
                     </a:p>
                   </a:txBody>
-                  <a:tcPr/>
+                  <a:tcPr>
+                    <a:lnL w="12700" cap="flat" cmpd="sng" algn="ctr">
+                      <a:solidFill>
+                        <a:schemeClr val="tx1"/>
+                      </a:solidFill>
+                      <a:prstDash val="solid"/>
+                      <a:round/>
+                      <a:headEnd type="none" w="med" len="med"/>
+                      <a:tailEnd type="none" w="med" len="med"/>
+                    </a:lnL>
+                    <a:lnR w="12700" cap="flat" cmpd="sng" algn="ctr">
+                      <a:solidFill>
+                        <a:schemeClr val="tx1"/>
+                      </a:solidFill>
+                      <a:prstDash val="solid"/>
+                      <a:round/>
+                      <a:headEnd type="none" w="med" len="med"/>
+                      <a:tailEnd type="none" w="med" len="med"/>
+                    </a:lnR>
+                    <a:lnT w="12700" cap="flat" cmpd="sng" algn="ctr">
+                      <a:solidFill>
+                        <a:schemeClr val="tx1"/>
+                      </a:solidFill>
+                      <a:prstDash val="solid"/>
+                      <a:round/>
+                      <a:headEnd type="none" w="med" len="med"/>
+                      <a:tailEnd type="none" w="med" len="med"/>
+                    </a:lnT>
+                    <a:lnB w="12700" cap="flat" cmpd="sng" algn="ctr">
+                      <a:solidFill>
+                        <a:schemeClr val="tx1"/>
+                      </a:solidFill>
+                      <a:prstDash val="solid"/>
+                      <a:round/>
+                      <a:headEnd type="none" w="med" len="med"/>
+                      <a:tailEnd type="none" w="med" len="med"/>
+                    </a:lnB>
+                    <a:noFill/>
+                  </a:tcPr>
                 </a:tc>
                 <a:tc>
                   <a:txBody>
                     <a:bodyPr/>
                     <a:lstStyle/>
                     <a:p>
-                      <a:endParaRPr lang="ru-RU" sz="1100">
+                      <a:endParaRPr lang="ru-RU" sz="1100" b="1">
+                        <a:solidFill>
+                          <a:schemeClr val="tx1"/>
+                        </a:solidFill>
+                        <a:effectLst>
+                          <a:outerShdw blurRad="38100" dist="38100" dir="2700000" algn="tl">
+                            <a:srgbClr val="000000">
+                              <a:alpha val="43137"/>
+                            </a:srgbClr>
+                          </a:outerShdw>
+                        </a:effectLst>
                         <a:latin typeface="Aptos Display" panose="020B0004020202020204" pitchFamily="34" charset="0"/>
                       </a:endParaRPr>
                     </a:p>
                   </a:txBody>
-                  <a:tcPr/>
+                  <a:tcPr>
+                    <a:lnL w="12700" cap="flat" cmpd="sng" algn="ctr">
+                      <a:solidFill>
+                        <a:schemeClr val="tx1"/>
+                      </a:solidFill>
+                      <a:prstDash val="solid"/>
+                      <a:round/>
+                      <a:headEnd type="none" w="med" len="med"/>
+                      <a:tailEnd type="none" w="med" len="med"/>
+                    </a:lnL>
+                    <a:lnR w="12700" cap="flat" cmpd="sng" algn="ctr">
+                      <a:solidFill>
+                        <a:schemeClr val="tx1"/>
+                      </a:solidFill>
+                      <a:prstDash val="solid"/>
+                      <a:round/>
+                      <a:headEnd type="none" w="med" len="med"/>
+                      <a:tailEnd type="none" w="med" len="med"/>
+                    </a:lnR>
+                    <a:lnT w="12700" cap="flat" cmpd="sng" algn="ctr">
+                      <a:solidFill>
+                        <a:schemeClr val="tx1"/>
+                      </a:solidFill>
+                      <a:prstDash val="solid"/>
+                      <a:round/>
+                      <a:headEnd type="none" w="med" len="med"/>
+                      <a:tailEnd type="none" w="med" len="med"/>
+                    </a:lnT>
+                    <a:lnB w="12700" cap="flat" cmpd="sng" algn="ctr">
+                      <a:solidFill>
+                        <a:schemeClr val="tx1"/>
+                      </a:solidFill>
+                      <a:prstDash val="solid"/>
+                      <a:round/>
+                      <a:headEnd type="none" w="med" len="med"/>
+                      <a:tailEnd type="none" w="med" len="med"/>
+                    </a:lnB>
+                    <a:noFill/>
+                  </a:tcPr>
                 </a:tc>
                 <a:tc>
                   <a:txBody>
                     <a:bodyPr/>
                     <a:lstStyle/>
                     <a:p>
-                      <a:endParaRPr lang="ru-RU" sz="1100" dirty="0">
+                      <a:endParaRPr lang="ru-RU" sz="1100" b="1" dirty="0">
+                        <a:solidFill>
+                          <a:schemeClr val="tx1"/>
+                        </a:solidFill>
+                        <a:effectLst>
+                          <a:outerShdw blurRad="38100" dist="38100" dir="2700000" algn="tl">
+                            <a:srgbClr val="000000">
+                              <a:alpha val="43137"/>
+                            </a:srgbClr>
+                          </a:outerShdw>
+                        </a:effectLst>
                         <a:latin typeface="Aptos Display" panose="020B0004020202020204" pitchFamily="34" charset="0"/>
                       </a:endParaRPr>
                     </a:p>
                   </a:txBody>
-                  <a:tcPr/>
+                  <a:tcPr>
+                    <a:lnL w="12700" cap="flat" cmpd="sng" algn="ctr">
+                      <a:solidFill>
+                        <a:schemeClr val="tx1"/>
+                      </a:solidFill>
+                      <a:prstDash val="solid"/>
+                      <a:round/>
+                      <a:headEnd type="none" w="med" len="med"/>
+                      <a:tailEnd type="none" w="med" len="med"/>
+                    </a:lnL>
+                    <a:lnR w="12700" cap="flat" cmpd="sng" algn="ctr">
+                      <a:solidFill>
+                        <a:schemeClr val="tx1"/>
+                      </a:solidFill>
+                      <a:prstDash val="solid"/>
+                      <a:round/>
+                      <a:headEnd type="none" w="med" len="med"/>
+                      <a:tailEnd type="none" w="med" len="med"/>
+                    </a:lnR>
+                    <a:lnT w="12700" cap="flat" cmpd="sng" algn="ctr">
+                      <a:solidFill>
+                        <a:schemeClr val="tx1"/>
+                      </a:solidFill>
+                      <a:prstDash val="solid"/>
+                      <a:round/>
+                      <a:headEnd type="none" w="med" len="med"/>
+                      <a:tailEnd type="none" w="med" len="med"/>
+                    </a:lnT>
+                    <a:lnB w="12700" cap="flat" cmpd="sng" algn="ctr">
+                      <a:solidFill>
+                        <a:schemeClr val="tx1"/>
+                      </a:solidFill>
+                      <a:prstDash val="solid"/>
+                      <a:round/>
+                      <a:headEnd type="none" w="med" len="med"/>
+                      <a:tailEnd type="none" w="med" len="med"/>
+                    </a:lnB>
+                    <a:noFill/>
+                  </a:tcPr>
                 </a:tc>
                 <a:tc>
                   <a:txBody>
                     <a:bodyPr/>
                     <a:lstStyle/>
                     <a:p>
-                      <a:endParaRPr lang="ru-RU" sz="1100">
+                      <a:endParaRPr lang="ru-RU" sz="1100" b="1">
+                        <a:solidFill>
+                          <a:schemeClr val="tx1"/>
+                        </a:solidFill>
+                        <a:effectLst>
+                          <a:outerShdw blurRad="38100" dist="38100" dir="2700000" algn="tl">
+                            <a:srgbClr val="000000">
+                              <a:alpha val="43137"/>
+                            </a:srgbClr>
+                          </a:outerShdw>
+                        </a:effectLst>
                         <a:latin typeface="Aptos Display" panose="020B0004020202020204" pitchFamily="34" charset="0"/>
                       </a:endParaRPr>
                     </a:p>
                   </a:txBody>
-                  <a:tcPr/>
+                  <a:tcPr>
+                    <a:lnL w="12700" cap="flat" cmpd="sng" algn="ctr">
+                      <a:solidFill>
+                        <a:schemeClr val="tx1"/>
+                      </a:solidFill>
+                      <a:prstDash val="solid"/>
+                      <a:round/>
+                      <a:headEnd type="none" w="med" len="med"/>
+                      <a:tailEnd type="none" w="med" len="med"/>
+                    </a:lnL>
+                    <a:lnR w="12700" cap="flat" cmpd="sng" algn="ctr">
+                      <a:solidFill>
+                        <a:schemeClr val="tx1"/>
+                      </a:solidFill>
+                      <a:prstDash val="solid"/>
+                      <a:round/>
+                      <a:headEnd type="none" w="med" len="med"/>
+                      <a:tailEnd type="none" w="med" len="med"/>
+                    </a:lnR>
+                    <a:lnT w="12700" cap="flat" cmpd="sng" algn="ctr">
+                      <a:solidFill>
+                        <a:schemeClr val="tx1"/>
+                      </a:solidFill>
+                      <a:prstDash val="solid"/>
+                      <a:round/>
+                      <a:headEnd type="none" w="med" len="med"/>
+                      <a:tailEnd type="none" w="med" len="med"/>
+                    </a:lnT>
+                    <a:lnB w="12700" cap="flat" cmpd="sng" algn="ctr">
+                      <a:solidFill>
+                        <a:schemeClr val="tx1"/>
+                      </a:solidFill>
+                      <a:prstDash val="solid"/>
+                      <a:round/>
+                      <a:headEnd type="none" w="med" len="med"/>
+                      <a:tailEnd type="none" w="med" len="med"/>
+                    </a:lnB>
+                    <a:noFill/>
+                  </a:tcPr>
                 </a:tc>
                 <a:tc>
                   <a:txBody>
                     <a:bodyPr/>
                     <a:lstStyle/>
                     <a:p>
-                      <a:endParaRPr lang="ru-RU" sz="1100" dirty="0">
+                      <a:endParaRPr lang="ru-RU" sz="1100" b="1" dirty="0">
+                        <a:solidFill>
+                          <a:schemeClr val="tx1"/>
+                        </a:solidFill>
+                        <a:effectLst>
+                          <a:outerShdw blurRad="38100" dist="38100" dir="2700000" algn="tl">
+                            <a:srgbClr val="000000">
+                              <a:alpha val="43137"/>
+                            </a:srgbClr>
+                          </a:outerShdw>
+                        </a:effectLst>
                         <a:latin typeface="Aptos Display" panose="020B0004020202020204" pitchFamily="34" charset="0"/>
                       </a:endParaRPr>
                     </a:p>
                   </a:txBody>
-                  <a:tcPr/>
+                  <a:tcPr>
+                    <a:lnL w="12700" cap="flat" cmpd="sng" algn="ctr">
+                      <a:solidFill>
+                        <a:schemeClr val="tx1"/>
+                      </a:solidFill>
+                      <a:prstDash val="solid"/>
+                      <a:round/>
+                      <a:headEnd type="none" w="med" len="med"/>
+                      <a:tailEnd type="none" w="med" len="med"/>
+                    </a:lnL>
+                    <a:lnR w="12700" cap="flat" cmpd="sng" algn="ctr">
+                      <a:solidFill>
+                        <a:schemeClr val="tx1"/>
+                      </a:solidFill>
+                      <a:prstDash val="solid"/>
+                      <a:round/>
+                      <a:headEnd type="none" w="med" len="med"/>
+                      <a:tailEnd type="none" w="med" len="med"/>
+                    </a:lnR>
+                    <a:lnT w="12700" cap="flat" cmpd="sng" algn="ctr">
+                      <a:solidFill>
+                        <a:schemeClr val="tx1"/>
+                      </a:solidFill>
+                      <a:prstDash val="solid"/>
+                      <a:round/>
+                      <a:headEnd type="none" w="med" len="med"/>
+                      <a:tailEnd type="none" w="med" len="med"/>
+                    </a:lnT>
+                    <a:lnB w="12700" cap="flat" cmpd="sng" algn="ctr">
+                      <a:solidFill>
+                        <a:schemeClr val="tx1"/>
+                      </a:solidFill>
+                      <a:prstDash val="solid"/>
+                      <a:round/>
+                      <a:headEnd type="none" w="med" len="med"/>
+                      <a:tailEnd type="none" w="med" len="med"/>
+                    </a:lnB>
+                    <a:noFill/>
+                  </a:tcPr>
                 </a:tc>
                 <a:tc>
                   <a:txBody>
                     <a:bodyPr/>
                     <a:lstStyle/>
                     <a:p>
-                      <a:endParaRPr lang="ru-RU" sz="1100">
+                      <a:endParaRPr lang="ru-RU" sz="1100" b="1">
+                        <a:solidFill>
+                          <a:schemeClr val="tx1"/>
+                        </a:solidFill>
+                        <a:effectLst>
+                          <a:outerShdw blurRad="38100" dist="38100" dir="2700000" algn="tl">
+                            <a:srgbClr val="000000">
+                              <a:alpha val="43137"/>
+                            </a:srgbClr>
+                          </a:outerShdw>
+                        </a:effectLst>
                         <a:latin typeface="Aptos Display" panose="020B0004020202020204" pitchFamily="34" charset="0"/>
                       </a:endParaRPr>
                     </a:p>
                   </a:txBody>
-                  <a:tcPr/>
+                  <a:tcPr>
+                    <a:lnL w="12700" cap="flat" cmpd="sng" algn="ctr">
+                      <a:solidFill>
+                        <a:schemeClr val="tx1"/>
+                      </a:solidFill>
+                      <a:prstDash val="solid"/>
+                      <a:round/>
+                      <a:headEnd type="none" w="med" len="med"/>
+                      <a:tailEnd type="none" w="med" len="med"/>
+                    </a:lnL>
+                    <a:lnR w="12700" cap="flat" cmpd="sng" algn="ctr">
+                      <a:solidFill>
+                        <a:schemeClr val="tx1"/>
+                      </a:solidFill>
+                      <a:prstDash val="solid"/>
+                      <a:round/>
+                      <a:headEnd type="none" w="med" len="med"/>
+                      <a:tailEnd type="none" w="med" len="med"/>
+                    </a:lnR>
+                    <a:lnT w="12700" cap="flat" cmpd="sng" algn="ctr">
+                      <a:solidFill>
+                        <a:schemeClr val="tx1"/>
+                      </a:solidFill>
+                      <a:prstDash val="solid"/>
+                      <a:round/>
+                      <a:headEnd type="none" w="med" len="med"/>
+                      <a:tailEnd type="none" w="med" len="med"/>
+                    </a:lnT>
+                    <a:lnB w="12700" cap="flat" cmpd="sng" algn="ctr">
+                      <a:solidFill>
+                        <a:schemeClr val="tx1"/>
+                      </a:solidFill>
+                      <a:prstDash val="solid"/>
+                      <a:round/>
+                      <a:headEnd type="none" w="med" len="med"/>
+                      <a:tailEnd type="none" w="med" len="med"/>
+                    </a:lnB>
+                    <a:noFill/>
+                  </a:tcPr>
                 </a:tc>
                 <a:tc>
                   <a:txBody>
                     <a:bodyPr/>
                     <a:lstStyle/>
                     <a:p>
-                      <a:endParaRPr lang="ru-RU" sz="1100">
+                      <a:endParaRPr lang="ru-RU" sz="1100" b="1">
+                        <a:solidFill>
+                          <a:schemeClr val="tx1"/>
+                        </a:solidFill>
+                        <a:effectLst>
+                          <a:outerShdw blurRad="38100" dist="38100" dir="2700000" algn="tl">
+                            <a:srgbClr val="000000">
+                              <a:alpha val="43137"/>
+                            </a:srgbClr>
+                          </a:outerShdw>
+                        </a:effectLst>
                         <a:latin typeface="Aptos Display" panose="020B0004020202020204" pitchFamily="34" charset="0"/>
                       </a:endParaRPr>
                     </a:p>
                   </a:txBody>
-                  <a:tcPr/>
+                  <a:tcPr>
+                    <a:lnL w="12700" cap="flat" cmpd="sng" algn="ctr">
+                      <a:solidFill>
+                        <a:schemeClr val="tx1"/>
+                      </a:solidFill>
+                      <a:prstDash val="solid"/>
+                      <a:round/>
+                      <a:headEnd type="none" w="med" len="med"/>
+                      <a:tailEnd type="none" w="med" len="med"/>
+                    </a:lnL>
+                    <a:lnR w="12700" cap="flat" cmpd="sng" algn="ctr">
+                      <a:solidFill>
+                        <a:schemeClr val="tx1"/>
+                      </a:solidFill>
+                      <a:prstDash val="solid"/>
+                      <a:round/>
+                      <a:headEnd type="none" w="med" len="med"/>
+                      <a:tailEnd type="none" w="med" len="med"/>
+                    </a:lnR>
+                    <a:lnT w="12700" cap="flat" cmpd="sng" algn="ctr">
+                      <a:solidFill>
+                        <a:schemeClr val="tx1"/>
+                      </a:solidFill>
+                      <a:prstDash val="solid"/>
+                      <a:round/>
+                      <a:headEnd type="none" w="med" len="med"/>
+                      <a:tailEnd type="none" w="med" len="med"/>
+                    </a:lnT>
+                    <a:lnB w="12700" cap="flat" cmpd="sng" algn="ctr">
+                      <a:solidFill>
+                        <a:schemeClr val="tx1"/>
+                      </a:solidFill>
+                      <a:prstDash val="solid"/>
+                      <a:round/>
+                      <a:headEnd type="none" w="med" len="med"/>
+                      <a:tailEnd type="none" w="med" len="med"/>
+                    </a:lnB>
+                    <a:noFill/>
+                  </a:tcPr>
                 </a:tc>
                 <a:tc>
                   <a:txBody>
                     <a:bodyPr/>
                     <a:lstStyle/>
                     <a:p>
-                      <a:endParaRPr lang="ru-RU" sz="1100">
+                      <a:endParaRPr lang="ru-RU" sz="1100" b="1">
+                        <a:solidFill>
+                          <a:schemeClr val="tx1"/>
+                        </a:solidFill>
+                        <a:effectLst>
+                          <a:outerShdw blurRad="38100" dist="38100" dir="2700000" algn="tl">
+                            <a:srgbClr val="000000">
+                              <a:alpha val="43137"/>
+                            </a:srgbClr>
+                          </a:outerShdw>
+                        </a:effectLst>
                         <a:latin typeface="Aptos Display" panose="020B0004020202020204" pitchFamily="34" charset="0"/>
                       </a:endParaRPr>
                     </a:p>
                   </a:txBody>
-                  <a:tcPr/>
+                  <a:tcPr>
+                    <a:lnL w="12700" cap="flat" cmpd="sng" algn="ctr">
+                      <a:solidFill>
+                        <a:schemeClr val="tx1"/>
+                      </a:solidFill>
+                      <a:prstDash val="solid"/>
+                      <a:round/>
+                      <a:headEnd type="none" w="med" len="med"/>
+                      <a:tailEnd type="none" w="med" len="med"/>
+                    </a:lnL>
+                    <a:lnR w="12700" cap="flat" cmpd="sng" algn="ctr">
+                      <a:solidFill>
+                        <a:schemeClr val="tx1"/>
+                      </a:solidFill>
+                      <a:prstDash val="solid"/>
+                      <a:round/>
+                      <a:headEnd type="none" w="med" len="med"/>
+                      <a:tailEnd type="none" w="med" len="med"/>
+                    </a:lnR>
+                    <a:lnT w="12700" cap="flat" cmpd="sng" algn="ctr">
+                      <a:solidFill>
+                        <a:schemeClr val="tx1"/>
+                      </a:solidFill>
+                      <a:prstDash val="solid"/>
+                      <a:round/>
+                      <a:headEnd type="none" w="med" len="med"/>
+                      <a:tailEnd type="none" w="med" len="med"/>
+                    </a:lnT>
+                    <a:lnB w="12700" cap="flat" cmpd="sng" algn="ctr">
+                      <a:solidFill>
+                        <a:schemeClr val="tx1"/>
+                      </a:solidFill>
+                      <a:prstDash val="solid"/>
+                      <a:round/>
+                      <a:headEnd type="none" w="med" len="med"/>
+                      <a:tailEnd type="none" w="med" len="med"/>
+                    </a:lnB>
+                    <a:noFill/>
+                  </a:tcPr>
                 </a:tc>
                 <a:tc>
                   <a:txBody>
                     <a:bodyPr/>
                     <a:lstStyle/>
                     <a:p>
-                      <a:endParaRPr lang="ru-RU" sz="1100">
+                      <a:endParaRPr lang="ru-RU" sz="1100" b="1">
+                        <a:solidFill>
+                          <a:schemeClr val="tx1"/>
+                        </a:solidFill>
+                        <a:effectLst>
+                          <a:outerShdw blurRad="38100" dist="38100" dir="2700000" algn="tl">
+                            <a:srgbClr val="000000">
+                              <a:alpha val="43137"/>
+                            </a:srgbClr>
+                          </a:outerShdw>
+                        </a:effectLst>
                         <a:latin typeface="Aptos Display" panose="020B0004020202020204" pitchFamily="34" charset="0"/>
                       </a:endParaRPr>
                     </a:p>
                   </a:txBody>
-                  <a:tcPr/>
+                  <a:tcPr>
+                    <a:lnL w="12700" cap="flat" cmpd="sng" algn="ctr">
+                      <a:solidFill>
+                        <a:schemeClr val="tx1"/>
+                      </a:solidFill>
+                      <a:prstDash val="solid"/>
+                      <a:round/>
+                      <a:headEnd type="none" w="med" len="med"/>
+                      <a:tailEnd type="none" w="med" len="med"/>
+                    </a:lnL>
+                    <a:lnR w="12700" cap="flat" cmpd="sng" algn="ctr">
+                      <a:solidFill>
+                        <a:schemeClr val="tx1"/>
+                      </a:solidFill>
+                      <a:prstDash val="solid"/>
+                      <a:round/>
+                      <a:headEnd type="none" w="med" len="med"/>
+                      <a:tailEnd type="none" w="med" len="med"/>
+                    </a:lnR>
+                    <a:lnT w="12700" cap="flat" cmpd="sng" algn="ctr">
+                      <a:solidFill>
+                        <a:schemeClr val="tx1"/>
+                      </a:solidFill>
+                      <a:prstDash val="solid"/>
+                      <a:round/>
+                      <a:headEnd type="none" w="med" len="med"/>
+                      <a:tailEnd type="none" w="med" len="med"/>
+                    </a:lnT>
+                    <a:lnB w="12700" cap="flat" cmpd="sng" algn="ctr">
+                      <a:solidFill>
+                        <a:schemeClr val="tx1"/>
+                      </a:solidFill>
+                      <a:prstDash val="solid"/>
+                      <a:round/>
+                      <a:headEnd type="none" w="med" len="med"/>
+                      <a:tailEnd type="none" w="med" len="med"/>
+                    </a:lnB>
+                    <a:noFill/>
+                  </a:tcPr>
                 </a:tc>
                 <a:tc>
                   <a:txBody>
                     <a:bodyPr/>
                     <a:lstStyle/>
                     <a:p>
-                      <a:endParaRPr lang="ru-RU" sz="1100">
+                      <a:endParaRPr lang="ru-RU" sz="1100" b="1">
+                        <a:solidFill>
+                          <a:schemeClr val="tx1"/>
+                        </a:solidFill>
+                        <a:effectLst>
+                          <a:outerShdw blurRad="38100" dist="38100" dir="2700000" algn="tl">
+                            <a:srgbClr val="000000">
+                              <a:alpha val="43137"/>
+                            </a:srgbClr>
+                          </a:outerShdw>
+                        </a:effectLst>
                         <a:latin typeface="Aptos Display" panose="020B0004020202020204" pitchFamily="34" charset="0"/>
                       </a:endParaRPr>
                     </a:p>
                   </a:txBody>
-                  <a:tcPr/>
+                  <a:tcPr>
+                    <a:lnL w="12700" cap="flat" cmpd="sng" algn="ctr">
+                      <a:solidFill>
+                        <a:schemeClr val="tx1"/>
+                      </a:solidFill>
+                      <a:prstDash val="solid"/>
+                      <a:round/>
+                      <a:headEnd type="none" w="med" len="med"/>
+                      <a:tailEnd type="none" w="med" len="med"/>
+                    </a:lnL>
+                    <a:lnR w="12700" cap="flat" cmpd="sng" algn="ctr">
+                      <a:solidFill>
+                        <a:schemeClr val="tx1"/>
+                      </a:solidFill>
+                      <a:prstDash val="solid"/>
+                      <a:round/>
+                      <a:headEnd type="none" w="med" len="med"/>
+                      <a:tailEnd type="none" w="med" len="med"/>
+                    </a:lnR>
+                    <a:lnT w="12700" cap="flat" cmpd="sng" algn="ctr">
+                      <a:solidFill>
+                        <a:schemeClr val="tx1"/>
+                      </a:solidFill>
+                      <a:prstDash val="solid"/>
+                      <a:round/>
+                      <a:headEnd type="none" w="med" len="med"/>
+                      <a:tailEnd type="none" w="med" len="med"/>
+                    </a:lnT>
+                    <a:lnB w="12700" cap="flat" cmpd="sng" algn="ctr">
+                      <a:solidFill>
+                        <a:schemeClr val="tx1"/>
+                      </a:solidFill>
+                      <a:prstDash val="solid"/>
+                      <a:round/>
+                      <a:headEnd type="none" w="med" len="med"/>
+                      <a:tailEnd type="none" w="med" len="med"/>
+                    </a:lnB>
+                    <a:noFill/>
+                  </a:tcPr>
                 </a:tc>
                 <a:tc>
                   <a:txBody>
                     <a:bodyPr/>
                     <a:lstStyle/>
                     <a:p>
-                      <a:endParaRPr lang="ru-RU" sz="1100">
+                      <a:endParaRPr lang="ru-RU" sz="1100" b="1">
+                        <a:solidFill>
+                          <a:schemeClr val="tx1"/>
+                        </a:solidFill>
+                        <a:effectLst>
+                          <a:outerShdw blurRad="38100" dist="38100" dir="2700000" algn="tl">
+                            <a:srgbClr val="000000">
+                              <a:alpha val="43137"/>
+                            </a:srgbClr>
+                          </a:outerShdw>
+                        </a:effectLst>
                         <a:latin typeface="Aptos Display" panose="020B0004020202020204" pitchFamily="34" charset="0"/>
                       </a:endParaRPr>
                     </a:p>
                   </a:txBody>
-                  <a:tcPr/>
+                  <a:tcPr>
+                    <a:lnL w="12700" cap="flat" cmpd="sng" algn="ctr">
+                      <a:solidFill>
+                        <a:schemeClr val="tx1"/>
+                      </a:solidFill>
+                      <a:prstDash val="solid"/>
+                      <a:round/>
+                      <a:headEnd type="none" w="med" len="med"/>
+                      <a:tailEnd type="none" w="med" len="med"/>
+                    </a:lnL>
+                    <a:lnR w="12700" cap="flat" cmpd="sng" algn="ctr">
+                      <a:solidFill>
+                        <a:schemeClr val="tx1"/>
+                      </a:solidFill>
+                      <a:prstDash val="solid"/>
+                      <a:round/>
+                      <a:headEnd type="none" w="med" len="med"/>
+                      <a:tailEnd type="none" w="med" len="med"/>
+                    </a:lnR>
+                    <a:lnT w="12700" cap="flat" cmpd="sng" algn="ctr">
+                      <a:solidFill>
+                        <a:schemeClr val="tx1"/>
+                      </a:solidFill>
+                      <a:prstDash val="solid"/>
+                      <a:round/>
+                      <a:headEnd type="none" w="med" len="med"/>
+                      <a:tailEnd type="none" w="med" len="med"/>
+                    </a:lnT>
+                    <a:lnB w="12700" cap="flat" cmpd="sng" algn="ctr">
+                      <a:solidFill>
+                        <a:schemeClr val="tx1"/>
+                      </a:solidFill>
+                      <a:prstDash val="solid"/>
+                      <a:round/>
+                      <a:headEnd type="none" w="med" len="med"/>
+                      <a:tailEnd type="none" w="med" len="med"/>
+                    </a:lnB>
+                    <a:noFill/>
+                  </a:tcPr>
                 </a:tc>
                 <a:tc>
                   <a:txBody>
                     <a:bodyPr/>
                     <a:lstStyle/>
                     <a:p>
-                      <a:endParaRPr lang="ru-RU" sz="1100">
+                      <a:endParaRPr lang="ru-RU" sz="1100" b="1">
+                        <a:solidFill>
+                          <a:schemeClr val="tx1"/>
+                        </a:solidFill>
+                        <a:effectLst>
+                          <a:outerShdw blurRad="38100" dist="38100" dir="2700000" algn="tl">
+                            <a:srgbClr val="000000">
+                              <a:alpha val="43137"/>
+                            </a:srgbClr>
+                          </a:outerShdw>
+                        </a:effectLst>
                         <a:latin typeface="Aptos Display" panose="020B0004020202020204" pitchFamily="34" charset="0"/>
                       </a:endParaRPr>
                     </a:p>
                   </a:txBody>
-                  <a:tcPr/>
+                  <a:tcPr>
+                    <a:lnL w="12700" cap="flat" cmpd="sng" algn="ctr">
+                      <a:solidFill>
+                        <a:schemeClr val="tx1"/>
+                      </a:solidFill>
+                      <a:prstDash val="solid"/>
+                      <a:round/>
+                      <a:headEnd type="none" w="med" len="med"/>
+                      <a:tailEnd type="none" w="med" len="med"/>
+                    </a:lnL>
+                    <a:lnR w="12700" cap="flat" cmpd="sng" algn="ctr">
+                      <a:solidFill>
+                        <a:schemeClr val="tx1"/>
+                      </a:solidFill>
+                      <a:prstDash val="solid"/>
+                      <a:round/>
+                      <a:headEnd type="none" w="med" len="med"/>
+                      <a:tailEnd type="none" w="med" len="med"/>
+                    </a:lnR>
+                    <a:lnT w="12700" cap="flat" cmpd="sng" algn="ctr">
+                      <a:solidFill>
+                        <a:schemeClr val="tx1"/>
+                      </a:solidFill>
+                      <a:prstDash val="solid"/>
+                      <a:round/>
+                      <a:headEnd type="none" w="med" len="med"/>
+                      <a:tailEnd type="none" w="med" len="med"/>
+                    </a:lnT>
+                    <a:lnB w="12700" cap="flat" cmpd="sng" algn="ctr">
+                      <a:solidFill>
+                        <a:schemeClr val="tx1"/>
+                      </a:solidFill>
+                      <a:prstDash val="solid"/>
+                      <a:round/>
+                      <a:headEnd type="none" w="med" len="med"/>
+                      <a:tailEnd type="none" w="med" len="med"/>
+                    </a:lnB>
+                    <a:noFill/>
+                  </a:tcPr>
                 </a:tc>
                 <a:tc>
                   <a:txBody>
                     <a:bodyPr/>
                     <a:lstStyle/>
                     <a:p>
-                      <a:endParaRPr lang="ru-RU" sz="1100">
+                      <a:endParaRPr lang="ru-RU" sz="1100" b="1">
+                        <a:solidFill>
+                          <a:schemeClr val="tx1"/>
+                        </a:solidFill>
+                        <a:effectLst>
+                          <a:outerShdw blurRad="38100" dist="38100" dir="2700000" algn="tl">
+                            <a:srgbClr val="000000">
+                              <a:alpha val="43137"/>
+                            </a:srgbClr>
+                          </a:outerShdw>
+                        </a:effectLst>
                         <a:latin typeface="Aptos Display" panose="020B0004020202020204" pitchFamily="34" charset="0"/>
                       </a:endParaRPr>
                     </a:p>
                   </a:txBody>
-                  <a:tcPr/>
+                  <a:tcPr>
+                    <a:lnL w="12700" cap="flat" cmpd="sng" algn="ctr">
+                      <a:solidFill>
+                        <a:schemeClr val="tx1"/>
+                      </a:solidFill>
+                      <a:prstDash val="solid"/>
+                      <a:round/>
+                      <a:headEnd type="none" w="med" len="med"/>
+                      <a:tailEnd type="none" w="med" len="med"/>
+                    </a:lnL>
+                    <a:lnR w="12700" cap="flat" cmpd="sng" algn="ctr">
+                      <a:solidFill>
+                        <a:schemeClr val="tx1"/>
+                      </a:solidFill>
+                      <a:prstDash val="solid"/>
+                      <a:round/>
+                      <a:headEnd type="none" w="med" len="med"/>
+                      <a:tailEnd type="none" w="med" len="med"/>
+                    </a:lnR>
+                    <a:lnT w="12700" cap="flat" cmpd="sng" algn="ctr">
+                      <a:solidFill>
+                        <a:schemeClr val="tx1"/>
+                      </a:solidFill>
+                      <a:prstDash val="solid"/>
+                      <a:round/>
+                      <a:headEnd type="none" w="med" len="med"/>
+                      <a:tailEnd type="none" w="med" len="med"/>
+                    </a:lnT>
+                    <a:lnB w="12700" cap="flat" cmpd="sng" algn="ctr">
+                      <a:solidFill>
+                        <a:schemeClr val="tx1"/>
+                      </a:solidFill>
+                      <a:prstDash val="solid"/>
+                      <a:round/>
+                      <a:headEnd type="none" w="med" len="med"/>
+                      <a:tailEnd type="none" w="med" len="med"/>
+                    </a:lnB>
+                    <a:noFill/>
+                  </a:tcPr>
                 </a:tc>
                 <a:tc>
                   <a:txBody>
                     <a:bodyPr/>
                     <a:lstStyle/>
                     <a:p>
-                      <a:endParaRPr lang="ru-RU" sz="1100">
+                      <a:endParaRPr lang="ru-RU" sz="1100" b="1">
+                        <a:solidFill>
+                          <a:schemeClr val="tx1"/>
+                        </a:solidFill>
+                        <a:effectLst>
+                          <a:outerShdw blurRad="38100" dist="38100" dir="2700000" algn="tl">
+                            <a:srgbClr val="000000">
+                              <a:alpha val="43137"/>
+                            </a:srgbClr>
+                          </a:outerShdw>
+                        </a:effectLst>
                         <a:latin typeface="Aptos Display" panose="020B0004020202020204" pitchFamily="34" charset="0"/>
                       </a:endParaRPr>
                     </a:p>
                   </a:txBody>
-                  <a:tcPr/>
+                  <a:tcPr>
+                    <a:lnL w="12700" cap="flat" cmpd="sng" algn="ctr">
+                      <a:solidFill>
+                        <a:schemeClr val="tx1"/>
+                      </a:solidFill>
+                      <a:prstDash val="solid"/>
+                      <a:round/>
+                      <a:headEnd type="none" w="med" len="med"/>
+                      <a:tailEnd type="none" w="med" len="med"/>
+                    </a:lnL>
+                    <a:lnR w="12700" cap="flat" cmpd="sng" algn="ctr">
+                      <a:solidFill>
+                        <a:schemeClr val="tx1"/>
+                      </a:solidFill>
+                      <a:prstDash val="solid"/>
+                      <a:round/>
+                      <a:headEnd type="none" w="med" len="med"/>
+                      <a:tailEnd type="none" w="med" len="med"/>
+                    </a:lnR>
+                    <a:lnT w="12700" cap="flat" cmpd="sng" algn="ctr">
+                      <a:solidFill>
+                        <a:schemeClr val="tx1"/>
+                      </a:solidFill>
+                      <a:prstDash val="solid"/>
+                      <a:round/>
+                      <a:headEnd type="none" w="med" len="med"/>
+                      <a:tailEnd type="none" w="med" len="med"/>
+                    </a:lnT>
+                    <a:lnB w="12700" cap="flat" cmpd="sng" algn="ctr">
+                      <a:solidFill>
+                        <a:schemeClr val="tx1"/>
+                      </a:solidFill>
+                      <a:prstDash val="solid"/>
+                      <a:round/>
+                      <a:headEnd type="none" w="med" len="med"/>
+                      <a:tailEnd type="none" w="med" len="med"/>
+                    </a:lnB>
+                    <a:noFill/>
+                  </a:tcPr>
                 </a:tc>
                 <a:tc>
                   <a:txBody>
                     <a:bodyPr/>
                     <a:lstStyle/>
                     <a:p>
-                      <a:endParaRPr lang="ru-RU" sz="1100">
+                      <a:endParaRPr lang="ru-RU" sz="1100" b="1">
+                        <a:solidFill>
+                          <a:schemeClr val="tx1"/>
+                        </a:solidFill>
+                        <a:effectLst>
+                          <a:outerShdw blurRad="38100" dist="38100" dir="2700000" algn="tl">
+                            <a:srgbClr val="000000">
+                              <a:alpha val="43137"/>
+                            </a:srgbClr>
+                          </a:outerShdw>
+                        </a:effectLst>
                         <a:latin typeface="Aptos Display" panose="020B0004020202020204" pitchFamily="34" charset="0"/>
                       </a:endParaRPr>
                     </a:p>
                   </a:txBody>
-                  <a:tcPr/>
+                  <a:tcPr>
+                    <a:lnL w="12700" cap="flat" cmpd="sng" algn="ctr">
+                      <a:solidFill>
+                        <a:schemeClr val="tx1"/>
+                      </a:solidFill>
+                      <a:prstDash val="solid"/>
+                      <a:round/>
+                      <a:headEnd type="none" w="med" len="med"/>
+                      <a:tailEnd type="none" w="med" len="med"/>
+                    </a:lnL>
+                    <a:lnR w="12700" cap="flat" cmpd="sng" algn="ctr">
+                      <a:solidFill>
+                        <a:schemeClr val="tx1"/>
+                      </a:solidFill>
+                      <a:prstDash val="solid"/>
+                      <a:round/>
+                      <a:headEnd type="none" w="med" len="med"/>
+                      <a:tailEnd type="none" w="med" len="med"/>
+                    </a:lnR>
+                    <a:lnT w="12700" cap="flat" cmpd="sng" algn="ctr">
+                      <a:solidFill>
+                        <a:schemeClr val="tx1"/>
+                      </a:solidFill>
+                      <a:prstDash val="solid"/>
+                      <a:round/>
+                      <a:headEnd type="none" w="med" len="med"/>
+                      <a:tailEnd type="none" w="med" len="med"/>
+                    </a:lnT>
+                    <a:lnB w="12700" cap="flat" cmpd="sng" algn="ctr">
+                      <a:solidFill>
+                        <a:schemeClr val="tx1"/>
+                      </a:solidFill>
+                      <a:prstDash val="solid"/>
+                      <a:round/>
+                      <a:headEnd type="none" w="med" len="med"/>
+                      <a:tailEnd type="none" w="med" len="med"/>
+                    </a:lnB>
+                    <a:noFill/>
+                  </a:tcPr>
                 </a:tc>
                 <a:tc>
                   <a:txBody>
                     <a:bodyPr/>
                     <a:lstStyle/>
                     <a:p>
-                      <a:endParaRPr lang="ru-RU" sz="1100">
+                      <a:endParaRPr lang="ru-RU" sz="1100" b="1">
+                        <a:solidFill>
+                          <a:schemeClr val="tx1"/>
+                        </a:solidFill>
+                        <a:effectLst>
+                          <a:outerShdw blurRad="38100" dist="38100" dir="2700000" algn="tl">
+                            <a:srgbClr val="000000">
+                              <a:alpha val="43137"/>
+                            </a:srgbClr>
+                          </a:outerShdw>
+                        </a:effectLst>
                         <a:latin typeface="Aptos Display" panose="020B0004020202020204" pitchFamily="34" charset="0"/>
                       </a:endParaRPr>
                     </a:p>
                   </a:txBody>
-                  <a:tcPr/>
+                  <a:tcPr>
+                    <a:lnL w="12700" cap="flat" cmpd="sng" algn="ctr">
+                      <a:solidFill>
+                        <a:schemeClr val="tx1"/>
+                      </a:solidFill>
+                      <a:prstDash val="solid"/>
+                      <a:round/>
+                      <a:headEnd type="none" w="med" len="med"/>
+                      <a:tailEnd type="none" w="med" len="med"/>
+                    </a:lnL>
+                    <a:lnR w="12700" cap="flat" cmpd="sng" algn="ctr">
+                      <a:solidFill>
+                        <a:schemeClr val="tx1"/>
+                      </a:solidFill>
+                      <a:prstDash val="solid"/>
+                      <a:round/>
+                      <a:headEnd type="none" w="med" len="med"/>
+                      <a:tailEnd type="none" w="med" len="med"/>
+                    </a:lnR>
+                    <a:lnT w="12700" cap="flat" cmpd="sng" algn="ctr">
+                      <a:solidFill>
+                        <a:schemeClr val="tx1"/>
+                      </a:solidFill>
+                      <a:prstDash val="solid"/>
+                      <a:round/>
+                      <a:headEnd type="none" w="med" len="med"/>
+                      <a:tailEnd type="none" w="med" len="med"/>
+                    </a:lnT>
+                    <a:lnB w="12700" cap="flat" cmpd="sng" algn="ctr">
+                      <a:solidFill>
+                        <a:schemeClr val="tx1"/>
+                      </a:solidFill>
+                      <a:prstDash val="solid"/>
+                      <a:round/>
+                      <a:headEnd type="none" w="med" len="med"/>
+                      <a:tailEnd type="none" w="med" len="med"/>
+                    </a:lnB>
+                    <a:noFill/>
+                  </a:tcPr>
                 </a:tc>
                 <a:tc>
                   <a:txBody>
                     <a:bodyPr/>
                     <a:lstStyle/>
                     <a:p>
-                      <a:endParaRPr lang="ru-RU" sz="1100">
+                      <a:endParaRPr lang="ru-RU" sz="1100" b="1">
+                        <a:solidFill>
+                          <a:schemeClr val="tx1"/>
+                        </a:solidFill>
+                        <a:effectLst>
+                          <a:outerShdw blurRad="38100" dist="38100" dir="2700000" algn="tl">
+                            <a:srgbClr val="000000">
+                              <a:alpha val="43137"/>
+                            </a:srgbClr>
+                          </a:outerShdw>
+                        </a:effectLst>
                         <a:latin typeface="Aptos Display" panose="020B0004020202020204" pitchFamily="34" charset="0"/>
                       </a:endParaRPr>
                     </a:p>
                   </a:txBody>
-                  <a:tcPr/>
+                  <a:tcPr>
+                    <a:lnL w="12700" cap="flat" cmpd="sng" algn="ctr">
+                      <a:solidFill>
+                        <a:schemeClr val="tx1"/>
+                      </a:solidFill>
+                      <a:prstDash val="solid"/>
+                      <a:round/>
+                      <a:headEnd type="none" w="med" len="med"/>
+                      <a:tailEnd type="none" w="med" len="med"/>
+                    </a:lnL>
+                    <a:lnR w="12700" cap="flat" cmpd="sng" algn="ctr">
+                      <a:solidFill>
+                        <a:schemeClr val="tx1"/>
+                      </a:solidFill>
+                      <a:prstDash val="solid"/>
+                      <a:round/>
+                      <a:headEnd type="none" w="med" len="med"/>
+                      <a:tailEnd type="none" w="med" len="med"/>
+                    </a:lnR>
+                    <a:lnT w="12700" cap="flat" cmpd="sng" algn="ctr">
+                      <a:solidFill>
+                        <a:schemeClr val="tx1"/>
+                      </a:solidFill>
+                      <a:prstDash val="solid"/>
+                      <a:round/>
+                      <a:headEnd type="none" w="med" len="med"/>
+                      <a:tailEnd type="none" w="med" len="med"/>
+                    </a:lnT>
+                    <a:lnB w="12700" cap="flat" cmpd="sng" algn="ctr">
+                      <a:solidFill>
+                        <a:schemeClr val="tx1"/>
+                      </a:solidFill>
+                      <a:prstDash val="solid"/>
+                      <a:round/>
+                      <a:headEnd type="none" w="med" len="med"/>
+                      <a:tailEnd type="none" w="med" len="med"/>
+                    </a:lnB>
+                    <a:noFill/>
+                  </a:tcPr>
                 </a:tc>
                 <a:tc>
                   <a:txBody>
                     <a:bodyPr/>
                     <a:lstStyle/>
                     <a:p>
-                      <a:endParaRPr lang="ru-RU" sz="1100" dirty="0">
+                      <a:endParaRPr lang="ru-RU" sz="1100" b="1" dirty="0">
+                        <a:solidFill>
+                          <a:schemeClr val="tx1"/>
+                        </a:solidFill>
+                        <a:effectLst>
+                          <a:outerShdw blurRad="38100" dist="38100" dir="2700000" algn="tl">
+                            <a:srgbClr val="000000">
+                              <a:alpha val="43137"/>
+                            </a:srgbClr>
+                          </a:outerShdw>
+                        </a:effectLst>
                         <a:latin typeface="Aptos Display" panose="020B0004020202020204" pitchFamily="34" charset="0"/>
                       </a:endParaRPr>
                     </a:p>
                   </a:txBody>
-                  <a:tcPr/>
+                  <a:tcPr>
+                    <a:lnL w="12700" cap="flat" cmpd="sng" algn="ctr">
+                      <a:solidFill>
+                        <a:schemeClr val="tx1"/>
+                      </a:solidFill>
+                      <a:prstDash val="solid"/>
+                      <a:round/>
+                      <a:headEnd type="none" w="med" len="med"/>
+                      <a:tailEnd type="none" w="med" len="med"/>
+                    </a:lnL>
+                    <a:lnR w="12700" cap="flat" cmpd="sng" algn="ctr">
+                      <a:solidFill>
+                        <a:schemeClr val="tx1"/>
+                      </a:solidFill>
+                      <a:prstDash val="solid"/>
+                      <a:round/>
+                      <a:headEnd type="none" w="med" len="med"/>
+                      <a:tailEnd type="none" w="med" len="med"/>
+                    </a:lnR>
+                    <a:lnT w="12700" cap="flat" cmpd="sng" algn="ctr">
+                      <a:solidFill>
+                        <a:schemeClr val="tx1"/>
+                      </a:solidFill>
+                      <a:prstDash val="solid"/>
+                      <a:round/>
+                      <a:headEnd type="none" w="med" len="med"/>
+                      <a:tailEnd type="none" w="med" len="med"/>
+                    </a:lnT>
+                    <a:lnB w="12700" cap="flat" cmpd="sng" algn="ctr">
+                      <a:solidFill>
+                        <a:schemeClr val="tx1"/>
+                      </a:solidFill>
+                      <a:prstDash val="solid"/>
+                      <a:round/>
+                      <a:headEnd type="none" w="med" len="med"/>
+                      <a:tailEnd type="none" w="med" len="med"/>
+                    </a:lnB>
+                    <a:noFill/>
+                  </a:tcPr>
                 </a:tc>
                 <a:extLst>
                   <a:ext uri="{0D108BD9-81ED-4DB2-BD59-A6C34878D82A}">
@@ -7173,14 +12334,14 @@
           <p:nvPr>
             <p:extLst>
               <p:ext uri="{D42A27DB-BD31-4B8C-83A1-F6EECF244321}">
-                <p14:modId xmlns:p14="http://schemas.microsoft.com/office/powerpoint/2010/main" val="830309642"/>
+                <p14:modId xmlns:p14="http://schemas.microsoft.com/office/powerpoint/2010/main" val="1617500635"/>
               </p:ext>
             </p:extLst>
           </p:nvPr>
         </p:nvGraphicFramePr>
         <p:xfrm>
-          <a:off x="0" y="5738877"/>
-          <a:ext cx="1280160" cy="1777870"/>
+          <a:off x="0" y="5789677"/>
+          <a:ext cx="950976" cy="1778027"/>
         </p:xfrm>
         <a:graphic>
           <a:graphicData uri="http://schemas.openxmlformats.org/drawingml/2006/table">
@@ -7189,14 +12350,14 @@
                 <a:tableStyleId>{5C22544A-7EE6-4342-B048-85BDC9FD1C3A}</a:tableStyleId>
               </a:tblPr>
               <a:tblGrid>
-                <a:gridCol w="640080">
+                <a:gridCol w="475488">
                   <a:extLst>
                     <a:ext uri="{9D8B030D-6E8A-4147-A177-3AD203B41FA5}">
                       <a16:colId xmlns:a16="http://schemas.microsoft.com/office/drawing/2014/main" val="360842774"/>
                     </a:ext>
                   </a:extLst>
                 </a:gridCol>
-                <a:gridCol w="640080">
+                <a:gridCol w="475488">
                   <a:extLst>
                     <a:ext uri="{9D8B030D-6E8A-4147-A177-3AD203B41FA5}">
                       <a16:colId xmlns:a16="http://schemas.microsoft.com/office/drawing/2014/main" val="3903601910"/>
@@ -7204,7 +12365,7 @@
                   </a:extLst>
                 </a:gridCol>
               </a:tblGrid>
-              <a:tr h="255857">
+              <a:tr h="255700">
                 <a:tc gridSpan="2">
                   <a:txBody>
                     <a:bodyPr/>
@@ -7212,7 +12373,10 @@
                     <a:p>
                       <a:pPr algn="ctr"/>
                       <a:r>
-                        <a:rPr lang="ru-RU" sz="1100" dirty="0">
+                        <a:rPr lang="ru-RU" sz="1100" b="1" dirty="0">
+                          <a:solidFill>
+                            <a:schemeClr val="tx1"/>
+                          </a:solidFill>
                           <a:effectLst>
                             <a:outerShdw blurRad="38100" dist="38100" dir="2700000" algn="tl">
                               <a:srgbClr val="000000">
@@ -7222,36 +12386,48 @@
                           </a:effectLst>
                           <a:latin typeface="Aptos Display" panose="020B0004020202020204" pitchFamily="34" charset="0"/>
                         </a:rPr>
-                        <a:t>2-ОЙ</a:t>
+                        <a:t>2-ОЙ СОРТ</a:t>
                       </a:r>
-                      <a:r>
-                        <a:rPr lang="ru-RU" sz="1100" dirty="0">
-                          <a:latin typeface="Aptos Display" panose="020B0004020202020204" pitchFamily="34" charset="0"/>
-                        </a:rPr>
-                        <a:t> </a:t>
-                      </a:r>
-                      <a:r>
-                        <a:rPr lang="ru-RU" sz="1100" dirty="0">
-                          <a:effectLst>
-                            <a:outerShdw blurRad="38100" dist="38100" dir="2700000" algn="tl">
-                              <a:srgbClr val="000000">
-                                <a:alpha val="43137"/>
-                              </a:srgbClr>
-                            </a:outerShdw>
-                          </a:effectLst>
-                          <a:latin typeface="Aptos Display" panose="020B0004020202020204" pitchFamily="34" charset="0"/>
-                        </a:rPr>
-                        <a:t>СОРТ</a:t>
-                      </a:r>
                     </a:p>
                   </a:txBody>
                   <a:tcPr anchor="ctr">
-                    <a:solidFill>
-                      <a:schemeClr val="accent5">
-                        <a:lumMod val="40000"/>
-                        <a:lumOff val="60000"/>
-                      </a:schemeClr>
-                    </a:solidFill>
+                    <a:lnL w="12700" cap="flat" cmpd="sng" algn="ctr">
+                      <a:solidFill>
+                        <a:schemeClr val="tx1"/>
+                      </a:solidFill>
+                      <a:prstDash val="solid"/>
+                      <a:round/>
+                      <a:headEnd type="none" w="med" len="med"/>
+                      <a:tailEnd type="none" w="med" len="med"/>
+                    </a:lnL>
+                    <a:lnR w="12700" cap="flat" cmpd="sng" algn="ctr">
+                      <a:solidFill>
+                        <a:schemeClr val="tx1"/>
+                      </a:solidFill>
+                      <a:prstDash val="solid"/>
+                      <a:round/>
+                      <a:headEnd type="none" w="med" len="med"/>
+                      <a:tailEnd type="none" w="med" len="med"/>
+                    </a:lnR>
+                    <a:lnT w="12700" cap="flat" cmpd="sng" algn="ctr">
+                      <a:solidFill>
+                        <a:schemeClr val="tx1"/>
+                      </a:solidFill>
+                      <a:prstDash val="solid"/>
+                      <a:round/>
+                      <a:headEnd type="none" w="med" len="med"/>
+                      <a:tailEnd type="none" w="med" len="med"/>
+                    </a:lnT>
+                    <a:lnB w="12700" cap="flat" cmpd="sng" algn="ctr">
+                      <a:solidFill>
+                        <a:schemeClr val="tx1"/>
+                      </a:solidFill>
+                      <a:prstDash val="solid"/>
+                      <a:round/>
+                      <a:headEnd type="none" w="med" len="med"/>
+                      <a:tailEnd type="none" w="med" len="med"/>
+                    </a:lnB>
+                    <a:noFill/>
                   </a:tcPr>
                 </a:tc>
                 <a:tc hMerge="1">
@@ -7272,7 +12448,7 @@
                   </a:ext>
                 </a:extLst>
               </a:tr>
-              <a:tr h="1133591">
+              <a:tr h="1143381">
                 <a:tc>
                   <a:txBody>
                     <a:bodyPr/>
@@ -7281,6 +12457,9 @@
                       <a:pPr algn="ctr"/>
                       <a:r>
                         <a:rPr lang="ru-RU" sz="1100" b="1" dirty="0">
+                          <a:solidFill>
+                            <a:schemeClr val="tx1"/>
+                          </a:solidFill>
                           <a:effectLst>
                             <a:outerShdw blurRad="38100" dist="38100" dir="2700000" algn="tl">
                               <a:srgbClr val="000000">
@@ -7294,7 +12473,45 @@
                       </a:r>
                     </a:p>
                   </a:txBody>
-                  <a:tcPr vert="vert270" anchor="ctr"/>
+                  <a:tcPr vert="vert270" anchor="ctr">
+                    <a:lnL w="12700" cap="flat" cmpd="sng" algn="ctr">
+                      <a:solidFill>
+                        <a:schemeClr val="tx1"/>
+                      </a:solidFill>
+                      <a:prstDash val="solid"/>
+                      <a:round/>
+                      <a:headEnd type="none" w="med" len="med"/>
+                      <a:tailEnd type="none" w="med" len="med"/>
+                    </a:lnL>
+                    <a:lnR w="12700" cap="flat" cmpd="sng" algn="ctr">
+                      <a:solidFill>
+                        <a:schemeClr val="tx1"/>
+                      </a:solidFill>
+                      <a:prstDash val="solid"/>
+                      <a:round/>
+                      <a:headEnd type="none" w="med" len="med"/>
+                      <a:tailEnd type="none" w="med" len="med"/>
+                    </a:lnR>
+                    <a:lnT w="12700" cap="flat" cmpd="sng" algn="ctr">
+                      <a:solidFill>
+                        <a:schemeClr val="tx1"/>
+                      </a:solidFill>
+                      <a:prstDash val="solid"/>
+                      <a:round/>
+                      <a:headEnd type="none" w="med" len="med"/>
+                      <a:tailEnd type="none" w="med" len="med"/>
+                    </a:lnT>
+                    <a:lnB w="12700" cap="flat" cmpd="sng" algn="ctr">
+                      <a:solidFill>
+                        <a:schemeClr val="tx1"/>
+                      </a:solidFill>
+                      <a:prstDash val="solid"/>
+                      <a:round/>
+                      <a:headEnd type="none" w="med" len="med"/>
+                      <a:tailEnd type="none" w="med" len="med"/>
+                    </a:lnB>
+                    <a:noFill/>
+                  </a:tcPr>
                 </a:tc>
                 <a:tc>
                   <a:txBody>
@@ -7304,6 +12521,9 @@
                       <a:pPr algn="ctr"/>
                       <a:r>
                         <a:rPr lang="ru-RU" sz="1100" b="1" dirty="0">
+                          <a:solidFill>
+                            <a:schemeClr val="tx1"/>
+                          </a:solidFill>
                           <a:effectLst>
                             <a:outerShdw blurRad="38100" dist="38100" dir="2700000" algn="tl">
                               <a:srgbClr val="000000">
@@ -7317,7 +12537,45 @@
                       </a:r>
                     </a:p>
                   </a:txBody>
-                  <a:tcPr vert="vert270" anchor="ctr"/>
+                  <a:tcPr vert="vert270" anchor="ctr">
+                    <a:lnL w="12700" cap="flat" cmpd="sng" algn="ctr">
+                      <a:solidFill>
+                        <a:schemeClr val="tx1"/>
+                      </a:solidFill>
+                      <a:prstDash val="solid"/>
+                      <a:round/>
+                      <a:headEnd type="none" w="med" len="med"/>
+                      <a:tailEnd type="none" w="med" len="med"/>
+                    </a:lnL>
+                    <a:lnR w="12700" cap="flat" cmpd="sng" algn="ctr">
+                      <a:solidFill>
+                        <a:schemeClr val="tx1"/>
+                      </a:solidFill>
+                      <a:prstDash val="solid"/>
+                      <a:round/>
+                      <a:headEnd type="none" w="med" len="med"/>
+                      <a:tailEnd type="none" w="med" len="med"/>
+                    </a:lnR>
+                    <a:lnT w="12700" cap="flat" cmpd="sng" algn="ctr">
+                      <a:solidFill>
+                        <a:schemeClr val="tx1"/>
+                      </a:solidFill>
+                      <a:prstDash val="solid"/>
+                      <a:round/>
+                      <a:headEnd type="none" w="med" len="med"/>
+                      <a:tailEnd type="none" w="med" len="med"/>
+                    </a:lnT>
+                    <a:lnB w="12700" cap="flat" cmpd="sng" algn="ctr">
+                      <a:solidFill>
+                        <a:schemeClr val="tx1"/>
+                      </a:solidFill>
+                      <a:prstDash val="solid"/>
+                      <a:round/>
+                      <a:headEnd type="none" w="med" len="med"/>
+                      <a:tailEnd type="none" w="med" len="med"/>
+                    </a:lnB>
+                    <a:noFill/>
+                  </a:tcPr>
                 </a:tc>
                 <a:extLst>
                   <a:ext uri="{0D108BD9-81ED-4DB2-BD59-A6C34878D82A}">
@@ -7325,30 +12583,126 @@
                   </a:ext>
                 </a:extLst>
               </a:tr>
-              <a:tr h="385199">
+              <a:tr h="375566">
                 <a:tc>
                   <a:txBody>
                     <a:bodyPr/>
                     <a:lstStyle/>
                     <a:p>
-                      <a:endParaRPr lang="ru-RU" sz="1100" dirty="0">
+                      <a:endParaRPr lang="ru-RU" sz="1100" b="1" dirty="0">
+                        <a:solidFill>
+                          <a:schemeClr val="tx1"/>
+                        </a:solidFill>
+                        <a:effectLst>
+                          <a:outerShdw blurRad="38100" dist="38100" dir="2700000" algn="tl">
+                            <a:srgbClr val="000000">
+                              <a:alpha val="43137"/>
+                            </a:srgbClr>
+                          </a:outerShdw>
+                        </a:effectLst>
                         <a:latin typeface="Aptos Display" panose="020B0004020202020204" pitchFamily="34" charset="0"/>
                       </a:endParaRPr>
                     </a:p>
                   </a:txBody>
-                  <a:tcPr/>
+                  <a:tcPr>
+                    <a:lnL w="12700" cap="flat" cmpd="sng" algn="ctr">
+                      <a:solidFill>
+                        <a:schemeClr val="tx1"/>
+                      </a:solidFill>
+                      <a:prstDash val="solid"/>
+                      <a:round/>
+                      <a:headEnd type="none" w="med" len="med"/>
+                      <a:tailEnd type="none" w="med" len="med"/>
+                    </a:lnL>
+                    <a:lnR w="12700" cap="flat" cmpd="sng" algn="ctr">
+                      <a:solidFill>
+                        <a:schemeClr val="tx1"/>
+                      </a:solidFill>
+                      <a:prstDash val="solid"/>
+                      <a:round/>
+                      <a:headEnd type="none" w="med" len="med"/>
+                      <a:tailEnd type="none" w="med" len="med"/>
+                    </a:lnR>
+                    <a:lnT w="12700" cap="flat" cmpd="sng" algn="ctr">
+                      <a:solidFill>
+                        <a:schemeClr val="tx1"/>
+                      </a:solidFill>
+                      <a:prstDash val="solid"/>
+                      <a:round/>
+                      <a:headEnd type="none" w="med" len="med"/>
+                      <a:tailEnd type="none" w="med" len="med"/>
+                    </a:lnT>
+                    <a:lnB w="12700" cap="flat" cmpd="sng" algn="ctr">
+                      <a:solidFill>
+                        <a:schemeClr val="tx1"/>
+                      </a:solidFill>
+                      <a:prstDash val="solid"/>
+                      <a:round/>
+                      <a:headEnd type="none" w="med" len="med"/>
+                      <a:tailEnd type="none" w="med" len="med"/>
+                    </a:lnB>
+                    <a:noFill/>
+                  </a:tcPr>
                 </a:tc>
                 <a:tc>
                   <a:txBody>
                     <a:bodyPr/>
                     <a:lstStyle/>
                     <a:p>
-                      <a:endParaRPr lang="ru-RU" sz="1100" dirty="0">
+                      <a:endParaRPr lang="ru-RU" sz="1100" b="1" dirty="0">
+                        <a:solidFill>
+                          <a:schemeClr val="tx1"/>
+                        </a:solidFill>
+                        <a:effectLst>
+                          <a:outerShdw blurRad="38100" dist="38100" dir="2700000" algn="tl">
+                            <a:srgbClr val="000000">
+                              <a:alpha val="43137"/>
+                            </a:srgbClr>
+                          </a:outerShdw>
+                        </a:effectLst>
                         <a:latin typeface="Aptos Display" panose="020B0004020202020204" pitchFamily="34" charset="0"/>
                       </a:endParaRPr>
                     </a:p>
                   </a:txBody>
-                  <a:tcPr/>
+                  <a:tcPr>
+                    <a:lnL w="12700" cap="flat" cmpd="sng" algn="ctr">
+                      <a:solidFill>
+                        <a:schemeClr val="tx1"/>
+                      </a:solidFill>
+                      <a:prstDash val="solid"/>
+                      <a:round/>
+                      <a:headEnd type="none" w="med" len="med"/>
+                      <a:tailEnd type="none" w="med" len="med"/>
+                    </a:lnL>
+                    <a:lnR w="12700" cap="flat" cmpd="sng" algn="ctr">
+                      <a:solidFill>
+                        <a:schemeClr val="tx1"/>
+                      </a:solidFill>
+                      <a:prstDash val="solid"/>
+                      <a:round/>
+                      <a:headEnd type="none" w="med" len="med"/>
+                      <a:tailEnd type="none" w="med" len="med"/>
+                    </a:lnR>
+                    <a:lnT w="12700" cap="flat" cmpd="sng" algn="ctr">
+                      <a:solidFill>
+                        <a:schemeClr val="tx1"/>
+                      </a:solidFill>
+                      <a:prstDash val="solid"/>
+                      <a:round/>
+                      <a:headEnd type="none" w="med" len="med"/>
+                      <a:tailEnd type="none" w="med" len="med"/>
+                    </a:lnT>
+                    <a:lnB w="12700" cap="flat" cmpd="sng" algn="ctr">
+                      <a:solidFill>
+                        <a:schemeClr val="tx1"/>
+                      </a:solidFill>
+                      <a:prstDash val="solid"/>
+                      <a:round/>
+                      <a:headEnd type="none" w="med" len="med"/>
+                      <a:tailEnd type="none" w="med" len="med"/>
+                    </a:lnB>
+                    <a:noFill/>
+                  </a:tcPr>
                 </a:tc>
                 <a:extLst>
                   <a:ext uri="{0D108BD9-81ED-4DB2-BD59-A6C34878D82A}">
@@ -7379,6 +12733,9 @@
             <a:chOff x="4587984" y="3716818"/>
             <a:chExt cx="1157088" cy="484578"/>
           </a:xfrm>
+          <a:solidFill>
+            <a:schemeClr val="bg1"/>
+          </a:solidFill>
         </p:grpSpPr>
         <p:grpSp>
           <p:nvGrpSpPr>
@@ -7399,6 +12756,7 @@
               <a:chOff x="4594080" y="3716818"/>
               <a:chExt cx="1150992" cy="149298"/>
             </a:xfrm>
+            <a:grpFill/>
           </p:grpSpPr>
           <p:sp>
             <p:nvSpPr>
@@ -7420,6 +12778,12 @@
               <a:prstGeom prst="flowChartProcess">
                 <a:avLst/>
               </a:prstGeom>
+              <a:grpFill/>
+              <a:ln>
+                <a:solidFill>
+                  <a:schemeClr val="tx1"/>
+                </a:solidFill>
+              </a:ln>
             </p:spPr>
             <p:style>
               <a:lnRef idx="2">
@@ -7441,6 +12805,14 @@
               <a:p>
                 <a:pPr algn="ctr"/>
                 <a:endParaRPr lang="ru-RU" dirty="0">
+                  <a:ln>
+                    <a:solidFill>
+                      <a:schemeClr val="bg1"/>
+                    </a:solidFill>
+                  </a:ln>
+                  <a:solidFill>
+                    <a:schemeClr val="bg1"/>
+                  </a:solidFill>
                   <a:highlight>
                     <a:srgbClr val="FFFF00"/>
                   </a:highlight>
@@ -7468,6 +12840,12 @@
               <a:prstGeom prst="flowChartProcess">
                 <a:avLst/>
               </a:prstGeom>
+              <a:grpFill/>
+              <a:ln>
+                <a:solidFill>
+                  <a:schemeClr val="tx1"/>
+                </a:solidFill>
+              </a:ln>
             </p:spPr>
             <p:style>
               <a:lnRef idx="2">
@@ -7489,6 +12867,14 @@
               <a:p>
                 <a:pPr algn="ctr"/>
                 <a:endParaRPr lang="ru-RU" dirty="0">
+                  <a:ln>
+                    <a:solidFill>
+                      <a:schemeClr val="bg1"/>
+                    </a:solidFill>
+                  </a:ln>
+                  <a:solidFill>
+                    <a:schemeClr val="bg1"/>
+                  </a:solidFill>
                   <a:highlight>
                     <a:srgbClr val="FFFF00"/>
                   </a:highlight>
@@ -7516,6 +12902,7 @@
               <a:chOff x="4594080" y="3716818"/>
               <a:chExt cx="1150992" cy="149298"/>
             </a:xfrm>
+            <a:grpFill/>
           </p:grpSpPr>
           <p:sp>
             <p:nvSpPr>
@@ -7537,6 +12924,12 @@
               <a:prstGeom prst="flowChartProcess">
                 <a:avLst/>
               </a:prstGeom>
+              <a:grpFill/>
+              <a:ln>
+                <a:solidFill>
+                  <a:schemeClr val="tx1"/>
+                </a:solidFill>
+              </a:ln>
             </p:spPr>
             <p:style>
               <a:lnRef idx="2">
@@ -7558,6 +12951,14 @@
               <a:p>
                 <a:pPr algn="ctr"/>
                 <a:endParaRPr lang="ru-RU" dirty="0">
+                  <a:ln>
+                    <a:solidFill>
+                      <a:schemeClr val="bg1"/>
+                    </a:solidFill>
+                  </a:ln>
+                  <a:solidFill>
+                    <a:schemeClr val="bg1"/>
+                  </a:solidFill>
                   <a:highlight>
                     <a:srgbClr val="FFFF00"/>
                   </a:highlight>
@@ -7585,6 +12986,12 @@
               <a:prstGeom prst="flowChartProcess">
                 <a:avLst/>
               </a:prstGeom>
+              <a:grpFill/>
+              <a:ln>
+                <a:solidFill>
+                  <a:schemeClr val="tx1"/>
+                </a:solidFill>
+              </a:ln>
             </p:spPr>
             <p:style>
               <a:lnRef idx="2">
@@ -7606,6 +13013,14 @@
               <a:p>
                 <a:pPr algn="ctr"/>
                 <a:endParaRPr lang="ru-RU" dirty="0">
+                  <a:ln>
+                    <a:solidFill>
+                      <a:schemeClr val="bg1"/>
+                    </a:solidFill>
+                  </a:ln>
+                  <a:solidFill>
+                    <a:schemeClr val="bg1"/>
+                  </a:solidFill>
                   <a:highlight>
                     <a:srgbClr val="FFFF00"/>
                   </a:highlight>
@@ -7630,13 +13045,13 @@
           <p:nvPr>
             <p:extLst>
               <p:ext uri="{D42A27DB-BD31-4B8C-83A1-F6EECF244321}">
-                <p14:modId xmlns:p14="http://schemas.microsoft.com/office/powerpoint/2010/main" val="3583244121"/>
+                <p14:modId xmlns:p14="http://schemas.microsoft.com/office/powerpoint/2010/main" val="582233042"/>
               </p:ext>
             </p:extLst>
           </p:nvPr>
         </p:nvGraphicFramePr>
         <p:xfrm>
-          <a:off x="1" y="4945890"/>
+          <a:off x="1" y="5009390"/>
           <a:ext cx="6854946" cy="777240"/>
         </p:xfrm>
         <a:graphic>
@@ -7704,7 +13119,10 @@
                     <a:p>
                       <a:pPr algn="ctr"/>
                       <a:r>
-                        <a:rPr lang="ru-RU" sz="1400" dirty="0">
+                        <a:rPr lang="ru-RU" sz="1400" b="1" dirty="0">
+                          <a:solidFill>
+                            <a:schemeClr val="tx1"/>
+                          </a:solidFill>
                           <a:effectLst>
                             <a:outerShdw blurRad="38100" dist="38100" dir="2700000" algn="tl">
                               <a:srgbClr val="000000">
@@ -7716,7 +13134,10 @@
                         </a:rPr>
                         <a:t>СОРТИРОВКА</a:t>
                       </a:r>
-                      <a:endParaRPr lang="ru-RU" sz="1200" dirty="0">
+                      <a:endParaRPr lang="ru-RU" sz="1200" b="1" dirty="0">
+                        <a:solidFill>
+                          <a:schemeClr val="tx1"/>
+                        </a:solidFill>
                         <a:effectLst>
                           <a:outerShdw blurRad="38100" dist="38100" dir="2700000" algn="tl">
                             <a:srgbClr val="000000">
@@ -7729,12 +13150,43 @@
                     </a:p>
                   </a:txBody>
                   <a:tcPr anchor="ctr">
-                    <a:solidFill>
-                      <a:schemeClr val="accent5">
-                        <a:lumMod val="40000"/>
-                        <a:lumOff val="60000"/>
-                      </a:schemeClr>
-                    </a:solidFill>
+                    <a:lnL w="12700" cap="flat" cmpd="sng" algn="ctr">
+                      <a:solidFill>
+                        <a:schemeClr val="tx1"/>
+                      </a:solidFill>
+                      <a:prstDash val="solid"/>
+                      <a:round/>
+                      <a:headEnd type="none" w="med" len="med"/>
+                      <a:tailEnd type="none" w="med" len="med"/>
+                    </a:lnL>
+                    <a:lnR w="12700" cap="flat" cmpd="sng" algn="ctr">
+                      <a:solidFill>
+                        <a:schemeClr val="tx1"/>
+                      </a:solidFill>
+                      <a:prstDash val="solid"/>
+                      <a:round/>
+                      <a:headEnd type="none" w="med" len="med"/>
+                      <a:tailEnd type="none" w="med" len="med"/>
+                    </a:lnR>
+                    <a:lnT w="12700" cap="flat" cmpd="sng" algn="ctr">
+                      <a:solidFill>
+                        <a:schemeClr val="tx1"/>
+                      </a:solidFill>
+                      <a:prstDash val="solid"/>
+                      <a:round/>
+                      <a:headEnd type="none" w="med" len="med"/>
+                      <a:tailEnd type="none" w="med" len="med"/>
+                    </a:lnT>
+                    <a:lnB w="12700" cap="flat" cmpd="sng" algn="ctr">
+                      <a:solidFill>
+                        <a:schemeClr val="tx1"/>
+                      </a:solidFill>
+                      <a:prstDash val="solid"/>
+                      <a:round/>
+                      <a:headEnd type="none" w="med" len="med"/>
+                      <a:tailEnd type="none" w="med" len="med"/>
+                    </a:lnB>
+                    <a:noFill/>
                   </a:tcPr>
                 </a:tc>
                 <a:tc rowSpan="2" hMerge="1">
@@ -7839,7 +13291,10 @@
                     <a:p>
                       <a:pPr algn="ctr"/>
                       <a:r>
-                        <a:rPr lang="ru-RU" sz="1100" dirty="0">
+                        <a:rPr lang="ru-RU" sz="1100" b="1" dirty="0">
+                          <a:solidFill>
+                            <a:schemeClr val="tx1"/>
+                          </a:solidFill>
                           <a:effectLst>
                             <a:outerShdw blurRad="38100" dist="38100" dir="2700000" algn="tl">
                               <a:srgbClr val="000000">
@@ -7854,12 +13309,43 @@
                     </a:p>
                   </a:txBody>
                   <a:tcPr>
-                    <a:solidFill>
-                      <a:schemeClr val="accent5">
-                        <a:lumMod val="40000"/>
-                        <a:lumOff val="60000"/>
-                      </a:schemeClr>
-                    </a:solidFill>
+                    <a:lnL w="12700" cap="flat" cmpd="sng" algn="ctr">
+                      <a:solidFill>
+                        <a:schemeClr val="tx1"/>
+                      </a:solidFill>
+                      <a:prstDash val="solid"/>
+                      <a:round/>
+                      <a:headEnd type="none" w="med" len="med"/>
+                      <a:tailEnd type="none" w="med" len="med"/>
+                    </a:lnL>
+                    <a:lnR w="12700" cap="flat" cmpd="sng" algn="ctr">
+                      <a:solidFill>
+                        <a:schemeClr val="tx1"/>
+                      </a:solidFill>
+                      <a:prstDash val="solid"/>
+                      <a:round/>
+                      <a:headEnd type="none" w="med" len="med"/>
+                      <a:tailEnd type="none" w="med" len="med"/>
+                    </a:lnR>
+                    <a:lnT w="12700" cap="flat" cmpd="sng" algn="ctr">
+                      <a:solidFill>
+                        <a:schemeClr val="tx1"/>
+                      </a:solidFill>
+                      <a:prstDash val="solid"/>
+                      <a:round/>
+                      <a:headEnd type="none" w="med" len="med"/>
+                      <a:tailEnd type="none" w="med" len="med"/>
+                    </a:lnT>
+                    <a:lnB w="12700" cap="flat" cmpd="sng" algn="ctr">
+                      <a:solidFill>
+                        <a:schemeClr val="tx1"/>
+                      </a:solidFill>
+                      <a:prstDash val="solid"/>
+                      <a:round/>
+                      <a:headEnd type="none" w="med" len="med"/>
+                      <a:tailEnd type="none" w="med" len="med"/>
+                    </a:lnB>
+                    <a:noFill/>
                   </a:tcPr>
                 </a:tc>
                 <a:extLst>
@@ -7946,12 +13432,60 @@
                     <a:bodyPr/>
                     <a:lstStyle/>
                     <a:p>
-                      <a:endParaRPr lang="ru-RU" sz="1100" dirty="0">
+                      <a:endParaRPr lang="ru-RU" sz="1100" b="1" dirty="0">
+                        <a:solidFill>
+                          <a:schemeClr val="tx1"/>
+                        </a:solidFill>
+                        <a:effectLst>
+                          <a:outerShdw blurRad="38100" dist="38100" dir="2700000" algn="tl">
+                            <a:srgbClr val="000000">
+                              <a:alpha val="43137"/>
+                            </a:srgbClr>
+                          </a:outerShdw>
+                        </a:effectLst>
                         <a:latin typeface="Aptos Narrow" panose="020B0004020202020204" pitchFamily="34" charset="0"/>
                       </a:endParaRPr>
                     </a:p>
                   </a:txBody>
-                  <a:tcPr/>
+                  <a:tcPr>
+                    <a:lnL w="12700" cap="flat" cmpd="sng" algn="ctr">
+                      <a:solidFill>
+                        <a:schemeClr val="tx1"/>
+                      </a:solidFill>
+                      <a:prstDash val="solid"/>
+                      <a:round/>
+                      <a:headEnd type="none" w="med" len="med"/>
+                      <a:tailEnd type="none" w="med" len="med"/>
+                    </a:lnL>
+                    <a:lnR w="12700" cap="flat" cmpd="sng" algn="ctr">
+                      <a:solidFill>
+                        <a:schemeClr val="tx1"/>
+                      </a:solidFill>
+                      <a:prstDash val="solid"/>
+                      <a:round/>
+                      <a:headEnd type="none" w="med" len="med"/>
+                      <a:tailEnd type="none" w="med" len="med"/>
+                    </a:lnR>
+                    <a:lnT w="12700" cap="flat" cmpd="sng" algn="ctr">
+                      <a:solidFill>
+                        <a:schemeClr val="tx1"/>
+                      </a:solidFill>
+                      <a:prstDash val="solid"/>
+                      <a:round/>
+                      <a:headEnd type="none" w="med" len="med"/>
+                      <a:tailEnd type="none" w="med" len="med"/>
+                    </a:lnT>
+                    <a:lnB w="12700" cap="flat" cmpd="sng" algn="ctr">
+                      <a:solidFill>
+                        <a:schemeClr val="tx1"/>
+                      </a:solidFill>
+                      <a:prstDash val="solid"/>
+                      <a:round/>
+                      <a:headEnd type="none" w="med" len="med"/>
+                      <a:tailEnd type="none" w="med" len="med"/>
+                    </a:lnB>
+                    <a:noFill/>
+                  </a:tcPr>
                 </a:tc>
                 <a:extLst>
                   <a:ext uri="{0D108BD9-81ED-4DB2-BD59-A6C34878D82A}">
@@ -7967,6 +13501,9 @@
                     <a:p>
                       <a:r>
                         <a:rPr lang="ru-RU" sz="1100" b="1" dirty="0">
+                          <a:solidFill>
+                            <a:schemeClr val="tx1"/>
+                          </a:solidFill>
                           <a:effectLst>
                             <a:outerShdw blurRad="38100" dist="38100" dir="2700000" algn="tl">
                               <a:srgbClr val="000000">
@@ -7980,7 +13517,45 @@
                       </a:r>
                     </a:p>
                   </a:txBody>
-                  <a:tcPr anchor="ctr"/>
+                  <a:tcPr anchor="ctr">
+                    <a:lnL w="12700" cap="flat" cmpd="sng" algn="ctr">
+                      <a:solidFill>
+                        <a:schemeClr val="tx1"/>
+                      </a:solidFill>
+                      <a:prstDash val="solid"/>
+                      <a:round/>
+                      <a:headEnd type="none" w="med" len="med"/>
+                      <a:tailEnd type="none" w="med" len="med"/>
+                    </a:lnL>
+                    <a:lnR w="12700" cap="flat" cmpd="sng" algn="ctr">
+                      <a:solidFill>
+                        <a:schemeClr val="tx1"/>
+                      </a:solidFill>
+                      <a:prstDash val="solid"/>
+                      <a:round/>
+                      <a:headEnd type="none" w="med" len="med"/>
+                      <a:tailEnd type="none" w="med" len="med"/>
+                    </a:lnR>
+                    <a:lnT w="12700" cap="flat" cmpd="sng" algn="ctr">
+                      <a:solidFill>
+                        <a:schemeClr val="tx1"/>
+                      </a:solidFill>
+                      <a:prstDash val="solid"/>
+                      <a:round/>
+                      <a:headEnd type="none" w="med" len="med"/>
+                      <a:tailEnd type="none" w="med" len="med"/>
+                    </a:lnT>
+                    <a:lnB w="12700" cap="flat" cmpd="sng" algn="ctr">
+                      <a:solidFill>
+                        <a:schemeClr val="tx1"/>
+                      </a:solidFill>
+                      <a:prstDash val="solid"/>
+                      <a:round/>
+                      <a:headEnd type="none" w="med" len="med"/>
+                      <a:tailEnd type="none" w="med" len="med"/>
+                    </a:lnB>
+                    <a:noFill/>
+                  </a:tcPr>
                 </a:tc>
                 <a:tc>
                   <a:txBody>
@@ -7988,6 +13563,9 @@
                     <a:lstStyle/>
                     <a:p>
                       <a:endParaRPr lang="ru-RU" sz="1100" b="1" dirty="0">
+                        <a:solidFill>
+                          <a:schemeClr val="tx1"/>
+                        </a:solidFill>
                         <a:effectLst>
                           <a:outerShdw blurRad="38100" dist="38100" dir="2700000" algn="tl">
                             <a:srgbClr val="000000">
@@ -7999,7 +13577,45 @@
                       </a:endParaRPr>
                     </a:p>
                   </a:txBody>
-                  <a:tcPr anchor="ctr"/>
+                  <a:tcPr anchor="ctr">
+                    <a:lnL w="12700" cap="flat" cmpd="sng" algn="ctr">
+                      <a:solidFill>
+                        <a:schemeClr val="tx1"/>
+                      </a:solidFill>
+                      <a:prstDash val="solid"/>
+                      <a:round/>
+                      <a:headEnd type="none" w="med" len="med"/>
+                      <a:tailEnd type="none" w="med" len="med"/>
+                    </a:lnL>
+                    <a:lnR w="12700" cap="flat" cmpd="sng" algn="ctr">
+                      <a:solidFill>
+                        <a:schemeClr val="tx1"/>
+                      </a:solidFill>
+                      <a:prstDash val="solid"/>
+                      <a:round/>
+                      <a:headEnd type="none" w="med" len="med"/>
+                      <a:tailEnd type="none" w="med" len="med"/>
+                    </a:lnR>
+                    <a:lnT w="12700" cap="flat" cmpd="sng" algn="ctr">
+                      <a:solidFill>
+                        <a:schemeClr val="tx1"/>
+                      </a:solidFill>
+                      <a:prstDash val="solid"/>
+                      <a:round/>
+                      <a:headEnd type="none" w="med" len="med"/>
+                      <a:tailEnd type="none" w="med" len="med"/>
+                    </a:lnT>
+                    <a:lnB w="12700" cap="flat" cmpd="sng" algn="ctr">
+                      <a:solidFill>
+                        <a:schemeClr val="tx1"/>
+                      </a:solidFill>
+                      <a:prstDash val="solid"/>
+                      <a:round/>
+                      <a:headEnd type="none" w="med" len="med"/>
+                      <a:tailEnd type="none" w="med" len="med"/>
+                    </a:lnB>
+                    <a:noFill/>
+                  </a:tcPr>
                 </a:tc>
                 <a:tc>
                   <a:txBody>
@@ -8008,6 +13624,9 @@
                     <a:p>
                       <a:r>
                         <a:rPr lang="ru-RU" sz="1100" b="1" dirty="0">
+                          <a:solidFill>
+                            <a:schemeClr val="tx1"/>
+                          </a:solidFill>
                           <a:effectLst>
                             <a:outerShdw blurRad="38100" dist="38100" dir="2700000" algn="tl">
                               <a:srgbClr val="000000">
@@ -8021,7 +13640,45 @@
                       </a:r>
                     </a:p>
                   </a:txBody>
-                  <a:tcPr anchor="ctr"/>
+                  <a:tcPr anchor="ctr">
+                    <a:lnL w="12700" cap="flat" cmpd="sng" algn="ctr">
+                      <a:solidFill>
+                        <a:schemeClr val="tx1"/>
+                      </a:solidFill>
+                      <a:prstDash val="solid"/>
+                      <a:round/>
+                      <a:headEnd type="none" w="med" len="med"/>
+                      <a:tailEnd type="none" w="med" len="med"/>
+                    </a:lnL>
+                    <a:lnR w="12700" cap="flat" cmpd="sng" algn="ctr">
+                      <a:solidFill>
+                        <a:schemeClr val="tx1"/>
+                      </a:solidFill>
+                      <a:prstDash val="solid"/>
+                      <a:round/>
+                      <a:headEnd type="none" w="med" len="med"/>
+                      <a:tailEnd type="none" w="med" len="med"/>
+                    </a:lnR>
+                    <a:lnT w="12700" cap="flat" cmpd="sng" algn="ctr">
+                      <a:solidFill>
+                        <a:schemeClr val="tx1"/>
+                      </a:solidFill>
+                      <a:prstDash val="solid"/>
+                      <a:round/>
+                      <a:headEnd type="none" w="med" len="med"/>
+                      <a:tailEnd type="none" w="med" len="med"/>
+                    </a:lnT>
+                    <a:lnB w="12700" cap="flat" cmpd="sng" algn="ctr">
+                      <a:solidFill>
+                        <a:schemeClr val="tx1"/>
+                      </a:solidFill>
+                      <a:prstDash val="solid"/>
+                      <a:round/>
+                      <a:headEnd type="none" w="med" len="med"/>
+                      <a:tailEnd type="none" w="med" len="med"/>
+                    </a:lnB>
+                    <a:noFill/>
+                  </a:tcPr>
                 </a:tc>
                 <a:tc>
                   <a:txBody>
@@ -8029,6 +13686,9 @@
                     <a:lstStyle/>
                     <a:p>
                       <a:endParaRPr lang="ru-RU" sz="1100" b="1" dirty="0">
+                        <a:solidFill>
+                          <a:schemeClr val="tx1"/>
+                        </a:solidFill>
                         <a:effectLst>
                           <a:outerShdw blurRad="38100" dist="38100" dir="2700000" algn="tl">
                             <a:srgbClr val="000000">
@@ -8040,7 +13700,45 @@
                       </a:endParaRPr>
                     </a:p>
                   </a:txBody>
-                  <a:tcPr anchor="ctr"/>
+                  <a:tcPr anchor="ctr">
+                    <a:lnL w="12700" cap="flat" cmpd="sng" algn="ctr">
+                      <a:solidFill>
+                        <a:schemeClr val="tx1"/>
+                      </a:solidFill>
+                      <a:prstDash val="solid"/>
+                      <a:round/>
+                      <a:headEnd type="none" w="med" len="med"/>
+                      <a:tailEnd type="none" w="med" len="med"/>
+                    </a:lnL>
+                    <a:lnR w="12700" cap="flat" cmpd="sng" algn="ctr">
+                      <a:solidFill>
+                        <a:schemeClr val="tx1"/>
+                      </a:solidFill>
+                      <a:prstDash val="solid"/>
+                      <a:round/>
+                      <a:headEnd type="none" w="med" len="med"/>
+                      <a:tailEnd type="none" w="med" len="med"/>
+                    </a:lnR>
+                    <a:lnT w="12700" cap="flat" cmpd="sng" algn="ctr">
+                      <a:solidFill>
+                        <a:schemeClr val="tx1"/>
+                      </a:solidFill>
+                      <a:prstDash val="solid"/>
+                      <a:round/>
+                      <a:headEnd type="none" w="med" len="med"/>
+                      <a:tailEnd type="none" w="med" len="med"/>
+                    </a:lnT>
+                    <a:lnB w="12700" cap="flat" cmpd="sng" algn="ctr">
+                      <a:solidFill>
+                        <a:schemeClr val="tx1"/>
+                      </a:solidFill>
+                      <a:prstDash val="solid"/>
+                      <a:round/>
+                      <a:headEnd type="none" w="med" len="med"/>
+                      <a:tailEnd type="none" w="med" len="med"/>
+                    </a:lnB>
+                    <a:noFill/>
+                  </a:tcPr>
                 </a:tc>
                 <a:tc>
                   <a:txBody>
@@ -8049,6 +13747,9 @@
                     <a:p>
                       <a:r>
                         <a:rPr lang="ru-RU" sz="1100" b="1" dirty="0">
+                          <a:solidFill>
+                            <a:schemeClr val="tx1"/>
+                          </a:solidFill>
                           <a:effectLst>
                             <a:outerShdw blurRad="38100" dist="38100" dir="2700000" algn="tl">
                               <a:srgbClr val="000000">
@@ -8062,7 +13763,45 @@
                       </a:r>
                     </a:p>
                   </a:txBody>
-                  <a:tcPr anchor="ctr"/>
+                  <a:tcPr anchor="ctr">
+                    <a:lnL w="12700" cap="flat" cmpd="sng" algn="ctr">
+                      <a:solidFill>
+                        <a:schemeClr val="tx1"/>
+                      </a:solidFill>
+                      <a:prstDash val="solid"/>
+                      <a:round/>
+                      <a:headEnd type="none" w="med" len="med"/>
+                      <a:tailEnd type="none" w="med" len="med"/>
+                    </a:lnL>
+                    <a:lnR w="12700" cap="flat" cmpd="sng" algn="ctr">
+                      <a:solidFill>
+                        <a:schemeClr val="tx1"/>
+                      </a:solidFill>
+                      <a:prstDash val="solid"/>
+                      <a:round/>
+                      <a:headEnd type="none" w="med" len="med"/>
+                      <a:tailEnd type="none" w="med" len="med"/>
+                    </a:lnR>
+                    <a:lnT w="12700" cap="flat" cmpd="sng" algn="ctr">
+                      <a:solidFill>
+                        <a:schemeClr val="tx1"/>
+                      </a:solidFill>
+                      <a:prstDash val="solid"/>
+                      <a:round/>
+                      <a:headEnd type="none" w="med" len="med"/>
+                      <a:tailEnd type="none" w="med" len="med"/>
+                    </a:lnT>
+                    <a:lnB w="12700" cap="flat" cmpd="sng" algn="ctr">
+                      <a:solidFill>
+                        <a:schemeClr val="tx1"/>
+                      </a:solidFill>
+                      <a:prstDash val="solid"/>
+                      <a:round/>
+                      <a:headEnd type="none" w="med" len="med"/>
+                      <a:tailEnd type="none" w="med" len="med"/>
+                    </a:lnB>
+                    <a:noFill/>
+                  </a:tcPr>
                 </a:tc>
                 <a:tc>
                   <a:txBody>
@@ -8070,6 +13809,9 @@
                     <a:lstStyle/>
                     <a:p>
                       <a:endParaRPr lang="ru-RU" sz="1100" b="1" dirty="0">
+                        <a:solidFill>
+                          <a:schemeClr val="tx1"/>
+                        </a:solidFill>
                         <a:effectLst>
                           <a:outerShdw blurRad="38100" dist="38100" dir="2700000" algn="tl">
                             <a:srgbClr val="000000">
@@ -8081,7 +13823,45 @@
                       </a:endParaRPr>
                     </a:p>
                   </a:txBody>
-                  <a:tcPr anchor="ctr"/>
+                  <a:tcPr anchor="ctr">
+                    <a:lnL w="12700" cap="flat" cmpd="sng" algn="ctr">
+                      <a:solidFill>
+                        <a:schemeClr val="tx1"/>
+                      </a:solidFill>
+                      <a:prstDash val="solid"/>
+                      <a:round/>
+                      <a:headEnd type="none" w="med" len="med"/>
+                      <a:tailEnd type="none" w="med" len="med"/>
+                    </a:lnL>
+                    <a:lnR w="12700" cap="flat" cmpd="sng" algn="ctr">
+                      <a:solidFill>
+                        <a:schemeClr val="tx1"/>
+                      </a:solidFill>
+                      <a:prstDash val="solid"/>
+                      <a:round/>
+                      <a:headEnd type="none" w="med" len="med"/>
+                      <a:tailEnd type="none" w="med" len="med"/>
+                    </a:lnR>
+                    <a:lnT w="12700" cap="flat" cmpd="sng" algn="ctr">
+                      <a:solidFill>
+                        <a:schemeClr val="tx1"/>
+                      </a:solidFill>
+                      <a:prstDash val="solid"/>
+                      <a:round/>
+                      <a:headEnd type="none" w="med" len="med"/>
+                      <a:tailEnd type="none" w="med" len="med"/>
+                    </a:lnT>
+                    <a:lnB w="12700" cap="flat" cmpd="sng" algn="ctr">
+                      <a:solidFill>
+                        <a:schemeClr val="tx1"/>
+                      </a:solidFill>
+                      <a:prstDash val="solid"/>
+                      <a:round/>
+                      <a:headEnd type="none" w="med" len="med"/>
+                      <a:tailEnd type="none" w="med" len="med"/>
+                    </a:lnB>
+                    <a:noFill/>
+                  </a:tcPr>
                 </a:tc>
                 <a:tc>
                   <a:txBody>
@@ -8089,6 +13869,9 @@
                     <a:lstStyle/>
                     <a:p>
                       <a:endParaRPr lang="ru-RU" sz="1100" b="1" dirty="0">
+                        <a:solidFill>
+                          <a:schemeClr val="tx1"/>
+                        </a:solidFill>
                         <a:effectLst>
                           <a:outerShdw blurRad="38100" dist="38100" dir="2700000" algn="tl">
                             <a:srgbClr val="000000">
@@ -8100,7 +13883,45 @@
                       </a:endParaRPr>
                     </a:p>
                   </a:txBody>
-                  <a:tcPr anchor="ctr"/>
+                  <a:tcPr anchor="ctr">
+                    <a:lnL w="12700" cap="flat" cmpd="sng" algn="ctr">
+                      <a:solidFill>
+                        <a:schemeClr val="tx1"/>
+                      </a:solidFill>
+                      <a:prstDash val="solid"/>
+                      <a:round/>
+                      <a:headEnd type="none" w="med" len="med"/>
+                      <a:tailEnd type="none" w="med" len="med"/>
+                    </a:lnL>
+                    <a:lnR w="12700" cap="flat" cmpd="sng" algn="ctr">
+                      <a:solidFill>
+                        <a:schemeClr val="tx1"/>
+                      </a:solidFill>
+                      <a:prstDash val="solid"/>
+                      <a:round/>
+                      <a:headEnd type="none" w="med" len="med"/>
+                      <a:tailEnd type="none" w="med" len="med"/>
+                    </a:lnR>
+                    <a:lnT w="12700" cap="flat" cmpd="sng" algn="ctr">
+                      <a:solidFill>
+                        <a:schemeClr val="tx1"/>
+                      </a:solidFill>
+                      <a:prstDash val="solid"/>
+                      <a:round/>
+                      <a:headEnd type="none" w="med" len="med"/>
+                      <a:tailEnd type="none" w="med" len="med"/>
+                    </a:lnT>
+                    <a:lnB w="12700" cap="flat" cmpd="sng" algn="ctr">
+                      <a:solidFill>
+                        <a:schemeClr val="tx1"/>
+                      </a:solidFill>
+                      <a:prstDash val="solid"/>
+                      <a:round/>
+                      <a:headEnd type="none" w="med" len="med"/>
+                      <a:tailEnd type="none" w="med" len="med"/>
+                    </a:lnB>
+                    <a:noFill/>
+                  </a:tcPr>
                 </a:tc>
                 <a:extLst>
                   <a:ext uri="{0D108BD9-81ED-4DB2-BD59-A6C34878D82A}">
@@ -8127,14 +13948,14 @@
           <p:nvPr>
             <p:extLst>
               <p:ext uri="{D42A27DB-BD31-4B8C-83A1-F6EECF244321}">
-                <p14:modId xmlns:p14="http://schemas.microsoft.com/office/powerpoint/2010/main" val="2313587600"/>
+                <p14:modId xmlns:p14="http://schemas.microsoft.com/office/powerpoint/2010/main" val="2173219816"/>
               </p:ext>
             </p:extLst>
           </p:nvPr>
         </p:nvGraphicFramePr>
         <p:xfrm>
-          <a:off x="-9145" y="9305544"/>
-          <a:ext cx="6864091" cy="487680"/>
+          <a:off x="0" y="9356344"/>
+          <a:ext cx="6854946" cy="478536"/>
         </p:xfrm>
         <a:graphic>
           <a:graphicData uri="http://schemas.openxmlformats.org/drawingml/2006/table">
@@ -8143,7 +13964,7 @@
                 <a:tableStyleId>{5C22544A-7EE6-4342-B048-85BDC9FD1C3A}</a:tableStyleId>
               </a:tblPr>
               <a:tblGrid>
-                <a:gridCol w="6864091">
+                <a:gridCol w="6854946">
                   <a:extLst>
                     <a:ext uri="{9D8B030D-6E8A-4147-A177-3AD203B41FA5}">
                       <a16:colId xmlns:a16="http://schemas.microsoft.com/office/drawing/2014/main" val="603335042"/>
@@ -8158,7 +13979,7 @@
                     <a:lstStyle/>
                     <a:p>
                       <a:r>
-                        <a:rPr lang="ru-RU" sz="1000" b="1" dirty="0">
+                        <a:rPr lang="ru-RU" sz="900" b="1" dirty="0">
                           <a:solidFill>
                             <a:srgbClr val="FF0000"/>
                           </a:solidFill>
@@ -8226,7 +14047,7 @@
                     <a:bodyPr/>
                     <a:lstStyle/>
                     <a:p>
-                      <a:endParaRPr lang="ru-RU" sz="1000" b="1" dirty="0">
+                      <a:endParaRPr lang="ru-RU" sz="900" b="1" dirty="0">
                         <a:effectLst>
                           <a:outerShdw blurRad="38100" dist="38100" dir="2700000" algn="tl">
                             <a:srgbClr val="000000">

--- a/ШАБЛОН.pptx
+++ b/ШАБЛОН.pptx
@@ -3051,7 +3051,7 @@
           <p:nvPr>
             <p:extLst>
               <p:ext uri="{D42A27DB-BD31-4B8C-83A1-F6EECF244321}">
-                <p14:modId xmlns:p14="http://schemas.microsoft.com/office/powerpoint/2010/main" val="1837970976"/>
+                <p14:modId xmlns:p14="http://schemas.microsoft.com/office/powerpoint/2010/main" val="2958888809"/>
               </p:ext>
             </p:extLst>
           </p:nvPr>
@@ -3118,7 +3118,7 @@
                     <a:p>
                       <a:pPr algn="ctr"/>
                       <a:r>
-                        <a:rPr lang="ru-RU" sz="1200" b="1" dirty="0">
+                        <a:rPr lang="ru-RU" sz="1100" b="1" dirty="0">
                           <a:solidFill>
                             <a:schemeClr val="tx1"/>
                           </a:solidFill>
@@ -3132,134 +3132,6 @@
                           <a:latin typeface="Aptos Narrow" panose="020B0004020202020204" pitchFamily="34" charset="0"/>
                         </a:rPr>
                         <a:t>Номер Отливки (модели)</a:t>
-                      </a:r>
-                    </a:p>
-                  </a:txBody>
-                  <a:tcPr anchor="ctr">
-                    <a:lnL w="28575" cap="flat" cmpd="sng" algn="ctr">
-                      <a:solidFill>
-                        <a:schemeClr val="tx1"/>
-                      </a:solidFill>
-                      <a:prstDash val="solid"/>
-                      <a:round/>
-                      <a:headEnd type="none" w="med" len="med"/>
-                      <a:tailEnd type="none" w="med" len="med"/>
-                    </a:lnL>
-                    <a:lnR w="28575" cap="flat" cmpd="sng" algn="ctr">
-                      <a:solidFill>
-                        <a:schemeClr val="tx1"/>
-                      </a:solidFill>
-                      <a:prstDash val="solid"/>
-                      <a:round/>
-                      <a:headEnd type="none" w="med" len="med"/>
-                      <a:tailEnd type="none" w="med" len="med"/>
-                    </a:lnR>
-                    <a:lnT w="28575" cap="flat" cmpd="sng" algn="ctr">
-                      <a:solidFill>
-                        <a:schemeClr val="tx1"/>
-                      </a:solidFill>
-                      <a:prstDash val="solid"/>
-                      <a:round/>
-                      <a:headEnd type="none" w="med" len="med"/>
-                      <a:tailEnd type="none" w="med" len="med"/>
-                    </a:lnT>
-                    <a:lnB w="28575" cap="flat" cmpd="sng" algn="ctr">
-                      <a:solidFill>
-                        <a:schemeClr val="tx1"/>
-                      </a:solidFill>
-                      <a:prstDash val="solid"/>
-                      <a:round/>
-                      <a:headEnd type="none" w="med" len="med"/>
-                      <a:tailEnd type="none" w="med" len="med"/>
-                    </a:lnB>
-                    <a:noFill/>
-                  </a:tcPr>
-                </a:tc>
-                <a:tc>
-                  <a:txBody>
-                    <a:bodyPr/>
-                    <a:lstStyle/>
-                    <a:p>
-                      <a:pPr algn="ctr"/>
-                      <a:r>
-                        <a:rPr lang="ru-RU" sz="1200" b="1" dirty="0">
-                          <a:solidFill>
-                            <a:schemeClr val="tx1"/>
-                          </a:solidFill>
-                          <a:effectLst>
-                            <a:outerShdw blurRad="38100" dist="38100" dir="2700000" algn="tl">
-                              <a:srgbClr val="000000">
-                                <a:alpha val="43137"/>
-                              </a:srgbClr>
-                            </a:outerShdw>
-                          </a:effectLst>
-                          <a:latin typeface="Aptos Narrow" panose="020B0004020202020204" pitchFamily="34" charset="0"/>
-                        </a:rPr>
-                        <a:t>Наименование  отливки (модели)</a:t>
-                      </a:r>
-                    </a:p>
-                  </a:txBody>
-                  <a:tcPr anchor="ctr">
-                    <a:lnL w="28575" cap="flat" cmpd="sng" algn="ctr">
-                      <a:solidFill>
-                        <a:schemeClr val="tx1"/>
-                      </a:solidFill>
-                      <a:prstDash val="solid"/>
-                      <a:round/>
-                      <a:headEnd type="none" w="med" len="med"/>
-                      <a:tailEnd type="none" w="med" len="med"/>
-                    </a:lnL>
-                    <a:lnR w="28575" cap="flat" cmpd="sng" algn="ctr">
-                      <a:solidFill>
-                        <a:schemeClr val="tx1"/>
-                      </a:solidFill>
-                      <a:prstDash val="solid"/>
-                      <a:round/>
-                      <a:headEnd type="none" w="med" len="med"/>
-                      <a:tailEnd type="none" w="med" len="med"/>
-                    </a:lnR>
-                    <a:lnT w="28575" cap="flat" cmpd="sng" algn="ctr">
-                      <a:solidFill>
-                        <a:schemeClr val="tx1"/>
-                      </a:solidFill>
-                      <a:prstDash val="solid"/>
-                      <a:round/>
-                      <a:headEnd type="none" w="med" len="med"/>
-                      <a:tailEnd type="none" w="med" len="med"/>
-                    </a:lnT>
-                    <a:lnB w="28575" cap="flat" cmpd="sng" algn="ctr">
-                      <a:solidFill>
-                        <a:schemeClr val="tx1"/>
-                      </a:solidFill>
-                      <a:prstDash val="solid"/>
-                      <a:round/>
-                      <a:headEnd type="none" w="med" len="med"/>
-                      <a:tailEnd type="none" w="med" len="med"/>
-                    </a:lnB>
-                    <a:noFill/>
-                  </a:tcPr>
-                </a:tc>
-                <a:tc>
-                  <a:txBody>
-                    <a:bodyPr/>
-                    <a:lstStyle/>
-                    <a:p>
-                      <a:pPr algn="ctr"/>
-                      <a:r>
-                        <a:rPr lang="ru-RU" sz="1200" b="1" dirty="0">
-                          <a:solidFill>
-                            <a:schemeClr val="tx1"/>
-                          </a:solidFill>
-                          <a:effectLst>
-                            <a:outerShdw blurRad="38100" dist="38100" dir="2700000" algn="tl">
-                              <a:srgbClr val="000000">
-                                <a:alpha val="43137"/>
-                              </a:srgbClr>
-                            </a:outerShdw>
-                          </a:effectLst>
-                          <a:latin typeface="Aptos Narrow" panose="020B0004020202020204" pitchFamily="34" charset="0"/>
-                        </a:rPr>
-                        <a:t>Тип эксперимента</a:t>
                       </a:r>
                     </a:p>
                   </a:txBody>
@@ -3323,7 +3195,7 @@
                           </a:effectLst>
                           <a:latin typeface="Aptos Narrow" panose="020B0004020202020204" pitchFamily="34" charset="0"/>
                         </a:rPr>
-                        <a:t>Номер кластера </a:t>
+                        <a:t>Наименование  отливки (модели)</a:t>
                       </a:r>
                     </a:p>
                   </a:txBody>
@@ -3375,6 +3247,134 @@
                       <a:pPr algn="ctr"/>
                       <a:r>
                         <a:rPr lang="ru-RU" sz="1100" b="1" dirty="0">
+                          <a:solidFill>
+                            <a:schemeClr val="tx1"/>
+                          </a:solidFill>
+                          <a:effectLst>
+                            <a:outerShdw blurRad="38100" dist="38100" dir="2700000" algn="tl">
+                              <a:srgbClr val="000000">
+                                <a:alpha val="43137"/>
+                              </a:srgbClr>
+                            </a:outerShdw>
+                          </a:effectLst>
+                          <a:latin typeface="Aptos Narrow" panose="020B0004020202020204" pitchFamily="34" charset="0"/>
+                        </a:rPr>
+                        <a:t>Тип литниковой системы</a:t>
+                      </a:r>
+                    </a:p>
+                  </a:txBody>
+                  <a:tcPr anchor="ctr">
+                    <a:lnL w="28575" cap="flat" cmpd="sng" algn="ctr">
+                      <a:solidFill>
+                        <a:schemeClr val="tx1"/>
+                      </a:solidFill>
+                      <a:prstDash val="solid"/>
+                      <a:round/>
+                      <a:headEnd type="none" w="med" len="med"/>
+                      <a:tailEnd type="none" w="med" len="med"/>
+                    </a:lnL>
+                    <a:lnR w="28575" cap="flat" cmpd="sng" algn="ctr">
+                      <a:solidFill>
+                        <a:schemeClr val="tx1"/>
+                      </a:solidFill>
+                      <a:prstDash val="solid"/>
+                      <a:round/>
+                      <a:headEnd type="none" w="med" len="med"/>
+                      <a:tailEnd type="none" w="med" len="med"/>
+                    </a:lnR>
+                    <a:lnT w="28575" cap="flat" cmpd="sng" algn="ctr">
+                      <a:solidFill>
+                        <a:schemeClr val="tx1"/>
+                      </a:solidFill>
+                      <a:prstDash val="solid"/>
+                      <a:round/>
+                      <a:headEnd type="none" w="med" len="med"/>
+                      <a:tailEnd type="none" w="med" len="med"/>
+                    </a:lnT>
+                    <a:lnB w="28575" cap="flat" cmpd="sng" algn="ctr">
+                      <a:solidFill>
+                        <a:schemeClr val="tx1"/>
+                      </a:solidFill>
+                      <a:prstDash val="solid"/>
+                      <a:round/>
+                      <a:headEnd type="none" w="med" len="med"/>
+                      <a:tailEnd type="none" w="med" len="med"/>
+                    </a:lnB>
+                    <a:noFill/>
+                  </a:tcPr>
+                </a:tc>
+                <a:tc>
+                  <a:txBody>
+                    <a:bodyPr/>
+                    <a:lstStyle/>
+                    <a:p>
+                      <a:pPr algn="ctr"/>
+                      <a:r>
+                        <a:rPr lang="ru-RU" sz="1050" b="1" dirty="0">
+                          <a:solidFill>
+                            <a:schemeClr val="tx1"/>
+                          </a:solidFill>
+                          <a:effectLst>
+                            <a:outerShdw blurRad="38100" dist="38100" dir="2700000" algn="tl">
+                              <a:srgbClr val="000000">
+                                <a:alpha val="43137"/>
+                              </a:srgbClr>
+                            </a:outerShdw>
+                          </a:effectLst>
+                          <a:latin typeface="Aptos Narrow" panose="020B0004020202020204" pitchFamily="34" charset="0"/>
+                        </a:rPr>
+                        <a:t>Номер кластера </a:t>
+                      </a:r>
+                    </a:p>
+                  </a:txBody>
+                  <a:tcPr anchor="ctr">
+                    <a:lnL w="28575" cap="flat" cmpd="sng" algn="ctr">
+                      <a:solidFill>
+                        <a:schemeClr val="tx1"/>
+                      </a:solidFill>
+                      <a:prstDash val="solid"/>
+                      <a:round/>
+                      <a:headEnd type="none" w="med" len="med"/>
+                      <a:tailEnd type="none" w="med" len="med"/>
+                    </a:lnL>
+                    <a:lnR w="28575" cap="flat" cmpd="sng" algn="ctr">
+                      <a:solidFill>
+                        <a:schemeClr val="tx1"/>
+                      </a:solidFill>
+                      <a:prstDash val="solid"/>
+                      <a:round/>
+                      <a:headEnd type="none" w="med" len="med"/>
+                      <a:tailEnd type="none" w="med" len="med"/>
+                    </a:lnR>
+                    <a:lnT w="28575" cap="flat" cmpd="sng" algn="ctr">
+                      <a:solidFill>
+                        <a:schemeClr val="tx1"/>
+                      </a:solidFill>
+                      <a:prstDash val="solid"/>
+                      <a:round/>
+                      <a:headEnd type="none" w="med" len="med"/>
+                      <a:tailEnd type="none" w="med" len="med"/>
+                    </a:lnT>
+                    <a:lnB w="28575" cap="flat" cmpd="sng" algn="ctr">
+                      <a:solidFill>
+                        <a:schemeClr val="tx1"/>
+                      </a:solidFill>
+                      <a:prstDash val="solid"/>
+                      <a:round/>
+                      <a:headEnd type="none" w="med" len="med"/>
+                      <a:tailEnd type="none" w="med" len="med"/>
+                    </a:lnB>
+                    <a:noFill/>
+                  </a:tcPr>
+                </a:tc>
+                <a:tc>
+                  <a:txBody>
+                    <a:bodyPr/>
+                    <a:lstStyle/>
+                    <a:p>
+                      <a:pPr algn="ctr"/>
+                      <a:r>
+                        <a:rPr lang="ru-RU" sz="1050" b="1" dirty="0">
                           <a:solidFill>
                             <a:schemeClr val="tx1"/>
                           </a:solidFill>

--- a/ШАБЛОН.pptx
+++ b/ШАБЛОН.pptx
@@ -254,7 +254,7 @@
           <a:p>
             <a:fld id="{4AAD347D-5ACD-4C99-B74B-A9C85AD731AF}" type="datetimeFigureOut">
               <a:rPr lang="en-US" smtClean="0"/>
-              <a:t>3/14/2025</a:t>
+              <a:t>3/24/2025</a:t>
             </a:fld>
             <a:endParaRPr lang="en-US" dirty="0"/>
           </a:p>
@@ -424,7 +424,7 @@
           <a:p>
             <a:fld id="{4509A250-FF31-4206-8172-F9D3106AACB1}" type="datetimeFigureOut">
               <a:rPr lang="en-US" smtClean="0"/>
-              <a:t>3/14/2025</a:t>
+              <a:t>3/24/2025</a:t>
             </a:fld>
             <a:endParaRPr lang="en-US" dirty="0"/>
           </a:p>
@@ -604,7 +604,7 @@
           <a:p>
             <a:fld id="{4509A250-FF31-4206-8172-F9D3106AACB1}" type="datetimeFigureOut">
               <a:rPr lang="en-US" smtClean="0"/>
-              <a:t>3/14/2025</a:t>
+              <a:t>3/24/2025</a:t>
             </a:fld>
             <a:endParaRPr lang="en-US" dirty="0"/>
           </a:p>
@@ -774,7 +774,7 @@
           <a:p>
             <a:fld id="{9796027F-7875-4030-9381-8BD8C4F21935}" type="datetimeFigureOut">
               <a:rPr lang="en-US" smtClean="0"/>
-              <a:t>3/14/2025</a:t>
+              <a:t>3/24/2025</a:t>
             </a:fld>
             <a:endParaRPr lang="en-US" dirty="0"/>
           </a:p>
@@ -1018,7 +1018,7 @@
           <a:p>
             <a:fld id="{9796027F-7875-4030-9381-8BD8C4F21935}" type="datetimeFigureOut">
               <a:rPr lang="en-US" smtClean="0"/>
-              <a:t>3/14/2025</a:t>
+              <a:t>3/24/2025</a:t>
             </a:fld>
             <a:endParaRPr lang="en-US" dirty="0"/>
           </a:p>
@@ -1250,7 +1250,7 @@
           <a:p>
             <a:fld id="{9796027F-7875-4030-9381-8BD8C4F21935}" type="datetimeFigureOut">
               <a:rPr lang="en-US" smtClean="0"/>
-              <a:t>3/14/2025</a:t>
+              <a:t>3/24/2025</a:t>
             </a:fld>
             <a:endParaRPr lang="en-US" dirty="0"/>
           </a:p>
@@ -1617,7 +1617,7 @@
           <a:p>
             <a:fld id="{9796027F-7875-4030-9381-8BD8C4F21935}" type="datetimeFigureOut">
               <a:rPr lang="en-US" smtClean="0"/>
-              <a:t>3/14/2025</a:t>
+              <a:t>3/24/2025</a:t>
             </a:fld>
             <a:endParaRPr lang="en-US" dirty="0"/>
           </a:p>
@@ -1735,7 +1735,7 @@
           <a:p>
             <a:fld id="{4509A250-FF31-4206-8172-F9D3106AACB1}" type="datetimeFigureOut">
               <a:rPr lang="en-US" smtClean="0"/>
-              <a:t>3/14/2025</a:t>
+              <a:t>3/24/2025</a:t>
             </a:fld>
             <a:endParaRPr lang="en-US" dirty="0"/>
           </a:p>
@@ -1830,7 +1830,7 @@
           <a:p>
             <a:fld id="{4509A250-FF31-4206-8172-F9D3106AACB1}" type="datetimeFigureOut">
               <a:rPr lang="en-US" smtClean="0"/>
-              <a:t>3/14/2025</a:t>
+              <a:t>3/24/2025</a:t>
             </a:fld>
             <a:endParaRPr lang="en-US" dirty="0"/>
           </a:p>
@@ -2107,7 +2107,7 @@
           <a:p>
             <a:fld id="{4509A250-FF31-4206-8172-F9D3106AACB1}" type="datetimeFigureOut">
               <a:rPr lang="en-US" smtClean="0"/>
-              <a:t>3/14/2025</a:t>
+              <a:t>3/24/2025</a:t>
             </a:fld>
             <a:endParaRPr lang="en-US" dirty="0"/>
           </a:p>
@@ -2364,7 +2364,7 @@
           <a:p>
             <a:fld id="{4509A250-FF31-4206-8172-F9D3106AACB1}" type="datetimeFigureOut">
               <a:rPr lang="en-US" smtClean="0"/>
-              <a:t>3/14/2025</a:t>
+              <a:t>3/24/2025</a:t>
             </a:fld>
             <a:endParaRPr lang="en-US" dirty="0"/>
           </a:p>
@@ -2577,7 +2577,7 @@
           <a:p>
             <a:fld id="{4AAD347D-5ACD-4C99-B74B-A9C85AD731AF}" type="datetimeFigureOut">
               <a:rPr lang="en-US" smtClean="0"/>
-              <a:t>3/14/2025</a:t>
+              <a:t>3/24/2025</a:t>
             </a:fld>
             <a:endParaRPr lang="en-US" dirty="0"/>
           </a:p>
@@ -2997,7 +2997,7 @@
         </p:nvSpPr>
         <p:spPr>
           <a:xfrm>
-            <a:off x="622522" y="0"/>
+            <a:off x="695674" y="0"/>
             <a:ext cx="3979231" cy="584775"/>
           </a:xfrm>
           <a:prstGeom prst="rect">
